--- a/PPT/structure.pptx
+++ b/PPT/structure.pptx
@@ -5,12 +5,25 @@
     <p:sldMasterId id="2147483660" r:id="rId1"/>
   </p:sldMasterIdLst>
   <p:notesMasterIdLst>
-    <p:notesMasterId r:id="rId5"/>
+    <p:notesMasterId r:id="rId18"/>
   </p:notesMasterIdLst>
   <p:sldIdLst>
     <p:sldId id="256" r:id="rId2"/>
     <p:sldId id="257" r:id="rId3"/>
     <p:sldId id="258" r:id="rId4"/>
+    <p:sldId id="264" r:id="rId5"/>
+    <p:sldId id="259" r:id="rId6"/>
+    <p:sldId id="260" r:id="rId7"/>
+    <p:sldId id="261" r:id="rId8"/>
+    <p:sldId id="262" r:id="rId9"/>
+    <p:sldId id="263" r:id="rId10"/>
+    <p:sldId id="266" r:id="rId11"/>
+    <p:sldId id="265" r:id="rId12"/>
+    <p:sldId id="268" r:id="rId13"/>
+    <p:sldId id="267" r:id="rId14"/>
+    <p:sldId id="269" r:id="rId15"/>
+    <p:sldId id="270" r:id="rId16"/>
+    <p:sldId id="271" r:id="rId17"/>
   </p:sldIdLst>
   <p:sldSz cx="9144000" cy="6858000" type="screen4x3"/>
   <p:notesSz cx="6858000" cy="9144000"/>
@@ -194,7 +207,7 @@
           <a:p>
             <a:fld id="{C1B8E64C-0EDD-4C93-95A2-E8C52A5645D1}" type="datetimeFigureOut">
               <a:rPr lang="en-US" smtClean="0"/>
-              <a:t>07-Nov-20</a:t>
+              <a:t>09-Nov-20</a:t>
             </a:fld>
             <a:endParaRPr lang="en-US"/>
           </a:p>
@@ -574,7 +587,7 @@
             <a:fld id="{1D8BD707-D9CF-40AE-B4C6-C98DA3205C09}" type="datetimeFigureOut">
               <a:rPr lang="en-US" smtClean="0"/>
               <a:pPr/>
-              <a:t>07-Nov-20</a:t>
+              <a:t>09-Nov-20</a:t>
             </a:fld>
             <a:endParaRPr lang="en-US"/>
           </a:p>
@@ -802,7 +815,7 @@
             <a:fld id="{1D8BD707-D9CF-40AE-B4C6-C98DA3205C09}" type="datetimeFigureOut">
               <a:rPr lang="en-US" smtClean="0"/>
               <a:pPr/>
-              <a:t>07-Nov-20</a:t>
+              <a:t>09-Nov-20</a:t>
             </a:fld>
             <a:endParaRPr lang="en-US"/>
           </a:p>
@@ -979,7 +992,7 @@
             <a:fld id="{1D8BD707-D9CF-40AE-B4C6-C98DA3205C09}" type="datetimeFigureOut">
               <a:rPr lang="en-US" smtClean="0"/>
               <a:pPr/>
-              <a:t>07-Nov-20</a:t>
+              <a:t>09-Nov-20</a:t>
             </a:fld>
             <a:endParaRPr lang="en-US"/>
           </a:p>
@@ -1146,7 +1159,7 @@
             <a:fld id="{1D8BD707-D9CF-40AE-B4C6-C98DA3205C09}" type="datetimeFigureOut">
               <a:rPr lang="en-US" smtClean="0"/>
               <a:pPr/>
-              <a:t>07-Nov-20</a:t>
+              <a:t>09-Nov-20</a:t>
             </a:fld>
             <a:endParaRPr lang="en-US"/>
           </a:p>
@@ -1392,7 +1405,7 @@
             <a:fld id="{1D8BD707-D9CF-40AE-B4C6-C98DA3205C09}" type="datetimeFigureOut">
               <a:rPr lang="en-US" smtClean="0"/>
               <a:pPr/>
-              <a:t>07-Nov-20</a:t>
+              <a:t>09-Nov-20</a:t>
             </a:fld>
             <a:endParaRPr lang="en-US"/>
           </a:p>
@@ -1658,7 +1671,7 @@
             <a:fld id="{1D8BD707-D9CF-40AE-B4C6-C98DA3205C09}" type="datetimeFigureOut">
               <a:rPr lang="en-US" smtClean="0"/>
               <a:pPr/>
-              <a:t>07-Nov-20</a:t>
+              <a:t>09-Nov-20</a:t>
             </a:fld>
             <a:endParaRPr lang="en-US"/>
           </a:p>
@@ -2034,7 +2047,7 @@
             <a:fld id="{1D8BD707-D9CF-40AE-B4C6-C98DA3205C09}" type="datetimeFigureOut">
               <a:rPr lang="en-US" smtClean="0"/>
               <a:pPr/>
-              <a:t>07-Nov-20</a:t>
+              <a:t>09-Nov-20</a:t>
             </a:fld>
             <a:endParaRPr lang="en-US"/>
           </a:p>
@@ -2149,7 +2162,7 @@
             <a:fld id="{1D8BD707-D9CF-40AE-B4C6-C98DA3205C09}" type="datetimeFigureOut">
               <a:rPr lang="en-US" smtClean="0"/>
               <a:pPr/>
-              <a:t>07-Nov-20</a:t>
+              <a:t>09-Nov-20</a:t>
             </a:fld>
             <a:endParaRPr lang="en-US"/>
           </a:p>
@@ -2241,7 +2254,7 @@
             <a:fld id="{1D8BD707-D9CF-40AE-B4C6-C98DA3205C09}" type="datetimeFigureOut">
               <a:rPr lang="en-US" smtClean="0"/>
               <a:pPr/>
-              <a:t>07-Nov-20</a:t>
+              <a:t>09-Nov-20</a:t>
             </a:fld>
             <a:endParaRPr lang="en-US"/>
           </a:p>
@@ -2501,7 +2514,7 @@
             <a:fld id="{1D8BD707-D9CF-40AE-B4C6-C98DA3205C09}" type="datetimeFigureOut">
               <a:rPr lang="en-US" smtClean="0"/>
               <a:pPr/>
-              <a:t>07-Nov-20</a:t>
+              <a:t>09-Nov-20</a:t>
             </a:fld>
             <a:endParaRPr lang="en-US"/>
           </a:p>
@@ -2767,7 +2780,7 @@
             <a:fld id="{1D8BD707-D9CF-40AE-B4C6-C98DA3205C09}" type="datetimeFigureOut">
               <a:rPr lang="en-US" smtClean="0"/>
               <a:pPr/>
-              <a:t>07-Nov-20</a:t>
+              <a:t>09-Nov-20</a:t>
             </a:fld>
             <a:endParaRPr lang="en-US"/>
           </a:p>
@@ -2986,7 +2999,7 @@
             <a:fld id="{1D8BD707-D9CF-40AE-B4C6-C98DA3205C09}" type="datetimeFigureOut">
               <a:rPr lang="en-US" smtClean="0"/>
               <a:pPr/>
-              <a:t>07-Nov-20</a:t>
+              <a:t>09-Nov-20</a:t>
             </a:fld>
             <a:endParaRPr lang="en-US"/>
           </a:p>
@@ -3460,6 +3473,2299 @@
 </p:sld>
 </file>
 
+<file path=ppt/slides/slide10.xml><?xml version="1.0" encoding="utf-8"?>
+<p:sld xmlns:a="http://schemas.openxmlformats.org/drawingml/2006/main" xmlns:r="http://schemas.openxmlformats.org/officeDocument/2006/relationships" xmlns:p="http://schemas.openxmlformats.org/presentationml/2006/main">
+  <p:cSld>
+    <p:spTree>
+      <p:nvGrpSpPr>
+        <p:cNvPr id="1" name=""/>
+        <p:cNvGrpSpPr/>
+        <p:nvPr/>
+      </p:nvGrpSpPr>
+      <p:grpSpPr>
+        <a:xfrm>
+          <a:off x="0" y="0"/>
+          <a:ext cx="0" cy="0"/>
+          <a:chOff x="0" y="0"/>
+          <a:chExt cx="0" cy="0"/>
+        </a:xfrm>
+      </p:grpSpPr>
+      <p:sp>
+        <p:nvSpPr>
+          <p:cNvPr id="2" name="Title 1"/>
+          <p:cNvSpPr>
+            <a:spLocks noGrp="1"/>
+          </p:cNvSpPr>
+          <p:nvPr>
+            <p:ph type="title"/>
+          </p:nvPr>
+        </p:nvSpPr>
+        <p:spPr/>
+        <p:txBody>
+          <a:bodyPr/>
+          <a:lstStyle/>
+          <a:p>
+            <a:r>
+              <a:rPr lang="en-US" dirty="0" smtClean="0"/>
+              <a:t>Size of </a:t>
+            </a:r>
+            <a:r>
+              <a:rPr lang="en-US" dirty="0" err="1" smtClean="0"/>
+              <a:t>struct</a:t>
+            </a:r>
+            <a:r>
+              <a:rPr lang="en-US" dirty="0" smtClean="0"/>
+              <a:t> and union</a:t>
+            </a:r>
+            <a:endParaRPr lang="en-US" dirty="0"/>
+          </a:p>
+        </p:txBody>
+      </p:sp>
+      <p:sp>
+        <p:nvSpPr>
+          <p:cNvPr id="3" name="Content Placeholder 2"/>
+          <p:cNvSpPr>
+            <a:spLocks noGrp="1"/>
+          </p:cNvSpPr>
+          <p:nvPr>
+            <p:ph idx="1"/>
+          </p:nvPr>
+        </p:nvSpPr>
+        <p:spPr/>
+        <p:txBody>
+          <a:bodyPr>
+            <a:normAutofit fontScale="85000" lnSpcReduction="20000"/>
+          </a:bodyPr>
+          <a:lstStyle/>
+          <a:p>
+            <a:pPr marL="137160" indent="0">
+              <a:buNone/>
+            </a:pPr>
+            <a:r>
+              <a:rPr lang="en-US" dirty="0" err="1"/>
+              <a:t>struct</a:t>
+            </a:r>
+            <a:r>
+              <a:rPr lang="en-US" dirty="0"/>
+              <a:t> </a:t>
+            </a:r>
+            <a:r>
+              <a:rPr lang="en-US" dirty="0" smtClean="0"/>
+              <a:t>a</a:t>
+            </a:r>
+          </a:p>
+          <a:p>
+            <a:pPr marL="137160" indent="0">
+              <a:buNone/>
+            </a:pPr>
+            <a:r>
+              <a:rPr lang="en-US" dirty="0" smtClean="0"/>
+              <a:t>{    </a:t>
+            </a:r>
+            <a:r>
+              <a:rPr lang="en-US" dirty="0" err="1"/>
+              <a:t>int</a:t>
+            </a:r>
+            <a:r>
+              <a:rPr lang="en-US" dirty="0"/>
+              <a:t> a;    </a:t>
+            </a:r>
+            <a:endParaRPr lang="en-US" dirty="0" smtClean="0"/>
+          </a:p>
+          <a:p>
+            <a:pPr marL="457200" lvl="1" indent="0">
+              <a:buNone/>
+            </a:pPr>
+            <a:r>
+              <a:rPr lang="en-US" dirty="0" smtClean="0"/>
+              <a:t>union    </a:t>
+            </a:r>
+          </a:p>
+          <a:p>
+            <a:pPr marL="457200" lvl="1" indent="0">
+              <a:buNone/>
+            </a:pPr>
+            <a:r>
+              <a:rPr lang="en-US" dirty="0" smtClean="0"/>
+              <a:t>{        </a:t>
+            </a:r>
+          </a:p>
+          <a:p>
+            <a:pPr marL="457200" lvl="1" indent="0">
+              <a:buNone/>
+            </a:pPr>
+            <a:r>
+              <a:rPr lang="en-US" dirty="0" smtClean="0"/>
+              <a:t>	</a:t>
+            </a:r>
+            <a:r>
+              <a:rPr lang="en-US" dirty="0" err="1" smtClean="0"/>
+              <a:t>int</a:t>
+            </a:r>
+            <a:r>
+              <a:rPr lang="en-US" dirty="0" smtClean="0"/>
+              <a:t> </a:t>
+            </a:r>
+            <a:r>
+              <a:rPr lang="en-US" dirty="0"/>
+              <a:t>b;     </a:t>
+            </a:r>
+            <a:endParaRPr lang="en-US" dirty="0" smtClean="0"/>
+          </a:p>
+          <a:p>
+            <a:pPr marL="457200" lvl="1" indent="0">
+              <a:buNone/>
+            </a:pPr>
+            <a:r>
+              <a:rPr lang="en-US" dirty="0" smtClean="0"/>
+              <a:t>   	</a:t>
+            </a:r>
+            <a:r>
+              <a:rPr lang="en-US" dirty="0" err="1" smtClean="0"/>
+              <a:t>int</a:t>
+            </a:r>
+            <a:r>
+              <a:rPr lang="en-US" dirty="0" smtClean="0"/>
+              <a:t> </a:t>
+            </a:r>
+            <a:r>
+              <a:rPr lang="en-US" dirty="0"/>
+              <a:t>c; </a:t>
+            </a:r>
+            <a:endParaRPr lang="en-US" dirty="0" smtClean="0"/>
+          </a:p>
+          <a:p>
+            <a:pPr marL="457200" lvl="1" indent="0">
+              <a:buNone/>
+            </a:pPr>
+            <a:r>
+              <a:rPr lang="en-US" dirty="0"/>
+              <a:t>	</a:t>
+            </a:r>
+            <a:r>
+              <a:rPr lang="en-US" dirty="0" smtClean="0"/>
+              <a:t>double f;  </a:t>
+            </a:r>
+          </a:p>
+          <a:p>
+            <a:pPr marL="457200" lvl="1" indent="0">
+              <a:buNone/>
+            </a:pPr>
+            <a:r>
+              <a:rPr lang="en-US" dirty="0" smtClean="0"/>
+              <a:t> };</a:t>
+            </a:r>
+          </a:p>
+          <a:p>
+            <a:pPr marL="137160" indent="0">
+              <a:buNone/>
+            </a:pPr>
+            <a:r>
+              <a:rPr lang="en-US" dirty="0" smtClean="0"/>
+              <a:t>}</a:t>
+            </a:r>
+            <a:r>
+              <a:rPr lang="en-US" dirty="0"/>
+              <a:t>o</a:t>
+            </a:r>
+            <a:r>
+              <a:rPr lang="en-US" dirty="0" smtClean="0"/>
+              <a:t>;</a:t>
+            </a:r>
+          </a:p>
+          <a:p>
+            <a:pPr marL="137160" indent="0">
+              <a:buNone/>
+            </a:pPr>
+            <a:r>
+              <a:rPr lang="en-US" dirty="0" err="1" smtClean="0"/>
+              <a:t>int</a:t>
+            </a:r>
+            <a:r>
+              <a:rPr lang="en-US" dirty="0" smtClean="0"/>
+              <a:t> </a:t>
+            </a:r>
+            <a:r>
+              <a:rPr lang="en-US" dirty="0"/>
+              <a:t>main</a:t>
+            </a:r>
+            <a:r>
+              <a:rPr lang="en-US" dirty="0" smtClean="0"/>
+              <a:t>()</a:t>
+            </a:r>
+          </a:p>
+          <a:p>
+            <a:pPr marL="137160" indent="0">
+              <a:buNone/>
+            </a:pPr>
+            <a:r>
+              <a:rPr lang="en-US" dirty="0" smtClean="0"/>
+              <a:t>{    </a:t>
+            </a:r>
+          </a:p>
+          <a:p>
+            <a:pPr marL="457200" lvl="1" indent="0">
+              <a:buNone/>
+            </a:pPr>
+            <a:r>
+              <a:rPr lang="en-US" dirty="0" err="1" smtClean="0"/>
+              <a:t>printf</a:t>
+            </a:r>
+            <a:r>
+              <a:rPr lang="en-US" dirty="0"/>
+              <a:t>("%d",</a:t>
+            </a:r>
+            <a:r>
+              <a:rPr lang="en-US" dirty="0" err="1"/>
+              <a:t>sizeof</a:t>
+            </a:r>
+            <a:r>
+              <a:rPr lang="en-US" dirty="0"/>
+              <a:t>(o));   </a:t>
+            </a:r>
+            <a:r>
+              <a:rPr lang="en-US" dirty="0" smtClean="0"/>
+              <a:t>//</a:t>
+            </a:r>
+            <a:r>
+              <a:rPr lang="en-US" dirty="0" err="1" smtClean="0"/>
+              <a:t>ans</a:t>
+            </a:r>
+            <a:r>
+              <a:rPr lang="en-US" dirty="0" smtClean="0"/>
+              <a:t>=16</a:t>
+            </a:r>
+          </a:p>
+          <a:p>
+            <a:pPr marL="457200" lvl="1" indent="0">
+              <a:buNone/>
+            </a:pPr>
+            <a:r>
+              <a:rPr lang="en-US" dirty="0" smtClean="0"/>
+              <a:t>return </a:t>
+            </a:r>
+            <a:r>
+              <a:rPr lang="en-US" dirty="0"/>
+              <a:t>0</a:t>
+            </a:r>
+            <a:r>
+              <a:rPr lang="en-US" dirty="0" smtClean="0"/>
+              <a:t>;</a:t>
+            </a:r>
+          </a:p>
+          <a:p>
+            <a:pPr marL="137160" indent="0">
+              <a:buNone/>
+            </a:pPr>
+            <a:r>
+              <a:rPr lang="en-US" dirty="0" smtClean="0"/>
+              <a:t>}</a:t>
+            </a:r>
+            <a:endParaRPr lang="en-US" dirty="0"/>
+          </a:p>
+        </p:txBody>
+      </p:sp>
+    </p:spTree>
+    <p:extLst>
+      <p:ext uri="{BB962C8B-B14F-4D97-AF65-F5344CB8AC3E}">
+        <p14:creationId xmlns:p14="http://schemas.microsoft.com/office/powerpoint/2010/main" val="3894316525"/>
+      </p:ext>
+    </p:extLst>
+  </p:cSld>
+  <p:clrMapOvr>
+    <a:masterClrMapping/>
+  </p:clrMapOvr>
+</p:sld>
+</file>
+
+<file path=ppt/slides/slide11.xml><?xml version="1.0" encoding="utf-8"?>
+<p:sld xmlns:a="http://schemas.openxmlformats.org/drawingml/2006/main" xmlns:r="http://schemas.openxmlformats.org/officeDocument/2006/relationships" xmlns:p="http://schemas.openxmlformats.org/presentationml/2006/main">
+  <p:cSld>
+    <p:spTree>
+      <p:nvGrpSpPr>
+        <p:cNvPr id="1" name=""/>
+        <p:cNvGrpSpPr/>
+        <p:nvPr/>
+      </p:nvGrpSpPr>
+      <p:grpSpPr>
+        <a:xfrm>
+          <a:off x="0" y="0"/>
+          <a:ext cx="0" cy="0"/>
+          <a:chOff x="0" y="0"/>
+          <a:chExt cx="0" cy="0"/>
+        </a:xfrm>
+      </p:grpSpPr>
+      <p:sp>
+        <p:nvSpPr>
+          <p:cNvPr id="2" name="Title 1"/>
+          <p:cNvSpPr>
+            <a:spLocks noGrp="1"/>
+          </p:cNvSpPr>
+          <p:nvPr>
+            <p:ph type="title"/>
+          </p:nvPr>
+        </p:nvSpPr>
+        <p:spPr>
+          <a:xfrm>
+            <a:off x="457200" y="-152400"/>
+            <a:ext cx="8229600" cy="762000"/>
+          </a:xfrm>
+        </p:spPr>
+        <p:txBody>
+          <a:bodyPr/>
+          <a:lstStyle/>
+          <a:p>
+            <a:r>
+              <a:rPr lang="en-US" dirty="0" err="1" smtClean="0"/>
+              <a:t>Struct</a:t>
+            </a:r>
+            <a:r>
+              <a:rPr lang="en-US" dirty="0" smtClean="0"/>
+              <a:t> padding</a:t>
+            </a:r>
+            <a:endParaRPr lang="en-US" dirty="0"/>
+          </a:p>
+        </p:txBody>
+      </p:sp>
+      <p:sp>
+        <p:nvSpPr>
+          <p:cNvPr id="3" name="Content Placeholder 2"/>
+          <p:cNvSpPr>
+            <a:spLocks noGrp="1"/>
+          </p:cNvSpPr>
+          <p:nvPr>
+            <p:ph idx="1"/>
+          </p:nvPr>
+        </p:nvSpPr>
+        <p:spPr>
+          <a:xfrm>
+            <a:off x="457200" y="609600"/>
+            <a:ext cx="8229600" cy="6400800"/>
+          </a:xfrm>
+        </p:spPr>
+        <p:txBody>
+          <a:bodyPr>
+            <a:normAutofit fontScale="47500" lnSpcReduction="20000"/>
+          </a:bodyPr>
+          <a:lstStyle/>
+          <a:p>
+            <a:pPr marL="137160" indent="0">
+              <a:buNone/>
+            </a:pPr>
+            <a:endParaRPr lang="en-US" dirty="0"/>
+          </a:p>
+          <a:p>
+            <a:pPr marL="137160" indent="0">
+              <a:buNone/>
+            </a:pPr>
+            <a:r>
+              <a:rPr lang="en-US" dirty="0"/>
+              <a:t>// structure A </a:t>
+            </a:r>
+          </a:p>
+          <a:p>
+            <a:pPr marL="137160" indent="0">
+              <a:buNone/>
+            </a:pPr>
+            <a:r>
+              <a:rPr lang="en-US" dirty="0" err="1"/>
+              <a:t>typedef</a:t>
+            </a:r>
+            <a:r>
+              <a:rPr lang="en-US" dirty="0"/>
+              <a:t> </a:t>
+            </a:r>
+            <a:r>
+              <a:rPr lang="en-US" dirty="0" err="1"/>
+              <a:t>struct</a:t>
+            </a:r>
+            <a:r>
+              <a:rPr lang="en-US" dirty="0"/>
+              <a:t> </a:t>
+            </a:r>
+            <a:r>
+              <a:rPr lang="en-US" dirty="0" err="1"/>
+              <a:t>structa_tag</a:t>
+            </a:r>
+            <a:r>
+              <a:rPr lang="en-US" dirty="0"/>
+              <a:t> </a:t>
+            </a:r>
+          </a:p>
+          <a:p>
+            <a:pPr marL="137160" indent="0">
+              <a:buNone/>
+            </a:pPr>
+            <a:r>
+              <a:rPr lang="en-US" dirty="0"/>
+              <a:t>{ </a:t>
+            </a:r>
+          </a:p>
+          <a:p>
+            <a:pPr marL="457200" lvl="1" indent="0">
+              <a:buNone/>
+            </a:pPr>
+            <a:r>
+              <a:rPr lang="en-US" dirty="0"/>
+              <a:t>char    c; </a:t>
+            </a:r>
+          </a:p>
+          <a:p>
+            <a:pPr marL="457200" lvl="1" indent="0">
+              <a:buNone/>
+            </a:pPr>
+            <a:r>
+              <a:rPr lang="en-US" dirty="0"/>
+              <a:t>short </a:t>
+            </a:r>
+            <a:r>
+              <a:rPr lang="en-US" dirty="0" err="1"/>
+              <a:t>int</a:t>
+            </a:r>
+            <a:r>
+              <a:rPr lang="en-US" dirty="0"/>
+              <a:t>  s; </a:t>
+            </a:r>
+          </a:p>
+          <a:p>
+            <a:pPr marL="137160" indent="0">
+              <a:buNone/>
+            </a:pPr>
+            <a:r>
+              <a:rPr lang="en-US" dirty="0"/>
+              <a:t>} </a:t>
+            </a:r>
+            <a:r>
+              <a:rPr lang="en-US" dirty="0" err="1"/>
+              <a:t>structa_t</a:t>
+            </a:r>
+            <a:r>
+              <a:rPr lang="en-US" dirty="0"/>
+              <a:t>; </a:t>
+            </a:r>
+            <a:r>
+              <a:rPr lang="en-US" dirty="0" smtClean="0"/>
+              <a:t>  //</a:t>
+            </a:r>
+            <a:r>
+              <a:rPr lang="en-US" dirty="0" err="1" smtClean="0"/>
+              <a:t>ans</a:t>
+            </a:r>
+            <a:r>
+              <a:rPr lang="en-US" dirty="0" smtClean="0"/>
+              <a:t>=4</a:t>
+            </a:r>
+            <a:endParaRPr lang="en-US" dirty="0"/>
+          </a:p>
+          <a:p>
+            <a:pPr marL="137160" indent="0">
+              <a:buNone/>
+            </a:pPr>
+            <a:endParaRPr lang="en-US" dirty="0"/>
+          </a:p>
+          <a:p>
+            <a:pPr marL="137160" indent="0">
+              <a:buNone/>
+            </a:pPr>
+            <a:r>
+              <a:rPr lang="en-US" dirty="0"/>
+              <a:t>// structure B </a:t>
+            </a:r>
+          </a:p>
+          <a:p>
+            <a:pPr marL="137160" indent="0">
+              <a:buNone/>
+            </a:pPr>
+            <a:r>
+              <a:rPr lang="en-US" dirty="0" err="1"/>
+              <a:t>typedef</a:t>
+            </a:r>
+            <a:r>
+              <a:rPr lang="en-US" dirty="0"/>
+              <a:t> </a:t>
+            </a:r>
+            <a:r>
+              <a:rPr lang="en-US" dirty="0" err="1"/>
+              <a:t>struct</a:t>
+            </a:r>
+            <a:r>
+              <a:rPr lang="en-US" dirty="0"/>
+              <a:t> </a:t>
+            </a:r>
+            <a:r>
+              <a:rPr lang="en-US" dirty="0" err="1"/>
+              <a:t>structb_tag</a:t>
+            </a:r>
+            <a:r>
+              <a:rPr lang="en-US" dirty="0"/>
+              <a:t> </a:t>
+            </a:r>
+          </a:p>
+          <a:p>
+            <a:pPr marL="137160" indent="0">
+              <a:buNone/>
+            </a:pPr>
+            <a:r>
+              <a:rPr lang="en-US" dirty="0"/>
+              <a:t>{ </a:t>
+            </a:r>
+          </a:p>
+          <a:p>
+            <a:pPr marL="457200" lvl="1" indent="0">
+              <a:buNone/>
+            </a:pPr>
+            <a:r>
+              <a:rPr lang="en-US" dirty="0"/>
+              <a:t>short </a:t>
+            </a:r>
+            <a:r>
+              <a:rPr lang="en-US" dirty="0" err="1"/>
+              <a:t>int</a:t>
+            </a:r>
+            <a:r>
+              <a:rPr lang="en-US" dirty="0"/>
+              <a:t>  s; </a:t>
+            </a:r>
+          </a:p>
+          <a:p>
+            <a:pPr marL="457200" lvl="1" indent="0">
+              <a:buNone/>
+            </a:pPr>
+            <a:r>
+              <a:rPr lang="en-US" dirty="0"/>
+              <a:t>char    c; </a:t>
+            </a:r>
+          </a:p>
+          <a:p>
+            <a:pPr marL="457200" lvl="1" indent="0">
+              <a:buNone/>
+            </a:pPr>
+            <a:r>
+              <a:rPr lang="en-US" dirty="0" err="1"/>
+              <a:t>int</a:t>
+            </a:r>
+            <a:r>
+              <a:rPr lang="en-US" dirty="0"/>
+              <a:t>     i; </a:t>
+            </a:r>
+          </a:p>
+          <a:p>
+            <a:pPr marL="137160" indent="0">
+              <a:buNone/>
+            </a:pPr>
+            <a:r>
+              <a:rPr lang="en-US" dirty="0"/>
+              <a:t>} </a:t>
+            </a:r>
+            <a:r>
+              <a:rPr lang="en-US" dirty="0" err="1"/>
+              <a:t>structb_t</a:t>
+            </a:r>
+            <a:r>
+              <a:rPr lang="en-US" dirty="0"/>
+              <a:t>; </a:t>
+            </a:r>
+            <a:r>
+              <a:rPr lang="en-US" dirty="0" smtClean="0"/>
+              <a:t> //</a:t>
+            </a:r>
+            <a:r>
+              <a:rPr lang="en-US" dirty="0" err="1" smtClean="0"/>
+              <a:t>ans</a:t>
+            </a:r>
+            <a:r>
+              <a:rPr lang="en-US" dirty="0" smtClean="0"/>
+              <a:t>=8</a:t>
+            </a:r>
+            <a:endParaRPr lang="en-US" dirty="0"/>
+          </a:p>
+          <a:p>
+            <a:pPr marL="137160" indent="0">
+              <a:buNone/>
+            </a:pPr>
+            <a:endParaRPr lang="en-US" dirty="0"/>
+          </a:p>
+          <a:p>
+            <a:pPr marL="137160" indent="0">
+              <a:buNone/>
+            </a:pPr>
+            <a:endParaRPr lang="en-US" dirty="0"/>
+          </a:p>
+          <a:p>
+            <a:pPr marL="137160" indent="0">
+              <a:buNone/>
+            </a:pPr>
+            <a:r>
+              <a:rPr lang="en-US" dirty="0"/>
+              <a:t>// structure C </a:t>
+            </a:r>
+          </a:p>
+          <a:p>
+            <a:pPr marL="137160" indent="0">
+              <a:buNone/>
+            </a:pPr>
+            <a:r>
+              <a:rPr lang="en-US" dirty="0" err="1"/>
+              <a:t>typedef</a:t>
+            </a:r>
+            <a:r>
+              <a:rPr lang="en-US" dirty="0"/>
+              <a:t> </a:t>
+            </a:r>
+            <a:r>
+              <a:rPr lang="en-US" dirty="0" err="1"/>
+              <a:t>struct</a:t>
+            </a:r>
+            <a:r>
+              <a:rPr lang="en-US" dirty="0"/>
+              <a:t> </a:t>
+            </a:r>
+            <a:r>
+              <a:rPr lang="en-US" dirty="0" err="1"/>
+              <a:t>structc_tag</a:t>
+            </a:r>
+            <a:r>
+              <a:rPr lang="en-US" dirty="0"/>
+              <a:t> </a:t>
+            </a:r>
+          </a:p>
+          <a:p>
+            <a:pPr marL="137160" indent="0">
+              <a:buNone/>
+            </a:pPr>
+            <a:r>
+              <a:rPr lang="en-US" dirty="0"/>
+              <a:t>{ </a:t>
+            </a:r>
+          </a:p>
+          <a:p>
+            <a:pPr marL="457200" lvl="1" indent="0">
+              <a:buNone/>
+            </a:pPr>
+            <a:r>
+              <a:rPr lang="en-US" dirty="0"/>
+              <a:t>char    c; </a:t>
+            </a:r>
+          </a:p>
+          <a:p>
+            <a:pPr marL="457200" lvl="1" indent="0">
+              <a:buNone/>
+            </a:pPr>
+            <a:r>
+              <a:rPr lang="en-US" dirty="0"/>
+              <a:t>double   d; </a:t>
+            </a:r>
+          </a:p>
+          <a:p>
+            <a:pPr marL="457200" lvl="1" indent="0">
+              <a:buNone/>
+            </a:pPr>
+            <a:r>
+              <a:rPr lang="en-US" dirty="0" err="1"/>
+              <a:t>int</a:t>
+            </a:r>
+            <a:r>
+              <a:rPr lang="en-US" dirty="0"/>
+              <a:t> 	 s; </a:t>
+            </a:r>
+          </a:p>
+          <a:p>
+            <a:pPr marL="137160" indent="0">
+              <a:buNone/>
+            </a:pPr>
+            <a:r>
+              <a:rPr lang="en-US" dirty="0"/>
+              <a:t>} </a:t>
+            </a:r>
+            <a:r>
+              <a:rPr lang="en-US" dirty="0" err="1"/>
+              <a:t>structc_t</a:t>
+            </a:r>
+            <a:r>
+              <a:rPr lang="en-US" dirty="0"/>
+              <a:t>; //</a:t>
+            </a:r>
+            <a:r>
+              <a:rPr lang="en-US" dirty="0" err="1" smtClean="0"/>
+              <a:t>ans</a:t>
+            </a:r>
+            <a:r>
+              <a:rPr lang="en-US" dirty="0" smtClean="0"/>
+              <a:t>=24</a:t>
+            </a:r>
+            <a:endParaRPr lang="en-US" dirty="0"/>
+          </a:p>
+          <a:p>
+            <a:pPr marL="137160" indent="0">
+              <a:buNone/>
+            </a:pPr>
+            <a:endParaRPr lang="en-US" dirty="0"/>
+          </a:p>
+          <a:p>
+            <a:pPr marL="137160" indent="0">
+              <a:buNone/>
+            </a:pPr>
+            <a:endParaRPr lang="en-US" dirty="0"/>
+          </a:p>
+          <a:p>
+            <a:pPr marL="137160" indent="0">
+              <a:buNone/>
+            </a:pPr>
+            <a:r>
+              <a:rPr lang="en-US" dirty="0"/>
+              <a:t>// structure D </a:t>
+            </a:r>
+          </a:p>
+          <a:p>
+            <a:pPr marL="137160" indent="0">
+              <a:buNone/>
+            </a:pPr>
+            <a:r>
+              <a:rPr lang="en-US" dirty="0" err="1"/>
+              <a:t>typedef</a:t>
+            </a:r>
+            <a:r>
+              <a:rPr lang="en-US" dirty="0"/>
+              <a:t> </a:t>
+            </a:r>
+            <a:r>
+              <a:rPr lang="en-US" dirty="0" err="1"/>
+              <a:t>struct</a:t>
+            </a:r>
+            <a:r>
+              <a:rPr lang="en-US" dirty="0"/>
+              <a:t> </a:t>
+            </a:r>
+            <a:r>
+              <a:rPr lang="en-US" dirty="0" err="1"/>
+              <a:t>structd_tag</a:t>
+            </a:r>
+            <a:r>
+              <a:rPr lang="en-US" dirty="0"/>
+              <a:t> </a:t>
+            </a:r>
+          </a:p>
+          <a:p>
+            <a:pPr marL="137160" indent="0">
+              <a:buNone/>
+            </a:pPr>
+            <a:r>
+              <a:rPr lang="en-US" dirty="0"/>
+              <a:t>{ </a:t>
+            </a:r>
+          </a:p>
+          <a:p>
+            <a:pPr marL="457200" lvl="1" indent="0">
+              <a:buNone/>
+            </a:pPr>
+            <a:r>
+              <a:rPr lang="en-US" dirty="0"/>
+              <a:t>double   d; </a:t>
+            </a:r>
+          </a:p>
+          <a:p>
+            <a:pPr marL="457200" lvl="1" indent="0">
+              <a:buNone/>
+            </a:pPr>
+            <a:r>
+              <a:rPr lang="en-US" dirty="0" err="1"/>
+              <a:t>int</a:t>
+            </a:r>
+            <a:r>
+              <a:rPr lang="en-US" dirty="0"/>
+              <a:t> 	 s; </a:t>
+            </a:r>
+          </a:p>
+          <a:p>
+            <a:pPr marL="457200" lvl="1" indent="0">
+              <a:buNone/>
+            </a:pPr>
+            <a:r>
+              <a:rPr lang="en-US" dirty="0"/>
+              <a:t>char    c; </a:t>
+            </a:r>
+          </a:p>
+          <a:p>
+            <a:pPr marL="137160" indent="0">
+              <a:buNone/>
+            </a:pPr>
+            <a:r>
+              <a:rPr lang="en-US" dirty="0"/>
+              <a:t>} </a:t>
+            </a:r>
+            <a:r>
+              <a:rPr lang="en-US" dirty="0" err="1"/>
+              <a:t>structd_t</a:t>
+            </a:r>
+            <a:r>
+              <a:rPr lang="en-US" dirty="0"/>
+              <a:t>; //</a:t>
+            </a:r>
+            <a:r>
+              <a:rPr lang="en-US" dirty="0" err="1" smtClean="0"/>
+              <a:t>ans</a:t>
+            </a:r>
+            <a:r>
+              <a:rPr lang="en-US" dirty="0" smtClean="0"/>
+              <a:t>=16</a:t>
+            </a:r>
+            <a:endParaRPr lang="en-US" dirty="0"/>
+          </a:p>
+          <a:p>
+            <a:pPr marL="137160" indent="0">
+              <a:buNone/>
+            </a:pPr>
+            <a:endParaRPr lang="en-US" dirty="0"/>
+          </a:p>
+          <a:p>
+            <a:endParaRPr lang="en-US" dirty="0"/>
+          </a:p>
+          <a:p>
+            <a:endParaRPr lang="en-US" dirty="0"/>
+          </a:p>
+        </p:txBody>
+      </p:sp>
+    </p:spTree>
+    <p:extLst>
+      <p:ext uri="{BB962C8B-B14F-4D97-AF65-F5344CB8AC3E}">
+        <p14:creationId xmlns:p14="http://schemas.microsoft.com/office/powerpoint/2010/main" val="4050568456"/>
+      </p:ext>
+    </p:extLst>
+  </p:cSld>
+  <p:clrMapOvr>
+    <a:masterClrMapping/>
+  </p:clrMapOvr>
+</p:sld>
+</file>
+
+<file path=ppt/slides/slide12.xml><?xml version="1.0" encoding="utf-8"?>
+<p:sld xmlns:a="http://schemas.openxmlformats.org/drawingml/2006/main" xmlns:r="http://schemas.openxmlformats.org/officeDocument/2006/relationships" xmlns:p="http://schemas.openxmlformats.org/presentationml/2006/main">
+  <p:cSld>
+    <p:spTree>
+      <p:nvGrpSpPr>
+        <p:cNvPr id="1" name=""/>
+        <p:cNvGrpSpPr/>
+        <p:nvPr/>
+      </p:nvGrpSpPr>
+      <p:grpSpPr>
+        <a:xfrm>
+          <a:off x="0" y="0"/>
+          <a:ext cx="0" cy="0"/>
+          <a:chOff x="0" y="0"/>
+          <a:chExt cx="0" cy="0"/>
+        </a:xfrm>
+      </p:grpSpPr>
+      <p:sp>
+        <p:nvSpPr>
+          <p:cNvPr id="2" name="Title 1"/>
+          <p:cNvSpPr>
+            <a:spLocks noGrp="1"/>
+          </p:cNvSpPr>
+          <p:nvPr>
+            <p:ph type="title"/>
+          </p:nvPr>
+        </p:nvSpPr>
+        <p:spPr/>
+        <p:txBody>
+          <a:bodyPr/>
+          <a:lstStyle/>
+          <a:p>
+            <a:r>
+              <a:rPr lang="en-US" dirty="0" smtClean="0"/>
+              <a:t>Structure padding</a:t>
+            </a:r>
+            <a:endParaRPr lang="en-US" dirty="0"/>
+          </a:p>
+        </p:txBody>
+      </p:sp>
+      <p:sp>
+        <p:nvSpPr>
+          <p:cNvPr id="3" name="Content Placeholder 2"/>
+          <p:cNvSpPr>
+            <a:spLocks noGrp="1"/>
+          </p:cNvSpPr>
+          <p:nvPr>
+            <p:ph idx="1"/>
+          </p:nvPr>
+        </p:nvSpPr>
+        <p:spPr/>
+        <p:txBody>
+          <a:bodyPr>
+            <a:normAutofit fontScale="92500" lnSpcReduction="20000"/>
+          </a:bodyPr>
+          <a:lstStyle/>
+          <a:p>
+            <a:pPr marL="137160" indent="0">
+              <a:buNone/>
+            </a:pPr>
+            <a:r>
+              <a:rPr lang="en-US" dirty="0" err="1"/>
+              <a:t>struct</a:t>
+            </a:r>
+            <a:r>
+              <a:rPr lang="en-US" dirty="0"/>
+              <a:t> </a:t>
+            </a:r>
+            <a:r>
+              <a:rPr lang="en-US" dirty="0" smtClean="0"/>
+              <a:t>a</a:t>
+            </a:r>
+          </a:p>
+          <a:p>
+            <a:pPr marL="137160" indent="0">
+              <a:buNone/>
+            </a:pPr>
+            <a:r>
+              <a:rPr lang="en-US" dirty="0" smtClean="0"/>
+              <a:t>{   </a:t>
+            </a:r>
+          </a:p>
+          <a:p>
+            <a:pPr marL="457200" lvl="1" indent="0">
+              <a:buNone/>
+            </a:pPr>
+            <a:r>
+              <a:rPr lang="en-US" dirty="0" smtClean="0"/>
+              <a:t> </a:t>
+            </a:r>
+            <a:r>
+              <a:rPr lang="en-US" dirty="0" err="1"/>
+              <a:t>int</a:t>
+            </a:r>
+            <a:r>
+              <a:rPr lang="en-US" dirty="0"/>
+              <a:t> a; </a:t>
+            </a:r>
+            <a:endParaRPr lang="en-US" dirty="0" smtClean="0"/>
+          </a:p>
+          <a:p>
+            <a:pPr marL="457200" lvl="1" indent="0">
+              <a:buNone/>
+            </a:pPr>
+            <a:r>
+              <a:rPr lang="en-US" dirty="0" smtClean="0"/>
+              <a:t> char </a:t>
+            </a:r>
+            <a:r>
+              <a:rPr lang="en-US" dirty="0"/>
+              <a:t>d;</a:t>
+            </a:r>
+            <a:r>
+              <a:rPr lang="en-US" dirty="0" smtClean="0"/>
+              <a:t>  </a:t>
+            </a:r>
+          </a:p>
+          <a:p>
+            <a:pPr marL="457200" lvl="1" indent="0">
+              <a:buNone/>
+            </a:pPr>
+            <a:r>
+              <a:rPr lang="en-US" dirty="0" smtClean="0"/>
+              <a:t> </a:t>
+            </a:r>
+            <a:r>
+              <a:rPr lang="en-US" dirty="0" err="1"/>
+              <a:t>int</a:t>
+            </a:r>
+            <a:r>
+              <a:rPr lang="en-US" dirty="0"/>
+              <a:t> b</a:t>
+            </a:r>
+            <a:r>
+              <a:rPr lang="en-US" dirty="0" smtClean="0"/>
+              <a:t>; </a:t>
+            </a:r>
+          </a:p>
+          <a:p>
+            <a:pPr marL="457200" lvl="1" indent="0">
+              <a:buNone/>
+            </a:pPr>
+            <a:r>
+              <a:rPr lang="en-US" dirty="0" smtClean="0"/>
+              <a:t> </a:t>
+            </a:r>
+            <a:r>
+              <a:rPr lang="en-US" dirty="0"/>
+              <a:t>char c;    </a:t>
+            </a:r>
+            <a:endParaRPr lang="en-US" dirty="0" smtClean="0"/>
+          </a:p>
+          <a:p>
+            <a:pPr marL="137160" indent="0">
+              <a:buNone/>
+            </a:pPr>
+            <a:r>
+              <a:rPr lang="en-US" dirty="0" smtClean="0"/>
+              <a:t>}</a:t>
+            </a:r>
+            <a:r>
+              <a:rPr lang="en-US" dirty="0"/>
+              <a:t>o</a:t>
+            </a:r>
+            <a:r>
+              <a:rPr lang="en-US" dirty="0" smtClean="0"/>
+              <a:t>;</a:t>
+            </a:r>
+          </a:p>
+          <a:p>
+            <a:pPr marL="137160" indent="0">
+              <a:buNone/>
+            </a:pPr>
+            <a:r>
+              <a:rPr lang="en-US" dirty="0" err="1" smtClean="0"/>
+              <a:t>int</a:t>
+            </a:r>
+            <a:r>
+              <a:rPr lang="en-US" dirty="0" smtClean="0"/>
+              <a:t> </a:t>
+            </a:r>
+            <a:r>
+              <a:rPr lang="en-US" dirty="0"/>
+              <a:t>main</a:t>
+            </a:r>
+            <a:r>
+              <a:rPr lang="en-US" dirty="0" smtClean="0"/>
+              <a:t>()</a:t>
+            </a:r>
+          </a:p>
+          <a:p>
+            <a:pPr marL="137160" indent="0">
+              <a:buNone/>
+            </a:pPr>
+            <a:r>
+              <a:rPr lang="en-US" dirty="0" smtClean="0"/>
+              <a:t>{   </a:t>
+            </a:r>
+          </a:p>
+          <a:p>
+            <a:pPr marL="137160" indent="0">
+              <a:buNone/>
+            </a:pPr>
+            <a:r>
+              <a:rPr lang="en-US" dirty="0" smtClean="0"/>
+              <a:t> </a:t>
+            </a:r>
+            <a:r>
+              <a:rPr lang="en-US" dirty="0" err="1"/>
+              <a:t>printf</a:t>
+            </a:r>
+            <a:r>
+              <a:rPr lang="en-US" dirty="0"/>
+              <a:t>("%d\n",</a:t>
+            </a:r>
+            <a:r>
+              <a:rPr lang="en-US" dirty="0" err="1"/>
+              <a:t>sizeof</a:t>
+            </a:r>
+            <a:r>
+              <a:rPr lang="en-US" dirty="0"/>
+              <a:t>(o)); </a:t>
+            </a:r>
+            <a:r>
+              <a:rPr lang="en-US" dirty="0" smtClean="0"/>
+              <a:t>  //</a:t>
+            </a:r>
+            <a:r>
+              <a:rPr lang="en-US" dirty="0" err="1" smtClean="0"/>
+              <a:t>ans</a:t>
+            </a:r>
+            <a:r>
+              <a:rPr lang="en-US" dirty="0" smtClean="0"/>
+              <a:t>= 16 </a:t>
+            </a:r>
+          </a:p>
+          <a:p>
+            <a:pPr marL="137160" indent="0">
+              <a:buNone/>
+            </a:pPr>
+            <a:r>
+              <a:rPr lang="en-US" dirty="0" smtClean="0"/>
+              <a:t> </a:t>
+            </a:r>
+            <a:r>
+              <a:rPr lang="en-US" dirty="0"/>
+              <a:t>return 0</a:t>
+            </a:r>
+            <a:r>
+              <a:rPr lang="en-US" dirty="0" smtClean="0"/>
+              <a:t>;</a:t>
+            </a:r>
+          </a:p>
+          <a:p>
+            <a:pPr marL="137160" indent="0">
+              <a:buNone/>
+            </a:pPr>
+            <a:r>
+              <a:rPr lang="en-US" dirty="0" smtClean="0"/>
+              <a:t>}</a:t>
+            </a:r>
+            <a:endParaRPr lang="en-US" dirty="0"/>
+          </a:p>
+        </p:txBody>
+      </p:sp>
+    </p:spTree>
+    <p:extLst>
+      <p:ext uri="{BB962C8B-B14F-4D97-AF65-F5344CB8AC3E}">
+        <p14:creationId xmlns:p14="http://schemas.microsoft.com/office/powerpoint/2010/main" val="4040950030"/>
+      </p:ext>
+    </p:extLst>
+  </p:cSld>
+  <p:clrMapOvr>
+    <a:masterClrMapping/>
+  </p:clrMapOvr>
+</p:sld>
+</file>
+
+<file path=ppt/slides/slide13.xml><?xml version="1.0" encoding="utf-8"?>
+<p:sld xmlns:a="http://schemas.openxmlformats.org/drawingml/2006/main" xmlns:r="http://schemas.openxmlformats.org/officeDocument/2006/relationships" xmlns:p="http://schemas.openxmlformats.org/presentationml/2006/main">
+  <p:cSld>
+    <p:spTree>
+      <p:nvGrpSpPr>
+        <p:cNvPr id="1" name=""/>
+        <p:cNvGrpSpPr/>
+        <p:nvPr/>
+      </p:nvGrpSpPr>
+      <p:grpSpPr>
+        <a:xfrm>
+          <a:off x="0" y="0"/>
+          <a:ext cx="0" cy="0"/>
+          <a:chOff x="0" y="0"/>
+          <a:chExt cx="0" cy="0"/>
+        </a:xfrm>
+      </p:grpSpPr>
+      <p:sp>
+        <p:nvSpPr>
+          <p:cNvPr id="2" name="Title 1"/>
+          <p:cNvSpPr>
+            <a:spLocks noGrp="1"/>
+          </p:cNvSpPr>
+          <p:nvPr>
+            <p:ph type="title"/>
+          </p:nvPr>
+        </p:nvSpPr>
+        <p:spPr/>
+        <p:txBody>
+          <a:bodyPr/>
+          <a:lstStyle/>
+          <a:p>
+            <a:r>
+              <a:rPr lang="en-US" dirty="0" err="1" smtClean="0"/>
+              <a:t>Struct</a:t>
+            </a:r>
+            <a:r>
+              <a:rPr lang="en-US" dirty="0" smtClean="0"/>
+              <a:t> pack 1,2,4</a:t>
+            </a:r>
+            <a:endParaRPr lang="en-US" dirty="0"/>
+          </a:p>
+        </p:txBody>
+      </p:sp>
+      <p:sp>
+        <p:nvSpPr>
+          <p:cNvPr id="3" name="Content Placeholder 2"/>
+          <p:cNvSpPr>
+            <a:spLocks noGrp="1"/>
+          </p:cNvSpPr>
+          <p:nvPr>
+            <p:ph idx="1"/>
+          </p:nvPr>
+        </p:nvSpPr>
+        <p:spPr/>
+        <p:txBody>
+          <a:bodyPr>
+            <a:normAutofit/>
+          </a:bodyPr>
+          <a:lstStyle/>
+          <a:p>
+            <a:pPr marL="137160" indent="0">
+              <a:buNone/>
+            </a:pPr>
+            <a:r>
+              <a:rPr lang="en-US" sz="2400" dirty="0" smtClean="0"/>
+              <a:t>pragma pack(4)</a:t>
+            </a:r>
+          </a:p>
+          <a:p>
+            <a:pPr marL="137160" indent="0">
+              <a:buNone/>
+            </a:pPr>
+            <a:r>
+              <a:rPr lang="en-US" sz="2400" dirty="0" err="1" smtClean="0"/>
+              <a:t>struct</a:t>
+            </a:r>
+            <a:r>
+              <a:rPr lang="en-US" sz="2400" dirty="0" smtClean="0"/>
+              <a:t> </a:t>
+            </a:r>
+            <a:r>
+              <a:rPr lang="en-US" sz="2400" dirty="0"/>
+              <a:t>a{    </a:t>
+            </a:r>
+            <a:endParaRPr lang="en-US" sz="2400" dirty="0" smtClean="0"/>
+          </a:p>
+          <a:p>
+            <a:pPr marL="457200" lvl="1" indent="0">
+              <a:buNone/>
+            </a:pPr>
+            <a:r>
+              <a:rPr lang="en-US" sz="2000" dirty="0" smtClean="0"/>
+              <a:t>	 </a:t>
+            </a:r>
+            <a:r>
+              <a:rPr lang="en-US" sz="2000" dirty="0" err="1" smtClean="0"/>
+              <a:t>int</a:t>
+            </a:r>
+            <a:r>
+              <a:rPr lang="en-US" sz="2000" dirty="0" smtClean="0"/>
+              <a:t> </a:t>
+            </a:r>
+            <a:r>
+              <a:rPr lang="en-US" sz="2000" dirty="0"/>
+              <a:t>a;   </a:t>
+            </a:r>
+            <a:endParaRPr lang="en-US" sz="2000" dirty="0" smtClean="0"/>
+          </a:p>
+          <a:p>
+            <a:pPr marL="457200" lvl="1" indent="0">
+              <a:buNone/>
+            </a:pPr>
+            <a:r>
+              <a:rPr lang="en-US" sz="2000" dirty="0" smtClean="0"/>
+              <a:t>	 </a:t>
+            </a:r>
+            <a:r>
+              <a:rPr lang="en-US" sz="2000" dirty="0"/>
+              <a:t>char b;    </a:t>
+            </a:r>
+            <a:endParaRPr lang="en-US" sz="2000" dirty="0" smtClean="0"/>
+          </a:p>
+          <a:p>
+            <a:pPr marL="137160" indent="0">
+              <a:buNone/>
+            </a:pPr>
+            <a:r>
+              <a:rPr lang="en-US" sz="2400" dirty="0" smtClean="0"/>
+              <a:t>	 </a:t>
+            </a:r>
+            <a:r>
+              <a:rPr lang="en-US" sz="2400" dirty="0" err="1" smtClean="0"/>
+              <a:t>int</a:t>
+            </a:r>
+            <a:r>
+              <a:rPr lang="en-US" sz="2400" dirty="0" smtClean="0"/>
+              <a:t> </a:t>
+            </a:r>
+            <a:r>
+              <a:rPr lang="en-US" sz="2400" dirty="0"/>
+              <a:t>c</a:t>
+            </a:r>
+            <a:r>
+              <a:rPr lang="en-US" sz="2400" dirty="0" smtClean="0"/>
+              <a:t>;</a:t>
+            </a:r>
+          </a:p>
+          <a:p>
+            <a:pPr marL="137160" indent="0">
+              <a:buNone/>
+            </a:pPr>
+            <a:r>
+              <a:rPr lang="en-US" sz="2400" dirty="0" smtClean="0"/>
+              <a:t>}</a:t>
+            </a:r>
+            <a:r>
+              <a:rPr lang="en-US" sz="2400" dirty="0"/>
+              <a:t>o</a:t>
+            </a:r>
+            <a:r>
+              <a:rPr lang="en-US" sz="2400" dirty="0" smtClean="0"/>
+              <a:t>;</a:t>
+            </a:r>
+          </a:p>
+          <a:p>
+            <a:pPr marL="137160" indent="0">
+              <a:buNone/>
+            </a:pPr>
+            <a:r>
+              <a:rPr lang="en-US" sz="2400" dirty="0" err="1" smtClean="0"/>
+              <a:t>int</a:t>
+            </a:r>
+            <a:r>
+              <a:rPr lang="en-US" sz="2400" dirty="0" smtClean="0"/>
+              <a:t> </a:t>
+            </a:r>
+            <a:r>
+              <a:rPr lang="en-US" sz="2400" dirty="0"/>
+              <a:t>main</a:t>
+            </a:r>
+            <a:r>
+              <a:rPr lang="en-US" sz="2400" dirty="0" smtClean="0"/>
+              <a:t>()</a:t>
+            </a:r>
+          </a:p>
+          <a:p>
+            <a:pPr marL="137160" indent="0">
+              <a:buNone/>
+            </a:pPr>
+            <a:r>
+              <a:rPr lang="en-US" sz="2400" dirty="0" smtClean="0"/>
+              <a:t>{    </a:t>
+            </a:r>
+          </a:p>
+          <a:p>
+            <a:pPr marL="457200" lvl="1" indent="0">
+              <a:buNone/>
+            </a:pPr>
+            <a:r>
+              <a:rPr lang="en-US" sz="2000" dirty="0" err="1" smtClean="0"/>
+              <a:t>printf</a:t>
+            </a:r>
+            <a:r>
+              <a:rPr lang="en-US" sz="2000" dirty="0"/>
+              <a:t>("%d\n",</a:t>
+            </a:r>
+            <a:r>
+              <a:rPr lang="en-US" sz="2000" dirty="0" err="1"/>
+              <a:t>sizeof</a:t>
+            </a:r>
+            <a:r>
+              <a:rPr lang="en-US" sz="2000" dirty="0"/>
+              <a:t>(o));  </a:t>
+            </a:r>
+            <a:r>
+              <a:rPr lang="en-US" sz="2000" dirty="0" smtClean="0"/>
+              <a:t>//</a:t>
+            </a:r>
+            <a:r>
+              <a:rPr lang="en-US" sz="2000" dirty="0" err="1" smtClean="0"/>
+              <a:t>ans</a:t>
+            </a:r>
+            <a:r>
+              <a:rPr lang="en-US" sz="2000" dirty="0" smtClean="0"/>
+              <a:t>=9 (p1) ,</a:t>
+            </a:r>
+            <a:r>
+              <a:rPr lang="en-US" sz="2000" dirty="0" err="1" smtClean="0"/>
+              <a:t>ans</a:t>
+            </a:r>
+            <a:r>
+              <a:rPr lang="en-US" sz="2000" dirty="0" smtClean="0"/>
+              <a:t>=10(p2),</a:t>
+            </a:r>
+            <a:r>
+              <a:rPr lang="en-US" sz="2000" dirty="0" err="1" smtClean="0"/>
+              <a:t>ans</a:t>
+            </a:r>
+            <a:r>
+              <a:rPr lang="en-US" sz="2000" dirty="0" smtClean="0"/>
+              <a:t>=12(p4) </a:t>
+            </a:r>
+          </a:p>
+          <a:p>
+            <a:pPr marL="457200" lvl="1" indent="0">
+              <a:buNone/>
+            </a:pPr>
+            <a:r>
+              <a:rPr lang="en-US" sz="2000" dirty="0" smtClean="0"/>
+              <a:t>return </a:t>
+            </a:r>
+            <a:r>
+              <a:rPr lang="en-US" sz="2000" dirty="0"/>
+              <a:t>0</a:t>
+            </a:r>
+            <a:r>
+              <a:rPr lang="en-US" sz="2000" dirty="0" smtClean="0"/>
+              <a:t>;</a:t>
+            </a:r>
+          </a:p>
+          <a:p>
+            <a:pPr marL="137160" indent="0">
+              <a:buNone/>
+            </a:pPr>
+            <a:r>
+              <a:rPr lang="en-US" sz="2400" dirty="0" smtClean="0"/>
+              <a:t>}</a:t>
+            </a:r>
+            <a:endParaRPr lang="en-US" sz="2400" dirty="0"/>
+          </a:p>
+        </p:txBody>
+      </p:sp>
+    </p:spTree>
+    <p:extLst>
+      <p:ext uri="{BB962C8B-B14F-4D97-AF65-F5344CB8AC3E}">
+        <p14:creationId xmlns:p14="http://schemas.microsoft.com/office/powerpoint/2010/main" val="1107270324"/>
+      </p:ext>
+    </p:extLst>
+  </p:cSld>
+  <p:clrMapOvr>
+    <a:masterClrMapping/>
+  </p:clrMapOvr>
+</p:sld>
+</file>
+
+<file path=ppt/slides/slide14.xml><?xml version="1.0" encoding="utf-8"?>
+<p:sld xmlns:a="http://schemas.openxmlformats.org/drawingml/2006/main" xmlns:r="http://schemas.openxmlformats.org/officeDocument/2006/relationships" xmlns:p="http://schemas.openxmlformats.org/presentationml/2006/main">
+  <p:cSld>
+    <p:spTree>
+      <p:nvGrpSpPr>
+        <p:cNvPr id="1" name=""/>
+        <p:cNvGrpSpPr/>
+        <p:nvPr/>
+      </p:nvGrpSpPr>
+      <p:grpSpPr>
+        <a:xfrm>
+          <a:off x="0" y="0"/>
+          <a:ext cx="0" cy="0"/>
+          <a:chOff x="0" y="0"/>
+          <a:chExt cx="0" cy="0"/>
+        </a:xfrm>
+      </p:grpSpPr>
+      <p:sp>
+        <p:nvSpPr>
+          <p:cNvPr id="2" name="Title 1"/>
+          <p:cNvSpPr>
+            <a:spLocks noGrp="1"/>
+          </p:cNvSpPr>
+          <p:nvPr>
+            <p:ph type="title"/>
+          </p:nvPr>
+        </p:nvSpPr>
+        <p:spPr/>
+        <p:txBody>
+          <a:bodyPr/>
+          <a:lstStyle/>
+          <a:p>
+            <a:r>
+              <a:rPr lang="en-US" dirty="0" smtClean="0"/>
+              <a:t>Nested </a:t>
+            </a:r>
+            <a:r>
+              <a:rPr lang="en-US" dirty="0" err="1" smtClean="0"/>
+              <a:t>struct</a:t>
+            </a:r>
+            <a:r>
+              <a:rPr lang="en-US" dirty="0" smtClean="0"/>
+              <a:t> o/p</a:t>
+            </a:r>
+            <a:endParaRPr lang="en-US" dirty="0"/>
+          </a:p>
+        </p:txBody>
+      </p:sp>
+      <p:sp>
+        <p:nvSpPr>
+          <p:cNvPr id="3" name="Content Placeholder 2"/>
+          <p:cNvSpPr>
+            <a:spLocks noGrp="1"/>
+          </p:cNvSpPr>
+          <p:nvPr>
+            <p:ph idx="1"/>
+          </p:nvPr>
+        </p:nvSpPr>
+        <p:spPr/>
+        <p:txBody>
+          <a:bodyPr>
+            <a:normAutofit fontScale="62500" lnSpcReduction="20000"/>
+          </a:bodyPr>
+          <a:lstStyle/>
+          <a:p>
+            <a:r>
+              <a:rPr lang="en-US" dirty="0" smtClean="0"/>
+              <a:t>Nested </a:t>
+            </a:r>
+            <a:r>
+              <a:rPr lang="en-US" dirty="0" err="1" smtClean="0"/>
+              <a:t>struct</a:t>
+            </a:r>
+            <a:r>
+              <a:rPr lang="en-US" dirty="0" smtClean="0"/>
+              <a:t> should have tag name otherwise it consider as data member</a:t>
+            </a:r>
+          </a:p>
+          <a:p>
+            <a:pPr marL="137160" indent="0">
+              <a:buNone/>
+            </a:pPr>
+            <a:endParaRPr lang="en-US" dirty="0" smtClean="0"/>
+          </a:p>
+          <a:p>
+            <a:pPr marL="137160" indent="0">
+              <a:buNone/>
+            </a:pPr>
+            <a:r>
+              <a:rPr lang="en-US" dirty="0" err="1" smtClean="0"/>
+              <a:t>struct</a:t>
+            </a:r>
+            <a:r>
+              <a:rPr lang="en-US" dirty="0" smtClean="0"/>
+              <a:t> a</a:t>
+            </a:r>
+          </a:p>
+          <a:p>
+            <a:pPr marL="137160" indent="0">
+              <a:buNone/>
+            </a:pPr>
+            <a:r>
+              <a:rPr lang="en-US" dirty="0" smtClean="0"/>
+              <a:t>{    </a:t>
+            </a:r>
+          </a:p>
+          <a:p>
+            <a:pPr marL="137160" indent="0">
+              <a:buNone/>
+            </a:pPr>
+            <a:r>
+              <a:rPr lang="en-US" dirty="0" smtClean="0"/>
+              <a:t>	</a:t>
+            </a:r>
+            <a:r>
+              <a:rPr lang="en-US" dirty="0" err="1" smtClean="0"/>
+              <a:t>int</a:t>
+            </a:r>
+            <a:r>
+              <a:rPr lang="en-US" dirty="0" smtClean="0"/>
+              <a:t> </a:t>
+            </a:r>
+            <a:r>
+              <a:rPr lang="en-US" dirty="0"/>
+              <a:t>a; </a:t>
+            </a:r>
+            <a:endParaRPr lang="en-US" dirty="0" smtClean="0"/>
+          </a:p>
+          <a:p>
+            <a:pPr marL="137160" indent="0">
+              <a:buNone/>
+            </a:pPr>
+            <a:r>
+              <a:rPr lang="en-US" dirty="0" smtClean="0"/>
+              <a:t>	</a:t>
+            </a:r>
+            <a:r>
+              <a:rPr lang="en-US" dirty="0" err="1" smtClean="0"/>
+              <a:t>Int</a:t>
+            </a:r>
+            <a:r>
+              <a:rPr lang="en-US" dirty="0" smtClean="0"/>
+              <a:t> c;       </a:t>
+            </a:r>
+          </a:p>
+          <a:p>
+            <a:pPr marL="941832" lvl="3" indent="0">
+              <a:buNone/>
+            </a:pPr>
+            <a:r>
+              <a:rPr lang="en-US" dirty="0" err="1" smtClean="0"/>
+              <a:t>struct</a:t>
+            </a:r>
+            <a:r>
+              <a:rPr lang="en-US" dirty="0" smtClean="0"/>
+              <a:t>     </a:t>
+            </a:r>
+          </a:p>
+          <a:p>
+            <a:pPr marL="941832" lvl="3" indent="0">
+              <a:buNone/>
+            </a:pPr>
+            <a:r>
+              <a:rPr lang="en-US" dirty="0" smtClean="0"/>
+              <a:t>{        </a:t>
+            </a:r>
+          </a:p>
+          <a:p>
+            <a:pPr marL="941832" lvl="3" indent="0">
+              <a:buNone/>
+            </a:pPr>
+            <a:r>
+              <a:rPr lang="en-US" dirty="0" smtClean="0"/>
+              <a:t>    </a:t>
+            </a:r>
+            <a:r>
+              <a:rPr lang="en-US" dirty="0" err="1" smtClean="0"/>
+              <a:t>int</a:t>
+            </a:r>
+            <a:r>
+              <a:rPr lang="en-US" dirty="0" smtClean="0"/>
+              <a:t> </a:t>
+            </a:r>
+            <a:r>
+              <a:rPr lang="en-US" dirty="0"/>
+              <a:t>b;    </a:t>
+            </a:r>
+            <a:endParaRPr lang="en-US" dirty="0" smtClean="0"/>
+          </a:p>
+          <a:p>
+            <a:pPr marL="941832" lvl="3" indent="0">
+              <a:buNone/>
+            </a:pPr>
+            <a:r>
+              <a:rPr lang="en-US" dirty="0" smtClean="0"/>
+              <a:t>};</a:t>
+            </a:r>
+          </a:p>
+          <a:p>
+            <a:pPr marL="137160" indent="0">
+              <a:buNone/>
+            </a:pPr>
+            <a:r>
+              <a:rPr lang="en-US" dirty="0" smtClean="0"/>
+              <a:t>}</a:t>
+            </a:r>
+            <a:r>
+              <a:rPr lang="en-US" dirty="0"/>
+              <a:t>o1</a:t>
+            </a:r>
+            <a:r>
+              <a:rPr lang="en-US" dirty="0" smtClean="0"/>
+              <a:t>;</a:t>
+            </a:r>
+          </a:p>
+          <a:p>
+            <a:pPr marL="137160" indent="0">
+              <a:buNone/>
+            </a:pPr>
+            <a:r>
+              <a:rPr lang="en-US" dirty="0" err="1" smtClean="0"/>
+              <a:t>int</a:t>
+            </a:r>
+            <a:r>
+              <a:rPr lang="en-US" dirty="0" smtClean="0"/>
+              <a:t> </a:t>
+            </a:r>
+            <a:r>
+              <a:rPr lang="en-US" dirty="0"/>
+              <a:t>main</a:t>
+            </a:r>
+            <a:r>
+              <a:rPr lang="en-US" dirty="0" smtClean="0"/>
+              <a:t>()</a:t>
+            </a:r>
+          </a:p>
+          <a:p>
+            <a:pPr marL="137160" indent="0">
+              <a:buNone/>
+            </a:pPr>
+            <a:r>
+              <a:rPr lang="en-US" dirty="0" smtClean="0"/>
+              <a:t>{       </a:t>
+            </a:r>
+          </a:p>
+          <a:p>
+            <a:pPr marL="137160" indent="0">
+              <a:buNone/>
+            </a:pPr>
+            <a:r>
+              <a:rPr lang="en-US" dirty="0" smtClean="0"/>
+              <a:t> 	o1.b=11</a:t>
+            </a:r>
+            <a:r>
+              <a:rPr lang="en-US" dirty="0"/>
+              <a:t>;        </a:t>
+            </a:r>
+            <a:endParaRPr lang="en-US" dirty="0" smtClean="0"/>
+          </a:p>
+          <a:p>
+            <a:pPr marL="137160" indent="0">
+              <a:buNone/>
+            </a:pPr>
+            <a:r>
+              <a:rPr lang="en-US" dirty="0" smtClean="0"/>
+              <a:t>	</a:t>
+            </a:r>
+            <a:r>
+              <a:rPr lang="en-US" dirty="0" err="1" smtClean="0"/>
+              <a:t>printf</a:t>
+            </a:r>
+            <a:r>
+              <a:rPr lang="en-US" dirty="0"/>
+              <a:t>("%d\n",o1.b);    </a:t>
+            </a:r>
+            <a:endParaRPr lang="en-US" dirty="0" smtClean="0"/>
+          </a:p>
+          <a:p>
+            <a:pPr marL="137160" indent="0">
+              <a:buNone/>
+            </a:pPr>
+            <a:r>
+              <a:rPr lang="en-US" dirty="0" smtClean="0"/>
+              <a:t>	return </a:t>
+            </a:r>
+            <a:r>
+              <a:rPr lang="en-US" dirty="0"/>
+              <a:t>0</a:t>
+            </a:r>
+            <a:r>
+              <a:rPr lang="en-US" dirty="0" smtClean="0"/>
+              <a:t>;</a:t>
+            </a:r>
+          </a:p>
+          <a:p>
+            <a:pPr marL="137160" indent="0">
+              <a:buNone/>
+            </a:pPr>
+            <a:r>
+              <a:rPr lang="en-US" dirty="0" smtClean="0"/>
+              <a:t>}</a:t>
+            </a:r>
+            <a:endParaRPr lang="en-US" dirty="0"/>
+          </a:p>
+        </p:txBody>
+      </p:sp>
+    </p:spTree>
+    <p:extLst>
+      <p:ext uri="{BB962C8B-B14F-4D97-AF65-F5344CB8AC3E}">
+        <p14:creationId xmlns:p14="http://schemas.microsoft.com/office/powerpoint/2010/main" val="2743522505"/>
+      </p:ext>
+    </p:extLst>
+  </p:cSld>
+  <p:clrMapOvr>
+    <a:masterClrMapping/>
+  </p:clrMapOvr>
+</p:sld>
+</file>
+
+<file path=ppt/slides/slide15.xml><?xml version="1.0" encoding="utf-8"?>
+<p:sld xmlns:a="http://schemas.openxmlformats.org/drawingml/2006/main" xmlns:r="http://schemas.openxmlformats.org/officeDocument/2006/relationships" xmlns:p="http://schemas.openxmlformats.org/presentationml/2006/main">
+  <p:cSld>
+    <p:spTree>
+      <p:nvGrpSpPr>
+        <p:cNvPr id="1" name=""/>
+        <p:cNvGrpSpPr/>
+        <p:nvPr/>
+      </p:nvGrpSpPr>
+      <p:grpSpPr>
+        <a:xfrm>
+          <a:off x="0" y="0"/>
+          <a:ext cx="0" cy="0"/>
+          <a:chOff x="0" y="0"/>
+          <a:chExt cx="0" cy="0"/>
+        </a:xfrm>
+      </p:grpSpPr>
+      <p:sp>
+        <p:nvSpPr>
+          <p:cNvPr id="2" name="Title 1"/>
+          <p:cNvSpPr>
+            <a:spLocks noGrp="1"/>
+          </p:cNvSpPr>
+          <p:nvPr>
+            <p:ph type="title"/>
+          </p:nvPr>
+        </p:nvSpPr>
+        <p:spPr/>
+        <p:txBody>
+          <a:bodyPr>
+            <a:normAutofit fontScale="90000"/>
+          </a:bodyPr>
+          <a:lstStyle/>
+          <a:p>
+            <a:r>
+              <a:rPr lang="en-US" dirty="0"/>
+              <a:t>How to use union to define register?</a:t>
+            </a:r>
+            <a:br>
+              <a:rPr lang="en-US" dirty="0"/>
+            </a:br>
+            <a:endParaRPr lang="en-US" dirty="0"/>
+          </a:p>
+        </p:txBody>
+      </p:sp>
+      <p:sp>
+        <p:nvSpPr>
+          <p:cNvPr id="3" name="Content Placeholder 2"/>
+          <p:cNvSpPr>
+            <a:spLocks noGrp="1"/>
+          </p:cNvSpPr>
+          <p:nvPr>
+            <p:ph idx="1"/>
+          </p:nvPr>
+        </p:nvSpPr>
+        <p:spPr>
+          <a:xfrm>
+            <a:off x="457200" y="1600200"/>
+            <a:ext cx="8229600" cy="5257800"/>
+          </a:xfrm>
+        </p:spPr>
+        <p:txBody>
+          <a:bodyPr>
+            <a:noAutofit/>
+          </a:bodyPr>
+          <a:lstStyle/>
+          <a:p>
+            <a:pPr marL="137160" indent="0">
+              <a:buNone/>
+            </a:pPr>
+            <a:endParaRPr lang="en-US" sz="1050" dirty="0"/>
+          </a:p>
+          <a:p>
+            <a:pPr marL="137160" indent="0">
+              <a:buNone/>
+            </a:pPr>
+            <a:r>
+              <a:rPr lang="en-US" sz="1050" dirty="0"/>
+              <a:t>#include &lt;</a:t>
+            </a:r>
+            <a:r>
+              <a:rPr lang="en-US" sz="1050" dirty="0" err="1"/>
+              <a:t>stdio.h</a:t>
+            </a:r>
+            <a:r>
+              <a:rPr lang="en-US" sz="1050" dirty="0"/>
+              <a:t>&gt;</a:t>
+            </a:r>
+          </a:p>
+          <a:p>
+            <a:pPr marL="137160" indent="0">
+              <a:buNone/>
+            </a:pPr>
+            <a:endParaRPr lang="en-US" sz="1050" dirty="0"/>
+          </a:p>
+          <a:p>
+            <a:pPr marL="137160" indent="0">
+              <a:buNone/>
+            </a:pPr>
+            <a:r>
+              <a:rPr lang="en-US" sz="1050" dirty="0" err="1"/>
+              <a:t>typedef</a:t>
+            </a:r>
+            <a:r>
+              <a:rPr lang="en-US" sz="1050" dirty="0"/>
+              <a:t> union REG</a:t>
+            </a:r>
+          </a:p>
+          <a:p>
+            <a:pPr marL="137160" indent="0">
+              <a:buNone/>
+            </a:pPr>
+            <a:r>
+              <a:rPr lang="en-US" sz="1050" dirty="0"/>
+              <a:t>{</a:t>
+            </a:r>
+          </a:p>
+          <a:p>
+            <a:pPr marL="137160" indent="0">
+              <a:buNone/>
+            </a:pPr>
+            <a:r>
+              <a:rPr lang="en-US" sz="1050" dirty="0"/>
+              <a:t>    unsigned char TRISC;</a:t>
+            </a:r>
+          </a:p>
+          <a:p>
+            <a:pPr marL="137160" indent="0">
+              <a:buNone/>
+            </a:pPr>
+            <a:endParaRPr lang="en-US" sz="1050" dirty="0"/>
+          </a:p>
+          <a:p>
+            <a:pPr marL="137160" indent="0">
+              <a:buNone/>
+            </a:pPr>
+            <a:r>
+              <a:rPr lang="en-US" sz="1050" dirty="0"/>
+              <a:t>    </a:t>
+            </a:r>
+            <a:r>
+              <a:rPr lang="en-US" sz="1050" dirty="0" err="1"/>
+              <a:t>struct</a:t>
+            </a:r>
+            <a:endParaRPr lang="en-US" sz="1050" dirty="0"/>
+          </a:p>
+          <a:p>
+            <a:pPr marL="137160" indent="0">
+              <a:buNone/>
+            </a:pPr>
+            <a:r>
+              <a:rPr lang="en-US" sz="1050" dirty="0"/>
+              <a:t>    {</a:t>
+            </a:r>
+          </a:p>
+          <a:p>
+            <a:pPr marL="137160" indent="0">
+              <a:buNone/>
+            </a:pPr>
+            <a:r>
+              <a:rPr lang="en-US" sz="1050" dirty="0"/>
+              <a:t>        unsigned char RC0:1;</a:t>
+            </a:r>
+          </a:p>
+          <a:p>
+            <a:pPr marL="137160" indent="0">
+              <a:buNone/>
+            </a:pPr>
+            <a:r>
+              <a:rPr lang="en-US" sz="1050" dirty="0"/>
+              <a:t>        unsigned char RC1:1;</a:t>
+            </a:r>
+          </a:p>
+          <a:p>
+            <a:pPr marL="137160" indent="0">
+              <a:buNone/>
+            </a:pPr>
+            <a:r>
+              <a:rPr lang="en-US" sz="1050" dirty="0"/>
+              <a:t>        unsigned char RC2:1;</a:t>
+            </a:r>
+          </a:p>
+          <a:p>
+            <a:pPr marL="137160" indent="0">
+              <a:buNone/>
+            </a:pPr>
+            <a:r>
+              <a:rPr lang="en-US" sz="1050" dirty="0"/>
+              <a:t>        unsigned char RC3:1;</a:t>
+            </a:r>
+          </a:p>
+          <a:p>
+            <a:pPr marL="137160" indent="0">
+              <a:buNone/>
+            </a:pPr>
+            <a:r>
+              <a:rPr lang="en-US" sz="1050" dirty="0"/>
+              <a:t>        unsigned char RC4:1;</a:t>
+            </a:r>
+          </a:p>
+          <a:p>
+            <a:pPr marL="137160" indent="0">
+              <a:buNone/>
+            </a:pPr>
+            <a:r>
+              <a:rPr lang="en-US" sz="1050" dirty="0"/>
+              <a:t>        unsigned char RC5:1;</a:t>
+            </a:r>
+          </a:p>
+          <a:p>
+            <a:pPr marL="137160" indent="0">
+              <a:buNone/>
+            </a:pPr>
+            <a:r>
+              <a:rPr lang="en-US" sz="1050" dirty="0"/>
+              <a:t>        unsigned char RC6:1;</a:t>
+            </a:r>
+          </a:p>
+          <a:p>
+            <a:pPr marL="137160" indent="0">
+              <a:buNone/>
+            </a:pPr>
+            <a:r>
+              <a:rPr lang="en-US" sz="1050" dirty="0"/>
+              <a:t>        unsigned char RC7:1;	</a:t>
+            </a:r>
+          </a:p>
+          <a:p>
+            <a:pPr marL="137160" indent="0">
+              <a:buNone/>
+            </a:pPr>
+            <a:r>
+              <a:rPr lang="en-US" sz="1050" dirty="0"/>
+              <a:t>    </a:t>
+            </a:r>
+          </a:p>
+          <a:p>
+            <a:pPr marL="137160" indent="0">
+              <a:buNone/>
+            </a:pPr>
+            <a:r>
+              <a:rPr lang="en-US" sz="1050" dirty="0"/>
+              <a:t>    };</a:t>
+            </a:r>
+          </a:p>
+          <a:p>
+            <a:pPr marL="137160" indent="0">
+              <a:buNone/>
+            </a:pPr>
+            <a:endParaRPr lang="en-US" sz="1050" dirty="0"/>
+          </a:p>
+          <a:p>
+            <a:pPr marL="137160" indent="0">
+              <a:buNone/>
+            </a:pPr>
+            <a:r>
+              <a:rPr lang="en-US" sz="1050" dirty="0"/>
+              <a:t>}</a:t>
+            </a:r>
+            <a:r>
+              <a:rPr lang="en-US" sz="1050" dirty="0" err="1"/>
+              <a:t>REG_Def_t</a:t>
+            </a:r>
+            <a:r>
+              <a:rPr lang="en-US" sz="1050" dirty="0" smtClean="0"/>
+              <a:t>;</a:t>
+            </a:r>
+            <a:endParaRPr lang="en-US" sz="1050" dirty="0"/>
+          </a:p>
+        </p:txBody>
+      </p:sp>
+    </p:spTree>
+    <p:extLst>
+      <p:ext uri="{BB962C8B-B14F-4D97-AF65-F5344CB8AC3E}">
+        <p14:creationId xmlns:p14="http://schemas.microsoft.com/office/powerpoint/2010/main" val="2920215022"/>
+      </p:ext>
+    </p:extLst>
+  </p:cSld>
+  <p:clrMapOvr>
+    <a:masterClrMapping/>
+  </p:clrMapOvr>
+</p:sld>
+</file>
+
+<file path=ppt/slides/slide16.xml><?xml version="1.0" encoding="utf-8"?>
+<p:sld xmlns:a="http://schemas.openxmlformats.org/drawingml/2006/main" xmlns:r="http://schemas.openxmlformats.org/officeDocument/2006/relationships" xmlns:p="http://schemas.openxmlformats.org/presentationml/2006/main">
+  <p:cSld>
+    <p:spTree>
+      <p:nvGrpSpPr>
+        <p:cNvPr id="1" name=""/>
+        <p:cNvGrpSpPr/>
+        <p:nvPr/>
+      </p:nvGrpSpPr>
+      <p:grpSpPr>
+        <a:xfrm>
+          <a:off x="0" y="0"/>
+          <a:ext cx="0" cy="0"/>
+          <a:chOff x="0" y="0"/>
+          <a:chExt cx="0" cy="0"/>
+        </a:xfrm>
+      </p:grpSpPr>
+      <p:sp>
+        <p:nvSpPr>
+          <p:cNvPr id="2" name="Title 1"/>
+          <p:cNvSpPr>
+            <a:spLocks noGrp="1"/>
+          </p:cNvSpPr>
+          <p:nvPr>
+            <p:ph type="title"/>
+          </p:nvPr>
+        </p:nvSpPr>
+        <p:spPr/>
+        <p:txBody>
+          <a:bodyPr>
+            <a:normAutofit fontScale="90000"/>
+          </a:bodyPr>
+          <a:lstStyle/>
+          <a:p>
+            <a:r>
+              <a:rPr lang="en-US" dirty="0" smtClean="0"/>
+              <a:t>(continue)How </a:t>
+            </a:r>
+            <a:r>
+              <a:rPr lang="en-US" dirty="0"/>
+              <a:t>to use union to define register?</a:t>
+            </a:r>
+            <a:br>
+              <a:rPr lang="en-US" dirty="0"/>
+            </a:br>
+            <a:endParaRPr lang="en-US" dirty="0"/>
+          </a:p>
+        </p:txBody>
+      </p:sp>
+      <p:sp>
+        <p:nvSpPr>
+          <p:cNvPr id="3" name="Content Placeholder 2"/>
+          <p:cNvSpPr>
+            <a:spLocks noGrp="1"/>
+          </p:cNvSpPr>
+          <p:nvPr>
+            <p:ph idx="1"/>
+          </p:nvPr>
+        </p:nvSpPr>
+        <p:spPr/>
+        <p:txBody>
+          <a:bodyPr>
+            <a:normAutofit fontScale="70000" lnSpcReduction="20000"/>
+          </a:bodyPr>
+          <a:lstStyle/>
+          <a:p>
+            <a:pPr marL="137160" indent="0">
+              <a:buNone/>
+            </a:pPr>
+            <a:endParaRPr lang="en-US" dirty="0"/>
+          </a:p>
+          <a:p>
+            <a:pPr marL="137160" indent="0">
+              <a:buNone/>
+            </a:pPr>
+            <a:r>
+              <a:rPr lang="en-US" dirty="0" err="1"/>
+              <a:t>int</a:t>
+            </a:r>
+            <a:r>
+              <a:rPr lang="en-US" dirty="0"/>
+              <a:t> main()</a:t>
+            </a:r>
+          </a:p>
+          <a:p>
+            <a:pPr marL="137160" indent="0">
+              <a:buNone/>
+            </a:pPr>
+            <a:r>
+              <a:rPr lang="en-US" dirty="0"/>
+              <a:t>{    </a:t>
+            </a:r>
+          </a:p>
+          <a:p>
+            <a:pPr marL="137160" indent="0">
+              <a:buNone/>
+            </a:pPr>
+            <a:r>
+              <a:rPr lang="en-US" dirty="0"/>
+              <a:t>    </a:t>
+            </a:r>
+            <a:r>
+              <a:rPr lang="en-US" dirty="0" err="1"/>
+              <a:t>REG_Def_t</a:t>
+            </a:r>
+            <a:r>
+              <a:rPr lang="en-US" dirty="0"/>
+              <a:t> GPIOC; </a:t>
+            </a:r>
+          </a:p>
+          <a:p>
+            <a:pPr marL="137160" indent="0">
+              <a:buNone/>
+            </a:pPr>
+            <a:r>
+              <a:rPr lang="en-US" dirty="0"/>
+              <a:t>    </a:t>
+            </a:r>
+          </a:p>
+          <a:p>
+            <a:pPr marL="137160" indent="0">
+              <a:buNone/>
+            </a:pPr>
+            <a:r>
+              <a:rPr lang="en-US" dirty="0"/>
+              <a:t>    GPIOC.RC6=0;</a:t>
+            </a:r>
+          </a:p>
+          <a:p>
+            <a:pPr marL="137160" indent="0">
+              <a:buNone/>
+            </a:pPr>
+            <a:r>
+              <a:rPr lang="en-US" dirty="0"/>
+              <a:t>    //GPIOC.TRISC=0x80;</a:t>
+            </a:r>
+          </a:p>
+          <a:p>
+            <a:pPr marL="137160" indent="0">
+              <a:buNone/>
+            </a:pPr>
+            <a:r>
+              <a:rPr lang="en-US" dirty="0"/>
+              <a:t>    </a:t>
+            </a:r>
+          </a:p>
+          <a:p>
+            <a:pPr marL="137160" indent="0">
+              <a:buNone/>
+            </a:pPr>
+            <a:r>
+              <a:rPr lang="en-US" dirty="0"/>
+              <a:t>    </a:t>
+            </a:r>
+            <a:r>
+              <a:rPr lang="en-US" dirty="0" err="1"/>
+              <a:t>printf</a:t>
+            </a:r>
+            <a:r>
+              <a:rPr lang="en-US" dirty="0"/>
+              <a:t>("%d",GPIOC.RC6);   //</a:t>
+            </a:r>
+            <a:r>
+              <a:rPr lang="en-US" dirty="0" err="1"/>
+              <a:t>ans</a:t>
+            </a:r>
+            <a:r>
+              <a:rPr lang="en-US" dirty="0"/>
+              <a:t>=</a:t>
+            </a:r>
+          </a:p>
+          <a:p>
+            <a:pPr marL="137160" indent="0">
+              <a:buNone/>
+            </a:pPr>
+            <a:r>
+              <a:rPr lang="en-US" dirty="0"/>
+              <a:t>    </a:t>
+            </a:r>
+          </a:p>
+          <a:p>
+            <a:pPr marL="137160" indent="0">
+              <a:buNone/>
+            </a:pPr>
+            <a:r>
+              <a:rPr lang="en-US" dirty="0"/>
+              <a:t>    //</a:t>
+            </a:r>
+            <a:r>
+              <a:rPr lang="en-US" dirty="0" err="1"/>
+              <a:t>printf</a:t>
+            </a:r>
+            <a:r>
+              <a:rPr lang="en-US" dirty="0"/>
+              <a:t>("%d",</a:t>
+            </a:r>
+            <a:r>
+              <a:rPr lang="en-US" dirty="0" err="1"/>
+              <a:t>sizeof</a:t>
+            </a:r>
+            <a:r>
+              <a:rPr lang="en-US" dirty="0"/>
+              <a:t>(GPIOC));   //</a:t>
+            </a:r>
+            <a:r>
+              <a:rPr lang="en-US" dirty="0" err="1"/>
+              <a:t>ans</a:t>
+            </a:r>
+            <a:r>
+              <a:rPr lang="en-US" dirty="0"/>
+              <a:t>=1 byte</a:t>
+            </a:r>
+          </a:p>
+          <a:p>
+            <a:pPr marL="137160" indent="0">
+              <a:buNone/>
+            </a:pPr>
+            <a:r>
+              <a:rPr lang="en-US" dirty="0"/>
+              <a:t>    return 0;</a:t>
+            </a:r>
+          </a:p>
+          <a:p>
+            <a:pPr marL="137160" indent="0">
+              <a:buNone/>
+            </a:pPr>
+            <a:endParaRPr lang="en-US" dirty="0"/>
+          </a:p>
+          <a:p>
+            <a:pPr marL="137160" indent="0">
+              <a:buNone/>
+            </a:pPr>
+            <a:endParaRPr lang="en-US" dirty="0"/>
+          </a:p>
+          <a:p>
+            <a:pPr marL="137160" indent="0">
+              <a:buNone/>
+            </a:pPr>
+            <a:r>
+              <a:rPr lang="en-US" dirty="0"/>
+              <a:t>}</a:t>
+            </a:r>
+          </a:p>
+          <a:p>
+            <a:endParaRPr lang="en-US" dirty="0"/>
+          </a:p>
+        </p:txBody>
+      </p:sp>
+    </p:spTree>
+    <p:extLst>
+      <p:ext uri="{BB962C8B-B14F-4D97-AF65-F5344CB8AC3E}">
+        <p14:creationId xmlns:p14="http://schemas.microsoft.com/office/powerpoint/2010/main" val="4259998807"/>
+      </p:ext>
+    </p:extLst>
+  </p:cSld>
+  <p:clrMapOvr>
+    <a:masterClrMapping/>
+  </p:clrMapOvr>
+</p:sld>
+</file>
+
 <file path=ppt/slides/slide2.xml><?xml version="1.0" encoding="utf-8"?>
 <p:sld xmlns:a="http://schemas.openxmlformats.org/drawingml/2006/main" xmlns:r="http://schemas.openxmlformats.org/officeDocument/2006/relationships" xmlns:p="http://schemas.openxmlformats.org/presentationml/2006/main">
   <p:cSld>
@@ -3621,12 +5927,23 @@
             <p:ph type="title"/>
           </p:nvPr>
         </p:nvSpPr>
-        <p:spPr/>
-        <p:txBody>
-          <a:bodyPr/>
+        <p:spPr>
+          <a:xfrm>
+            <a:off x="457200" y="0"/>
+            <a:ext cx="8229600" cy="609600"/>
+          </a:xfrm>
+        </p:spPr>
+        <p:txBody>
+          <a:bodyPr>
+            <a:normAutofit fontScale="90000"/>
+          </a:bodyPr>
           <a:lstStyle/>
           <a:p>
-            <a:endParaRPr lang="en-US"/>
+            <a:r>
+              <a:rPr lang="en-US" dirty="0" err="1" smtClean="0"/>
+              <a:t>qus</a:t>
+            </a:r>
+            <a:endParaRPr lang="en-US" dirty="0"/>
           </a:p>
         </p:txBody>
       </p:sp>
@@ -3640,12 +5957,328 @@
             <p:ph idx="1"/>
           </p:nvPr>
         </p:nvSpPr>
-        <p:spPr/>
-        <p:txBody>
-          <a:bodyPr/>
+        <p:spPr>
+          <a:xfrm>
+            <a:off x="457200" y="685800"/>
+            <a:ext cx="8229600" cy="6324600"/>
+          </a:xfrm>
+        </p:spPr>
+        <p:txBody>
+          <a:bodyPr>
+            <a:normAutofit fontScale="62500" lnSpcReduction="20000"/>
+          </a:bodyPr>
           <a:lstStyle/>
           <a:p>
-            <a:endParaRPr lang="en-US"/>
+            <a:pPr marL="137160" indent="0">
+              <a:buNone/>
+            </a:pPr>
+            <a:r>
+              <a:rPr lang="en-US" dirty="0" smtClean="0"/>
+              <a:t>Structure</a:t>
+            </a:r>
+          </a:p>
+          <a:p>
+            <a:pPr marL="137160" indent="0">
+              <a:buNone/>
+            </a:pPr>
+            <a:r>
+              <a:rPr lang="en-US" dirty="0" smtClean="0"/>
+              <a:t>Union</a:t>
+            </a:r>
+          </a:p>
+          <a:p>
+            <a:pPr marL="137160" indent="0">
+              <a:buNone/>
+            </a:pPr>
+            <a:r>
+              <a:rPr lang="en-US" dirty="0" smtClean="0"/>
+              <a:t>Structure </a:t>
+            </a:r>
+            <a:r>
+              <a:rPr lang="en-US" dirty="0" err="1" smtClean="0"/>
+              <a:t>vs</a:t>
+            </a:r>
+            <a:r>
+              <a:rPr lang="en-US" dirty="0" smtClean="0"/>
+              <a:t> union</a:t>
+            </a:r>
+          </a:p>
+          <a:p>
+            <a:pPr marL="137160" indent="0">
+              <a:buNone/>
+            </a:pPr>
+            <a:r>
+              <a:rPr lang="en-US" dirty="0" smtClean="0"/>
+              <a:t>Limitation of structure</a:t>
+            </a:r>
+          </a:p>
+          <a:p>
+            <a:pPr marL="137160" indent="0">
+              <a:buNone/>
+            </a:pPr>
+            <a:r>
+              <a:rPr lang="en-US" dirty="0" smtClean="0"/>
+              <a:t>Local </a:t>
+            </a:r>
+            <a:r>
+              <a:rPr lang="en-US" dirty="0" err="1" smtClean="0"/>
+              <a:t>struct</a:t>
+            </a:r>
+            <a:r>
+              <a:rPr lang="en-US" dirty="0" smtClean="0"/>
+              <a:t> </a:t>
+            </a:r>
+            <a:r>
+              <a:rPr lang="en-US" dirty="0" err="1" smtClean="0"/>
+              <a:t>vs</a:t>
+            </a:r>
+            <a:r>
+              <a:rPr lang="en-US" dirty="0" smtClean="0"/>
+              <a:t> global </a:t>
+            </a:r>
+            <a:r>
+              <a:rPr lang="en-US" dirty="0" err="1" smtClean="0"/>
+              <a:t>struct</a:t>
+            </a:r>
+            <a:endParaRPr lang="en-US" dirty="0" smtClean="0"/>
+          </a:p>
+          <a:p>
+            <a:pPr marL="137160" indent="0">
+              <a:buNone/>
+            </a:pPr>
+            <a:r>
+              <a:rPr lang="en-US" dirty="0" err="1" smtClean="0"/>
+              <a:t>Typedef</a:t>
+            </a:r>
+            <a:r>
+              <a:rPr lang="en-US" dirty="0" smtClean="0"/>
+              <a:t> </a:t>
+            </a:r>
+            <a:r>
+              <a:rPr lang="en-US" dirty="0" err="1" smtClean="0"/>
+              <a:t>struct</a:t>
+            </a:r>
+            <a:r>
+              <a:rPr lang="en-US" dirty="0" smtClean="0"/>
+              <a:t> declaration</a:t>
+            </a:r>
+          </a:p>
+          <a:p>
+            <a:pPr marL="137160" indent="0">
+              <a:buNone/>
+            </a:pPr>
+            <a:r>
+              <a:rPr lang="en-US" dirty="0" smtClean="0"/>
+              <a:t>Structure uses</a:t>
+            </a:r>
+          </a:p>
+          <a:p>
+            <a:pPr marL="137160" indent="0">
+              <a:buNone/>
+            </a:pPr>
+            <a:r>
+              <a:rPr lang="en-US" dirty="0" smtClean="0"/>
+              <a:t>Structure pointer ? How to access </a:t>
+            </a:r>
+            <a:r>
+              <a:rPr lang="en-US" dirty="0" err="1" smtClean="0"/>
+              <a:t>struct</a:t>
+            </a:r>
+            <a:r>
+              <a:rPr lang="en-US" dirty="0" smtClean="0"/>
+              <a:t> member using </a:t>
+            </a:r>
+            <a:r>
+              <a:rPr lang="en-US" dirty="0" err="1" smtClean="0"/>
+              <a:t>ptr</a:t>
+            </a:r>
+            <a:endParaRPr lang="en-US" dirty="0" smtClean="0"/>
+          </a:p>
+          <a:p>
+            <a:pPr marL="137160" indent="0">
+              <a:buNone/>
+            </a:pPr>
+            <a:r>
+              <a:rPr lang="en-US" dirty="0" err="1" smtClean="0"/>
+              <a:t>Struct</a:t>
+            </a:r>
+            <a:r>
+              <a:rPr lang="en-US" dirty="0" smtClean="0"/>
+              <a:t> </a:t>
+            </a:r>
+            <a:r>
+              <a:rPr lang="en-US" dirty="0" err="1" smtClean="0"/>
+              <a:t>vs</a:t>
+            </a:r>
+            <a:r>
+              <a:rPr lang="en-US" dirty="0" smtClean="0"/>
+              <a:t> array</a:t>
+            </a:r>
+          </a:p>
+          <a:p>
+            <a:pPr marL="137160" indent="0">
+              <a:buNone/>
+            </a:pPr>
+            <a:r>
+              <a:rPr lang="en-US" dirty="0" smtClean="0"/>
+              <a:t>Structure array</a:t>
+            </a:r>
+          </a:p>
+          <a:p>
+            <a:pPr marL="137160" indent="0">
+              <a:buNone/>
+            </a:pPr>
+            <a:r>
+              <a:rPr lang="en-US" dirty="0" smtClean="0"/>
+              <a:t>Structure function</a:t>
+            </a:r>
+          </a:p>
+          <a:p>
+            <a:pPr marL="137160" indent="0">
+              <a:buNone/>
+            </a:pPr>
+            <a:r>
+              <a:rPr lang="en-US" dirty="0" smtClean="0"/>
+              <a:t>Structure typecast</a:t>
+            </a:r>
+          </a:p>
+          <a:p>
+            <a:pPr marL="137160" indent="0">
+              <a:buNone/>
+            </a:pPr>
+            <a:r>
+              <a:rPr lang="en-US" dirty="0" smtClean="0"/>
+              <a:t>How to dereference structure pointer</a:t>
+            </a:r>
+          </a:p>
+          <a:p>
+            <a:pPr marL="137160" indent="0">
+              <a:buNone/>
+            </a:pPr>
+            <a:r>
+              <a:rPr lang="en-US" dirty="0" smtClean="0"/>
+              <a:t>Bit fields</a:t>
+            </a:r>
+          </a:p>
+          <a:p>
+            <a:pPr marL="137160" indent="0">
+              <a:buNone/>
+            </a:pPr>
+            <a:r>
+              <a:rPr lang="en-US" dirty="0" smtClean="0"/>
+              <a:t>Padding </a:t>
+            </a:r>
+            <a:r>
+              <a:rPr lang="en-US" dirty="0" err="1" smtClean="0"/>
+              <a:t>vs</a:t>
+            </a:r>
+            <a:r>
+              <a:rPr lang="en-US" dirty="0" smtClean="0"/>
+              <a:t> packing</a:t>
+            </a:r>
+          </a:p>
+          <a:p>
+            <a:pPr marL="137160" indent="0">
+              <a:buNone/>
+            </a:pPr>
+            <a:r>
+              <a:rPr lang="en-US" dirty="0" smtClean="0"/>
+              <a:t>Pragma pack 1,2,4,16</a:t>
+            </a:r>
+          </a:p>
+          <a:p>
+            <a:pPr marL="137160" indent="0">
+              <a:buNone/>
+            </a:pPr>
+            <a:r>
+              <a:rPr lang="en-US" dirty="0" smtClean="0"/>
+              <a:t>Pragma once #pragma once </a:t>
+            </a:r>
+            <a:r>
+              <a:rPr lang="en-US" dirty="0" err="1" smtClean="0"/>
+              <a:t>file_name</a:t>
+            </a:r>
+            <a:endParaRPr lang="en-US" dirty="0" smtClean="0"/>
+          </a:p>
+          <a:p>
+            <a:pPr marL="137160" indent="0">
+              <a:buNone/>
+            </a:pPr>
+            <a:r>
+              <a:rPr lang="en-US" dirty="0" smtClean="0"/>
+              <a:t>Header guard-&gt;#</a:t>
+            </a:r>
+            <a:r>
+              <a:rPr lang="en-US" dirty="0" err="1" smtClean="0"/>
+              <a:t>ifndef</a:t>
+            </a:r>
+            <a:r>
+              <a:rPr lang="en-US" dirty="0" smtClean="0"/>
+              <a:t>    #define  #</a:t>
+            </a:r>
+            <a:r>
+              <a:rPr lang="en-US" dirty="0" err="1" smtClean="0"/>
+              <a:t>endif</a:t>
+            </a:r>
+            <a:r>
+              <a:rPr lang="en-US" dirty="0" smtClean="0"/>
+              <a:t>         </a:t>
+            </a:r>
+          </a:p>
+          <a:p>
+            <a:pPr marL="137160" indent="0">
+              <a:buNone/>
+            </a:pPr>
+            <a:r>
+              <a:rPr lang="en-US" dirty="0" smtClean="0"/>
+              <a:t>Pragma once </a:t>
+            </a:r>
+            <a:r>
+              <a:rPr lang="en-US" dirty="0" err="1" smtClean="0"/>
+              <a:t>vs</a:t>
+            </a:r>
+            <a:r>
+              <a:rPr lang="en-US" dirty="0" smtClean="0"/>
+              <a:t> header guards</a:t>
+            </a:r>
+          </a:p>
+          <a:p>
+            <a:pPr marL="137160" indent="0">
+              <a:buNone/>
+            </a:pPr>
+            <a:r>
+              <a:rPr lang="en-US" dirty="0" smtClean="0"/>
+              <a:t>How to use union to define register?</a:t>
+            </a:r>
+          </a:p>
+          <a:p>
+            <a:pPr marL="137160" indent="0">
+              <a:buNone/>
+            </a:pPr>
+            <a:r>
+              <a:rPr lang="en-US" dirty="0" smtClean="0"/>
+              <a:t>Enumeration</a:t>
+            </a:r>
+          </a:p>
+          <a:p>
+            <a:pPr marL="137160" indent="0">
+              <a:buNone/>
+            </a:pPr>
+            <a:r>
+              <a:rPr lang="en-US" dirty="0" smtClean="0"/>
+              <a:t>Nested </a:t>
+            </a:r>
+            <a:r>
+              <a:rPr lang="en-US" dirty="0" err="1" smtClean="0"/>
+              <a:t>struct</a:t>
+            </a:r>
+            <a:endParaRPr lang="en-US" dirty="0" smtClean="0"/>
+          </a:p>
+          <a:p>
+            <a:pPr marL="137160" indent="0">
+              <a:buNone/>
+            </a:pPr>
+            <a:endParaRPr lang="en-US" dirty="0"/>
           </a:p>
         </p:txBody>
       </p:sp>
@@ -3653,6 +6286,1895 @@
     <p:extLst>
       <p:ext uri="{BB962C8B-B14F-4D97-AF65-F5344CB8AC3E}">
         <p14:creationId xmlns:p14="http://schemas.microsoft.com/office/powerpoint/2010/main" val="1868052528"/>
+      </p:ext>
+    </p:extLst>
+  </p:cSld>
+  <p:clrMapOvr>
+    <a:masterClrMapping/>
+  </p:clrMapOvr>
+</p:sld>
+</file>
+
+<file path=ppt/slides/slide4.xml><?xml version="1.0" encoding="utf-8"?>
+<p:sld xmlns:a="http://schemas.openxmlformats.org/drawingml/2006/main" xmlns:r="http://schemas.openxmlformats.org/officeDocument/2006/relationships" xmlns:p="http://schemas.openxmlformats.org/presentationml/2006/main">
+  <p:cSld>
+    <p:spTree>
+      <p:nvGrpSpPr>
+        <p:cNvPr id="1" name=""/>
+        <p:cNvGrpSpPr/>
+        <p:nvPr/>
+      </p:nvGrpSpPr>
+      <p:grpSpPr>
+        <a:xfrm>
+          <a:off x="0" y="0"/>
+          <a:ext cx="0" cy="0"/>
+          <a:chOff x="0" y="0"/>
+          <a:chExt cx="0" cy="0"/>
+        </a:xfrm>
+      </p:grpSpPr>
+      <p:sp>
+        <p:nvSpPr>
+          <p:cNvPr id="2" name="Title 1"/>
+          <p:cNvSpPr>
+            <a:spLocks noGrp="1"/>
+          </p:cNvSpPr>
+          <p:nvPr>
+            <p:ph type="title"/>
+          </p:nvPr>
+        </p:nvSpPr>
+        <p:spPr/>
+        <p:txBody>
+          <a:bodyPr/>
+          <a:lstStyle/>
+          <a:p>
+            <a:r>
+              <a:rPr lang="en-US" dirty="0" err="1" smtClean="0"/>
+              <a:t>Struct</a:t>
+            </a:r>
+            <a:r>
+              <a:rPr lang="en-US" dirty="0" smtClean="0"/>
+              <a:t> </a:t>
+            </a:r>
+            <a:r>
+              <a:rPr lang="en-US" dirty="0" err="1" smtClean="0"/>
+              <a:t>vs</a:t>
+            </a:r>
+            <a:r>
+              <a:rPr lang="en-US" dirty="0" smtClean="0"/>
+              <a:t> union</a:t>
+            </a:r>
+            <a:endParaRPr lang="en-US" dirty="0"/>
+          </a:p>
+        </p:txBody>
+      </p:sp>
+      <p:pic>
+        <p:nvPicPr>
+          <p:cNvPr id="4" name="Content Placeholder 3"/>
+          <p:cNvPicPr>
+            <a:picLocks noGrp="1" noChangeAspect="1"/>
+          </p:cNvPicPr>
+          <p:nvPr>
+            <p:ph idx="1"/>
+          </p:nvPr>
+        </p:nvPicPr>
+        <p:blipFill>
+          <a:blip r:embed="rId2">
+            <a:extLst>
+              <a:ext uri="{28A0092B-C50C-407E-A947-70E740481C1C}">
+                <a14:useLocalDpi xmlns:a14="http://schemas.microsoft.com/office/drawing/2010/main" val="0"/>
+              </a:ext>
+            </a:extLst>
+          </a:blip>
+          <a:stretch>
+            <a:fillRect/>
+          </a:stretch>
+        </p:blipFill>
+        <p:spPr>
+          <a:xfrm>
+            <a:off x="533400" y="1981200"/>
+            <a:ext cx="8445108" cy="3630822"/>
+          </a:xfrm>
+        </p:spPr>
+      </p:pic>
+    </p:spTree>
+    <p:extLst>
+      <p:ext uri="{BB962C8B-B14F-4D97-AF65-F5344CB8AC3E}">
+        <p14:creationId xmlns:p14="http://schemas.microsoft.com/office/powerpoint/2010/main" val="2330010912"/>
+      </p:ext>
+    </p:extLst>
+  </p:cSld>
+  <p:clrMapOvr>
+    <a:masterClrMapping/>
+  </p:clrMapOvr>
+</p:sld>
+</file>
+
+<file path=ppt/slides/slide5.xml><?xml version="1.0" encoding="utf-8"?>
+<p:sld xmlns:a="http://schemas.openxmlformats.org/drawingml/2006/main" xmlns:r="http://schemas.openxmlformats.org/officeDocument/2006/relationships" xmlns:p="http://schemas.openxmlformats.org/presentationml/2006/main">
+  <p:cSld>
+    <p:spTree>
+      <p:nvGrpSpPr>
+        <p:cNvPr id="1" name=""/>
+        <p:cNvGrpSpPr/>
+        <p:nvPr/>
+      </p:nvGrpSpPr>
+      <p:grpSpPr>
+        <a:xfrm>
+          <a:off x="0" y="0"/>
+          <a:ext cx="0" cy="0"/>
+          <a:chOff x="0" y="0"/>
+          <a:chExt cx="0" cy="0"/>
+        </a:xfrm>
+      </p:grpSpPr>
+      <p:sp>
+        <p:nvSpPr>
+          <p:cNvPr id="2" name="Title 1"/>
+          <p:cNvSpPr>
+            <a:spLocks noGrp="1"/>
+          </p:cNvSpPr>
+          <p:nvPr>
+            <p:ph type="title"/>
+          </p:nvPr>
+        </p:nvSpPr>
+        <p:spPr>
+          <a:xfrm>
+            <a:off x="457200" y="274638"/>
+            <a:ext cx="8229600" cy="563562"/>
+          </a:xfrm>
+        </p:spPr>
+        <p:txBody>
+          <a:bodyPr>
+            <a:normAutofit fontScale="90000"/>
+          </a:bodyPr>
+          <a:lstStyle/>
+          <a:p>
+            <a:r>
+              <a:rPr lang="en-US" dirty="0" smtClean="0"/>
+              <a:t>Structure </a:t>
+            </a:r>
+            <a:r>
+              <a:rPr lang="en-US" dirty="0" err="1" smtClean="0"/>
+              <a:t>vs</a:t>
+            </a:r>
+            <a:r>
+              <a:rPr lang="en-US" dirty="0" smtClean="0"/>
+              <a:t> union</a:t>
+            </a:r>
+            <a:endParaRPr lang="en-US" dirty="0"/>
+          </a:p>
+        </p:txBody>
+      </p:sp>
+      <p:sp>
+        <p:nvSpPr>
+          <p:cNvPr id="3" name="Content Placeholder 2"/>
+          <p:cNvSpPr>
+            <a:spLocks noGrp="1"/>
+          </p:cNvSpPr>
+          <p:nvPr>
+            <p:ph idx="1"/>
+          </p:nvPr>
+        </p:nvSpPr>
+        <p:spPr>
+          <a:xfrm>
+            <a:off x="457200" y="762000"/>
+            <a:ext cx="8229600" cy="5547360"/>
+          </a:xfrm>
+        </p:spPr>
+        <p:txBody>
+          <a:bodyPr>
+            <a:normAutofit fontScale="62500" lnSpcReduction="20000"/>
+          </a:bodyPr>
+          <a:lstStyle/>
+          <a:p>
+            <a:pPr marL="137160" indent="0">
+              <a:buNone/>
+            </a:pPr>
+            <a:endParaRPr lang="en-US" dirty="0" smtClean="0"/>
+          </a:p>
+          <a:p>
+            <a:pPr marL="137160" indent="0">
+              <a:buNone/>
+            </a:pPr>
+            <a:r>
+              <a:rPr lang="en-US" dirty="0" smtClean="0"/>
+              <a:t>#</a:t>
+            </a:r>
+            <a:r>
+              <a:rPr lang="en-US" dirty="0"/>
+              <a:t>include &lt;</a:t>
+            </a:r>
+            <a:r>
+              <a:rPr lang="en-US" dirty="0" err="1"/>
+              <a:t>stdio.h</a:t>
+            </a:r>
+            <a:r>
+              <a:rPr lang="en-US" dirty="0"/>
+              <a:t>&gt; </a:t>
+            </a:r>
+          </a:p>
+          <a:p>
+            <a:pPr marL="137160" indent="0">
+              <a:buNone/>
+            </a:pPr>
+            <a:r>
+              <a:rPr lang="en-US" dirty="0"/>
+              <a:t>#include &lt;</a:t>
+            </a:r>
+            <a:r>
+              <a:rPr lang="en-US" dirty="0" err="1"/>
+              <a:t>string.h</a:t>
+            </a:r>
+            <a:r>
+              <a:rPr lang="en-US" dirty="0"/>
+              <a:t>&gt; </a:t>
+            </a:r>
+          </a:p>
+          <a:p>
+            <a:pPr marL="137160" indent="0">
+              <a:buNone/>
+            </a:pPr>
+            <a:endParaRPr lang="en-US" dirty="0"/>
+          </a:p>
+          <a:p>
+            <a:pPr marL="137160" indent="0">
+              <a:buNone/>
+            </a:pPr>
+            <a:r>
+              <a:rPr lang="en-US" dirty="0"/>
+              <a:t>// declaring structure </a:t>
+            </a:r>
+          </a:p>
+          <a:p>
+            <a:pPr marL="137160" indent="0">
+              <a:buNone/>
+            </a:pPr>
+            <a:r>
+              <a:rPr lang="en-US" dirty="0" err="1"/>
+              <a:t>struct</a:t>
+            </a:r>
+            <a:r>
+              <a:rPr lang="en-US" dirty="0"/>
+              <a:t> </a:t>
+            </a:r>
+            <a:r>
+              <a:rPr lang="en-US" dirty="0" err="1"/>
+              <a:t>struct_example</a:t>
+            </a:r>
+            <a:r>
+              <a:rPr lang="en-US" dirty="0"/>
+              <a:t> </a:t>
+            </a:r>
+          </a:p>
+          <a:p>
+            <a:pPr marL="137160" indent="0">
+              <a:buNone/>
+            </a:pPr>
+            <a:r>
+              <a:rPr lang="en-US" dirty="0"/>
+              <a:t>{ </a:t>
+            </a:r>
+          </a:p>
+          <a:p>
+            <a:pPr marL="137160" indent="0">
+              <a:buNone/>
+            </a:pPr>
+            <a:r>
+              <a:rPr lang="en-US" dirty="0"/>
+              <a:t>	</a:t>
+            </a:r>
+            <a:r>
+              <a:rPr lang="en-US" dirty="0" err="1"/>
+              <a:t>int</a:t>
+            </a:r>
+            <a:r>
+              <a:rPr lang="en-US" dirty="0"/>
+              <a:t> </a:t>
+            </a:r>
+            <a:r>
+              <a:rPr lang="en-US" dirty="0" smtClean="0"/>
+              <a:t>integer; </a:t>
+            </a:r>
+            <a:endParaRPr lang="en-US" dirty="0"/>
+          </a:p>
+          <a:p>
+            <a:pPr marL="137160" indent="0">
+              <a:buNone/>
+            </a:pPr>
+            <a:r>
+              <a:rPr lang="en-US" dirty="0"/>
+              <a:t>	float </a:t>
+            </a:r>
+            <a:r>
+              <a:rPr lang="en-US" dirty="0" err="1" smtClean="0"/>
+              <a:t>deicmal</a:t>
+            </a:r>
+            <a:r>
+              <a:rPr lang="en-US" dirty="0" smtClean="0"/>
+              <a:t>; </a:t>
+            </a:r>
+            <a:endParaRPr lang="en-US" dirty="0"/>
+          </a:p>
+          <a:p>
+            <a:pPr marL="137160" indent="0">
+              <a:buNone/>
+            </a:pPr>
+            <a:r>
+              <a:rPr lang="en-US" dirty="0"/>
+              <a:t>	char name[20</a:t>
+            </a:r>
+            <a:r>
+              <a:rPr lang="en-US" dirty="0" smtClean="0"/>
+              <a:t>]; </a:t>
+            </a:r>
+            <a:endParaRPr lang="en-US" dirty="0"/>
+          </a:p>
+          <a:p>
+            <a:pPr marL="137160" indent="0">
+              <a:buNone/>
+            </a:pPr>
+            <a:r>
+              <a:rPr lang="en-US" dirty="0" smtClean="0"/>
+              <a:t>};</a:t>
+            </a:r>
+          </a:p>
+          <a:p>
+            <a:pPr marL="137160" indent="0">
+              <a:buNone/>
+            </a:pPr>
+            <a:r>
+              <a:rPr lang="en-US" dirty="0" smtClean="0"/>
+              <a:t> </a:t>
+            </a:r>
+          </a:p>
+          <a:p>
+            <a:pPr marL="137160" indent="0">
+              <a:buNone/>
+            </a:pPr>
+            <a:r>
+              <a:rPr lang="en-US" dirty="0" smtClean="0"/>
+              <a:t>// </a:t>
+            </a:r>
+            <a:r>
+              <a:rPr lang="en-US" dirty="0" err="1"/>
+              <a:t>declaraing</a:t>
+            </a:r>
+            <a:r>
+              <a:rPr lang="en-US" dirty="0"/>
+              <a:t> union </a:t>
+            </a:r>
+          </a:p>
+          <a:p>
+            <a:pPr marL="137160" indent="0">
+              <a:buNone/>
+            </a:pPr>
+            <a:endParaRPr lang="en-US" dirty="0"/>
+          </a:p>
+          <a:p>
+            <a:pPr marL="137160" indent="0">
+              <a:buNone/>
+            </a:pPr>
+            <a:r>
+              <a:rPr lang="en-US" dirty="0"/>
+              <a:t>union </a:t>
+            </a:r>
+            <a:r>
+              <a:rPr lang="en-US" dirty="0" err="1"/>
+              <a:t>union_example</a:t>
+            </a:r>
+            <a:r>
+              <a:rPr lang="en-US" dirty="0"/>
+              <a:t> </a:t>
+            </a:r>
+          </a:p>
+          <a:p>
+            <a:pPr marL="137160" indent="0">
+              <a:buNone/>
+            </a:pPr>
+            <a:r>
+              <a:rPr lang="en-US" dirty="0"/>
+              <a:t>{ </a:t>
+            </a:r>
+          </a:p>
+          <a:p>
+            <a:pPr marL="137160" indent="0">
+              <a:buNone/>
+            </a:pPr>
+            <a:r>
+              <a:rPr lang="en-US" dirty="0"/>
+              <a:t>	</a:t>
+            </a:r>
+            <a:r>
+              <a:rPr lang="en-US" dirty="0" err="1"/>
+              <a:t>int</a:t>
+            </a:r>
+            <a:r>
+              <a:rPr lang="en-US" dirty="0"/>
+              <a:t> integer; </a:t>
+            </a:r>
+          </a:p>
+          <a:p>
+            <a:pPr marL="137160" indent="0">
+              <a:buNone/>
+            </a:pPr>
+            <a:r>
+              <a:rPr lang="en-US" dirty="0"/>
+              <a:t>	float decimal; </a:t>
+            </a:r>
+          </a:p>
+          <a:p>
+            <a:pPr marL="137160" indent="0">
+              <a:buNone/>
+            </a:pPr>
+            <a:r>
+              <a:rPr lang="en-US" dirty="0"/>
+              <a:t>	char name[20]; </a:t>
+            </a:r>
+          </a:p>
+          <a:p>
+            <a:pPr marL="137160" indent="0">
+              <a:buNone/>
+            </a:pPr>
+            <a:r>
+              <a:rPr lang="en-US" dirty="0"/>
+              <a:t>}; </a:t>
+            </a:r>
+          </a:p>
+        </p:txBody>
+      </p:sp>
+    </p:spTree>
+    <p:extLst>
+      <p:ext uri="{BB962C8B-B14F-4D97-AF65-F5344CB8AC3E}">
+        <p14:creationId xmlns:p14="http://schemas.microsoft.com/office/powerpoint/2010/main" val="2050276453"/>
+      </p:ext>
+    </p:extLst>
+  </p:cSld>
+  <p:clrMapOvr>
+    <a:masterClrMapping/>
+  </p:clrMapOvr>
+</p:sld>
+</file>
+
+<file path=ppt/slides/slide6.xml><?xml version="1.0" encoding="utf-8"?>
+<p:sld xmlns:a="http://schemas.openxmlformats.org/drawingml/2006/main" xmlns:r="http://schemas.openxmlformats.org/officeDocument/2006/relationships" xmlns:p="http://schemas.openxmlformats.org/presentationml/2006/main">
+  <p:cSld>
+    <p:spTree>
+      <p:nvGrpSpPr>
+        <p:cNvPr id="1" name=""/>
+        <p:cNvGrpSpPr/>
+        <p:nvPr/>
+      </p:nvGrpSpPr>
+      <p:grpSpPr>
+        <a:xfrm>
+          <a:off x="0" y="0"/>
+          <a:ext cx="0" cy="0"/>
+          <a:chOff x="0" y="0"/>
+          <a:chExt cx="0" cy="0"/>
+        </a:xfrm>
+      </p:grpSpPr>
+      <p:sp>
+        <p:nvSpPr>
+          <p:cNvPr id="3" name="Content Placeholder 2"/>
+          <p:cNvSpPr>
+            <a:spLocks noGrp="1"/>
+          </p:cNvSpPr>
+          <p:nvPr>
+            <p:ph idx="1"/>
+          </p:nvPr>
+        </p:nvSpPr>
+        <p:spPr>
+          <a:xfrm>
+            <a:off x="457200" y="0"/>
+            <a:ext cx="8229600" cy="6781800"/>
+          </a:xfrm>
+        </p:spPr>
+        <p:txBody>
+          <a:bodyPr>
+            <a:normAutofit/>
+          </a:bodyPr>
+          <a:lstStyle/>
+          <a:p>
+            <a:pPr marL="137160" indent="0">
+              <a:buNone/>
+            </a:pPr>
+            <a:endParaRPr lang="en-US" sz="2400" dirty="0"/>
+          </a:p>
+          <a:p>
+            <a:pPr marL="137160" indent="0">
+              <a:buNone/>
+            </a:pPr>
+            <a:r>
+              <a:rPr lang="en-US" sz="2000" dirty="0"/>
+              <a:t>	</a:t>
+            </a:r>
+            <a:r>
+              <a:rPr lang="en-US" sz="2000" dirty="0" err="1"/>
+              <a:t>struct</a:t>
+            </a:r>
+            <a:r>
+              <a:rPr lang="en-US" sz="2000" dirty="0"/>
+              <a:t> </a:t>
+            </a:r>
+            <a:r>
+              <a:rPr lang="en-US" sz="2000" dirty="0" err="1"/>
+              <a:t>struct_example</a:t>
+            </a:r>
+            <a:r>
+              <a:rPr lang="en-US" sz="2000" dirty="0"/>
+              <a:t> s={18,38,"geeksforgeeks"}; </a:t>
+            </a:r>
+          </a:p>
+          <a:p>
+            <a:pPr marL="137160" indent="0">
+              <a:buNone/>
+            </a:pPr>
+            <a:r>
+              <a:rPr lang="en-US" sz="2000" dirty="0"/>
+              <a:t>	union </a:t>
+            </a:r>
+            <a:r>
+              <a:rPr lang="en-US" sz="2000" dirty="0" err="1"/>
+              <a:t>union_example</a:t>
+            </a:r>
+            <a:r>
+              <a:rPr lang="en-US" sz="2000" dirty="0"/>
+              <a:t> u={18,38,"geeksforgeeks"}; </a:t>
+            </a:r>
+          </a:p>
+          <a:p>
+            <a:pPr marL="137160" indent="0">
+              <a:buNone/>
+            </a:pPr>
+            <a:endParaRPr lang="en-US" sz="2000" dirty="0"/>
+          </a:p>
+          <a:p>
+            <a:pPr marL="137160" indent="0">
+              <a:buNone/>
+            </a:pPr>
+            <a:r>
+              <a:rPr lang="en-US" sz="2000" dirty="0"/>
+              <a:t>		</a:t>
+            </a:r>
+          </a:p>
+          <a:p>
+            <a:pPr marL="137160" indent="0">
+              <a:buNone/>
+            </a:pPr>
+            <a:r>
+              <a:rPr lang="en-US" sz="2000" dirty="0"/>
+              <a:t>	</a:t>
+            </a:r>
+            <a:r>
+              <a:rPr lang="en-US" sz="2000" dirty="0" err="1"/>
+              <a:t>printf</a:t>
+            </a:r>
+            <a:r>
+              <a:rPr lang="en-US" sz="2000" dirty="0"/>
+              <a:t>("structure data:\n integer: %d\n"</a:t>
+            </a:r>
+          </a:p>
+          <a:p>
+            <a:pPr marL="137160" indent="0">
+              <a:buNone/>
+            </a:pPr>
+            <a:r>
+              <a:rPr lang="en-US" sz="2000" dirty="0"/>
+              <a:t>				"decimal: %.2f\n name: %s\n", </a:t>
+            </a:r>
+          </a:p>
+          <a:p>
+            <a:pPr marL="137160" indent="0">
+              <a:buNone/>
+            </a:pPr>
+            <a:r>
+              <a:rPr lang="en-US" sz="2000" dirty="0"/>
+              <a:t>				</a:t>
+            </a:r>
+            <a:r>
+              <a:rPr lang="en-US" sz="2000" dirty="0" err="1"/>
+              <a:t>s.integer</a:t>
+            </a:r>
+            <a:r>
+              <a:rPr lang="en-US" sz="2000" dirty="0"/>
+              <a:t>, </a:t>
+            </a:r>
+            <a:r>
+              <a:rPr lang="en-US" sz="2000" dirty="0" err="1"/>
+              <a:t>s.decimal</a:t>
+            </a:r>
+            <a:r>
+              <a:rPr lang="en-US" sz="2000" dirty="0"/>
+              <a:t>, s.name); </a:t>
+            </a:r>
+          </a:p>
+          <a:p>
+            <a:pPr marL="137160" indent="0">
+              <a:buNone/>
+            </a:pPr>
+            <a:r>
+              <a:rPr lang="en-US" sz="2000" dirty="0"/>
+              <a:t>	</a:t>
+            </a:r>
+            <a:r>
+              <a:rPr lang="en-US" sz="2000" dirty="0" err="1"/>
+              <a:t>printf</a:t>
+            </a:r>
+            <a:r>
+              <a:rPr lang="en-US" sz="2000" dirty="0"/>
+              <a:t>("\</a:t>
+            </a:r>
+            <a:r>
+              <a:rPr lang="en-US" sz="2000" dirty="0" err="1"/>
+              <a:t>nunion</a:t>
+            </a:r>
+            <a:r>
+              <a:rPr lang="en-US" sz="2000" dirty="0"/>
+              <a:t> data:\n </a:t>
+            </a:r>
+            <a:r>
+              <a:rPr lang="en-US" sz="2000" dirty="0" err="1"/>
+              <a:t>integeer</a:t>
+            </a:r>
+            <a:r>
+              <a:rPr lang="en-US" sz="2000" dirty="0"/>
+              <a:t>: %d\n"</a:t>
+            </a:r>
+          </a:p>
+          <a:p>
+            <a:pPr marL="137160" indent="0">
+              <a:buNone/>
+            </a:pPr>
+            <a:r>
+              <a:rPr lang="en-US" sz="2000" dirty="0"/>
+              <a:t>				"decimal: %.2f\n name: %s\n", </a:t>
+            </a:r>
+          </a:p>
+          <a:p>
+            <a:pPr marL="137160" indent="0">
+              <a:buNone/>
+            </a:pPr>
+            <a:r>
+              <a:rPr lang="en-US" sz="2000" dirty="0"/>
+              <a:t>				</a:t>
+            </a:r>
+            <a:r>
+              <a:rPr lang="en-US" sz="2000" dirty="0" err="1"/>
+              <a:t>u.integer</a:t>
+            </a:r>
+            <a:r>
+              <a:rPr lang="en-US" sz="2000" dirty="0"/>
+              <a:t>, </a:t>
+            </a:r>
+            <a:r>
+              <a:rPr lang="en-US" sz="2000" dirty="0" err="1"/>
+              <a:t>u.decimal</a:t>
+            </a:r>
+            <a:r>
+              <a:rPr lang="en-US" sz="2000" dirty="0"/>
+              <a:t>, u.name); </a:t>
+            </a:r>
+          </a:p>
+          <a:p>
+            <a:pPr marL="137160" indent="0">
+              <a:buNone/>
+            </a:pPr>
+            <a:endParaRPr lang="en-US" dirty="0"/>
+          </a:p>
+          <a:p>
+            <a:pPr marL="137160" indent="0">
+              <a:buNone/>
+            </a:pPr>
+            <a:endParaRPr lang="en-US" dirty="0"/>
+          </a:p>
+          <a:p>
+            <a:pPr marL="137160" indent="0">
+              <a:buNone/>
+            </a:pPr>
+            <a:r>
+              <a:rPr lang="en-US" dirty="0"/>
+              <a:t>	</a:t>
+            </a:r>
+          </a:p>
+        </p:txBody>
+      </p:sp>
+    </p:spTree>
+    <p:extLst>
+      <p:ext uri="{BB962C8B-B14F-4D97-AF65-F5344CB8AC3E}">
+        <p14:creationId xmlns:p14="http://schemas.microsoft.com/office/powerpoint/2010/main" val="1898689156"/>
+      </p:ext>
+    </p:extLst>
+  </p:cSld>
+  <p:clrMapOvr>
+    <a:masterClrMapping/>
+  </p:clrMapOvr>
+</p:sld>
+</file>
+
+<file path=ppt/slides/slide7.xml><?xml version="1.0" encoding="utf-8"?>
+<p:sld xmlns:a="http://schemas.openxmlformats.org/drawingml/2006/main" xmlns:r="http://schemas.openxmlformats.org/officeDocument/2006/relationships" xmlns:p="http://schemas.openxmlformats.org/presentationml/2006/main">
+  <p:cSld>
+    <p:spTree>
+      <p:nvGrpSpPr>
+        <p:cNvPr id="1" name=""/>
+        <p:cNvGrpSpPr/>
+        <p:nvPr/>
+      </p:nvGrpSpPr>
+      <p:grpSpPr>
+        <a:xfrm>
+          <a:off x="0" y="0"/>
+          <a:ext cx="0" cy="0"/>
+          <a:chOff x="0" y="0"/>
+          <a:chExt cx="0" cy="0"/>
+        </a:xfrm>
+      </p:grpSpPr>
+      <p:sp>
+        <p:nvSpPr>
+          <p:cNvPr id="3" name="Content Placeholder 2"/>
+          <p:cNvSpPr>
+            <a:spLocks noGrp="1"/>
+          </p:cNvSpPr>
+          <p:nvPr>
+            <p:ph idx="1"/>
+          </p:nvPr>
+        </p:nvSpPr>
+        <p:spPr>
+          <a:xfrm>
+            <a:off x="457200" y="457200"/>
+            <a:ext cx="8229600" cy="6400800"/>
+          </a:xfrm>
+        </p:spPr>
+        <p:txBody>
+          <a:bodyPr>
+            <a:normAutofit fontScale="40000" lnSpcReduction="20000"/>
+          </a:bodyPr>
+          <a:lstStyle/>
+          <a:p>
+            <a:pPr marL="137160" indent="0">
+              <a:buNone/>
+            </a:pPr>
+            <a:r>
+              <a:rPr lang="en-US" sz="4000" dirty="0" smtClean="0"/>
+              <a:t>	// </a:t>
+            </a:r>
+            <a:r>
+              <a:rPr lang="en-US" sz="4000" dirty="0"/>
+              <a:t>difference two and three </a:t>
+            </a:r>
+            <a:endParaRPr lang="en-US" sz="4000" dirty="0" smtClean="0"/>
+          </a:p>
+          <a:p>
+            <a:pPr marL="137160" indent="0">
+              <a:buNone/>
+            </a:pPr>
+            <a:endParaRPr lang="en-US" sz="4000" dirty="0"/>
+          </a:p>
+          <a:p>
+            <a:pPr marL="137160" indent="0">
+              <a:buNone/>
+            </a:pPr>
+            <a:r>
+              <a:rPr lang="en-US" sz="4000" dirty="0"/>
+              <a:t>	</a:t>
+            </a:r>
+            <a:r>
+              <a:rPr lang="en-US" sz="4000" dirty="0" err="1"/>
+              <a:t>printf</a:t>
+            </a:r>
+            <a:r>
+              <a:rPr lang="en-US" sz="4000" dirty="0"/>
+              <a:t>("\</a:t>
+            </a:r>
+            <a:r>
+              <a:rPr lang="en-US" sz="4000" dirty="0" err="1"/>
+              <a:t>nsizeof</a:t>
+            </a:r>
+            <a:r>
+              <a:rPr lang="en-US" sz="4000" dirty="0"/>
+              <a:t> structure : %d\n", </a:t>
+            </a:r>
+            <a:r>
+              <a:rPr lang="en-US" sz="4000" dirty="0" err="1"/>
+              <a:t>sizeof</a:t>
+            </a:r>
+            <a:r>
+              <a:rPr lang="en-US" sz="4000" dirty="0"/>
+              <a:t>(s)); </a:t>
+            </a:r>
+          </a:p>
+          <a:p>
+            <a:pPr marL="137160" indent="0">
+              <a:buNone/>
+            </a:pPr>
+            <a:r>
+              <a:rPr lang="en-US" sz="4000" dirty="0"/>
+              <a:t>	</a:t>
+            </a:r>
+            <a:r>
+              <a:rPr lang="en-US" sz="4000" dirty="0" err="1"/>
+              <a:t>printf</a:t>
+            </a:r>
+            <a:r>
+              <a:rPr lang="en-US" sz="4000" dirty="0"/>
+              <a:t>("</a:t>
+            </a:r>
+            <a:r>
+              <a:rPr lang="en-US" sz="4000" dirty="0" err="1"/>
+              <a:t>sizeof</a:t>
+            </a:r>
+            <a:r>
+              <a:rPr lang="en-US" sz="4000" dirty="0"/>
+              <a:t> union : %d\n", </a:t>
+            </a:r>
+            <a:r>
+              <a:rPr lang="en-US" sz="4000" dirty="0" err="1"/>
+              <a:t>sizeof</a:t>
+            </a:r>
+            <a:r>
+              <a:rPr lang="en-US" sz="4000" dirty="0"/>
+              <a:t>(u)); </a:t>
+            </a:r>
+          </a:p>
+          <a:p>
+            <a:pPr marL="137160" indent="0">
+              <a:buNone/>
+            </a:pPr>
+            <a:r>
+              <a:rPr lang="en-US" sz="4000" dirty="0"/>
+              <a:t>	</a:t>
+            </a:r>
+            <a:endParaRPr lang="en-US" sz="4000" dirty="0" smtClean="0"/>
+          </a:p>
+          <a:p>
+            <a:pPr marL="137160" indent="0">
+              <a:buNone/>
+            </a:pPr>
+            <a:endParaRPr lang="en-US" sz="4000" dirty="0"/>
+          </a:p>
+          <a:p>
+            <a:pPr marL="137160" indent="0">
+              <a:buNone/>
+            </a:pPr>
+            <a:r>
+              <a:rPr lang="en-US" sz="4000" dirty="0"/>
+              <a:t>	// difference five </a:t>
+            </a:r>
+            <a:endParaRPr lang="en-US" sz="4000" dirty="0" smtClean="0"/>
+          </a:p>
+          <a:p>
+            <a:pPr marL="137160" indent="0">
+              <a:buNone/>
+            </a:pPr>
+            <a:endParaRPr lang="en-US" sz="4000" dirty="0"/>
+          </a:p>
+          <a:p>
+            <a:pPr marL="137160" indent="0">
+              <a:buNone/>
+            </a:pPr>
+            <a:r>
+              <a:rPr lang="en-US" sz="4000" dirty="0"/>
+              <a:t>	</a:t>
+            </a:r>
+            <a:r>
+              <a:rPr lang="en-US" sz="4000" dirty="0" err="1"/>
+              <a:t>printf</a:t>
+            </a:r>
+            <a:r>
+              <a:rPr lang="en-US" sz="4000" dirty="0"/>
+              <a:t>("\n Accessing all members at a time:"); </a:t>
+            </a:r>
+          </a:p>
+          <a:p>
+            <a:pPr marL="137160" indent="0">
+              <a:buNone/>
+            </a:pPr>
+            <a:r>
+              <a:rPr lang="en-US" sz="4000" dirty="0"/>
+              <a:t>	</a:t>
+            </a:r>
+            <a:r>
+              <a:rPr lang="en-US" sz="4000" dirty="0" err="1"/>
+              <a:t>s.integer</a:t>
+            </a:r>
+            <a:r>
+              <a:rPr lang="en-US" sz="4000" dirty="0"/>
+              <a:t> = 183; </a:t>
+            </a:r>
+          </a:p>
+          <a:p>
+            <a:pPr marL="137160" indent="0">
+              <a:buNone/>
+            </a:pPr>
+            <a:r>
+              <a:rPr lang="en-US" sz="4000" dirty="0"/>
+              <a:t>	</a:t>
+            </a:r>
+            <a:r>
+              <a:rPr lang="en-US" sz="4000" dirty="0" err="1"/>
+              <a:t>s.decimal</a:t>
+            </a:r>
+            <a:r>
+              <a:rPr lang="en-US" sz="4000" dirty="0"/>
+              <a:t> = 90; </a:t>
+            </a:r>
+          </a:p>
+          <a:p>
+            <a:pPr marL="137160" indent="0">
+              <a:buNone/>
+            </a:pPr>
+            <a:r>
+              <a:rPr lang="en-US" sz="4000" dirty="0"/>
+              <a:t>	</a:t>
+            </a:r>
+            <a:r>
+              <a:rPr lang="en-US" sz="4000" dirty="0" err="1"/>
+              <a:t>strcpy</a:t>
+            </a:r>
+            <a:r>
+              <a:rPr lang="en-US" sz="4000" dirty="0"/>
+              <a:t>(s.name, "</a:t>
+            </a:r>
+            <a:r>
+              <a:rPr lang="en-US" sz="4000" dirty="0" err="1"/>
+              <a:t>geeksforgeeks</a:t>
+            </a:r>
+            <a:r>
+              <a:rPr lang="en-US" sz="4000" dirty="0"/>
+              <a:t>"); </a:t>
+            </a:r>
+          </a:p>
+          <a:p>
+            <a:pPr marL="137160" indent="0">
+              <a:buNone/>
+            </a:pPr>
+            <a:r>
+              <a:rPr lang="en-US" sz="4000" dirty="0"/>
+              <a:t>	</a:t>
+            </a:r>
+          </a:p>
+          <a:p>
+            <a:pPr marL="137160" indent="0">
+              <a:buNone/>
+            </a:pPr>
+            <a:r>
+              <a:rPr lang="en-US" sz="4000" dirty="0"/>
+              <a:t>	</a:t>
+            </a:r>
+            <a:r>
+              <a:rPr lang="en-US" sz="4000" dirty="0" err="1"/>
+              <a:t>printf</a:t>
+            </a:r>
+            <a:r>
+              <a:rPr lang="en-US" sz="4000" dirty="0"/>
+              <a:t>("structure data:\n integer: %d\n "</a:t>
+            </a:r>
+          </a:p>
+          <a:p>
+            <a:pPr marL="137160" indent="0">
+              <a:buNone/>
+            </a:pPr>
+            <a:r>
+              <a:rPr lang="en-US" sz="4000" dirty="0"/>
+              <a:t>				"decimal: %.2f\n name: %s\n", </a:t>
+            </a:r>
+          </a:p>
+          <a:p>
+            <a:pPr marL="137160" indent="0">
+              <a:buNone/>
+            </a:pPr>
+            <a:r>
+              <a:rPr lang="en-US" sz="4000" dirty="0"/>
+              <a:t>			</a:t>
+            </a:r>
+            <a:r>
+              <a:rPr lang="en-US" sz="4000" dirty="0" err="1"/>
+              <a:t>s.integer</a:t>
+            </a:r>
+            <a:r>
+              <a:rPr lang="en-US" sz="4000" dirty="0"/>
+              <a:t>, </a:t>
+            </a:r>
+            <a:r>
+              <a:rPr lang="en-US" sz="4000" dirty="0" err="1"/>
+              <a:t>s.decimal</a:t>
+            </a:r>
+            <a:r>
+              <a:rPr lang="en-US" sz="4000" dirty="0"/>
+              <a:t>, s.name); </a:t>
+            </a:r>
+          </a:p>
+          <a:p>
+            <a:pPr marL="137160" indent="0">
+              <a:buNone/>
+            </a:pPr>
+            <a:r>
+              <a:rPr lang="en-US" sz="4000" dirty="0"/>
+              <a:t>	</a:t>
+            </a:r>
+          </a:p>
+          <a:p>
+            <a:pPr marL="137160" indent="0">
+              <a:buNone/>
+            </a:pPr>
+            <a:r>
+              <a:rPr lang="en-US" sz="4000" dirty="0"/>
+              <a:t>	</a:t>
+            </a:r>
+            <a:r>
+              <a:rPr lang="en-US" sz="4000" dirty="0" err="1"/>
+              <a:t>u.integer</a:t>
+            </a:r>
+            <a:r>
+              <a:rPr lang="en-US" sz="4000" dirty="0"/>
+              <a:t> = 183; </a:t>
+            </a:r>
+          </a:p>
+          <a:p>
+            <a:pPr marL="137160" indent="0">
+              <a:buNone/>
+            </a:pPr>
+            <a:r>
+              <a:rPr lang="en-US" sz="4000" dirty="0"/>
+              <a:t>	</a:t>
+            </a:r>
+            <a:r>
+              <a:rPr lang="en-US" sz="4000" dirty="0" err="1"/>
+              <a:t>u.decimal</a:t>
+            </a:r>
+            <a:r>
+              <a:rPr lang="en-US" sz="4000" dirty="0"/>
+              <a:t> = 90; </a:t>
+            </a:r>
+          </a:p>
+          <a:p>
+            <a:pPr marL="137160" indent="0">
+              <a:buNone/>
+            </a:pPr>
+            <a:r>
+              <a:rPr lang="en-US" sz="4000" dirty="0"/>
+              <a:t>	</a:t>
+            </a:r>
+            <a:r>
+              <a:rPr lang="en-US" sz="4000" dirty="0" err="1"/>
+              <a:t>strcpy</a:t>
+            </a:r>
+            <a:r>
+              <a:rPr lang="en-US" sz="4000" dirty="0"/>
+              <a:t>(u.name, "</a:t>
+            </a:r>
+            <a:r>
+              <a:rPr lang="en-US" sz="4000" dirty="0" err="1"/>
+              <a:t>geeksforgeeks</a:t>
+            </a:r>
+            <a:r>
+              <a:rPr lang="en-US" sz="4000" dirty="0"/>
+              <a:t>"); </a:t>
+            </a:r>
+          </a:p>
+          <a:p>
+            <a:pPr marL="137160" indent="0">
+              <a:buNone/>
+            </a:pPr>
+            <a:r>
+              <a:rPr lang="en-US" sz="4000" dirty="0"/>
+              <a:t>	</a:t>
+            </a:r>
+          </a:p>
+          <a:p>
+            <a:pPr marL="137160" indent="0">
+              <a:buNone/>
+            </a:pPr>
+            <a:r>
+              <a:rPr lang="en-US" sz="4000" dirty="0"/>
+              <a:t>	</a:t>
+            </a:r>
+            <a:r>
+              <a:rPr lang="en-US" sz="4000" dirty="0" err="1"/>
+              <a:t>printf</a:t>
+            </a:r>
+            <a:r>
+              <a:rPr lang="en-US" sz="4000" dirty="0"/>
+              <a:t>("\</a:t>
+            </a:r>
+            <a:r>
+              <a:rPr lang="en-US" sz="4000" dirty="0" err="1"/>
+              <a:t>nunion</a:t>
+            </a:r>
+            <a:r>
+              <a:rPr lang="en-US" sz="4000" dirty="0"/>
+              <a:t> data:\n </a:t>
+            </a:r>
+            <a:r>
+              <a:rPr lang="en-US" sz="4000" dirty="0" err="1"/>
+              <a:t>integeer</a:t>
+            </a:r>
+            <a:r>
+              <a:rPr lang="en-US" sz="4000" dirty="0"/>
+              <a:t>: %d\n "</a:t>
+            </a:r>
+          </a:p>
+          <a:p>
+            <a:pPr marL="137160" indent="0">
+              <a:buNone/>
+            </a:pPr>
+            <a:r>
+              <a:rPr lang="en-US" sz="4000" dirty="0"/>
+              <a:t>				"decimal: %.2f\n name: %s\n", </a:t>
+            </a:r>
+          </a:p>
+          <a:p>
+            <a:pPr marL="137160" indent="0">
+              <a:buNone/>
+            </a:pPr>
+            <a:r>
+              <a:rPr lang="en-US" sz="4000" dirty="0"/>
+              <a:t>			</a:t>
+            </a:r>
+            <a:r>
+              <a:rPr lang="en-US" sz="4000" dirty="0" err="1"/>
+              <a:t>u.integer</a:t>
+            </a:r>
+            <a:r>
+              <a:rPr lang="en-US" sz="4000" dirty="0"/>
+              <a:t>, </a:t>
+            </a:r>
+            <a:r>
+              <a:rPr lang="en-US" sz="4000" dirty="0" err="1"/>
+              <a:t>u.decimal</a:t>
+            </a:r>
+            <a:r>
+              <a:rPr lang="en-US" sz="4000" dirty="0"/>
+              <a:t>, u.name); </a:t>
+            </a:r>
+          </a:p>
+          <a:p>
+            <a:pPr marL="137160" indent="0">
+              <a:buNone/>
+            </a:pPr>
+            <a:r>
+              <a:rPr lang="en-US" dirty="0"/>
+              <a:t>	</a:t>
+            </a:r>
+          </a:p>
+          <a:p>
+            <a:pPr marL="137160" indent="0">
+              <a:buNone/>
+            </a:pPr>
+            <a:r>
+              <a:rPr lang="en-US" dirty="0"/>
+              <a:t>	</a:t>
+            </a:r>
+          </a:p>
+        </p:txBody>
+      </p:sp>
+    </p:spTree>
+    <p:extLst>
+      <p:ext uri="{BB962C8B-B14F-4D97-AF65-F5344CB8AC3E}">
+        <p14:creationId xmlns:p14="http://schemas.microsoft.com/office/powerpoint/2010/main" val="3510294280"/>
+      </p:ext>
+    </p:extLst>
+  </p:cSld>
+  <p:clrMapOvr>
+    <a:masterClrMapping/>
+  </p:clrMapOvr>
+</p:sld>
+</file>
+
+<file path=ppt/slides/slide8.xml><?xml version="1.0" encoding="utf-8"?>
+<p:sld xmlns:a="http://schemas.openxmlformats.org/drawingml/2006/main" xmlns:r="http://schemas.openxmlformats.org/officeDocument/2006/relationships" xmlns:p="http://schemas.openxmlformats.org/presentationml/2006/main">
+  <p:cSld>
+    <p:spTree>
+      <p:nvGrpSpPr>
+        <p:cNvPr id="1" name=""/>
+        <p:cNvGrpSpPr/>
+        <p:nvPr/>
+      </p:nvGrpSpPr>
+      <p:grpSpPr>
+        <a:xfrm>
+          <a:off x="0" y="0"/>
+          <a:ext cx="0" cy="0"/>
+          <a:chOff x="0" y="0"/>
+          <a:chExt cx="0" cy="0"/>
+        </a:xfrm>
+      </p:grpSpPr>
+      <p:sp>
+        <p:nvSpPr>
+          <p:cNvPr id="3" name="Content Placeholder 2"/>
+          <p:cNvSpPr>
+            <a:spLocks noGrp="1"/>
+          </p:cNvSpPr>
+          <p:nvPr>
+            <p:ph idx="1"/>
+          </p:nvPr>
+        </p:nvSpPr>
+        <p:spPr>
+          <a:xfrm>
+            <a:off x="457200" y="152400"/>
+            <a:ext cx="8229600" cy="6156960"/>
+          </a:xfrm>
+        </p:spPr>
+        <p:txBody>
+          <a:bodyPr>
+            <a:normAutofit fontScale="55000" lnSpcReduction="20000"/>
+          </a:bodyPr>
+          <a:lstStyle/>
+          <a:p>
+            <a:pPr marL="137160" indent="0">
+              <a:buNone/>
+            </a:pPr>
+            <a:r>
+              <a:rPr lang="en-US" dirty="0" smtClean="0"/>
+              <a:t>	</a:t>
+            </a:r>
+            <a:r>
+              <a:rPr lang="en-US" dirty="0" err="1" smtClean="0"/>
+              <a:t>printf</a:t>
+            </a:r>
+            <a:r>
+              <a:rPr lang="en-US" dirty="0"/>
+              <a:t>("\n Accessing one member at time:"); </a:t>
+            </a:r>
+          </a:p>
+          <a:p>
+            <a:pPr marL="137160" indent="0">
+              <a:buNone/>
+            </a:pPr>
+            <a:r>
+              <a:rPr lang="en-US" dirty="0"/>
+              <a:t>	</a:t>
+            </a:r>
+          </a:p>
+          <a:p>
+            <a:pPr marL="137160" indent="0">
+              <a:buNone/>
+            </a:pPr>
+            <a:r>
+              <a:rPr lang="en-US" dirty="0"/>
+              <a:t>	</a:t>
+            </a:r>
+            <a:r>
+              <a:rPr lang="en-US" dirty="0" err="1"/>
+              <a:t>printf</a:t>
+            </a:r>
+            <a:r>
+              <a:rPr lang="en-US" dirty="0"/>
+              <a:t>("\</a:t>
+            </a:r>
+            <a:r>
+              <a:rPr lang="en-US" dirty="0" err="1"/>
+              <a:t>nstructure</a:t>
+            </a:r>
+            <a:r>
+              <a:rPr lang="en-US" dirty="0"/>
+              <a:t> data:"); </a:t>
+            </a:r>
+          </a:p>
+          <a:p>
+            <a:pPr marL="137160" indent="0">
+              <a:buNone/>
+            </a:pPr>
+            <a:r>
+              <a:rPr lang="en-US" dirty="0"/>
+              <a:t>	</a:t>
+            </a:r>
+            <a:r>
+              <a:rPr lang="en-US" dirty="0" err="1"/>
+              <a:t>s.integer</a:t>
+            </a:r>
+            <a:r>
+              <a:rPr lang="en-US" dirty="0"/>
+              <a:t> = 240; </a:t>
+            </a:r>
+          </a:p>
+          <a:p>
+            <a:pPr marL="137160" indent="0">
+              <a:buNone/>
+            </a:pPr>
+            <a:r>
+              <a:rPr lang="en-US" dirty="0"/>
+              <a:t>	</a:t>
+            </a:r>
+            <a:r>
+              <a:rPr lang="en-US" dirty="0" err="1"/>
+              <a:t>printf</a:t>
+            </a:r>
+            <a:r>
+              <a:rPr lang="en-US" dirty="0"/>
+              <a:t>("\</a:t>
+            </a:r>
+            <a:r>
+              <a:rPr lang="en-US" dirty="0" err="1"/>
+              <a:t>ninteger</a:t>
+            </a:r>
+            <a:r>
+              <a:rPr lang="en-US" dirty="0"/>
+              <a:t>: %d", </a:t>
+            </a:r>
+            <a:r>
+              <a:rPr lang="en-US" dirty="0" err="1"/>
+              <a:t>s.integer</a:t>
+            </a:r>
+            <a:r>
+              <a:rPr lang="en-US" dirty="0"/>
+              <a:t>); </a:t>
+            </a:r>
+          </a:p>
+          <a:p>
+            <a:pPr marL="137160" indent="0">
+              <a:buNone/>
+            </a:pPr>
+            <a:r>
+              <a:rPr lang="en-US" dirty="0"/>
+              <a:t>	</a:t>
+            </a:r>
+          </a:p>
+          <a:p>
+            <a:pPr marL="137160" indent="0">
+              <a:buNone/>
+            </a:pPr>
+            <a:r>
+              <a:rPr lang="en-US" dirty="0"/>
+              <a:t>	</a:t>
+            </a:r>
+            <a:r>
+              <a:rPr lang="en-US" dirty="0" err="1"/>
+              <a:t>s.decimal</a:t>
+            </a:r>
+            <a:r>
+              <a:rPr lang="en-US" dirty="0"/>
+              <a:t> = 120; </a:t>
+            </a:r>
+          </a:p>
+          <a:p>
+            <a:pPr marL="137160" indent="0">
+              <a:buNone/>
+            </a:pPr>
+            <a:r>
+              <a:rPr lang="en-US" dirty="0"/>
+              <a:t>	</a:t>
+            </a:r>
+            <a:r>
+              <a:rPr lang="en-US" dirty="0" err="1"/>
+              <a:t>printf</a:t>
+            </a:r>
+            <a:r>
+              <a:rPr lang="en-US" dirty="0"/>
+              <a:t>("\</a:t>
+            </a:r>
+            <a:r>
+              <a:rPr lang="en-US" dirty="0" err="1"/>
+              <a:t>ndecimal</a:t>
+            </a:r>
+            <a:r>
+              <a:rPr lang="en-US" dirty="0"/>
+              <a:t>: %f", </a:t>
+            </a:r>
+            <a:r>
+              <a:rPr lang="en-US" dirty="0" err="1"/>
+              <a:t>s.decimal</a:t>
+            </a:r>
+            <a:r>
+              <a:rPr lang="en-US" dirty="0"/>
+              <a:t>); </a:t>
+            </a:r>
+          </a:p>
+          <a:p>
+            <a:pPr marL="137160" indent="0">
+              <a:buNone/>
+            </a:pPr>
+            <a:r>
+              <a:rPr lang="en-US" dirty="0"/>
+              <a:t>	</a:t>
+            </a:r>
+          </a:p>
+          <a:p>
+            <a:pPr marL="137160" indent="0">
+              <a:buNone/>
+            </a:pPr>
+            <a:r>
+              <a:rPr lang="en-US" dirty="0"/>
+              <a:t>	</a:t>
+            </a:r>
+            <a:r>
+              <a:rPr lang="en-US" dirty="0" err="1"/>
+              <a:t>strcpy</a:t>
+            </a:r>
+            <a:r>
+              <a:rPr lang="en-US" dirty="0"/>
+              <a:t>(s.name, "C programming"); </a:t>
+            </a:r>
+          </a:p>
+          <a:p>
+            <a:pPr marL="137160" indent="0">
+              <a:buNone/>
+            </a:pPr>
+            <a:r>
+              <a:rPr lang="en-US" dirty="0"/>
+              <a:t>	</a:t>
+            </a:r>
+            <a:r>
+              <a:rPr lang="en-US" dirty="0" err="1"/>
+              <a:t>printf</a:t>
+            </a:r>
+            <a:r>
+              <a:rPr lang="en-US" dirty="0"/>
+              <a:t>("\</a:t>
+            </a:r>
+            <a:r>
+              <a:rPr lang="en-US" dirty="0" err="1"/>
+              <a:t>nname</a:t>
+            </a:r>
+            <a:r>
+              <a:rPr lang="en-US" dirty="0"/>
+              <a:t>: %s\n", s.name); </a:t>
+            </a:r>
+          </a:p>
+          <a:p>
+            <a:pPr marL="137160" indent="0">
+              <a:buNone/>
+            </a:pPr>
+            <a:r>
+              <a:rPr lang="en-US" dirty="0"/>
+              <a:t>	</a:t>
+            </a:r>
+          </a:p>
+          <a:p>
+            <a:pPr marL="137160" indent="0">
+              <a:buNone/>
+            </a:pPr>
+            <a:r>
+              <a:rPr lang="en-US" dirty="0"/>
+              <a:t>	</a:t>
+            </a:r>
+            <a:r>
+              <a:rPr lang="en-US" dirty="0" err="1"/>
+              <a:t>printf</a:t>
+            </a:r>
+            <a:r>
+              <a:rPr lang="en-US" dirty="0"/>
+              <a:t>("\n union data:"); </a:t>
+            </a:r>
+          </a:p>
+          <a:p>
+            <a:pPr marL="137160" indent="0">
+              <a:buNone/>
+            </a:pPr>
+            <a:r>
+              <a:rPr lang="en-US" dirty="0"/>
+              <a:t>	</a:t>
+            </a:r>
+            <a:r>
+              <a:rPr lang="en-US" dirty="0" err="1"/>
+              <a:t>u.integer</a:t>
+            </a:r>
+            <a:r>
+              <a:rPr lang="en-US" dirty="0"/>
+              <a:t> = 240; </a:t>
+            </a:r>
+          </a:p>
+          <a:p>
+            <a:pPr marL="137160" indent="0">
+              <a:buNone/>
+            </a:pPr>
+            <a:r>
+              <a:rPr lang="en-US" dirty="0"/>
+              <a:t>	</a:t>
+            </a:r>
+            <a:r>
+              <a:rPr lang="en-US" dirty="0" err="1"/>
+              <a:t>printf</a:t>
+            </a:r>
+            <a:r>
+              <a:rPr lang="en-US" dirty="0"/>
+              <a:t>("\</a:t>
+            </a:r>
+            <a:r>
+              <a:rPr lang="en-US" dirty="0" err="1"/>
+              <a:t>ninteger</a:t>
+            </a:r>
+            <a:r>
+              <a:rPr lang="en-US" dirty="0"/>
+              <a:t>: %d", </a:t>
+            </a:r>
+            <a:r>
+              <a:rPr lang="en-US" dirty="0" err="1"/>
+              <a:t>u.integer</a:t>
+            </a:r>
+            <a:r>
+              <a:rPr lang="en-US" dirty="0"/>
+              <a:t>); </a:t>
+            </a:r>
+          </a:p>
+          <a:p>
+            <a:pPr marL="137160" indent="0">
+              <a:buNone/>
+            </a:pPr>
+            <a:r>
+              <a:rPr lang="en-US" dirty="0"/>
+              <a:t>	</a:t>
+            </a:r>
+          </a:p>
+          <a:p>
+            <a:pPr marL="137160" indent="0">
+              <a:buNone/>
+            </a:pPr>
+            <a:r>
+              <a:rPr lang="en-US" dirty="0"/>
+              <a:t>	</a:t>
+            </a:r>
+            <a:r>
+              <a:rPr lang="en-US" dirty="0" err="1"/>
+              <a:t>u.decimal</a:t>
+            </a:r>
+            <a:r>
+              <a:rPr lang="en-US" dirty="0"/>
+              <a:t> = 120; </a:t>
+            </a:r>
+          </a:p>
+          <a:p>
+            <a:pPr marL="137160" indent="0">
+              <a:buNone/>
+            </a:pPr>
+            <a:r>
+              <a:rPr lang="en-US" dirty="0"/>
+              <a:t>	</a:t>
+            </a:r>
+            <a:r>
+              <a:rPr lang="en-US" dirty="0" err="1"/>
+              <a:t>printf</a:t>
+            </a:r>
+            <a:r>
+              <a:rPr lang="en-US" dirty="0"/>
+              <a:t>("\</a:t>
+            </a:r>
+            <a:r>
+              <a:rPr lang="en-US" dirty="0" err="1"/>
+              <a:t>ndecimal</a:t>
+            </a:r>
+            <a:r>
+              <a:rPr lang="en-US" dirty="0"/>
+              <a:t>: %f", </a:t>
+            </a:r>
+            <a:r>
+              <a:rPr lang="en-US" dirty="0" err="1"/>
+              <a:t>u.decimal</a:t>
+            </a:r>
+            <a:r>
+              <a:rPr lang="en-US" dirty="0"/>
+              <a:t>); </a:t>
+            </a:r>
+          </a:p>
+          <a:p>
+            <a:pPr marL="137160" indent="0">
+              <a:buNone/>
+            </a:pPr>
+            <a:r>
+              <a:rPr lang="en-US" dirty="0"/>
+              <a:t>	</a:t>
+            </a:r>
+          </a:p>
+          <a:p>
+            <a:pPr marL="137160" indent="0">
+              <a:buNone/>
+            </a:pPr>
+            <a:r>
+              <a:rPr lang="en-US" dirty="0"/>
+              <a:t>	</a:t>
+            </a:r>
+            <a:r>
+              <a:rPr lang="en-US" dirty="0" err="1"/>
+              <a:t>strcpy</a:t>
+            </a:r>
+            <a:r>
+              <a:rPr lang="en-US" dirty="0"/>
+              <a:t>(u.name, "C programming"); </a:t>
+            </a:r>
+          </a:p>
+          <a:p>
+            <a:pPr marL="137160" indent="0">
+              <a:buNone/>
+            </a:pPr>
+            <a:r>
+              <a:rPr lang="en-US" dirty="0"/>
+              <a:t>	</a:t>
+            </a:r>
+            <a:r>
+              <a:rPr lang="en-US" dirty="0" err="1"/>
+              <a:t>printf</a:t>
+            </a:r>
+            <a:r>
+              <a:rPr lang="en-US" dirty="0"/>
+              <a:t>("\</a:t>
+            </a:r>
+            <a:r>
+              <a:rPr lang="en-US" dirty="0" err="1"/>
+              <a:t>nname</a:t>
+            </a:r>
+            <a:r>
+              <a:rPr lang="en-US" dirty="0"/>
+              <a:t>: %s\n", u.name); </a:t>
+            </a:r>
+          </a:p>
+          <a:p>
+            <a:pPr marL="137160" indent="0">
+              <a:buNone/>
+            </a:pPr>
+            <a:r>
+              <a:rPr lang="en-US" dirty="0"/>
+              <a:t>	</a:t>
+            </a:r>
+          </a:p>
+          <a:p>
+            <a:pPr marL="137160" indent="0">
+              <a:buNone/>
+            </a:pPr>
+            <a:r>
+              <a:rPr lang="en-US" dirty="0"/>
+              <a:t>	</a:t>
+            </a:r>
+          </a:p>
+          <a:p>
+            <a:pPr marL="137160" indent="0">
+              <a:buNone/>
+            </a:pPr>
+            <a:endParaRPr lang="en-US" dirty="0"/>
+          </a:p>
+          <a:p>
+            <a:endParaRPr lang="en-US" dirty="0"/>
+          </a:p>
+        </p:txBody>
+      </p:sp>
+    </p:spTree>
+    <p:extLst>
+      <p:ext uri="{BB962C8B-B14F-4D97-AF65-F5344CB8AC3E}">
+        <p14:creationId xmlns:p14="http://schemas.microsoft.com/office/powerpoint/2010/main" val="1563309730"/>
+      </p:ext>
+    </p:extLst>
+  </p:cSld>
+  <p:clrMapOvr>
+    <a:masterClrMapping/>
+  </p:clrMapOvr>
+</p:sld>
+</file>
+
+<file path=ppt/slides/slide9.xml><?xml version="1.0" encoding="utf-8"?>
+<p:sld xmlns:a="http://schemas.openxmlformats.org/drawingml/2006/main" xmlns:r="http://schemas.openxmlformats.org/officeDocument/2006/relationships" xmlns:p="http://schemas.openxmlformats.org/presentationml/2006/main">
+  <p:cSld>
+    <p:spTree>
+      <p:nvGrpSpPr>
+        <p:cNvPr id="1" name=""/>
+        <p:cNvGrpSpPr/>
+        <p:nvPr/>
+      </p:nvGrpSpPr>
+      <p:grpSpPr>
+        <a:xfrm>
+          <a:off x="0" y="0"/>
+          <a:ext cx="0" cy="0"/>
+          <a:chOff x="0" y="0"/>
+          <a:chExt cx="0" cy="0"/>
+        </a:xfrm>
+      </p:grpSpPr>
+      <p:sp>
+        <p:nvSpPr>
+          <p:cNvPr id="3" name="Content Placeholder 2"/>
+          <p:cNvSpPr>
+            <a:spLocks noGrp="1"/>
+          </p:cNvSpPr>
+          <p:nvPr>
+            <p:ph idx="1"/>
+          </p:nvPr>
+        </p:nvSpPr>
+        <p:spPr>
+          <a:xfrm>
+            <a:off x="457200" y="381000"/>
+            <a:ext cx="8229600" cy="5928360"/>
+          </a:xfrm>
+        </p:spPr>
+        <p:txBody>
+          <a:bodyPr>
+            <a:normAutofit/>
+          </a:bodyPr>
+          <a:lstStyle/>
+          <a:p>
+            <a:pPr marL="137160" indent="0">
+              <a:buNone/>
+            </a:pPr>
+            <a:r>
+              <a:rPr lang="en-US" sz="2000" dirty="0" smtClean="0"/>
+              <a:t>	//</a:t>
+            </a:r>
+            <a:r>
+              <a:rPr lang="en-US" sz="2000" dirty="0"/>
+              <a:t>difference four </a:t>
+            </a:r>
+          </a:p>
+          <a:p>
+            <a:pPr marL="137160" indent="0">
+              <a:buNone/>
+            </a:pPr>
+            <a:r>
+              <a:rPr lang="en-US" sz="2000" dirty="0"/>
+              <a:t>	</a:t>
+            </a:r>
+            <a:r>
+              <a:rPr lang="en-US" sz="2000" dirty="0" err="1"/>
+              <a:t>printf</a:t>
+            </a:r>
+            <a:r>
+              <a:rPr lang="en-US" sz="2000" dirty="0"/>
+              <a:t>("\</a:t>
+            </a:r>
+            <a:r>
+              <a:rPr lang="en-US" sz="2000" dirty="0" err="1"/>
+              <a:t>nAltering</a:t>
+            </a:r>
+            <a:r>
+              <a:rPr lang="en-US" sz="2000" dirty="0"/>
+              <a:t> a member value:\n"); </a:t>
+            </a:r>
+          </a:p>
+          <a:p>
+            <a:pPr marL="137160" indent="0">
+              <a:buNone/>
+            </a:pPr>
+            <a:r>
+              <a:rPr lang="en-US" sz="2000" dirty="0"/>
+              <a:t>	</a:t>
+            </a:r>
+            <a:r>
+              <a:rPr lang="en-US" sz="2000" dirty="0" err="1"/>
+              <a:t>s.integer</a:t>
+            </a:r>
+            <a:r>
+              <a:rPr lang="en-US" sz="2000" dirty="0"/>
+              <a:t> = 1218; </a:t>
+            </a:r>
+          </a:p>
+          <a:p>
+            <a:pPr marL="137160" indent="0">
+              <a:buNone/>
+            </a:pPr>
+            <a:r>
+              <a:rPr lang="en-US" sz="2000" dirty="0"/>
+              <a:t>	</a:t>
+            </a:r>
+            <a:r>
+              <a:rPr lang="en-US" sz="2000" dirty="0" err="1"/>
+              <a:t>printf</a:t>
+            </a:r>
+            <a:r>
+              <a:rPr lang="en-US" sz="2000" dirty="0"/>
+              <a:t>("structure data:\n integer: %d\n "</a:t>
+            </a:r>
+          </a:p>
+          <a:p>
+            <a:pPr marL="137160" indent="0">
+              <a:buNone/>
+            </a:pPr>
+            <a:r>
+              <a:rPr lang="en-US" sz="2000" dirty="0"/>
+              <a:t>				" decimal: %.2f\n name: %s\n", </a:t>
+            </a:r>
+          </a:p>
+          <a:p>
+            <a:pPr marL="137160" indent="0">
+              <a:buNone/>
+            </a:pPr>
+            <a:r>
+              <a:rPr lang="en-US" sz="2000" dirty="0"/>
+              <a:t>				</a:t>
+            </a:r>
+            <a:r>
+              <a:rPr lang="en-US" sz="2000" dirty="0" err="1"/>
+              <a:t>s.integer</a:t>
+            </a:r>
+            <a:r>
+              <a:rPr lang="en-US" sz="2000" dirty="0"/>
+              <a:t>, </a:t>
+            </a:r>
+            <a:r>
+              <a:rPr lang="en-US" sz="2000" dirty="0" err="1"/>
+              <a:t>s.decimal</a:t>
+            </a:r>
+            <a:r>
+              <a:rPr lang="en-US" sz="2000" dirty="0"/>
+              <a:t>, s.name); </a:t>
+            </a:r>
+          </a:p>
+          <a:p>
+            <a:pPr marL="137160" indent="0">
+              <a:buNone/>
+            </a:pPr>
+            <a:r>
+              <a:rPr lang="en-US" sz="2000" dirty="0"/>
+              <a:t>	</a:t>
+            </a:r>
+          </a:p>
+          <a:p>
+            <a:pPr marL="137160" indent="0">
+              <a:buNone/>
+            </a:pPr>
+            <a:r>
+              <a:rPr lang="en-US" sz="2000" dirty="0"/>
+              <a:t>	</a:t>
+            </a:r>
+            <a:r>
+              <a:rPr lang="en-US" sz="2000" dirty="0" err="1"/>
+              <a:t>u.integer</a:t>
+            </a:r>
+            <a:r>
+              <a:rPr lang="en-US" sz="2000" dirty="0"/>
+              <a:t> = 1218; </a:t>
+            </a:r>
+          </a:p>
+          <a:p>
+            <a:pPr marL="137160" indent="0">
+              <a:buNone/>
+            </a:pPr>
+            <a:r>
+              <a:rPr lang="en-US" sz="2000" dirty="0"/>
+              <a:t>	</a:t>
+            </a:r>
+            <a:r>
+              <a:rPr lang="en-US" sz="2000" dirty="0" err="1"/>
+              <a:t>printf</a:t>
+            </a:r>
+            <a:r>
+              <a:rPr lang="en-US" sz="2000" dirty="0"/>
+              <a:t>("union data:\n integer: %d\n"</a:t>
+            </a:r>
+          </a:p>
+          <a:p>
+            <a:pPr marL="137160" indent="0">
+              <a:buNone/>
+            </a:pPr>
+            <a:r>
+              <a:rPr lang="en-US" sz="2000" dirty="0"/>
+              <a:t>		" decimal: %.2f\n name: %s\n", </a:t>
+            </a:r>
+          </a:p>
+          <a:p>
+            <a:pPr marL="137160" indent="0">
+              <a:buNone/>
+            </a:pPr>
+            <a:r>
+              <a:rPr lang="en-US" sz="2000" dirty="0"/>
+              <a:t>			</a:t>
+            </a:r>
+            <a:r>
+              <a:rPr lang="en-US" sz="2000" dirty="0" err="1"/>
+              <a:t>u.integer</a:t>
+            </a:r>
+            <a:r>
+              <a:rPr lang="en-US" sz="2000" dirty="0"/>
+              <a:t>, </a:t>
+            </a:r>
+            <a:r>
+              <a:rPr lang="en-US" sz="2000" dirty="0" err="1"/>
+              <a:t>u.decimal</a:t>
+            </a:r>
+            <a:r>
+              <a:rPr lang="en-US" sz="2000" dirty="0"/>
+              <a:t>, u.name); </a:t>
+            </a:r>
+          </a:p>
+          <a:p>
+            <a:pPr marL="137160" indent="0">
+              <a:buNone/>
+            </a:pPr>
+            <a:r>
+              <a:rPr lang="en-US" dirty="0" smtClean="0"/>
+              <a:t> </a:t>
+            </a:r>
+            <a:endParaRPr lang="en-US" dirty="0"/>
+          </a:p>
+          <a:p>
+            <a:endParaRPr lang="en-US" dirty="0"/>
+          </a:p>
+        </p:txBody>
+      </p:sp>
+    </p:spTree>
+    <p:extLst>
+      <p:ext uri="{BB962C8B-B14F-4D97-AF65-F5344CB8AC3E}">
+        <p14:creationId xmlns:p14="http://schemas.microsoft.com/office/powerpoint/2010/main" val="1351268218"/>
       </p:ext>
     </p:extLst>
   </p:cSld>

--- a/PPT/structure.pptx
+++ b/PPT/structure.pptx
@@ -5,25 +5,33 @@
     <p:sldMasterId id="2147483660" r:id="rId1"/>
   </p:sldMasterIdLst>
   <p:notesMasterIdLst>
-    <p:notesMasterId r:id="rId18"/>
+    <p:notesMasterId r:id="rId26"/>
   </p:notesMasterIdLst>
   <p:sldIdLst>
     <p:sldId id="256" r:id="rId2"/>
     <p:sldId id="257" r:id="rId3"/>
-    <p:sldId id="258" r:id="rId4"/>
-    <p:sldId id="264" r:id="rId5"/>
-    <p:sldId id="259" r:id="rId6"/>
-    <p:sldId id="260" r:id="rId7"/>
-    <p:sldId id="261" r:id="rId8"/>
-    <p:sldId id="262" r:id="rId9"/>
-    <p:sldId id="263" r:id="rId10"/>
-    <p:sldId id="266" r:id="rId11"/>
-    <p:sldId id="265" r:id="rId12"/>
-    <p:sldId id="268" r:id="rId13"/>
-    <p:sldId id="267" r:id="rId14"/>
-    <p:sldId id="269" r:id="rId15"/>
-    <p:sldId id="270" r:id="rId16"/>
-    <p:sldId id="271" r:id="rId17"/>
+    <p:sldId id="272" r:id="rId4"/>
+    <p:sldId id="273" r:id="rId5"/>
+    <p:sldId id="278" r:id="rId6"/>
+    <p:sldId id="274" r:id="rId7"/>
+    <p:sldId id="275" r:id="rId8"/>
+    <p:sldId id="276" r:id="rId9"/>
+    <p:sldId id="277" r:id="rId10"/>
+    <p:sldId id="279" r:id="rId11"/>
+    <p:sldId id="264" r:id="rId12"/>
+    <p:sldId id="259" r:id="rId13"/>
+    <p:sldId id="260" r:id="rId14"/>
+    <p:sldId id="261" r:id="rId15"/>
+    <p:sldId id="262" r:id="rId16"/>
+    <p:sldId id="263" r:id="rId17"/>
+    <p:sldId id="266" r:id="rId18"/>
+    <p:sldId id="268" r:id="rId19"/>
+    <p:sldId id="280" r:id="rId20"/>
+    <p:sldId id="267" r:id="rId21"/>
+    <p:sldId id="269" r:id="rId22"/>
+    <p:sldId id="270" r:id="rId23"/>
+    <p:sldId id="271" r:id="rId24"/>
+    <p:sldId id="258" r:id="rId25"/>
   </p:sldIdLst>
   <p:sldSz cx="9144000" cy="6858000" type="screen4x3"/>
   <p:notesSz cx="6858000" cy="9144000"/>
@@ -207,7 +215,7 @@
           <a:p>
             <a:fld id="{C1B8E64C-0EDD-4C93-95A2-E8C52A5645D1}" type="datetimeFigureOut">
               <a:rPr lang="en-US" smtClean="0"/>
-              <a:t>09-Nov-20</a:t>
+              <a:t>23-Nov-20</a:t>
             </a:fld>
             <a:endParaRPr lang="en-US"/>
           </a:p>
@@ -587,7 +595,7 @@
             <a:fld id="{1D8BD707-D9CF-40AE-B4C6-C98DA3205C09}" type="datetimeFigureOut">
               <a:rPr lang="en-US" smtClean="0"/>
               <a:pPr/>
-              <a:t>09-Nov-20</a:t>
+              <a:t>23-Nov-20</a:t>
             </a:fld>
             <a:endParaRPr lang="en-US"/>
           </a:p>
@@ -815,7 +823,7 @@
             <a:fld id="{1D8BD707-D9CF-40AE-B4C6-C98DA3205C09}" type="datetimeFigureOut">
               <a:rPr lang="en-US" smtClean="0"/>
               <a:pPr/>
-              <a:t>09-Nov-20</a:t>
+              <a:t>23-Nov-20</a:t>
             </a:fld>
             <a:endParaRPr lang="en-US"/>
           </a:p>
@@ -992,7 +1000,7 @@
             <a:fld id="{1D8BD707-D9CF-40AE-B4C6-C98DA3205C09}" type="datetimeFigureOut">
               <a:rPr lang="en-US" smtClean="0"/>
               <a:pPr/>
-              <a:t>09-Nov-20</a:t>
+              <a:t>23-Nov-20</a:t>
             </a:fld>
             <a:endParaRPr lang="en-US"/>
           </a:p>
@@ -1159,7 +1167,7 @@
             <a:fld id="{1D8BD707-D9CF-40AE-B4C6-C98DA3205C09}" type="datetimeFigureOut">
               <a:rPr lang="en-US" smtClean="0"/>
               <a:pPr/>
-              <a:t>09-Nov-20</a:t>
+              <a:t>23-Nov-20</a:t>
             </a:fld>
             <a:endParaRPr lang="en-US"/>
           </a:p>
@@ -1405,7 +1413,7 @@
             <a:fld id="{1D8BD707-D9CF-40AE-B4C6-C98DA3205C09}" type="datetimeFigureOut">
               <a:rPr lang="en-US" smtClean="0"/>
               <a:pPr/>
-              <a:t>09-Nov-20</a:t>
+              <a:t>23-Nov-20</a:t>
             </a:fld>
             <a:endParaRPr lang="en-US"/>
           </a:p>
@@ -1671,7 +1679,7 @@
             <a:fld id="{1D8BD707-D9CF-40AE-B4C6-C98DA3205C09}" type="datetimeFigureOut">
               <a:rPr lang="en-US" smtClean="0"/>
               <a:pPr/>
-              <a:t>09-Nov-20</a:t>
+              <a:t>23-Nov-20</a:t>
             </a:fld>
             <a:endParaRPr lang="en-US"/>
           </a:p>
@@ -2047,7 +2055,7 @@
             <a:fld id="{1D8BD707-D9CF-40AE-B4C6-C98DA3205C09}" type="datetimeFigureOut">
               <a:rPr lang="en-US" smtClean="0"/>
               <a:pPr/>
-              <a:t>09-Nov-20</a:t>
+              <a:t>23-Nov-20</a:t>
             </a:fld>
             <a:endParaRPr lang="en-US"/>
           </a:p>
@@ -2162,7 +2170,7 @@
             <a:fld id="{1D8BD707-D9CF-40AE-B4C6-C98DA3205C09}" type="datetimeFigureOut">
               <a:rPr lang="en-US" smtClean="0"/>
               <a:pPr/>
-              <a:t>09-Nov-20</a:t>
+              <a:t>23-Nov-20</a:t>
             </a:fld>
             <a:endParaRPr lang="en-US"/>
           </a:p>
@@ -2254,7 +2262,7 @@
             <a:fld id="{1D8BD707-D9CF-40AE-B4C6-C98DA3205C09}" type="datetimeFigureOut">
               <a:rPr lang="en-US" smtClean="0"/>
               <a:pPr/>
-              <a:t>09-Nov-20</a:t>
+              <a:t>23-Nov-20</a:t>
             </a:fld>
             <a:endParaRPr lang="en-US"/>
           </a:p>
@@ -2514,7 +2522,7 @@
             <a:fld id="{1D8BD707-D9CF-40AE-B4C6-C98DA3205C09}" type="datetimeFigureOut">
               <a:rPr lang="en-US" smtClean="0"/>
               <a:pPr/>
-              <a:t>09-Nov-20</a:t>
+              <a:t>23-Nov-20</a:t>
             </a:fld>
             <a:endParaRPr lang="en-US"/>
           </a:p>
@@ -2780,7 +2788,7 @@
             <a:fld id="{1D8BD707-D9CF-40AE-B4C6-C98DA3205C09}" type="datetimeFigureOut">
               <a:rPr lang="en-US" smtClean="0"/>
               <a:pPr/>
-              <a:t>09-Nov-20</a:t>
+              <a:t>23-Nov-20</a:t>
             </a:fld>
             <a:endParaRPr lang="en-US"/>
           </a:p>
@@ -2999,7 +3007,7 @@
             <a:fld id="{1D8BD707-D9CF-40AE-B4C6-C98DA3205C09}" type="datetimeFigureOut">
               <a:rPr lang="en-US" smtClean="0"/>
               <a:pPr/>
-              <a:t>09-Nov-20</a:t>
+              <a:t>23-Nov-20</a:t>
             </a:fld>
             <a:endParaRPr lang="en-US"/>
           </a:p>
@@ -3446,8 +3454,8 @@
           <a:lstStyle/>
           <a:p>
             <a:r>
-              <a:rPr lang="en-US" dirty="0" err="1" smtClean="0"/>
-              <a:t>Structure&amp;union</a:t>
+              <a:rPr lang="en-US" dirty="0" smtClean="0"/>
+              <a:t>Structure &amp; union</a:t>
             </a:r>
             <a:endParaRPr lang="en-US" dirty="0"/>
           </a:p>
@@ -3500,315 +3508,10 @@
             <p:ph type="title"/>
           </p:nvPr>
         </p:nvSpPr>
-        <p:spPr/>
-        <p:txBody>
-          <a:bodyPr/>
-          <a:lstStyle/>
-          <a:p>
-            <a:r>
-              <a:rPr lang="en-US" dirty="0" smtClean="0"/>
-              <a:t>Size of </a:t>
-            </a:r>
-            <a:r>
-              <a:rPr lang="en-US" dirty="0" err="1" smtClean="0"/>
-              <a:t>struct</a:t>
-            </a:r>
-            <a:r>
-              <a:rPr lang="en-US" dirty="0" smtClean="0"/>
-              <a:t> and union</a:t>
-            </a:r>
-            <a:endParaRPr lang="en-US" dirty="0"/>
-          </a:p>
-        </p:txBody>
-      </p:sp>
-      <p:sp>
-        <p:nvSpPr>
-          <p:cNvPr id="3" name="Content Placeholder 2"/>
-          <p:cNvSpPr>
-            <a:spLocks noGrp="1"/>
-          </p:cNvSpPr>
-          <p:nvPr>
-            <p:ph idx="1"/>
-          </p:nvPr>
-        </p:nvSpPr>
-        <p:spPr/>
-        <p:txBody>
-          <a:bodyPr>
-            <a:normAutofit fontScale="85000" lnSpcReduction="20000"/>
-          </a:bodyPr>
-          <a:lstStyle/>
-          <a:p>
-            <a:pPr marL="137160" indent="0">
-              <a:buNone/>
-            </a:pPr>
-            <a:r>
-              <a:rPr lang="en-US" dirty="0" err="1"/>
-              <a:t>struct</a:t>
-            </a:r>
-            <a:r>
-              <a:rPr lang="en-US" dirty="0"/>
-              <a:t> </a:t>
-            </a:r>
-            <a:r>
-              <a:rPr lang="en-US" dirty="0" smtClean="0"/>
-              <a:t>a</a:t>
-            </a:r>
-          </a:p>
-          <a:p>
-            <a:pPr marL="137160" indent="0">
-              <a:buNone/>
-            </a:pPr>
-            <a:r>
-              <a:rPr lang="en-US" dirty="0" smtClean="0"/>
-              <a:t>{    </a:t>
-            </a:r>
-            <a:r>
-              <a:rPr lang="en-US" dirty="0" err="1"/>
-              <a:t>int</a:t>
-            </a:r>
-            <a:r>
-              <a:rPr lang="en-US" dirty="0"/>
-              <a:t> a;    </a:t>
-            </a:r>
-            <a:endParaRPr lang="en-US" dirty="0" smtClean="0"/>
-          </a:p>
-          <a:p>
-            <a:pPr marL="457200" lvl="1" indent="0">
-              <a:buNone/>
-            </a:pPr>
-            <a:r>
-              <a:rPr lang="en-US" dirty="0" smtClean="0"/>
-              <a:t>union    </a:t>
-            </a:r>
-          </a:p>
-          <a:p>
-            <a:pPr marL="457200" lvl="1" indent="0">
-              <a:buNone/>
-            </a:pPr>
-            <a:r>
-              <a:rPr lang="en-US" dirty="0" smtClean="0"/>
-              <a:t>{        </a:t>
-            </a:r>
-          </a:p>
-          <a:p>
-            <a:pPr marL="457200" lvl="1" indent="0">
-              <a:buNone/>
-            </a:pPr>
-            <a:r>
-              <a:rPr lang="en-US" dirty="0" smtClean="0"/>
-              <a:t>	</a:t>
-            </a:r>
-            <a:r>
-              <a:rPr lang="en-US" dirty="0" err="1" smtClean="0"/>
-              <a:t>int</a:t>
-            </a:r>
-            <a:r>
-              <a:rPr lang="en-US" dirty="0" smtClean="0"/>
-              <a:t> </a:t>
-            </a:r>
-            <a:r>
-              <a:rPr lang="en-US" dirty="0"/>
-              <a:t>b;     </a:t>
-            </a:r>
-            <a:endParaRPr lang="en-US" dirty="0" smtClean="0"/>
-          </a:p>
-          <a:p>
-            <a:pPr marL="457200" lvl="1" indent="0">
-              <a:buNone/>
-            </a:pPr>
-            <a:r>
-              <a:rPr lang="en-US" dirty="0" smtClean="0"/>
-              <a:t>   	</a:t>
-            </a:r>
-            <a:r>
-              <a:rPr lang="en-US" dirty="0" err="1" smtClean="0"/>
-              <a:t>int</a:t>
-            </a:r>
-            <a:r>
-              <a:rPr lang="en-US" dirty="0" smtClean="0"/>
-              <a:t> </a:t>
-            </a:r>
-            <a:r>
-              <a:rPr lang="en-US" dirty="0"/>
-              <a:t>c; </a:t>
-            </a:r>
-            <a:endParaRPr lang="en-US" dirty="0" smtClean="0"/>
-          </a:p>
-          <a:p>
-            <a:pPr marL="457200" lvl="1" indent="0">
-              <a:buNone/>
-            </a:pPr>
-            <a:r>
-              <a:rPr lang="en-US" dirty="0"/>
-              <a:t>	</a:t>
-            </a:r>
-            <a:r>
-              <a:rPr lang="en-US" dirty="0" smtClean="0"/>
-              <a:t>double f;  </a:t>
-            </a:r>
-          </a:p>
-          <a:p>
-            <a:pPr marL="457200" lvl="1" indent="0">
-              <a:buNone/>
-            </a:pPr>
-            <a:r>
-              <a:rPr lang="en-US" dirty="0" smtClean="0"/>
-              <a:t> };</a:t>
-            </a:r>
-          </a:p>
-          <a:p>
-            <a:pPr marL="137160" indent="0">
-              <a:buNone/>
-            </a:pPr>
-            <a:r>
-              <a:rPr lang="en-US" dirty="0" smtClean="0"/>
-              <a:t>}</a:t>
-            </a:r>
-            <a:r>
-              <a:rPr lang="en-US" dirty="0"/>
-              <a:t>o</a:t>
-            </a:r>
-            <a:r>
-              <a:rPr lang="en-US" dirty="0" smtClean="0"/>
-              <a:t>;</a:t>
-            </a:r>
-          </a:p>
-          <a:p>
-            <a:pPr marL="137160" indent="0">
-              <a:buNone/>
-            </a:pPr>
-            <a:r>
-              <a:rPr lang="en-US" dirty="0" err="1" smtClean="0"/>
-              <a:t>int</a:t>
-            </a:r>
-            <a:r>
-              <a:rPr lang="en-US" dirty="0" smtClean="0"/>
-              <a:t> </a:t>
-            </a:r>
-            <a:r>
-              <a:rPr lang="en-US" dirty="0"/>
-              <a:t>main</a:t>
-            </a:r>
-            <a:r>
-              <a:rPr lang="en-US" dirty="0" smtClean="0"/>
-              <a:t>()</a:t>
-            </a:r>
-          </a:p>
-          <a:p>
-            <a:pPr marL="137160" indent="0">
-              <a:buNone/>
-            </a:pPr>
-            <a:r>
-              <a:rPr lang="en-US" dirty="0" smtClean="0"/>
-              <a:t>{    </a:t>
-            </a:r>
-          </a:p>
-          <a:p>
-            <a:pPr marL="457200" lvl="1" indent="0">
-              <a:buNone/>
-            </a:pPr>
-            <a:r>
-              <a:rPr lang="en-US" dirty="0" err="1" smtClean="0"/>
-              <a:t>printf</a:t>
-            </a:r>
-            <a:r>
-              <a:rPr lang="en-US" dirty="0"/>
-              <a:t>("%d",</a:t>
-            </a:r>
-            <a:r>
-              <a:rPr lang="en-US" dirty="0" err="1"/>
-              <a:t>sizeof</a:t>
-            </a:r>
-            <a:r>
-              <a:rPr lang="en-US" dirty="0"/>
-              <a:t>(o));   </a:t>
-            </a:r>
-            <a:r>
-              <a:rPr lang="en-US" dirty="0" smtClean="0"/>
-              <a:t>//</a:t>
-            </a:r>
-            <a:r>
-              <a:rPr lang="en-US" dirty="0" err="1" smtClean="0"/>
-              <a:t>ans</a:t>
-            </a:r>
-            <a:r>
-              <a:rPr lang="en-US" dirty="0" smtClean="0"/>
-              <a:t>=16</a:t>
-            </a:r>
-          </a:p>
-          <a:p>
-            <a:pPr marL="457200" lvl="1" indent="0">
-              <a:buNone/>
-            </a:pPr>
-            <a:r>
-              <a:rPr lang="en-US" dirty="0" smtClean="0"/>
-              <a:t>return </a:t>
-            </a:r>
-            <a:r>
-              <a:rPr lang="en-US" dirty="0"/>
-              <a:t>0</a:t>
-            </a:r>
-            <a:r>
-              <a:rPr lang="en-US" dirty="0" smtClean="0"/>
-              <a:t>;</a:t>
-            </a:r>
-          </a:p>
-          <a:p>
-            <a:pPr marL="137160" indent="0">
-              <a:buNone/>
-            </a:pPr>
-            <a:r>
-              <a:rPr lang="en-US" dirty="0" smtClean="0"/>
-              <a:t>}</a:t>
-            </a:r>
-            <a:endParaRPr lang="en-US" dirty="0"/>
-          </a:p>
-        </p:txBody>
-      </p:sp>
-    </p:spTree>
-    <p:extLst>
-      <p:ext uri="{BB962C8B-B14F-4D97-AF65-F5344CB8AC3E}">
-        <p14:creationId xmlns:p14="http://schemas.microsoft.com/office/powerpoint/2010/main" val="3894316525"/>
-      </p:ext>
-    </p:extLst>
-  </p:cSld>
-  <p:clrMapOvr>
-    <a:masterClrMapping/>
-  </p:clrMapOvr>
-</p:sld>
-</file>
-
-<file path=ppt/slides/slide11.xml><?xml version="1.0" encoding="utf-8"?>
-<p:sld xmlns:a="http://schemas.openxmlformats.org/drawingml/2006/main" xmlns:r="http://schemas.openxmlformats.org/officeDocument/2006/relationships" xmlns:p="http://schemas.openxmlformats.org/presentationml/2006/main">
-  <p:cSld>
-    <p:spTree>
-      <p:nvGrpSpPr>
-        <p:cNvPr id="1" name=""/>
-        <p:cNvGrpSpPr/>
-        <p:nvPr/>
-      </p:nvGrpSpPr>
-      <p:grpSpPr>
-        <a:xfrm>
-          <a:off x="0" y="0"/>
-          <a:ext cx="0" cy="0"/>
-          <a:chOff x="0" y="0"/>
-          <a:chExt cx="0" cy="0"/>
-        </a:xfrm>
-      </p:grpSpPr>
-      <p:sp>
-        <p:nvSpPr>
-          <p:cNvPr id="2" name="Title 1"/>
-          <p:cNvSpPr>
-            <a:spLocks noGrp="1"/>
-          </p:cNvSpPr>
-          <p:nvPr>
-            <p:ph type="title"/>
-          </p:nvPr>
-        </p:nvSpPr>
         <p:spPr>
           <a:xfrm>
-            <a:off x="457200" y="-152400"/>
-            <a:ext cx="8229600" cy="762000"/>
+            <a:off x="457200" y="0"/>
+            <a:ext cx="8229600" cy="914400"/>
           </a:xfrm>
         </p:spPr>
         <p:txBody>
@@ -3816,12 +3519,8 @@
           <a:lstStyle/>
           <a:p>
             <a:r>
-              <a:rPr lang="en-US" dirty="0" err="1" smtClean="0"/>
-              <a:t>Struct</a:t>
-            </a:r>
-            <a:r>
-              <a:rPr lang="en-US" dirty="0" smtClean="0"/>
-              <a:t> padding</a:t>
+              <a:rPr lang="en-US" dirty="0" smtClean="0"/>
+              <a:t>Structure array</a:t>
             </a:r>
             <a:endParaRPr lang="en-US" dirty="0"/>
           </a:p>
@@ -3839,19 +3538,31 @@
         </p:nvSpPr>
         <p:spPr>
           <a:xfrm>
-            <a:off x="457200" y="609600"/>
-            <a:ext cx="8229600" cy="6400800"/>
+            <a:off x="457200" y="762000"/>
+            <a:ext cx="8229600" cy="6019800"/>
           </a:xfrm>
         </p:spPr>
         <p:txBody>
           <a:bodyPr>
-            <a:normAutofit fontScale="47500" lnSpcReduction="20000"/>
+            <a:normAutofit fontScale="40000" lnSpcReduction="20000"/>
           </a:bodyPr>
           <a:lstStyle/>
           <a:p>
             <a:pPr marL="137160" indent="0">
               <a:buNone/>
             </a:pPr>
+            <a:r>
+              <a:rPr lang="en-US" dirty="0"/>
+              <a:t>#include&lt;</a:t>
+            </a:r>
+            <a:r>
+              <a:rPr lang="en-US" dirty="0" err="1"/>
+              <a:t>stdio.h</a:t>
+            </a:r>
+            <a:r>
+              <a:rPr lang="en-US" dirty="0" smtClean="0"/>
+              <a:t>&gt;</a:t>
+            </a:r>
             <a:endParaRPr lang="en-US" dirty="0"/>
           </a:p>
           <a:p>
@@ -3859,64 +3570,30 @@
               <a:buNone/>
             </a:pPr>
             <a:r>
-              <a:rPr lang="en-US" dirty="0"/>
-              <a:t>// structure A </a:t>
-            </a:r>
-          </a:p>
-          <a:p>
-            <a:pPr marL="137160" indent="0">
-              <a:buNone/>
-            </a:pPr>
-            <a:r>
-              <a:rPr lang="en-US" dirty="0" err="1"/>
-              <a:t>typedef</a:t>
-            </a:r>
-            <a:r>
-              <a:rPr lang="en-US" dirty="0"/>
-              <a:t> </a:t>
-            </a:r>
-            <a:r>
               <a:rPr lang="en-US" dirty="0" err="1"/>
               <a:t>struct</a:t>
             </a:r>
             <a:r>
               <a:rPr lang="en-US" dirty="0"/>
-              <a:t> </a:t>
-            </a:r>
-            <a:r>
-              <a:rPr lang="en-US" dirty="0" err="1"/>
-              <a:t>structa_tag</a:t>
-            </a:r>
-            <a:r>
-              <a:rPr lang="en-US" dirty="0"/>
-              <a:t> </a:t>
-            </a:r>
-          </a:p>
-          <a:p>
-            <a:pPr marL="137160" indent="0">
-              <a:buNone/>
-            </a:pPr>
-            <a:r>
-              <a:rPr lang="en-US" dirty="0"/>
-              <a:t>{ </a:t>
-            </a:r>
-          </a:p>
-          <a:p>
-            <a:pPr marL="457200" lvl="1" indent="0">
-              <a:buNone/>
-            </a:pPr>
-            <a:r>
-              <a:rPr lang="en-US" dirty="0"/>
-              <a:t>char    c; </a:t>
-            </a:r>
-          </a:p>
-          <a:p>
-            <a:pPr marL="457200" lvl="1" indent="0">
-              <a:buNone/>
-            </a:pPr>
-            <a:r>
-              <a:rPr lang="en-US" dirty="0"/>
-              <a:t>short </a:t>
+              <a:t> test</a:t>
+            </a:r>
+          </a:p>
+          <a:p>
+            <a:pPr marL="137160" indent="0">
+              <a:buNone/>
+            </a:pPr>
+            <a:r>
+              <a:rPr lang="en-US" dirty="0"/>
+              <a:t>{</a:t>
+            </a:r>
+          </a:p>
+          <a:p>
+            <a:pPr marL="137160" indent="0">
+              <a:buNone/>
+            </a:pPr>
+            <a:r>
+              <a:rPr lang="en-US" dirty="0"/>
+              <a:t>    </a:t>
             </a:r>
             <a:r>
               <a:rPr lang="en-US" dirty="0" err="1"/>
@@ -3924,43 +3601,198 @@
             </a:r>
             <a:r>
               <a:rPr lang="en-US" dirty="0"/>
-              <a:t>  s; </a:t>
-            </a:r>
-          </a:p>
-          <a:p>
-            <a:pPr marL="137160" indent="0">
-              <a:buNone/>
-            </a:pPr>
-            <a:r>
-              <a:rPr lang="en-US" dirty="0"/>
-              <a:t>} </a:t>
-            </a:r>
-            <a:r>
-              <a:rPr lang="en-US" dirty="0" err="1"/>
-              <a:t>structa_t</a:t>
-            </a:r>
-            <a:r>
-              <a:rPr lang="en-US" dirty="0"/>
-              <a:t>; </a:t>
-            </a:r>
-            <a:r>
-              <a:rPr lang="en-US" dirty="0" smtClean="0"/>
-              <a:t>  //</a:t>
+              <a:t> a;</a:t>
+            </a:r>
+          </a:p>
+          <a:p>
+            <a:pPr marL="137160" indent="0">
+              <a:buNone/>
+            </a:pPr>
+            <a:r>
+              <a:rPr lang="en-US" dirty="0"/>
+              <a:t>    char b;</a:t>
+            </a:r>
+          </a:p>
+          <a:p>
+            <a:pPr marL="137160" indent="0">
+              <a:buNone/>
+            </a:pPr>
+            <a:r>
+              <a:rPr lang="en-US" dirty="0"/>
+              <a:t>}</a:t>
+            </a:r>
+            <a:r>
+              <a:rPr lang="en-US" dirty="0" err="1"/>
+              <a:t>obj</a:t>
+            </a:r>
+            <a:r>
+              <a:rPr lang="en-US" dirty="0"/>
+              <a:t>[2];</a:t>
+            </a:r>
+          </a:p>
+          <a:p>
+            <a:pPr marL="137160" indent="0">
+              <a:buNone/>
+            </a:pPr>
+            <a:endParaRPr lang="en-US" dirty="0"/>
+          </a:p>
+          <a:p>
+            <a:pPr marL="137160" indent="0">
+              <a:buNone/>
+            </a:pPr>
+            <a:r>
+              <a:rPr lang="en-US" dirty="0" err="1"/>
+              <a:t>struct</a:t>
+            </a:r>
+            <a:r>
+              <a:rPr lang="en-US" dirty="0"/>
+              <a:t> test*</a:t>
+            </a:r>
+            <a:r>
+              <a:rPr lang="en-US" dirty="0" err="1"/>
+              <a:t>pprint</a:t>
+            </a:r>
+            <a:r>
+              <a:rPr lang="en-US" dirty="0"/>
+              <a:t>(</a:t>
+            </a:r>
+            <a:r>
+              <a:rPr lang="en-US" dirty="0" err="1"/>
+              <a:t>struct</a:t>
+            </a:r>
+            <a:r>
+              <a:rPr lang="en-US" dirty="0"/>
+              <a:t> test *</a:t>
+            </a:r>
+            <a:r>
+              <a:rPr lang="en-US" dirty="0" err="1"/>
+              <a:t>ptr</a:t>
+            </a:r>
+            <a:r>
+              <a:rPr lang="en-US" dirty="0"/>
+              <a:t>)</a:t>
+            </a:r>
+          </a:p>
+          <a:p>
+            <a:pPr marL="137160" indent="0">
+              <a:buNone/>
+            </a:pPr>
+            <a:r>
+              <a:rPr lang="en-US" dirty="0"/>
+              <a:t>{</a:t>
+            </a:r>
+          </a:p>
+          <a:p>
+            <a:pPr marL="137160" indent="0">
+              <a:buNone/>
+            </a:pPr>
+            <a:r>
+              <a:rPr lang="en-US" dirty="0"/>
+              <a:t>    </a:t>
             </a:r>
             <a:r>
               <a:rPr lang="en-US" dirty="0" err="1" smtClean="0"/>
-              <a:t>ans</a:t>
-            </a:r>
-            <a:r>
-              <a:rPr lang="en-US" dirty="0" smtClean="0"/>
-              <a:t>=4</a:t>
-            </a:r>
+              <a:t>printf</a:t>
+            </a:r>
+            <a:r>
+              <a:rPr lang="en-US" dirty="0"/>
+              <a:t>("%d\n",</a:t>
+            </a:r>
+            <a:r>
+              <a:rPr lang="en-US" dirty="0" err="1"/>
+              <a:t>ptr</a:t>
+            </a:r>
+            <a:r>
+              <a:rPr lang="en-US" dirty="0"/>
+              <a:t>-&gt;a);</a:t>
+            </a:r>
+          </a:p>
+          <a:p>
+            <a:pPr marL="137160" indent="0">
+              <a:buNone/>
+            </a:pPr>
+            <a:r>
+              <a:rPr lang="en-US" dirty="0"/>
+              <a:t>    </a:t>
+            </a:r>
+            <a:r>
+              <a:rPr lang="en-US" dirty="0" err="1"/>
+              <a:t>printf</a:t>
+            </a:r>
+            <a:r>
+              <a:rPr lang="en-US" dirty="0"/>
+              <a:t>("%d\n",(*(ptr+1)).b);</a:t>
+            </a:r>
+          </a:p>
+          <a:p>
+            <a:pPr marL="137160" indent="0">
+              <a:buNone/>
+            </a:pPr>
+            <a:r>
+              <a:rPr lang="en-US" dirty="0"/>
+              <a:t>    return 0;</a:t>
+            </a:r>
+          </a:p>
+          <a:p>
+            <a:pPr marL="137160" indent="0">
+              <a:buNone/>
+            </a:pPr>
+            <a:r>
+              <a:rPr lang="en-US" dirty="0"/>
+              <a:t>}</a:t>
+            </a:r>
+          </a:p>
+          <a:p>
+            <a:pPr marL="137160" indent="0">
+              <a:buNone/>
+            </a:pPr>
             <a:endParaRPr lang="en-US" dirty="0"/>
           </a:p>
           <a:p>
             <a:pPr marL="137160" indent="0">
               <a:buNone/>
             </a:pPr>
+            <a:r>
+              <a:rPr lang="en-US" dirty="0" err="1"/>
+              <a:t>struct</a:t>
+            </a:r>
+            <a:r>
+              <a:rPr lang="en-US" dirty="0"/>
+              <a:t> test*</a:t>
+            </a:r>
+            <a:r>
+              <a:rPr lang="en-US" dirty="0" err="1"/>
+              <a:t>aprint</a:t>
+            </a:r>
+            <a:r>
+              <a:rPr lang="en-US" dirty="0"/>
+              <a:t>(</a:t>
+            </a:r>
+            <a:r>
+              <a:rPr lang="en-US" dirty="0" err="1"/>
+              <a:t>struct</a:t>
+            </a:r>
+            <a:r>
+              <a:rPr lang="en-US" dirty="0"/>
+              <a:t> test </a:t>
+            </a:r>
+            <a:r>
+              <a:rPr lang="en-US" dirty="0" err="1"/>
+              <a:t>arr</a:t>
+            </a:r>
+            <a:r>
+              <a:rPr lang="en-US" dirty="0"/>
+              <a:t>[])</a:t>
+            </a:r>
+          </a:p>
+          <a:p>
+            <a:pPr marL="137160" indent="0">
+              <a:buNone/>
+            </a:pPr>
+            <a:r>
+              <a:rPr lang="en-US" dirty="0" smtClean="0"/>
+              <a:t>{      </a:t>
+            </a:r>
             <a:endParaRPr lang="en-US" dirty="0"/>
           </a:p>
           <a:p>
@@ -3969,20 +3801,178 @@
             </a:pPr>
             <a:r>
               <a:rPr lang="en-US" dirty="0"/>
-              <a:t>// structure B </a:t>
-            </a:r>
-          </a:p>
-          <a:p>
-            <a:pPr marL="137160" indent="0">
-              <a:buNone/>
-            </a:pPr>
-            <a:r>
-              <a:rPr lang="en-US" dirty="0" err="1"/>
-              <a:t>typedef</a:t>
-            </a:r>
-            <a:r>
-              <a:rPr lang="en-US" dirty="0"/>
-              <a:t> </a:t>
+              <a:t>    </a:t>
+            </a:r>
+            <a:r>
+              <a:rPr lang="en-US" dirty="0" err="1"/>
+              <a:t>printf</a:t>
+            </a:r>
+            <a:r>
+              <a:rPr lang="en-US" dirty="0"/>
+              <a:t>("%d\n",</a:t>
+            </a:r>
+            <a:r>
+              <a:rPr lang="en-US" dirty="0" err="1"/>
+              <a:t>arr</a:t>
+            </a:r>
+            <a:r>
+              <a:rPr lang="en-US" dirty="0"/>
+              <a:t>[0].a);</a:t>
+            </a:r>
+          </a:p>
+          <a:p>
+            <a:pPr marL="137160" indent="0">
+              <a:buNone/>
+            </a:pPr>
+            <a:r>
+              <a:rPr lang="en-US" dirty="0"/>
+              <a:t>    </a:t>
+            </a:r>
+            <a:r>
+              <a:rPr lang="en-US" dirty="0" err="1"/>
+              <a:t>printf</a:t>
+            </a:r>
+            <a:r>
+              <a:rPr lang="en-US" dirty="0"/>
+              <a:t>("%d\n",</a:t>
+            </a:r>
+            <a:r>
+              <a:rPr lang="en-US" dirty="0" err="1"/>
+              <a:t>arr</a:t>
+            </a:r>
+            <a:r>
+              <a:rPr lang="en-US" dirty="0"/>
+              <a:t>[1].b);</a:t>
+            </a:r>
+          </a:p>
+          <a:p>
+            <a:pPr marL="137160" indent="0">
+              <a:buNone/>
+            </a:pPr>
+            <a:endParaRPr lang="en-US" dirty="0"/>
+          </a:p>
+          <a:p>
+            <a:pPr marL="137160" indent="0">
+              <a:buNone/>
+            </a:pPr>
+            <a:r>
+              <a:rPr lang="en-US" dirty="0"/>
+              <a:t>}</a:t>
+            </a:r>
+          </a:p>
+          <a:p>
+            <a:pPr marL="137160" indent="0">
+              <a:buNone/>
+            </a:pPr>
+            <a:endParaRPr lang="en-US" dirty="0"/>
+          </a:p>
+          <a:p>
+            <a:pPr marL="137160" indent="0">
+              <a:buNone/>
+            </a:pPr>
+            <a:r>
+              <a:rPr lang="en-US" dirty="0"/>
+              <a:t>void main()</a:t>
+            </a:r>
+          </a:p>
+          <a:p>
+            <a:pPr marL="137160" indent="0">
+              <a:buNone/>
+            </a:pPr>
+            <a:r>
+              <a:rPr lang="en-US" dirty="0"/>
+              <a:t>{</a:t>
+            </a:r>
+          </a:p>
+          <a:p>
+            <a:pPr marL="137160" indent="0">
+              <a:buNone/>
+            </a:pPr>
+            <a:r>
+              <a:rPr lang="en-US" dirty="0"/>
+              <a:t>    </a:t>
+            </a:r>
+          </a:p>
+          <a:p>
+            <a:pPr marL="137160" indent="0">
+              <a:buNone/>
+            </a:pPr>
+            <a:r>
+              <a:rPr lang="en-US" dirty="0"/>
+              <a:t>    </a:t>
+            </a:r>
+            <a:r>
+              <a:rPr lang="en-US" dirty="0" err="1"/>
+              <a:t>obj</a:t>
+            </a:r>
+            <a:r>
+              <a:rPr lang="en-US" dirty="0"/>
+              <a:t>[0].a=1;</a:t>
+            </a:r>
+          </a:p>
+          <a:p>
+            <a:pPr marL="137160" indent="0">
+              <a:buNone/>
+            </a:pPr>
+            <a:r>
+              <a:rPr lang="en-US" dirty="0"/>
+              <a:t>    </a:t>
+            </a:r>
+            <a:r>
+              <a:rPr lang="en-US" dirty="0" err="1"/>
+              <a:t>obj</a:t>
+            </a:r>
+            <a:r>
+              <a:rPr lang="en-US" dirty="0"/>
+              <a:t>[0].b=2;</a:t>
+            </a:r>
+          </a:p>
+          <a:p>
+            <a:pPr marL="137160" indent="0">
+              <a:buNone/>
+            </a:pPr>
+            <a:r>
+              <a:rPr lang="en-US" dirty="0"/>
+              <a:t>    </a:t>
+            </a:r>
+            <a:r>
+              <a:rPr lang="en-US" dirty="0" err="1"/>
+              <a:t>obj</a:t>
+            </a:r>
+            <a:r>
+              <a:rPr lang="en-US" dirty="0"/>
+              <a:t>[1].a=11;</a:t>
+            </a:r>
+          </a:p>
+          <a:p>
+            <a:pPr marL="137160" indent="0">
+              <a:buNone/>
+            </a:pPr>
+            <a:r>
+              <a:rPr lang="en-US" dirty="0"/>
+              <a:t>    </a:t>
+            </a:r>
+            <a:r>
+              <a:rPr lang="en-US" dirty="0" err="1"/>
+              <a:t>obj</a:t>
+            </a:r>
+            <a:r>
+              <a:rPr lang="en-US" dirty="0"/>
+              <a:t>[1].b=12</a:t>
+            </a:r>
+            <a:r>
+              <a:rPr lang="en-US" dirty="0" smtClean="0"/>
+              <a:t>;    </a:t>
+            </a:r>
+            <a:endParaRPr lang="en-US" dirty="0"/>
+          </a:p>
+          <a:p>
+            <a:pPr marL="137160" indent="0">
+              <a:buNone/>
+            </a:pPr>
+            <a:r>
+              <a:rPr lang="en-US" dirty="0"/>
+              <a:t>    </a:t>
             </a:r>
             <a:r>
               <a:rPr lang="en-US" dirty="0" err="1"/>
@@ -3990,345 +3980,96 @@
             </a:r>
             <a:r>
               <a:rPr lang="en-US" dirty="0"/>
-              <a:t> </a:t>
-            </a:r>
-            <a:r>
-              <a:rPr lang="en-US" dirty="0" err="1"/>
-              <a:t>structb_tag</a:t>
-            </a:r>
-            <a:r>
-              <a:rPr lang="en-US" dirty="0"/>
-              <a:t> </a:t>
-            </a:r>
-          </a:p>
-          <a:p>
-            <a:pPr marL="137160" indent="0">
-              <a:buNone/>
-            </a:pPr>
-            <a:r>
-              <a:rPr lang="en-US" dirty="0"/>
-              <a:t>{ </a:t>
-            </a:r>
-          </a:p>
-          <a:p>
-            <a:pPr marL="457200" lvl="1" indent="0">
-              <a:buNone/>
-            </a:pPr>
-            <a:r>
-              <a:rPr lang="en-US" dirty="0"/>
-              <a:t>short </a:t>
-            </a:r>
-            <a:r>
-              <a:rPr lang="en-US" dirty="0" err="1"/>
-              <a:t>int</a:t>
-            </a:r>
-            <a:r>
-              <a:rPr lang="en-US" dirty="0"/>
-              <a:t>  s; </a:t>
-            </a:r>
-          </a:p>
-          <a:p>
-            <a:pPr marL="457200" lvl="1" indent="0">
-              <a:buNone/>
-            </a:pPr>
-            <a:r>
-              <a:rPr lang="en-US" dirty="0"/>
-              <a:t>char    c; </a:t>
-            </a:r>
-          </a:p>
-          <a:p>
-            <a:pPr marL="457200" lvl="1" indent="0">
-              <a:buNone/>
-            </a:pPr>
-            <a:r>
-              <a:rPr lang="en-US" dirty="0" err="1"/>
-              <a:t>int</a:t>
-            </a:r>
-            <a:r>
-              <a:rPr lang="en-US" dirty="0"/>
-              <a:t>     i; </a:t>
-            </a:r>
-          </a:p>
-          <a:p>
-            <a:pPr marL="137160" indent="0">
-              <a:buNone/>
-            </a:pPr>
-            <a:r>
-              <a:rPr lang="en-US" dirty="0"/>
-              <a:t>} </a:t>
-            </a:r>
-            <a:r>
-              <a:rPr lang="en-US" dirty="0" err="1"/>
-              <a:t>structb_t</a:t>
-            </a:r>
-            <a:r>
-              <a:rPr lang="en-US" dirty="0"/>
-              <a:t>; </a:t>
-            </a:r>
-            <a:r>
-              <a:rPr lang="en-US" dirty="0" smtClean="0"/>
-              <a:t> //</a:t>
-            </a:r>
-            <a:r>
-              <a:rPr lang="en-US" dirty="0" err="1" smtClean="0"/>
-              <a:t>ans</a:t>
-            </a:r>
-            <a:r>
-              <a:rPr lang="en-US" dirty="0" smtClean="0"/>
-              <a:t>=8</a:t>
-            </a:r>
+              <a:t> test *</a:t>
+            </a:r>
+            <a:r>
+              <a:rPr lang="en-US" dirty="0" err="1"/>
+              <a:t>ptr</a:t>
+            </a:r>
+            <a:r>
+              <a:rPr lang="en-US" dirty="0"/>
+              <a:t>=</a:t>
+            </a:r>
+            <a:r>
+              <a:rPr lang="en-US" dirty="0" err="1"/>
+              <a:t>obj</a:t>
+            </a:r>
+            <a:r>
+              <a:rPr lang="en-US" dirty="0"/>
+              <a:t>;</a:t>
+            </a:r>
+          </a:p>
+          <a:p>
+            <a:pPr marL="137160" indent="0">
+              <a:buNone/>
+            </a:pPr>
+            <a:r>
+              <a:rPr lang="en-US" dirty="0"/>
+              <a:t>    </a:t>
+            </a:r>
+            <a:r>
+              <a:rPr lang="en-US" dirty="0" err="1"/>
+              <a:t>pprint</a:t>
+            </a:r>
+            <a:r>
+              <a:rPr lang="en-US" dirty="0"/>
+              <a:t>(</a:t>
+            </a:r>
+            <a:r>
+              <a:rPr lang="en-US" dirty="0" err="1"/>
+              <a:t>ptr</a:t>
+            </a:r>
+            <a:r>
+              <a:rPr lang="en-US" dirty="0"/>
+              <a:t>);</a:t>
+            </a:r>
+          </a:p>
+          <a:p>
+            <a:pPr marL="137160" indent="0">
+              <a:buNone/>
+            </a:pPr>
+            <a:r>
+              <a:rPr lang="en-US" dirty="0"/>
+              <a:t>    </a:t>
+            </a:r>
+            <a:r>
+              <a:rPr lang="en-US" dirty="0" err="1"/>
+              <a:t>aprint</a:t>
+            </a:r>
+            <a:r>
+              <a:rPr lang="en-US" dirty="0"/>
+              <a:t>(</a:t>
+            </a:r>
+            <a:r>
+              <a:rPr lang="en-US" dirty="0" err="1"/>
+              <a:t>obj</a:t>
+            </a:r>
+            <a:r>
+              <a:rPr lang="en-US" dirty="0"/>
+              <a:t>);</a:t>
+            </a:r>
+          </a:p>
+          <a:p>
+            <a:pPr marL="137160" indent="0">
+              <a:buNone/>
+            </a:pPr>
             <a:endParaRPr lang="en-US" dirty="0"/>
           </a:p>
           <a:p>
             <a:pPr marL="137160" indent="0">
               <a:buNone/>
             </a:pPr>
-            <a:endParaRPr lang="en-US" dirty="0"/>
-          </a:p>
-          <a:p>
-            <a:pPr marL="137160" indent="0">
-              <a:buNone/>
-            </a:pPr>
-            <a:endParaRPr lang="en-US" dirty="0"/>
-          </a:p>
-          <a:p>
-            <a:pPr marL="137160" indent="0">
-              <a:buNone/>
-            </a:pPr>
-            <a:r>
-              <a:rPr lang="en-US" dirty="0"/>
-              <a:t>// structure C </a:t>
-            </a:r>
-          </a:p>
-          <a:p>
-            <a:pPr marL="137160" indent="0">
-              <a:buNone/>
-            </a:pPr>
-            <a:r>
-              <a:rPr lang="en-US" dirty="0" err="1"/>
-              <a:t>typedef</a:t>
-            </a:r>
-            <a:r>
-              <a:rPr lang="en-US" dirty="0"/>
-              <a:t> </a:t>
-            </a:r>
-            <a:r>
-              <a:rPr lang="en-US" dirty="0" err="1"/>
-              <a:t>struct</a:t>
-            </a:r>
-            <a:r>
-              <a:rPr lang="en-US" dirty="0"/>
-              <a:t> </a:t>
-            </a:r>
-            <a:r>
-              <a:rPr lang="en-US" dirty="0" err="1"/>
-              <a:t>structc_tag</a:t>
-            </a:r>
-            <a:r>
-              <a:rPr lang="en-US" dirty="0"/>
-              <a:t> </a:t>
-            </a:r>
-          </a:p>
-          <a:p>
-            <a:pPr marL="137160" indent="0">
-              <a:buNone/>
-            </a:pPr>
-            <a:r>
-              <a:rPr lang="en-US" dirty="0"/>
-              <a:t>{ </a:t>
-            </a:r>
-          </a:p>
-          <a:p>
-            <a:pPr marL="457200" lvl="1" indent="0">
-              <a:buNone/>
-            </a:pPr>
-            <a:r>
-              <a:rPr lang="en-US" dirty="0"/>
-              <a:t>char    c; </a:t>
-            </a:r>
-          </a:p>
-          <a:p>
-            <a:pPr marL="457200" lvl="1" indent="0">
-              <a:buNone/>
-            </a:pPr>
-            <a:r>
-              <a:rPr lang="en-US" dirty="0"/>
-              <a:t>double   d; </a:t>
-            </a:r>
-          </a:p>
-          <a:p>
-            <a:pPr marL="457200" lvl="1" indent="0">
-              <a:buNone/>
-            </a:pPr>
-            <a:r>
-              <a:rPr lang="en-US" dirty="0" err="1"/>
-              <a:t>int</a:t>
-            </a:r>
-            <a:r>
-              <a:rPr lang="en-US" dirty="0"/>
-              <a:t> 	 s; </a:t>
-            </a:r>
-          </a:p>
-          <a:p>
-            <a:pPr marL="137160" indent="0">
-              <a:buNone/>
-            </a:pPr>
-            <a:r>
-              <a:rPr lang="en-US" dirty="0"/>
-              <a:t>} </a:t>
-            </a:r>
-            <a:r>
-              <a:rPr lang="en-US" dirty="0" err="1"/>
-              <a:t>structc_t</a:t>
-            </a:r>
-            <a:r>
-              <a:rPr lang="en-US" dirty="0"/>
-              <a:t>; //</a:t>
-            </a:r>
-            <a:r>
-              <a:rPr lang="en-US" dirty="0" err="1" smtClean="0"/>
-              <a:t>ans</a:t>
-            </a:r>
-            <a:r>
-              <a:rPr lang="en-US" dirty="0" smtClean="0"/>
-              <a:t>=24</a:t>
-            </a:r>
-            <a:endParaRPr lang="en-US" dirty="0"/>
-          </a:p>
-          <a:p>
-            <a:pPr marL="137160" indent="0">
-              <a:buNone/>
-            </a:pPr>
-            <a:endParaRPr lang="en-US" dirty="0"/>
-          </a:p>
-          <a:p>
-            <a:pPr marL="137160" indent="0">
-              <a:buNone/>
-            </a:pPr>
-            <a:endParaRPr lang="en-US" dirty="0"/>
-          </a:p>
-          <a:p>
-            <a:pPr marL="137160" indent="0">
-              <a:buNone/>
-            </a:pPr>
-            <a:r>
-              <a:rPr lang="en-US" dirty="0"/>
-              <a:t>// structure D </a:t>
-            </a:r>
-          </a:p>
-          <a:p>
-            <a:pPr marL="137160" indent="0">
-              <a:buNone/>
-            </a:pPr>
-            <a:r>
-              <a:rPr lang="en-US" dirty="0" err="1"/>
-              <a:t>typedef</a:t>
-            </a:r>
-            <a:r>
-              <a:rPr lang="en-US" dirty="0"/>
-              <a:t> </a:t>
-            </a:r>
-            <a:r>
-              <a:rPr lang="en-US" dirty="0" err="1"/>
-              <a:t>struct</a:t>
-            </a:r>
-            <a:r>
-              <a:rPr lang="en-US" dirty="0"/>
-              <a:t> </a:t>
-            </a:r>
-            <a:r>
-              <a:rPr lang="en-US" dirty="0" err="1"/>
-              <a:t>structd_tag</a:t>
-            </a:r>
-            <a:r>
-              <a:rPr lang="en-US" dirty="0"/>
-              <a:t> </a:t>
-            </a:r>
-          </a:p>
-          <a:p>
-            <a:pPr marL="137160" indent="0">
-              <a:buNone/>
-            </a:pPr>
-            <a:r>
-              <a:rPr lang="en-US" dirty="0"/>
-              <a:t>{ </a:t>
-            </a:r>
-          </a:p>
-          <a:p>
-            <a:pPr marL="457200" lvl="1" indent="0">
-              <a:buNone/>
-            </a:pPr>
-            <a:r>
-              <a:rPr lang="en-US" dirty="0"/>
-              <a:t>double   d; </a:t>
-            </a:r>
-          </a:p>
-          <a:p>
-            <a:pPr marL="457200" lvl="1" indent="0">
-              <a:buNone/>
-            </a:pPr>
-            <a:r>
-              <a:rPr lang="en-US" dirty="0" err="1"/>
-              <a:t>int</a:t>
-            </a:r>
-            <a:r>
-              <a:rPr lang="en-US" dirty="0"/>
-              <a:t> 	 s; </a:t>
-            </a:r>
-          </a:p>
-          <a:p>
-            <a:pPr marL="457200" lvl="1" indent="0">
-              <a:buNone/>
-            </a:pPr>
-            <a:r>
-              <a:rPr lang="en-US" dirty="0"/>
-              <a:t>char    c; </a:t>
-            </a:r>
-          </a:p>
-          <a:p>
-            <a:pPr marL="137160" indent="0">
-              <a:buNone/>
-            </a:pPr>
-            <a:r>
-              <a:rPr lang="en-US" dirty="0"/>
-              <a:t>} </a:t>
-            </a:r>
-            <a:r>
-              <a:rPr lang="en-US" dirty="0" err="1"/>
-              <a:t>structd_t</a:t>
-            </a:r>
-            <a:r>
-              <a:rPr lang="en-US" dirty="0"/>
-              <a:t>; //</a:t>
-            </a:r>
-            <a:r>
-              <a:rPr lang="en-US" dirty="0" err="1" smtClean="0"/>
-              <a:t>ans</a:t>
-            </a:r>
-            <a:r>
-              <a:rPr lang="en-US" dirty="0" smtClean="0"/>
-              <a:t>=16</a:t>
-            </a:r>
-            <a:endParaRPr lang="en-US" dirty="0"/>
-          </a:p>
-          <a:p>
-            <a:pPr marL="137160" indent="0">
-              <a:buNone/>
-            </a:pPr>
-            <a:endParaRPr lang="en-US" dirty="0"/>
-          </a:p>
-          <a:p>
-            <a:endParaRPr lang="en-US" dirty="0"/>
-          </a:p>
-          <a:p>
-            <a:endParaRPr lang="en-US" dirty="0"/>
+            <a:r>
+              <a:rPr lang="en-US" dirty="0"/>
+              <a:t>}</a:t>
+            </a:r>
           </a:p>
         </p:txBody>
       </p:sp>
     </p:spTree>
     <p:extLst>
       <p:ext uri="{BB962C8B-B14F-4D97-AF65-F5344CB8AC3E}">
-        <p14:creationId xmlns:p14="http://schemas.microsoft.com/office/powerpoint/2010/main" val="4050568456"/>
+        <p14:creationId xmlns:p14="http://schemas.microsoft.com/office/powerpoint/2010/main" val="1743878887"/>
       </p:ext>
     </p:extLst>
   </p:cSld>
@@ -4338,1964 +4079,7 @@
 </p:sld>
 </file>
 
-<file path=ppt/slides/slide12.xml><?xml version="1.0" encoding="utf-8"?>
-<p:sld xmlns:a="http://schemas.openxmlformats.org/drawingml/2006/main" xmlns:r="http://schemas.openxmlformats.org/officeDocument/2006/relationships" xmlns:p="http://schemas.openxmlformats.org/presentationml/2006/main">
-  <p:cSld>
-    <p:spTree>
-      <p:nvGrpSpPr>
-        <p:cNvPr id="1" name=""/>
-        <p:cNvGrpSpPr/>
-        <p:nvPr/>
-      </p:nvGrpSpPr>
-      <p:grpSpPr>
-        <a:xfrm>
-          <a:off x="0" y="0"/>
-          <a:ext cx="0" cy="0"/>
-          <a:chOff x="0" y="0"/>
-          <a:chExt cx="0" cy="0"/>
-        </a:xfrm>
-      </p:grpSpPr>
-      <p:sp>
-        <p:nvSpPr>
-          <p:cNvPr id="2" name="Title 1"/>
-          <p:cNvSpPr>
-            <a:spLocks noGrp="1"/>
-          </p:cNvSpPr>
-          <p:nvPr>
-            <p:ph type="title"/>
-          </p:nvPr>
-        </p:nvSpPr>
-        <p:spPr/>
-        <p:txBody>
-          <a:bodyPr/>
-          <a:lstStyle/>
-          <a:p>
-            <a:r>
-              <a:rPr lang="en-US" dirty="0" smtClean="0"/>
-              <a:t>Structure padding</a:t>
-            </a:r>
-            <a:endParaRPr lang="en-US" dirty="0"/>
-          </a:p>
-        </p:txBody>
-      </p:sp>
-      <p:sp>
-        <p:nvSpPr>
-          <p:cNvPr id="3" name="Content Placeholder 2"/>
-          <p:cNvSpPr>
-            <a:spLocks noGrp="1"/>
-          </p:cNvSpPr>
-          <p:nvPr>
-            <p:ph idx="1"/>
-          </p:nvPr>
-        </p:nvSpPr>
-        <p:spPr/>
-        <p:txBody>
-          <a:bodyPr>
-            <a:normAutofit fontScale="92500" lnSpcReduction="20000"/>
-          </a:bodyPr>
-          <a:lstStyle/>
-          <a:p>
-            <a:pPr marL="137160" indent="0">
-              <a:buNone/>
-            </a:pPr>
-            <a:r>
-              <a:rPr lang="en-US" dirty="0" err="1"/>
-              <a:t>struct</a:t>
-            </a:r>
-            <a:r>
-              <a:rPr lang="en-US" dirty="0"/>
-              <a:t> </a:t>
-            </a:r>
-            <a:r>
-              <a:rPr lang="en-US" dirty="0" smtClean="0"/>
-              <a:t>a</a:t>
-            </a:r>
-          </a:p>
-          <a:p>
-            <a:pPr marL="137160" indent="0">
-              <a:buNone/>
-            </a:pPr>
-            <a:r>
-              <a:rPr lang="en-US" dirty="0" smtClean="0"/>
-              <a:t>{   </a:t>
-            </a:r>
-          </a:p>
-          <a:p>
-            <a:pPr marL="457200" lvl="1" indent="0">
-              <a:buNone/>
-            </a:pPr>
-            <a:r>
-              <a:rPr lang="en-US" dirty="0" smtClean="0"/>
-              <a:t> </a:t>
-            </a:r>
-            <a:r>
-              <a:rPr lang="en-US" dirty="0" err="1"/>
-              <a:t>int</a:t>
-            </a:r>
-            <a:r>
-              <a:rPr lang="en-US" dirty="0"/>
-              <a:t> a; </a:t>
-            </a:r>
-            <a:endParaRPr lang="en-US" dirty="0" smtClean="0"/>
-          </a:p>
-          <a:p>
-            <a:pPr marL="457200" lvl="1" indent="0">
-              <a:buNone/>
-            </a:pPr>
-            <a:r>
-              <a:rPr lang="en-US" dirty="0" smtClean="0"/>
-              <a:t> char </a:t>
-            </a:r>
-            <a:r>
-              <a:rPr lang="en-US" dirty="0"/>
-              <a:t>d;</a:t>
-            </a:r>
-            <a:r>
-              <a:rPr lang="en-US" dirty="0" smtClean="0"/>
-              <a:t>  </a:t>
-            </a:r>
-          </a:p>
-          <a:p>
-            <a:pPr marL="457200" lvl="1" indent="0">
-              <a:buNone/>
-            </a:pPr>
-            <a:r>
-              <a:rPr lang="en-US" dirty="0" smtClean="0"/>
-              <a:t> </a:t>
-            </a:r>
-            <a:r>
-              <a:rPr lang="en-US" dirty="0" err="1"/>
-              <a:t>int</a:t>
-            </a:r>
-            <a:r>
-              <a:rPr lang="en-US" dirty="0"/>
-              <a:t> b</a:t>
-            </a:r>
-            <a:r>
-              <a:rPr lang="en-US" dirty="0" smtClean="0"/>
-              <a:t>; </a:t>
-            </a:r>
-          </a:p>
-          <a:p>
-            <a:pPr marL="457200" lvl="1" indent="0">
-              <a:buNone/>
-            </a:pPr>
-            <a:r>
-              <a:rPr lang="en-US" dirty="0" smtClean="0"/>
-              <a:t> </a:t>
-            </a:r>
-            <a:r>
-              <a:rPr lang="en-US" dirty="0"/>
-              <a:t>char c;    </a:t>
-            </a:r>
-            <a:endParaRPr lang="en-US" dirty="0" smtClean="0"/>
-          </a:p>
-          <a:p>
-            <a:pPr marL="137160" indent="0">
-              <a:buNone/>
-            </a:pPr>
-            <a:r>
-              <a:rPr lang="en-US" dirty="0" smtClean="0"/>
-              <a:t>}</a:t>
-            </a:r>
-            <a:r>
-              <a:rPr lang="en-US" dirty="0"/>
-              <a:t>o</a:t>
-            </a:r>
-            <a:r>
-              <a:rPr lang="en-US" dirty="0" smtClean="0"/>
-              <a:t>;</a:t>
-            </a:r>
-          </a:p>
-          <a:p>
-            <a:pPr marL="137160" indent="0">
-              <a:buNone/>
-            </a:pPr>
-            <a:r>
-              <a:rPr lang="en-US" dirty="0" err="1" smtClean="0"/>
-              <a:t>int</a:t>
-            </a:r>
-            <a:r>
-              <a:rPr lang="en-US" dirty="0" smtClean="0"/>
-              <a:t> </a:t>
-            </a:r>
-            <a:r>
-              <a:rPr lang="en-US" dirty="0"/>
-              <a:t>main</a:t>
-            </a:r>
-            <a:r>
-              <a:rPr lang="en-US" dirty="0" smtClean="0"/>
-              <a:t>()</a:t>
-            </a:r>
-          </a:p>
-          <a:p>
-            <a:pPr marL="137160" indent="0">
-              <a:buNone/>
-            </a:pPr>
-            <a:r>
-              <a:rPr lang="en-US" dirty="0" smtClean="0"/>
-              <a:t>{   </a:t>
-            </a:r>
-          </a:p>
-          <a:p>
-            <a:pPr marL="137160" indent="0">
-              <a:buNone/>
-            </a:pPr>
-            <a:r>
-              <a:rPr lang="en-US" dirty="0" smtClean="0"/>
-              <a:t> </a:t>
-            </a:r>
-            <a:r>
-              <a:rPr lang="en-US" dirty="0" err="1"/>
-              <a:t>printf</a:t>
-            </a:r>
-            <a:r>
-              <a:rPr lang="en-US" dirty="0"/>
-              <a:t>("%d\n",</a:t>
-            </a:r>
-            <a:r>
-              <a:rPr lang="en-US" dirty="0" err="1"/>
-              <a:t>sizeof</a:t>
-            </a:r>
-            <a:r>
-              <a:rPr lang="en-US" dirty="0"/>
-              <a:t>(o)); </a:t>
-            </a:r>
-            <a:r>
-              <a:rPr lang="en-US" dirty="0" smtClean="0"/>
-              <a:t>  //</a:t>
-            </a:r>
-            <a:r>
-              <a:rPr lang="en-US" dirty="0" err="1" smtClean="0"/>
-              <a:t>ans</a:t>
-            </a:r>
-            <a:r>
-              <a:rPr lang="en-US" dirty="0" smtClean="0"/>
-              <a:t>= 16 </a:t>
-            </a:r>
-          </a:p>
-          <a:p>
-            <a:pPr marL="137160" indent="0">
-              <a:buNone/>
-            </a:pPr>
-            <a:r>
-              <a:rPr lang="en-US" dirty="0" smtClean="0"/>
-              <a:t> </a:t>
-            </a:r>
-            <a:r>
-              <a:rPr lang="en-US" dirty="0"/>
-              <a:t>return 0</a:t>
-            </a:r>
-            <a:r>
-              <a:rPr lang="en-US" dirty="0" smtClean="0"/>
-              <a:t>;</a:t>
-            </a:r>
-          </a:p>
-          <a:p>
-            <a:pPr marL="137160" indent="0">
-              <a:buNone/>
-            </a:pPr>
-            <a:r>
-              <a:rPr lang="en-US" dirty="0" smtClean="0"/>
-              <a:t>}</a:t>
-            </a:r>
-            <a:endParaRPr lang="en-US" dirty="0"/>
-          </a:p>
-        </p:txBody>
-      </p:sp>
-    </p:spTree>
-    <p:extLst>
-      <p:ext uri="{BB962C8B-B14F-4D97-AF65-F5344CB8AC3E}">
-        <p14:creationId xmlns:p14="http://schemas.microsoft.com/office/powerpoint/2010/main" val="4040950030"/>
-      </p:ext>
-    </p:extLst>
-  </p:cSld>
-  <p:clrMapOvr>
-    <a:masterClrMapping/>
-  </p:clrMapOvr>
-</p:sld>
-</file>
-
-<file path=ppt/slides/slide13.xml><?xml version="1.0" encoding="utf-8"?>
-<p:sld xmlns:a="http://schemas.openxmlformats.org/drawingml/2006/main" xmlns:r="http://schemas.openxmlformats.org/officeDocument/2006/relationships" xmlns:p="http://schemas.openxmlformats.org/presentationml/2006/main">
-  <p:cSld>
-    <p:spTree>
-      <p:nvGrpSpPr>
-        <p:cNvPr id="1" name=""/>
-        <p:cNvGrpSpPr/>
-        <p:nvPr/>
-      </p:nvGrpSpPr>
-      <p:grpSpPr>
-        <a:xfrm>
-          <a:off x="0" y="0"/>
-          <a:ext cx="0" cy="0"/>
-          <a:chOff x="0" y="0"/>
-          <a:chExt cx="0" cy="0"/>
-        </a:xfrm>
-      </p:grpSpPr>
-      <p:sp>
-        <p:nvSpPr>
-          <p:cNvPr id="2" name="Title 1"/>
-          <p:cNvSpPr>
-            <a:spLocks noGrp="1"/>
-          </p:cNvSpPr>
-          <p:nvPr>
-            <p:ph type="title"/>
-          </p:nvPr>
-        </p:nvSpPr>
-        <p:spPr/>
-        <p:txBody>
-          <a:bodyPr/>
-          <a:lstStyle/>
-          <a:p>
-            <a:r>
-              <a:rPr lang="en-US" dirty="0" err="1" smtClean="0"/>
-              <a:t>Struct</a:t>
-            </a:r>
-            <a:r>
-              <a:rPr lang="en-US" dirty="0" smtClean="0"/>
-              <a:t> pack 1,2,4</a:t>
-            </a:r>
-            <a:endParaRPr lang="en-US" dirty="0"/>
-          </a:p>
-        </p:txBody>
-      </p:sp>
-      <p:sp>
-        <p:nvSpPr>
-          <p:cNvPr id="3" name="Content Placeholder 2"/>
-          <p:cNvSpPr>
-            <a:spLocks noGrp="1"/>
-          </p:cNvSpPr>
-          <p:nvPr>
-            <p:ph idx="1"/>
-          </p:nvPr>
-        </p:nvSpPr>
-        <p:spPr/>
-        <p:txBody>
-          <a:bodyPr>
-            <a:normAutofit/>
-          </a:bodyPr>
-          <a:lstStyle/>
-          <a:p>
-            <a:pPr marL="137160" indent="0">
-              <a:buNone/>
-            </a:pPr>
-            <a:r>
-              <a:rPr lang="en-US" sz="2400" dirty="0" smtClean="0"/>
-              <a:t>pragma pack(4)</a:t>
-            </a:r>
-          </a:p>
-          <a:p>
-            <a:pPr marL="137160" indent="0">
-              <a:buNone/>
-            </a:pPr>
-            <a:r>
-              <a:rPr lang="en-US" sz="2400" dirty="0" err="1" smtClean="0"/>
-              <a:t>struct</a:t>
-            </a:r>
-            <a:r>
-              <a:rPr lang="en-US" sz="2400" dirty="0" smtClean="0"/>
-              <a:t> </a:t>
-            </a:r>
-            <a:r>
-              <a:rPr lang="en-US" sz="2400" dirty="0"/>
-              <a:t>a{    </a:t>
-            </a:r>
-            <a:endParaRPr lang="en-US" sz="2400" dirty="0" smtClean="0"/>
-          </a:p>
-          <a:p>
-            <a:pPr marL="457200" lvl="1" indent="0">
-              <a:buNone/>
-            </a:pPr>
-            <a:r>
-              <a:rPr lang="en-US" sz="2000" dirty="0" smtClean="0"/>
-              <a:t>	 </a:t>
-            </a:r>
-            <a:r>
-              <a:rPr lang="en-US" sz="2000" dirty="0" err="1" smtClean="0"/>
-              <a:t>int</a:t>
-            </a:r>
-            <a:r>
-              <a:rPr lang="en-US" sz="2000" dirty="0" smtClean="0"/>
-              <a:t> </a:t>
-            </a:r>
-            <a:r>
-              <a:rPr lang="en-US" sz="2000" dirty="0"/>
-              <a:t>a;   </a:t>
-            </a:r>
-            <a:endParaRPr lang="en-US" sz="2000" dirty="0" smtClean="0"/>
-          </a:p>
-          <a:p>
-            <a:pPr marL="457200" lvl="1" indent="0">
-              <a:buNone/>
-            </a:pPr>
-            <a:r>
-              <a:rPr lang="en-US" sz="2000" dirty="0" smtClean="0"/>
-              <a:t>	 </a:t>
-            </a:r>
-            <a:r>
-              <a:rPr lang="en-US" sz="2000" dirty="0"/>
-              <a:t>char b;    </a:t>
-            </a:r>
-            <a:endParaRPr lang="en-US" sz="2000" dirty="0" smtClean="0"/>
-          </a:p>
-          <a:p>
-            <a:pPr marL="137160" indent="0">
-              <a:buNone/>
-            </a:pPr>
-            <a:r>
-              <a:rPr lang="en-US" sz="2400" dirty="0" smtClean="0"/>
-              <a:t>	 </a:t>
-            </a:r>
-            <a:r>
-              <a:rPr lang="en-US" sz="2400" dirty="0" err="1" smtClean="0"/>
-              <a:t>int</a:t>
-            </a:r>
-            <a:r>
-              <a:rPr lang="en-US" sz="2400" dirty="0" smtClean="0"/>
-              <a:t> </a:t>
-            </a:r>
-            <a:r>
-              <a:rPr lang="en-US" sz="2400" dirty="0"/>
-              <a:t>c</a:t>
-            </a:r>
-            <a:r>
-              <a:rPr lang="en-US" sz="2400" dirty="0" smtClean="0"/>
-              <a:t>;</a:t>
-            </a:r>
-          </a:p>
-          <a:p>
-            <a:pPr marL="137160" indent="0">
-              <a:buNone/>
-            </a:pPr>
-            <a:r>
-              <a:rPr lang="en-US" sz="2400" dirty="0" smtClean="0"/>
-              <a:t>}</a:t>
-            </a:r>
-            <a:r>
-              <a:rPr lang="en-US" sz="2400" dirty="0"/>
-              <a:t>o</a:t>
-            </a:r>
-            <a:r>
-              <a:rPr lang="en-US" sz="2400" dirty="0" smtClean="0"/>
-              <a:t>;</a:t>
-            </a:r>
-          </a:p>
-          <a:p>
-            <a:pPr marL="137160" indent="0">
-              <a:buNone/>
-            </a:pPr>
-            <a:r>
-              <a:rPr lang="en-US" sz="2400" dirty="0" err="1" smtClean="0"/>
-              <a:t>int</a:t>
-            </a:r>
-            <a:r>
-              <a:rPr lang="en-US" sz="2400" dirty="0" smtClean="0"/>
-              <a:t> </a:t>
-            </a:r>
-            <a:r>
-              <a:rPr lang="en-US" sz="2400" dirty="0"/>
-              <a:t>main</a:t>
-            </a:r>
-            <a:r>
-              <a:rPr lang="en-US" sz="2400" dirty="0" smtClean="0"/>
-              <a:t>()</a:t>
-            </a:r>
-          </a:p>
-          <a:p>
-            <a:pPr marL="137160" indent="0">
-              <a:buNone/>
-            </a:pPr>
-            <a:r>
-              <a:rPr lang="en-US" sz="2400" dirty="0" smtClean="0"/>
-              <a:t>{    </a:t>
-            </a:r>
-          </a:p>
-          <a:p>
-            <a:pPr marL="457200" lvl="1" indent="0">
-              <a:buNone/>
-            </a:pPr>
-            <a:r>
-              <a:rPr lang="en-US" sz="2000" dirty="0" err="1" smtClean="0"/>
-              <a:t>printf</a:t>
-            </a:r>
-            <a:r>
-              <a:rPr lang="en-US" sz="2000" dirty="0"/>
-              <a:t>("%d\n",</a:t>
-            </a:r>
-            <a:r>
-              <a:rPr lang="en-US" sz="2000" dirty="0" err="1"/>
-              <a:t>sizeof</a:t>
-            </a:r>
-            <a:r>
-              <a:rPr lang="en-US" sz="2000" dirty="0"/>
-              <a:t>(o));  </a:t>
-            </a:r>
-            <a:r>
-              <a:rPr lang="en-US" sz="2000" dirty="0" smtClean="0"/>
-              <a:t>//</a:t>
-            </a:r>
-            <a:r>
-              <a:rPr lang="en-US" sz="2000" dirty="0" err="1" smtClean="0"/>
-              <a:t>ans</a:t>
-            </a:r>
-            <a:r>
-              <a:rPr lang="en-US" sz="2000" dirty="0" smtClean="0"/>
-              <a:t>=9 (p1) ,</a:t>
-            </a:r>
-            <a:r>
-              <a:rPr lang="en-US" sz="2000" dirty="0" err="1" smtClean="0"/>
-              <a:t>ans</a:t>
-            </a:r>
-            <a:r>
-              <a:rPr lang="en-US" sz="2000" dirty="0" smtClean="0"/>
-              <a:t>=10(p2),</a:t>
-            </a:r>
-            <a:r>
-              <a:rPr lang="en-US" sz="2000" dirty="0" err="1" smtClean="0"/>
-              <a:t>ans</a:t>
-            </a:r>
-            <a:r>
-              <a:rPr lang="en-US" sz="2000" dirty="0" smtClean="0"/>
-              <a:t>=12(p4) </a:t>
-            </a:r>
-          </a:p>
-          <a:p>
-            <a:pPr marL="457200" lvl="1" indent="0">
-              <a:buNone/>
-            </a:pPr>
-            <a:r>
-              <a:rPr lang="en-US" sz="2000" dirty="0" smtClean="0"/>
-              <a:t>return </a:t>
-            </a:r>
-            <a:r>
-              <a:rPr lang="en-US" sz="2000" dirty="0"/>
-              <a:t>0</a:t>
-            </a:r>
-            <a:r>
-              <a:rPr lang="en-US" sz="2000" dirty="0" smtClean="0"/>
-              <a:t>;</a:t>
-            </a:r>
-          </a:p>
-          <a:p>
-            <a:pPr marL="137160" indent="0">
-              <a:buNone/>
-            </a:pPr>
-            <a:r>
-              <a:rPr lang="en-US" sz="2400" dirty="0" smtClean="0"/>
-              <a:t>}</a:t>
-            </a:r>
-            <a:endParaRPr lang="en-US" sz="2400" dirty="0"/>
-          </a:p>
-        </p:txBody>
-      </p:sp>
-    </p:spTree>
-    <p:extLst>
-      <p:ext uri="{BB962C8B-B14F-4D97-AF65-F5344CB8AC3E}">
-        <p14:creationId xmlns:p14="http://schemas.microsoft.com/office/powerpoint/2010/main" val="1107270324"/>
-      </p:ext>
-    </p:extLst>
-  </p:cSld>
-  <p:clrMapOvr>
-    <a:masterClrMapping/>
-  </p:clrMapOvr>
-</p:sld>
-</file>
-
-<file path=ppt/slides/slide14.xml><?xml version="1.0" encoding="utf-8"?>
-<p:sld xmlns:a="http://schemas.openxmlformats.org/drawingml/2006/main" xmlns:r="http://schemas.openxmlformats.org/officeDocument/2006/relationships" xmlns:p="http://schemas.openxmlformats.org/presentationml/2006/main">
-  <p:cSld>
-    <p:spTree>
-      <p:nvGrpSpPr>
-        <p:cNvPr id="1" name=""/>
-        <p:cNvGrpSpPr/>
-        <p:nvPr/>
-      </p:nvGrpSpPr>
-      <p:grpSpPr>
-        <a:xfrm>
-          <a:off x="0" y="0"/>
-          <a:ext cx="0" cy="0"/>
-          <a:chOff x="0" y="0"/>
-          <a:chExt cx="0" cy="0"/>
-        </a:xfrm>
-      </p:grpSpPr>
-      <p:sp>
-        <p:nvSpPr>
-          <p:cNvPr id="2" name="Title 1"/>
-          <p:cNvSpPr>
-            <a:spLocks noGrp="1"/>
-          </p:cNvSpPr>
-          <p:nvPr>
-            <p:ph type="title"/>
-          </p:nvPr>
-        </p:nvSpPr>
-        <p:spPr/>
-        <p:txBody>
-          <a:bodyPr/>
-          <a:lstStyle/>
-          <a:p>
-            <a:r>
-              <a:rPr lang="en-US" dirty="0" smtClean="0"/>
-              <a:t>Nested </a:t>
-            </a:r>
-            <a:r>
-              <a:rPr lang="en-US" dirty="0" err="1" smtClean="0"/>
-              <a:t>struct</a:t>
-            </a:r>
-            <a:r>
-              <a:rPr lang="en-US" dirty="0" smtClean="0"/>
-              <a:t> o/p</a:t>
-            </a:r>
-            <a:endParaRPr lang="en-US" dirty="0"/>
-          </a:p>
-        </p:txBody>
-      </p:sp>
-      <p:sp>
-        <p:nvSpPr>
-          <p:cNvPr id="3" name="Content Placeholder 2"/>
-          <p:cNvSpPr>
-            <a:spLocks noGrp="1"/>
-          </p:cNvSpPr>
-          <p:nvPr>
-            <p:ph idx="1"/>
-          </p:nvPr>
-        </p:nvSpPr>
-        <p:spPr/>
-        <p:txBody>
-          <a:bodyPr>
-            <a:normAutofit fontScale="62500" lnSpcReduction="20000"/>
-          </a:bodyPr>
-          <a:lstStyle/>
-          <a:p>
-            <a:r>
-              <a:rPr lang="en-US" dirty="0" smtClean="0"/>
-              <a:t>Nested </a:t>
-            </a:r>
-            <a:r>
-              <a:rPr lang="en-US" dirty="0" err="1" smtClean="0"/>
-              <a:t>struct</a:t>
-            </a:r>
-            <a:r>
-              <a:rPr lang="en-US" dirty="0" smtClean="0"/>
-              <a:t> should have tag name otherwise it consider as data member</a:t>
-            </a:r>
-          </a:p>
-          <a:p>
-            <a:pPr marL="137160" indent="0">
-              <a:buNone/>
-            </a:pPr>
-            <a:endParaRPr lang="en-US" dirty="0" smtClean="0"/>
-          </a:p>
-          <a:p>
-            <a:pPr marL="137160" indent="0">
-              <a:buNone/>
-            </a:pPr>
-            <a:r>
-              <a:rPr lang="en-US" dirty="0" err="1" smtClean="0"/>
-              <a:t>struct</a:t>
-            </a:r>
-            <a:r>
-              <a:rPr lang="en-US" dirty="0" smtClean="0"/>
-              <a:t> a</a:t>
-            </a:r>
-          </a:p>
-          <a:p>
-            <a:pPr marL="137160" indent="0">
-              <a:buNone/>
-            </a:pPr>
-            <a:r>
-              <a:rPr lang="en-US" dirty="0" smtClean="0"/>
-              <a:t>{    </a:t>
-            </a:r>
-          </a:p>
-          <a:p>
-            <a:pPr marL="137160" indent="0">
-              <a:buNone/>
-            </a:pPr>
-            <a:r>
-              <a:rPr lang="en-US" dirty="0" smtClean="0"/>
-              <a:t>	</a:t>
-            </a:r>
-            <a:r>
-              <a:rPr lang="en-US" dirty="0" err="1" smtClean="0"/>
-              <a:t>int</a:t>
-            </a:r>
-            <a:r>
-              <a:rPr lang="en-US" dirty="0" smtClean="0"/>
-              <a:t> </a:t>
-            </a:r>
-            <a:r>
-              <a:rPr lang="en-US" dirty="0"/>
-              <a:t>a; </a:t>
-            </a:r>
-            <a:endParaRPr lang="en-US" dirty="0" smtClean="0"/>
-          </a:p>
-          <a:p>
-            <a:pPr marL="137160" indent="0">
-              <a:buNone/>
-            </a:pPr>
-            <a:r>
-              <a:rPr lang="en-US" dirty="0" smtClean="0"/>
-              <a:t>	</a:t>
-            </a:r>
-            <a:r>
-              <a:rPr lang="en-US" dirty="0" err="1" smtClean="0"/>
-              <a:t>Int</a:t>
-            </a:r>
-            <a:r>
-              <a:rPr lang="en-US" dirty="0" smtClean="0"/>
-              <a:t> c;       </a:t>
-            </a:r>
-          </a:p>
-          <a:p>
-            <a:pPr marL="941832" lvl="3" indent="0">
-              <a:buNone/>
-            </a:pPr>
-            <a:r>
-              <a:rPr lang="en-US" dirty="0" err="1" smtClean="0"/>
-              <a:t>struct</a:t>
-            </a:r>
-            <a:r>
-              <a:rPr lang="en-US" dirty="0" smtClean="0"/>
-              <a:t>     </a:t>
-            </a:r>
-          </a:p>
-          <a:p>
-            <a:pPr marL="941832" lvl="3" indent="0">
-              <a:buNone/>
-            </a:pPr>
-            <a:r>
-              <a:rPr lang="en-US" dirty="0" smtClean="0"/>
-              <a:t>{        </a:t>
-            </a:r>
-          </a:p>
-          <a:p>
-            <a:pPr marL="941832" lvl="3" indent="0">
-              <a:buNone/>
-            </a:pPr>
-            <a:r>
-              <a:rPr lang="en-US" dirty="0" smtClean="0"/>
-              <a:t>    </a:t>
-            </a:r>
-            <a:r>
-              <a:rPr lang="en-US" dirty="0" err="1" smtClean="0"/>
-              <a:t>int</a:t>
-            </a:r>
-            <a:r>
-              <a:rPr lang="en-US" dirty="0" smtClean="0"/>
-              <a:t> </a:t>
-            </a:r>
-            <a:r>
-              <a:rPr lang="en-US" dirty="0"/>
-              <a:t>b;    </a:t>
-            </a:r>
-            <a:endParaRPr lang="en-US" dirty="0" smtClean="0"/>
-          </a:p>
-          <a:p>
-            <a:pPr marL="941832" lvl="3" indent="0">
-              <a:buNone/>
-            </a:pPr>
-            <a:r>
-              <a:rPr lang="en-US" dirty="0" smtClean="0"/>
-              <a:t>};</a:t>
-            </a:r>
-          </a:p>
-          <a:p>
-            <a:pPr marL="137160" indent="0">
-              <a:buNone/>
-            </a:pPr>
-            <a:r>
-              <a:rPr lang="en-US" dirty="0" smtClean="0"/>
-              <a:t>}</a:t>
-            </a:r>
-            <a:r>
-              <a:rPr lang="en-US" dirty="0"/>
-              <a:t>o1</a:t>
-            </a:r>
-            <a:r>
-              <a:rPr lang="en-US" dirty="0" smtClean="0"/>
-              <a:t>;</a:t>
-            </a:r>
-          </a:p>
-          <a:p>
-            <a:pPr marL="137160" indent="0">
-              <a:buNone/>
-            </a:pPr>
-            <a:r>
-              <a:rPr lang="en-US" dirty="0" err="1" smtClean="0"/>
-              <a:t>int</a:t>
-            </a:r>
-            <a:r>
-              <a:rPr lang="en-US" dirty="0" smtClean="0"/>
-              <a:t> </a:t>
-            </a:r>
-            <a:r>
-              <a:rPr lang="en-US" dirty="0"/>
-              <a:t>main</a:t>
-            </a:r>
-            <a:r>
-              <a:rPr lang="en-US" dirty="0" smtClean="0"/>
-              <a:t>()</a:t>
-            </a:r>
-          </a:p>
-          <a:p>
-            <a:pPr marL="137160" indent="0">
-              <a:buNone/>
-            </a:pPr>
-            <a:r>
-              <a:rPr lang="en-US" dirty="0" smtClean="0"/>
-              <a:t>{       </a:t>
-            </a:r>
-          </a:p>
-          <a:p>
-            <a:pPr marL="137160" indent="0">
-              <a:buNone/>
-            </a:pPr>
-            <a:r>
-              <a:rPr lang="en-US" dirty="0" smtClean="0"/>
-              <a:t> 	o1.b=11</a:t>
-            </a:r>
-            <a:r>
-              <a:rPr lang="en-US" dirty="0"/>
-              <a:t>;        </a:t>
-            </a:r>
-            <a:endParaRPr lang="en-US" dirty="0" smtClean="0"/>
-          </a:p>
-          <a:p>
-            <a:pPr marL="137160" indent="0">
-              <a:buNone/>
-            </a:pPr>
-            <a:r>
-              <a:rPr lang="en-US" dirty="0" smtClean="0"/>
-              <a:t>	</a:t>
-            </a:r>
-            <a:r>
-              <a:rPr lang="en-US" dirty="0" err="1" smtClean="0"/>
-              <a:t>printf</a:t>
-            </a:r>
-            <a:r>
-              <a:rPr lang="en-US" dirty="0"/>
-              <a:t>("%d\n",o1.b);    </a:t>
-            </a:r>
-            <a:endParaRPr lang="en-US" dirty="0" smtClean="0"/>
-          </a:p>
-          <a:p>
-            <a:pPr marL="137160" indent="0">
-              <a:buNone/>
-            </a:pPr>
-            <a:r>
-              <a:rPr lang="en-US" dirty="0" smtClean="0"/>
-              <a:t>	return </a:t>
-            </a:r>
-            <a:r>
-              <a:rPr lang="en-US" dirty="0"/>
-              <a:t>0</a:t>
-            </a:r>
-            <a:r>
-              <a:rPr lang="en-US" dirty="0" smtClean="0"/>
-              <a:t>;</a:t>
-            </a:r>
-          </a:p>
-          <a:p>
-            <a:pPr marL="137160" indent="0">
-              <a:buNone/>
-            </a:pPr>
-            <a:r>
-              <a:rPr lang="en-US" dirty="0" smtClean="0"/>
-              <a:t>}</a:t>
-            </a:r>
-            <a:endParaRPr lang="en-US" dirty="0"/>
-          </a:p>
-        </p:txBody>
-      </p:sp>
-    </p:spTree>
-    <p:extLst>
-      <p:ext uri="{BB962C8B-B14F-4D97-AF65-F5344CB8AC3E}">
-        <p14:creationId xmlns:p14="http://schemas.microsoft.com/office/powerpoint/2010/main" val="2743522505"/>
-      </p:ext>
-    </p:extLst>
-  </p:cSld>
-  <p:clrMapOvr>
-    <a:masterClrMapping/>
-  </p:clrMapOvr>
-</p:sld>
-</file>
-
-<file path=ppt/slides/slide15.xml><?xml version="1.0" encoding="utf-8"?>
-<p:sld xmlns:a="http://schemas.openxmlformats.org/drawingml/2006/main" xmlns:r="http://schemas.openxmlformats.org/officeDocument/2006/relationships" xmlns:p="http://schemas.openxmlformats.org/presentationml/2006/main">
-  <p:cSld>
-    <p:spTree>
-      <p:nvGrpSpPr>
-        <p:cNvPr id="1" name=""/>
-        <p:cNvGrpSpPr/>
-        <p:nvPr/>
-      </p:nvGrpSpPr>
-      <p:grpSpPr>
-        <a:xfrm>
-          <a:off x="0" y="0"/>
-          <a:ext cx="0" cy="0"/>
-          <a:chOff x="0" y="0"/>
-          <a:chExt cx="0" cy="0"/>
-        </a:xfrm>
-      </p:grpSpPr>
-      <p:sp>
-        <p:nvSpPr>
-          <p:cNvPr id="2" name="Title 1"/>
-          <p:cNvSpPr>
-            <a:spLocks noGrp="1"/>
-          </p:cNvSpPr>
-          <p:nvPr>
-            <p:ph type="title"/>
-          </p:nvPr>
-        </p:nvSpPr>
-        <p:spPr/>
-        <p:txBody>
-          <a:bodyPr>
-            <a:normAutofit fontScale="90000"/>
-          </a:bodyPr>
-          <a:lstStyle/>
-          <a:p>
-            <a:r>
-              <a:rPr lang="en-US" dirty="0"/>
-              <a:t>How to use union to define register?</a:t>
-            </a:r>
-            <a:br>
-              <a:rPr lang="en-US" dirty="0"/>
-            </a:br>
-            <a:endParaRPr lang="en-US" dirty="0"/>
-          </a:p>
-        </p:txBody>
-      </p:sp>
-      <p:sp>
-        <p:nvSpPr>
-          <p:cNvPr id="3" name="Content Placeholder 2"/>
-          <p:cNvSpPr>
-            <a:spLocks noGrp="1"/>
-          </p:cNvSpPr>
-          <p:nvPr>
-            <p:ph idx="1"/>
-          </p:nvPr>
-        </p:nvSpPr>
-        <p:spPr>
-          <a:xfrm>
-            <a:off x="457200" y="1600200"/>
-            <a:ext cx="8229600" cy="5257800"/>
-          </a:xfrm>
-        </p:spPr>
-        <p:txBody>
-          <a:bodyPr>
-            <a:noAutofit/>
-          </a:bodyPr>
-          <a:lstStyle/>
-          <a:p>
-            <a:pPr marL="137160" indent="0">
-              <a:buNone/>
-            </a:pPr>
-            <a:endParaRPr lang="en-US" sz="1050" dirty="0"/>
-          </a:p>
-          <a:p>
-            <a:pPr marL="137160" indent="0">
-              <a:buNone/>
-            </a:pPr>
-            <a:r>
-              <a:rPr lang="en-US" sz="1050" dirty="0"/>
-              <a:t>#include &lt;</a:t>
-            </a:r>
-            <a:r>
-              <a:rPr lang="en-US" sz="1050" dirty="0" err="1"/>
-              <a:t>stdio.h</a:t>
-            </a:r>
-            <a:r>
-              <a:rPr lang="en-US" sz="1050" dirty="0"/>
-              <a:t>&gt;</a:t>
-            </a:r>
-          </a:p>
-          <a:p>
-            <a:pPr marL="137160" indent="0">
-              <a:buNone/>
-            </a:pPr>
-            <a:endParaRPr lang="en-US" sz="1050" dirty="0"/>
-          </a:p>
-          <a:p>
-            <a:pPr marL="137160" indent="0">
-              <a:buNone/>
-            </a:pPr>
-            <a:r>
-              <a:rPr lang="en-US" sz="1050" dirty="0" err="1"/>
-              <a:t>typedef</a:t>
-            </a:r>
-            <a:r>
-              <a:rPr lang="en-US" sz="1050" dirty="0"/>
-              <a:t> union REG</a:t>
-            </a:r>
-          </a:p>
-          <a:p>
-            <a:pPr marL="137160" indent="0">
-              <a:buNone/>
-            </a:pPr>
-            <a:r>
-              <a:rPr lang="en-US" sz="1050" dirty="0"/>
-              <a:t>{</a:t>
-            </a:r>
-          </a:p>
-          <a:p>
-            <a:pPr marL="137160" indent="0">
-              <a:buNone/>
-            </a:pPr>
-            <a:r>
-              <a:rPr lang="en-US" sz="1050" dirty="0"/>
-              <a:t>    unsigned char TRISC;</a:t>
-            </a:r>
-          </a:p>
-          <a:p>
-            <a:pPr marL="137160" indent="0">
-              <a:buNone/>
-            </a:pPr>
-            <a:endParaRPr lang="en-US" sz="1050" dirty="0"/>
-          </a:p>
-          <a:p>
-            <a:pPr marL="137160" indent="0">
-              <a:buNone/>
-            </a:pPr>
-            <a:r>
-              <a:rPr lang="en-US" sz="1050" dirty="0"/>
-              <a:t>    </a:t>
-            </a:r>
-            <a:r>
-              <a:rPr lang="en-US" sz="1050" dirty="0" err="1"/>
-              <a:t>struct</a:t>
-            </a:r>
-            <a:endParaRPr lang="en-US" sz="1050" dirty="0"/>
-          </a:p>
-          <a:p>
-            <a:pPr marL="137160" indent="0">
-              <a:buNone/>
-            </a:pPr>
-            <a:r>
-              <a:rPr lang="en-US" sz="1050" dirty="0"/>
-              <a:t>    {</a:t>
-            </a:r>
-          </a:p>
-          <a:p>
-            <a:pPr marL="137160" indent="0">
-              <a:buNone/>
-            </a:pPr>
-            <a:r>
-              <a:rPr lang="en-US" sz="1050" dirty="0"/>
-              <a:t>        unsigned char RC0:1;</a:t>
-            </a:r>
-          </a:p>
-          <a:p>
-            <a:pPr marL="137160" indent="0">
-              <a:buNone/>
-            </a:pPr>
-            <a:r>
-              <a:rPr lang="en-US" sz="1050" dirty="0"/>
-              <a:t>        unsigned char RC1:1;</a:t>
-            </a:r>
-          </a:p>
-          <a:p>
-            <a:pPr marL="137160" indent="0">
-              <a:buNone/>
-            </a:pPr>
-            <a:r>
-              <a:rPr lang="en-US" sz="1050" dirty="0"/>
-              <a:t>        unsigned char RC2:1;</a:t>
-            </a:r>
-          </a:p>
-          <a:p>
-            <a:pPr marL="137160" indent="0">
-              <a:buNone/>
-            </a:pPr>
-            <a:r>
-              <a:rPr lang="en-US" sz="1050" dirty="0"/>
-              <a:t>        unsigned char RC3:1;</a:t>
-            </a:r>
-          </a:p>
-          <a:p>
-            <a:pPr marL="137160" indent="0">
-              <a:buNone/>
-            </a:pPr>
-            <a:r>
-              <a:rPr lang="en-US" sz="1050" dirty="0"/>
-              <a:t>        unsigned char RC4:1;</a:t>
-            </a:r>
-          </a:p>
-          <a:p>
-            <a:pPr marL="137160" indent="0">
-              <a:buNone/>
-            </a:pPr>
-            <a:r>
-              <a:rPr lang="en-US" sz="1050" dirty="0"/>
-              <a:t>        unsigned char RC5:1;</a:t>
-            </a:r>
-          </a:p>
-          <a:p>
-            <a:pPr marL="137160" indent="0">
-              <a:buNone/>
-            </a:pPr>
-            <a:r>
-              <a:rPr lang="en-US" sz="1050" dirty="0"/>
-              <a:t>        unsigned char RC6:1;</a:t>
-            </a:r>
-          </a:p>
-          <a:p>
-            <a:pPr marL="137160" indent="0">
-              <a:buNone/>
-            </a:pPr>
-            <a:r>
-              <a:rPr lang="en-US" sz="1050" dirty="0"/>
-              <a:t>        unsigned char RC7:1;	</a:t>
-            </a:r>
-          </a:p>
-          <a:p>
-            <a:pPr marL="137160" indent="0">
-              <a:buNone/>
-            </a:pPr>
-            <a:r>
-              <a:rPr lang="en-US" sz="1050" dirty="0"/>
-              <a:t>    </a:t>
-            </a:r>
-          </a:p>
-          <a:p>
-            <a:pPr marL="137160" indent="0">
-              <a:buNone/>
-            </a:pPr>
-            <a:r>
-              <a:rPr lang="en-US" sz="1050" dirty="0"/>
-              <a:t>    };</a:t>
-            </a:r>
-          </a:p>
-          <a:p>
-            <a:pPr marL="137160" indent="0">
-              <a:buNone/>
-            </a:pPr>
-            <a:endParaRPr lang="en-US" sz="1050" dirty="0"/>
-          </a:p>
-          <a:p>
-            <a:pPr marL="137160" indent="0">
-              <a:buNone/>
-            </a:pPr>
-            <a:r>
-              <a:rPr lang="en-US" sz="1050" dirty="0"/>
-              <a:t>}</a:t>
-            </a:r>
-            <a:r>
-              <a:rPr lang="en-US" sz="1050" dirty="0" err="1"/>
-              <a:t>REG_Def_t</a:t>
-            </a:r>
-            <a:r>
-              <a:rPr lang="en-US" sz="1050" dirty="0" smtClean="0"/>
-              <a:t>;</a:t>
-            </a:r>
-            <a:endParaRPr lang="en-US" sz="1050" dirty="0"/>
-          </a:p>
-        </p:txBody>
-      </p:sp>
-    </p:spTree>
-    <p:extLst>
-      <p:ext uri="{BB962C8B-B14F-4D97-AF65-F5344CB8AC3E}">
-        <p14:creationId xmlns:p14="http://schemas.microsoft.com/office/powerpoint/2010/main" val="2920215022"/>
-      </p:ext>
-    </p:extLst>
-  </p:cSld>
-  <p:clrMapOvr>
-    <a:masterClrMapping/>
-  </p:clrMapOvr>
-</p:sld>
-</file>
-
-<file path=ppt/slides/slide16.xml><?xml version="1.0" encoding="utf-8"?>
-<p:sld xmlns:a="http://schemas.openxmlformats.org/drawingml/2006/main" xmlns:r="http://schemas.openxmlformats.org/officeDocument/2006/relationships" xmlns:p="http://schemas.openxmlformats.org/presentationml/2006/main">
-  <p:cSld>
-    <p:spTree>
-      <p:nvGrpSpPr>
-        <p:cNvPr id="1" name=""/>
-        <p:cNvGrpSpPr/>
-        <p:nvPr/>
-      </p:nvGrpSpPr>
-      <p:grpSpPr>
-        <a:xfrm>
-          <a:off x="0" y="0"/>
-          <a:ext cx="0" cy="0"/>
-          <a:chOff x="0" y="0"/>
-          <a:chExt cx="0" cy="0"/>
-        </a:xfrm>
-      </p:grpSpPr>
-      <p:sp>
-        <p:nvSpPr>
-          <p:cNvPr id="2" name="Title 1"/>
-          <p:cNvSpPr>
-            <a:spLocks noGrp="1"/>
-          </p:cNvSpPr>
-          <p:nvPr>
-            <p:ph type="title"/>
-          </p:nvPr>
-        </p:nvSpPr>
-        <p:spPr/>
-        <p:txBody>
-          <a:bodyPr>
-            <a:normAutofit fontScale="90000"/>
-          </a:bodyPr>
-          <a:lstStyle/>
-          <a:p>
-            <a:r>
-              <a:rPr lang="en-US" dirty="0" smtClean="0"/>
-              <a:t>(continue)How </a:t>
-            </a:r>
-            <a:r>
-              <a:rPr lang="en-US" dirty="0"/>
-              <a:t>to use union to define register?</a:t>
-            </a:r>
-            <a:br>
-              <a:rPr lang="en-US" dirty="0"/>
-            </a:br>
-            <a:endParaRPr lang="en-US" dirty="0"/>
-          </a:p>
-        </p:txBody>
-      </p:sp>
-      <p:sp>
-        <p:nvSpPr>
-          <p:cNvPr id="3" name="Content Placeholder 2"/>
-          <p:cNvSpPr>
-            <a:spLocks noGrp="1"/>
-          </p:cNvSpPr>
-          <p:nvPr>
-            <p:ph idx="1"/>
-          </p:nvPr>
-        </p:nvSpPr>
-        <p:spPr/>
-        <p:txBody>
-          <a:bodyPr>
-            <a:normAutofit fontScale="70000" lnSpcReduction="20000"/>
-          </a:bodyPr>
-          <a:lstStyle/>
-          <a:p>
-            <a:pPr marL="137160" indent="0">
-              <a:buNone/>
-            </a:pPr>
-            <a:endParaRPr lang="en-US" dirty="0"/>
-          </a:p>
-          <a:p>
-            <a:pPr marL="137160" indent="0">
-              <a:buNone/>
-            </a:pPr>
-            <a:r>
-              <a:rPr lang="en-US" dirty="0" err="1"/>
-              <a:t>int</a:t>
-            </a:r>
-            <a:r>
-              <a:rPr lang="en-US" dirty="0"/>
-              <a:t> main()</a:t>
-            </a:r>
-          </a:p>
-          <a:p>
-            <a:pPr marL="137160" indent="0">
-              <a:buNone/>
-            </a:pPr>
-            <a:r>
-              <a:rPr lang="en-US" dirty="0"/>
-              <a:t>{    </a:t>
-            </a:r>
-          </a:p>
-          <a:p>
-            <a:pPr marL="137160" indent="0">
-              <a:buNone/>
-            </a:pPr>
-            <a:r>
-              <a:rPr lang="en-US" dirty="0"/>
-              <a:t>    </a:t>
-            </a:r>
-            <a:r>
-              <a:rPr lang="en-US" dirty="0" err="1"/>
-              <a:t>REG_Def_t</a:t>
-            </a:r>
-            <a:r>
-              <a:rPr lang="en-US" dirty="0"/>
-              <a:t> GPIOC; </a:t>
-            </a:r>
-          </a:p>
-          <a:p>
-            <a:pPr marL="137160" indent="0">
-              <a:buNone/>
-            </a:pPr>
-            <a:r>
-              <a:rPr lang="en-US" dirty="0"/>
-              <a:t>    </a:t>
-            </a:r>
-          </a:p>
-          <a:p>
-            <a:pPr marL="137160" indent="0">
-              <a:buNone/>
-            </a:pPr>
-            <a:r>
-              <a:rPr lang="en-US" dirty="0"/>
-              <a:t>    GPIOC.RC6=0;</a:t>
-            </a:r>
-          </a:p>
-          <a:p>
-            <a:pPr marL="137160" indent="0">
-              <a:buNone/>
-            </a:pPr>
-            <a:r>
-              <a:rPr lang="en-US" dirty="0"/>
-              <a:t>    //GPIOC.TRISC=0x80;</a:t>
-            </a:r>
-          </a:p>
-          <a:p>
-            <a:pPr marL="137160" indent="0">
-              <a:buNone/>
-            </a:pPr>
-            <a:r>
-              <a:rPr lang="en-US" dirty="0"/>
-              <a:t>    </a:t>
-            </a:r>
-          </a:p>
-          <a:p>
-            <a:pPr marL="137160" indent="0">
-              <a:buNone/>
-            </a:pPr>
-            <a:r>
-              <a:rPr lang="en-US" dirty="0"/>
-              <a:t>    </a:t>
-            </a:r>
-            <a:r>
-              <a:rPr lang="en-US" dirty="0" err="1"/>
-              <a:t>printf</a:t>
-            </a:r>
-            <a:r>
-              <a:rPr lang="en-US" dirty="0"/>
-              <a:t>("%d",GPIOC.RC6);   //</a:t>
-            </a:r>
-            <a:r>
-              <a:rPr lang="en-US" dirty="0" err="1"/>
-              <a:t>ans</a:t>
-            </a:r>
-            <a:r>
-              <a:rPr lang="en-US" dirty="0"/>
-              <a:t>=</a:t>
-            </a:r>
-          </a:p>
-          <a:p>
-            <a:pPr marL="137160" indent="0">
-              <a:buNone/>
-            </a:pPr>
-            <a:r>
-              <a:rPr lang="en-US" dirty="0"/>
-              <a:t>    </a:t>
-            </a:r>
-          </a:p>
-          <a:p>
-            <a:pPr marL="137160" indent="0">
-              <a:buNone/>
-            </a:pPr>
-            <a:r>
-              <a:rPr lang="en-US" dirty="0"/>
-              <a:t>    //</a:t>
-            </a:r>
-            <a:r>
-              <a:rPr lang="en-US" dirty="0" err="1"/>
-              <a:t>printf</a:t>
-            </a:r>
-            <a:r>
-              <a:rPr lang="en-US" dirty="0"/>
-              <a:t>("%d",</a:t>
-            </a:r>
-            <a:r>
-              <a:rPr lang="en-US" dirty="0" err="1"/>
-              <a:t>sizeof</a:t>
-            </a:r>
-            <a:r>
-              <a:rPr lang="en-US" dirty="0"/>
-              <a:t>(GPIOC));   //</a:t>
-            </a:r>
-            <a:r>
-              <a:rPr lang="en-US" dirty="0" err="1"/>
-              <a:t>ans</a:t>
-            </a:r>
-            <a:r>
-              <a:rPr lang="en-US" dirty="0"/>
-              <a:t>=1 byte</a:t>
-            </a:r>
-          </a:p>
-          <a:p>
-            <a:pPr marL="137160" indent="0">
-              <a:buNone/>
-            </a:pPr>
-            <a:r>
-              <a:rPr lang="en-US" dirty="0"/>
-              <a:t>    return 0;</a:t>
-            </a:r>
-          </a:p>
-          <a:p>
-            <a:pPr marL="137160" indent="0">
-              <a:buNone/>
-            </a:pPr>
-            <a:endParaRPr lang="en-US" dirty="0"/>
-          </a:p>
-          <a:p>
-            <a:pPr marL="137160" indent="0">
-              <a:buNone/>
-            </a:pPr>
-            <a:endParaRPr lang="en-US" dirty="0"/>
-          </a:p>
-          <a:p>
-            <a:pPr marL="137160" indent="0">
-              <a:buNone/>
-            </a:pPr>
-            <a:r>
-              <a:rPr lang="en-US" dirty="0"/>
-              <a:t>}</a:t>
-            </a:r>
-          </a:p>
-          <a:p>
-            <a:endParaRPr lang="en-US" dirty="0"/>
-          </a:p>
-        </p:txBody>
-      </p:sp>
-    </p:spTree>
-    <p:extLst>
-      <p:ext uri="{BB962C8B-B14F-4D97-AF65-F5344CB8AC3E}">
-        <p14:creationId xmlns:p14="http://schemas.microsoft.com/office/powerpoint/2010/main" val="4259998807"/>
-      </p:ext>
-    </p:extLst>
-  </p:cSld>
-  <p:clrMapOvr>
-    <a:masterClrMapping/>
-  </p:clrMapOvr>
-</p:sld>
-</file>
-
-<file path=ppt/slides/slide2.xml><?xml version="1.0" encoding="utf-8"?>
-<p:sld xmlns:a="http://schemas.openxmlformats.org/drawingml/2006/main" xmlns:r="http://schemas.openxmlformats.org/officeDocument/2006/relationships" xmlns:p="http://schemas.openxmlformats.org/presentationml/2006/main">
-  <p:cSld>
-    <p:spTree>
-      <p:nvGrpSpPr>
-        <p:cNvPr id="1" name=""/>
-        <p:cNvGrpSpPr/>
-        <p:nvPr/>
-      </p:nvGrpSpPr>
-      <p:grpSpPr>
-        <a:xfrm>
-          <a:off x="0" y="0"/>
-          <a:ext cx="0" cy="0"/>
-          <a:chOff x="0" y="0"/>
-          <a:chExt cx="0" cy="0"/>
-        </a:xfrm>
-      </p:grpSpPr>
-      <p:sp>
-        <p:nvSpPr>
-          <p:cNvPr id="2" name="Title 1"/>
-          <p:cNvSpPr>
-            <a:spLocks noGrp="1"/>
-          </p:cNvSpPr>
-          <p:nvPr>
-            <p:ph type="title"/>
-          </p:nvPr>
-        </p:nvSpPr>
-        <p:spPr/>
-        <p:txBody>
-          <a:bodyPr/>
-          <a:lstStyle/>
-          <a:p>
-            <a:r>
-              <a:rPr lang="en-US" dirty="0" smtClean="0"/>
-              <a:t>Structure </a:t>
-            </a:r>
-            <a:r>
-              <a:rPr lang="en-US" dirty="0" err="1" smtClean="0"/>
-              <a:t>vs</a:t>
-            </a:r>
-            <a:r>
-              <a:rPr lang="en-US" dirty="0" smtClean="0"/>
-              <a:t> union</a:t>
-            </a:r>
-            <a:endParaRPr lang="en-US" dirty="0"/>
-          </a:p>
-        </p:txBody>
-      </p:sp>
-      <p:sp>
-        <p:nvSpPr>
-          <p:cNvPr id="3" name="Content Placeholder 2"/>
-          <p:cNvSpPr>
-            <a:spLocks noGrp="1"/>
-          </p:cNvSpPr>
-          <p:nvPr>
-            <p:ph idx="1"/>
-          </p:nvPr>
-        </p:nvSpPr>
-        <p:spPr/>
-        <p:txBody>
-          <a:bodyPr/>
-          <a:lstStyle/>
-          <a:p>
-            <a:pPr marL="137160" indent="0">
-              <a:buNone/>
-            </a:pPr>
-            <a:r>
-              <a:rPr lang="en-US" dirty="0" smtClean="0"/>
-              <a:t>Structure is user defined data type with different data member </a:t>
-            </a:r>
-            <a:r>
-              <a:rPr lang="en-US" smtClean="0"/>
-              <a:t>and different memory </a:t>
-            </a:r>
-            <a:r>
-              <a:rPr lang="en-US" dirty="0" smtClean="0"/>
-              <a:t>allocation</a:t>
-            </a:r>
-          </a:p>
-          <a:p>
-            <a:pPr marL="137160" indent="0">
-              <a:buNone/>
-            </a:pPr>
-            <a:endParaRPr lang="en-US" dirty="0"/>
-          </a:p>
-          <a:p>
-            <a:pPr marL="137160" indent="0">
-              <a:buNone/>
-            </a:pPr>
-            <a:r>
-              <a:rPr lang="en-US" dirty="0" smtClean="0"/>
-              <a:t>union </a:t>
-            </a:r>
-            <a:r>
-              <a:rPr lang="en-US" dirty="0"/>
-              <a:t>is user defined data type with different data member and </a:t>
-            </a:r>
-            <a:r>
-              <a:rPr lang="en-US" dirty="0" smtClean="0"/>
-              <a:t>same memory </a:t>
-            </a:r>
-            <a:r>
-              <a:rPr lang="en-US" dirty="0"/>
-              <a:t>allocation</a:t>
-            </a:r>
-          </a:p>
-          <a:p>
-            <a:pPr marL="137160" indent="0">
-              <a:buNone/>
-            </a:pPr>
-            <a:endParaRPr lang="en-US" dirty="0"/>
-          </a:p>
-        </p:txBody>
-      </p:sp>
-    </p:spTree>
-    <p:extLst>
-      <p:ext uri="{BB962C8B-B14F-4D97-AF65-F5344CB8AC3E}">
-        <p14:creationId xmlns:p14="http://schemas.microsoft.com/office/powerpoint/2010/main" val="1725697102"/>
-      </p:ext>
-    </p:extLst>
-  </p:cSld>
-  <p:clrMapOvr>
-    <a:masterClrMapping/>
-  </p:clrMapOvr>
-  <p:timing>
-    <p:tnLst>
-      <p:par>
-        <p:cTn id="1" dur="indefinite" restart="never" nodeType="tmRoot"/>
-      </p:par>
-    </p:tnLst>
-  </p:timing>
-</p:sld>
-</file>
-
-<file path=ppt/slides/slide3.xml><?xml version="1.0" encoding="utf-8"?>
-<p:sld xmlns:a="http://schemas.openxmlformats.org/drawingml/2006/main" xmlns:r="http://schemas.openxmlformats.org/officeDocument/2006/relationships" xmlns:p="http://schemas.openxmlformats.org/presentationml/2006/main">
-  <p:cSld>
-    <p:spTree>
-      <p:nvGrpSpPr>
-        <p:cNvPr id="1" name=""/>
-        <p:cNvGrpSpPr/>
-        <p:nvPr/>
-      </p:nvGrpSpPr>
-      <p:grpSpPr>
-        <a:xfrm>
-          <a:off x="0" y="0"/>
-          <a:ext cx="0" cy="0"/>
-          <a:chOff x="0" y="0"/>
-          <a:chExt cx="0" cy="0"/>
-        </a:xfrm>
-      </p:grpSpPr>
-      <p:sp>
-        <p:nvSpPr>
-          <p:cNvPr id="2" name="Title 1"/>
-          <p:cNvSpPr>
-            <a:spLocks noGrp="1"/>
-          </p:cNvSpPr>
-          <p:nvPr>
-            <p:ph type="title"/>
-          </p:nvPr>
-        </p:nvSpPr>
-        <p:spPr>
-          <a:xfrm>
-            <a:off x="457200" y="0"/>
-            <a:ext cx="8229600" cy="609600"/>
-          </a:xfrm>
-        </p:spPr>
-        <p:txBody>
-          <a:bodyPr>
-            <a:normAutofit fontScale="90000"/>
-          </a:bodyPr>
-          <a:lstStyle/>
-          <a:p>
-            <a:r>
-              <a:rPr lang="en-US" dirty="0" err="1" smtClean="0"/>
-              <a:t>qus</a:t>
-            </a:r>
-            <a:endParaRPr lang="en-US" dirty="0"/>
-          </a:p>
-        </p:txBody>
-      </p:sp>
-      <p:sp>
-        <p:nvSpPr>
-          <p:cNvPr id="3" name="Content Placeholder 2"/>
-          <p:cNvSpPr>
-            <a:spLocks noGrp="1"/>
-          </p:cNvSpPr>
-          <p:nvPr>
-            <p:ph idx="1"/>
-          </p:nvPr>
-        </p:nvSpPr>
-        <p:spPr>
-          <a:xfrm>
-            <a:off x="457200" y="685800"/>
-            <a:ext cx="8229600" cy="6324600"/>
-          </a:xfrm>
-        </p:spPr>
-        <p:txBody>
-          <a:bodyPr>
-            <a:normAutofit fontScale="62500" lnSpcReduction="20000"/>
-          </a:bodyPr>
-          <a:lstStyle/>
-          <a:p>
-            <a:pPr marL="137160" indent="0">
-              <a:buNone/>
-            </a:pPr>
-            <a:r>
-              <a:rPr lang="en-US" dirty="0" smtClean="0"/>
-              <a:t>Structure</a:t>
-            </a:r>
-          </a:p>
-          <a:p>
-            <a:pPr marL="137160" indent="0">
-              <a:buNone/>
-            </a:pPr>
-            <a:r>
-              <a:rPr lang="en-US" dirty="0" smtClean="0"/>
-              <a:t>Union</a:t>
-            </a:r>
-          </a:p>
-          <a:p>
-            <a:pPr marL="137160" indent="0">
-              <a:buNone/>
-            </a:pPr>
-            <a:r>
-              <a:rPr lang="en-US" dirty="0" smtClean="0"/>
-              <a:t>Structure </a:t>
-            </a:r>
-            <a:r>
-              <a:rPr lang="en-US" dirty="0" err="1" smtClean="0"/>
-              <a:t>vs</a:t>
-            </a:r>
-            <a:r>
-              <a:rPr lang="en-US" dirty="0" smtClean="0"/>
-              <a:t> union</a:t>
-            </a:r>
-          </a:p>
-          <a:p>
-            <a:pPr marL="137160" indent="0">
-              <a:buNone/>
-            </a:pPr>
-            <a:r>
-              <a:rPr lang="en-US" dirty="0" smtClean="0"/>
-              <a:t>Limitation of structure</a:t>
-            </a:r>
-          </a:p>
-          <a:p>
-            <a:pPr marL="137160" indent="0">
-              <a:buNone/>
-            </a:pPr>
-            <a:r>
-              <a:rPr lang="en-US" dirty="0" smtClean="0"/>
-              <a:t>Local </a:t>
-            </a:r>
-            <a:r>
-              <a:rPr lang="en-US" dirty="0" err="1" smtClean="0"/>
-              <a:t>struct</a:t>
-            </a:r>
-            <a:r>
-              <a:rPr lang="en-US" dirty="0" smtClean="0"/>
-              <a:t> </a:t>
-            </a:r>
-            <a:r>
-              <a:rPr lang="en-US" dirty="0" err="1" smtClean="0"/>
-              <a:t>vs</a:t>
-            </a:r>
-            <a:r>
-              <a:rPr lang="en-US" dirty="0" smtClean="0"/>
-              <a:t> global </a:t>
-            </a:r>
-            <a:r>
-              <a:rPr lang="en-US" dirty="0" err="1" smtClean="0"/>
-              <a:t>struct</a:t>
-            </a:r>
-            <a:endParaRPr lang="en-US" dirty="0" smtClean="0"/>
-          </a:p>
-          <a:p>
-            <a:pPr marL="137160" indent="0">
-              <a:buNone/>
-            </a:pPr>
-            <a:r>
-              <a:rPr lang="en-US" dirty="0" err="1" smtClean="0"/>
-              <a:t>Typedef</a:t>
-            </a:r>
-            <a:r>
-              <a:rPr lang="en-US" dirty="0" smtClean="0"/>
-              <a:t> </a:t>
-            </a:r>
-            <a:r>
-              <a:rPr lang="en-US" dirty="0" err="1" smtClean="0"/>
-              <a:t>struct</a:t>
-            </a:r>
-            <a:r>
-              <a:rPr lang="en-US" dirty="0" smtClean="0"/>
-              <a:t> declaration</a:t>
-            </a:r>
-          </a:p>
-          <a:p>
-            <a:pPr marL="137160" indent="0">
-              <a:buNone/>
-            </a:pPr>
-            <a:r>
-              <a:rPr lang="en-US" dirty="0" smtClean="0"/>
-              <a:t>Structure uses</a:t>
-            </a:r>
-          </a:p>
-          <a:p>
-            <a:pPr marL="137160" indent="0">
-              <a:buNone/>
-            </a:pPr>
-            <a:r>
-              <a:rPr lang="en-US" dirty="0" smtClean="0"/>
-              <a:t>Structure pointer ? How to access </a:t>
-            </a:r>
-            <a:r>
-              <a:rPr lang="en-US" dirty="0" err="1" smtClean="0"/>
-              <a:t>struct</a:t>
-            </a:r>
-            <a:r>
-              <a:rPr lang="en-US" dirty="0" smtClean="0"/>
-              <a:t> member using </a:t>
-            </a:r>
-            <a:r>
-              <a:rPr lang="en-US" dirty="0" err="1" smtClean="0"/>
-              <a:t>ptr</a:t>
-            </a:r>
-            <a:endParaRPr lang="en-US" dirty="0" smtClean="0"/>
-          </a:p>
-          <a:p>
-            <a:pPr marL="137160" indent="0">
-              <a:buNone/>
-            </a:pPr>
-            <a:r>
-              <a:rPr lang="en-US" dirty="0" err="1" smtClean="0"/>
-              <a:t>Struct</a:t>
-            </a:r>
-            <a:r>
-              <a:rPr lang="en-US" dirty="0" smtClean="0"/>
-              <a:t> </a:t>
-            </a:r>
-            <a:r>
-              <a:rPr lang="en-US" dirty="0" err="1" smtClean="0"/>
-              <a:t>vs</a:t>
-            </a:r>
-            <a:r>
-              <a:rPr lang="en-US" dirty="0" smtClean="0"/>
-              <a:t> array</a:t>
-            </a:r>
-          </a:p>
-          <a:p>
-            <a:pPr marL="137160" indent="0">
-              <a:buNone/>
-            </a:pPr>
-            <a:r>
-              <a:rPr lang="en-US" dirty="0" smtClean="0"/>
-              <a:t>Structure array</a:t>
-            </a:r>
-          </a:p>
-          <a:p>
-            <a:pPr marL="137160" indent="0">
-              <a:buNone/>
-            </a:pPr>
-            <a:r>
-              <a:rPr lang="en-US" dirty="0" smtClean="0"/>
-              <a:t>Structure function</a:t>
-            </a:r>
-          </a:p>
-          <a:p>
-            <a:pPr marL="137160" indent="0">
-              <a:buNone/>
-            </a:pPr>
-            <a:r>
-              <a:rPr lang="en-US" dirty="0" smtClean="0"/>
-              <a:t>Structure typecast</a:t>
-            </a:r>
-          </a:p>
-          <a:p>
-            <a:pPr marL="137160" indent="0">
-              <a:buNone/>
-            </a:pPr>
-            <a:r>
-              <a:rPr lang="en-US" dirty="0" smtClean="0"/>
-              <a:t>How to dereference structure pointer</a:t>
-            </a:r>
-          </a:p>
-          <a:p>
-            <a:pPr marL="137160" indent="0">
-              <a:buNone/>
-            </a:pPr>
-            <a:r>
-              <a:rPr lang="en-US" dirty="0" smtClean="0"/>
-              <a:t>Bit fields</a:t>
-            </a:r>
-          </a:p>
-          <a:p>
-            <a:pPr marL="137160" indent="0">
-              <a:buNone/>
-            </a:pPr>
-            <a:r>
-              <a:rPr lang="en-US" dirty="0" smtClean="0"/>
-              <a:t>Padding </a:t>
-            </a:r>
-            <a:r>
-              <a:rPr lang="en-US" dirty="0" err="1" smtClean="0"/>
-              <a:t>vs</a:t>
-            </a:r>
-            <a:r>
-              <a:rPr lang="en-US" dirty="0" smtClean="0"/>
-              <a:t> packing</a:t>
-            </a:r>
-          </a:p>
-          <a:p>
-            <a:pPr marL="137160" indent="0">
-              <a:buNone/>
-            </a:pPr>
-            <a:r>
-              <a:rPr lang="en-US" dirty="0" smtClean="0"/>
-              <a:t>Pragma pack 1,2,4,16</a:t>
-            </a:r>
-          </a:p>
-          <a:p>
-            <a:pPr marL="137160" indent="0">
-              <a:buNone/>
-            </a:pPr>
-            <a:r>
-              <a:rPr lang="en-US" dirty="0" smtClean="0"/>
-              <a:t>Pragma once #pragma once </a:t>
-            </a:r>
-            <a:r>
-              <a:rPr lang="en-US" dirty="0" err="1" smtClean="0"/>
-              <a:t>file_name</a:t>
-            </a:r>
-            <a:endParaRPr lang="en-US" dirty="0" smtClean="0"/>
-          </a:p>
-          <a:p>
-            <a:pPr marL="137160" indent="0">
-              <a:buNone/>
-            </a:pPr>
-            <a:r>
-              <a:rPr lang="en-US" dirty="0" smtClean="0"/>
-              <a:t>Header guard-&gt;#</a:t>
-            </a:r>
-            <a:r>
-              <a:rPr lang="en-US" dirty="0" err="1" smtClean="0"/>
-              <a:t>ifndef</a:t>
-            </a:r>
-            <a:r>
-              <a:rPr lang="en-US" dirty="0" smtClean="0"/>
-              <a:t>    #define  #</a:t>
-            </a:r>
-            <a:r>
-              <a:rPr lang="en-US" dirty="0" err="1" smtClean="0"/>
-              <a:t>endif</a:t>
-            </a:r>
-            <a:r>
-              <a:rPr lang="en-US" dirty="0" smtClean="0"/>
-              <a:t>         </a:t>
-            </a:r>
-          </a:p>
-          <a:p>
-            <a:pPr marL="137160" indent="0">
-              <a:buNone/>
-            </a:pPr>
-            <a:r>
-              <a:rPr lang="en-US" dirty="0" smtClean="0"/>
-              <a:t>Pragma once </a:t>
-            </a:r>
-            <a:r>
-              <a:rPr lang="en-US" dirty="0" err="1" smtClean="0"/>
-              <a:t>vs</a:t>
-            </a:r>
-            <a:r>
-              <a:rPr lang="en-US" dirty="0" smtClean="0"/>
-              <a:t> header guards</a:t>
-            </a:r>
-          </a:p>
-          <a:p>
-            <a:pPr marL="137160" indent="0">
-              <a:buNone/>
-            </a:pPr>
-            <a:r>
-              <a:rPr lang="en-US" dirty="0" smtClean="0"/>
-              <a:t>How to use union to define register?</a:t>
-            </a:r>
-          </a:p>
-          <a:p>
-            <a:pPr marL="137160" indent="0">
-              <a:buNone/>
-            </a:pPr>
-            <a:r>
-              <a:rPr lang="en-US" dirty="0" smtClean="0"/>
-              <a:t>Enumeration</a:t>
-            </a:r>
-          </a:p>
-          <a:p>
-            <a:pPr marL="137160" indent="0">
-              <a:buNone/>
-            </a:pPr>
-            <a:r>
-              <a:rPr lang="en-US" dirty="0" smtClean="0"/>
-              <a:t>Nested </a:t>
-            </a:r>
-            <a:r>
-              <a:rPr lang="en-US" dirty="0" err="1" smtClean="0"/>
-              <a:t>struct</a:t>
-            </a:r>
-            <a:endParaRPr lang="en-US" dirty="0" smtClean="0"/>
-          </a:p>
-          <a:p>
-            <a:pPr marL="137160" indent="0">
-              <a:buNone/>
-            </a:pPr>
-            <a:endParaRPr lang="en-US" dirty="0"/>
-          </a:p>
-        </p:txBody>
-      </p:sp>
-    </p:spTree>
-    <p:extLst>
-      <p:ext uri="{BB962C8B-B14F-4D97-AF65-F5344CB8AC3E}">
-        <p14:creationId xmlns:p14="http://schemas.microsoft.com/office/powerpoint/2010/main" val="1868052528"/>
-      </p:ext>
-    </p:extLst>
-  </p:cSld>
-  <p:clrMapOvr>
-    <a:masterClrMapping/>
-  </p:clrMapOvr>
-</p:sld>
-</file>
-
-<file path=ppt/slides/slide4.xml><?xml version="1.0" encoding="utf-8"?>
+<file path=ppt/slides/slide11.xml><?xml version="1.0" encoding="utf-8"?>
 <p:sld xmlns:a="http://schemas.openxmlformats.org/drawingml/2006/main" xmlns:r="http://schemas.openxmlformats.org/officeDocument/2006/relationships" xmlns:p="http://schemas.openxmlformats.org/presentationml/2006/main">
   <p:cSld>
     <p:spTree>
@@ -6389,7 +4173,7 @@
 </p:sld>
 </file>
 
-<file path=ppt/slides/slide5.xml><?xml version="1.0" encoding="utf-8"?>
+<file path=ppt/slides/slide12.xml><?xml version="1.0" encoding="utf-8"?>
 <p:sld xmlns:a="http://schemas.openxmlformats.org/drawingml/2006/main" xmlns:r="http://schemas.openxmlformats.org/officeDocument/2006/relationships" xmlns:p="http://schemas.openxmlformats.org/presentationml/2006/main">
   <p:cSld>
     <p:spTree>
@@ -6585,8 +4369,8 @@
               <a:t>	float </a:t>
             </a:r>
             <a:r>
-              <a:rPr lang="en-US" dirty="0" err="1" smtClean="0"/>
-              <a:t>deicmal</a:t>
+              <a:rPr lang="en-US" dirty="0" smtClean="0"/>
+              <a:t>decimal</a:t>
             </a:r>
             <a:r>
               <a:rPr lang="en-US" dirty="0" smtClean="0"/>
@@ -6734,7 +4518,7 @@
 </p:sld>
 </file>
 
-<file path=ppt/slides/slide6.xml><?xml version="1.0" encoding="utf-8"?>
+<file path=ppt/slides/slide13.xml><?xml version="1.0" encoding="utf-8"?>
 <p:sld xmlns:a="http://schemas.openxmlformats.org/drawingml/2006/main" xmlns:r="http://schemas.openxmlformats.org/officeDocument/2006/relationships" xmlns:p="http://schemas.openxmlformats.org/presentationml/2006/main">
   <p:cSld>
     <p:spTree>
@@ -6776,6 +4560,10 @@
             <a:pPr marL="137160" indent="0">
               <a:buNone/>
             </a:pPr>
+            <a:r>
+              <a:rPr lang="en-US" sz="2400" dirty="0" smtClean="0"/>
+              <a:t>Main()</a:t>
+            </a:r>
             <a:endParaRPr lang="en-US" sz="2400" dirty="0"/>
           </a:p>
           <a:p>
@@ -6858,7 +4646,15 @@
             </a:pPr>
             <a:r>
               <a:rPr lang="en-US" sz="2000" dirty="0"/>
-              <a:t>				"decimal: %.2f\n name: %s\n", </a:t>
+              <a:t>				</a:t>
+            </a:r>
+            <a:r>
+              <a:rPr lang="en-US" sz="2000" dirty="0" smtClean="0"/>
+              <a:t>decimal</a:t>
+            </a:r>
+            <a:r>
+              <a:rPr lang="en-US" sz="2000" dirty="0"/>
+              <a:t>: %.2f\n name: %s\n", </a:t>
             </a:r>
           </a:p>
           <a:p>
@@ -6925,7 +4721,15 @@
             </a:pPr>
             <a:r>
               <a:rPr lang="en-US" sz="2000" dirty="0"/>
-              <a:t>				"decimal: %.2f\n name: %s\n", </a:t>
+              <a:t>				</a:t>
+            </a:r>
+            <a:r>
+              <a:rPr lang="en-US" sz="2000" dirty="0" smtClean="0"/>
+              <a:t>decimal</a:t>
+            </a:r>
+            <a:r>
+              <a:rPr lang="en-US" sz="2000" dirty="0"/>
+              <a:t>: %.2f\n name: %s\n", </a:t>
             </a:r>
           </a:p>
           <a:p>
@@ -6989,7 +4793,7 @@
 </p:sld>
 </file>
 
-<file path=ppt/slides/slide7.xml><?xml version="1.0" encoding="utf-8"?>
+<file path=ppt/slides/slide14.xml><?xml version="1.0" encoding="utf-8"?>
 <p:sld xmlns:a="http://schemas.openxmlformats.org/drawingml/2006/main" xmlns:r="http://schemas.openxmlformats.org/officeDocument/2006/relationships" xmlns:p="http://schemas.openxmlformats.org/presentationml/2006/main">
   <p:cSld>
     <p:spTree>
@@ -7458,7 +5262,7 @@
 </p:sld>
 </file>
 
-<file path=ppt/slides/slide8.xml><?xml version="1.0" encoding="utf-8"?>
+<file path=ppt/slides/slide15.xml><?xml version="1.0" encoding="utf-8"?>
 <p:sld xmlns:a="http://schemas.openxmlformats.org/drawingml/2006/main" xmlns:r="http://schemas.openxmlformats.org/officeDocument/2006/relationships" xmlns:p="http://schemas.openxmlformats.org/presentationml/2006/main">
   <p:cSld>
     <p:spTree>
@@ -7935,7 +5739,7 @@
 </p:sld>
 </file>
 
-<file path=ppt/slides/slide9.xml><?xml version="1.0" encoding="utf-8"?>
+<file path=ppt/slides/slide16.xml><?xml version="1.0" encoding="utf-8"?>
 <p:sld xmlns:a="http://schemas.openxmlformats.org/drawingml/2006/main" xmlns:r="http://schemas.openxmlformats.org/officeDocument/2006/relationships" xmlns:p="http://schemas.openxmlformats.org/presentationml/2006/main">
   <p:cSld>
     <p:spTree>
@@ -8175,6 +5979,4550 @@
     <p:extLst>
       <p:ext uri="{BB962C8B-B14F-4D97-AF65-F5344CB8AC3E}">
         <p14:creationId xmlns:p14="http://schemas.microsoft.com/office/powerpoint/2010/main" val="1351268218"/>
+      </p:ext>
+    </p:extLst>
+  </p:cSld>
+  <p:clrMapOvr>
+    <a:masterClrMapping/>
+  </p:clrMapOvr>
+</p:sld>
+</file>
+
+<file path=ppt/slides/slide17.xml><?xml version="1.0" encoding="utf-8"?>
+<p:sld xmlns:a="http://schemas.openxmlformats.org/drawingml/2006/main" xmlns:r="http://schemas.openxmlformats.org/officeDocument/2006/relationships" xmlns:p="http://schemas.openxmlformats.org/presentationml/2006/main">
+  <p:cSld>
+    <p:spTree>
+      <p:nvGrpSpPr>
+        <p:cNvPr id="1" name=""/>
+        <p:cNvGrpSpPr/>
+        <p:nvPr/>
+      </p:nvGrpSpPr>
+      <p:grpSpPr>
+        <a:xfrm>
+          <a:off x="0" y="0"/>
+          <a:ext cx="0" cy="0"/>
+          <a:chOff x="0" y="0"/>
+          <a:chExt cx="0" cy="0"/>
+        </a:xfrm>
+      </p:grpSpPr>
+      <p:sp>
+        <p:nvSpPr>
+          <p:cNvPr id="2" name="Title 1"/>
+          <p:cNvSpPr>
+            <a:spLocks noGrp="1"/>
+          </p:cNvSpPr>
+          <p:nvPr>
+            <p:ph type="title"/>
+          </p:nvPr>
+        </p:nvSpPr>
+        <p:spPr/>
+        <p:txBody>
+          <a:bodyPr/>
+          <a:lstStyle/>
+          <a:p>
+            <a:r>
+              <a:rPr lang="en-US" dirty="0" smtClean="0"/>
+              <a:t>Size of </a:t>
+            </a:r>
+            <a:r>
+              <a:rPr lang="en-US" dirty="0" err="1" smtClean="0"/>
+              <a:t>struct</a:t>
+            </a:r>
+            <a:r>
+              <a:rPr lang="en-US" dirty="0" smtClean="0"/>
+              <a:t> and union</a:t>
+            </a:r>
+            <a:endParaRPr lang="en-US" dirty="0"/>
+          </a:p>
+        </p:txBody>
+      </p:sp>
+      <p:sp>
+        <p:nvSpPr>
+          <p:cNvPr id="3" name="Content Placeholder 2"/>
+          <p:cNvSpPr>
+            <a:spLocks noGrp="1"/>
+          </p:cNvSpPr>
+          <p:nvPr>
+            <p:ph idx="1"/>
+          </p:nvPr>
+        </p:nvSpPr>
+        <p:spPr/>
+        <p:txBody>
+          <a:bodyPr>
+            <a:normAutofit fontScale="85000" lnSpcReduction="20000"/>
+          </a:bodyPr>
+          <a:lstStyle/>
+          <a:p>
+            <a:pPr marL="137160" indent="0">
+              <a:buNone/>
+            </a:pPr>
+            <a:r>
+              <a:rPr lang="en-US" dirty="0" err="1"/>
+              <a:t>struct</a:t>
+            </a:r>
+            <a:r>
+              <a:rPr lang="en-US" dirty="0"/>
+              <a:t> </a:t>
+            </a:r>
+            <a:r>
+              <a:rPr lang="en-US" dirty="0" smtClean="0"/>
+              <a:t>a</a:t>
+            </a:r>
+          </a:p>
+          <a:p>
+            <a:pPr marL="137160" indent="0">
+              <a:buNone/>
+            </a:pPr>
+            <a:r>
+              <a:rPr lang="en-US" dirty="0" smtClean="0"/>
+              <a:t>{    </a:t>
+            </a:r>
+            <a:r>
+              <a:rPr lang="en-US" dirty="0" err="1"/>
+              <a:t>int</a:t>
+            </a:r>
+            <a:r>
+              <a:rPr lang="en-US" dirty="0"/>
+              <a:t> a;    </a:t>
+            </a:r>
+            <a:endParaRPr lang="en-US" dirty="0" smtClean="0"/>
+          </a:p>
+          <a:p>
+            <a:pPr marL="457200" lvl="1" indent="0">
+              <a:buNone/>
+            </a:pPr>
+            <a:r>
+              <a:rPr lang="en-US" dirty="0" smtClean="0"/>
+              <a:t>union    </a:t>
+            </a:r>
+          </a:p>
+          <a:p>
+            <a:pPr marL="457200" lvl="1" indent="0">
+              <a:buNone/>
+            </a:pPr>
+            <a:r>
+              <a:rPr lang="en-US" dirty="0" smtClean="0"/>
+              <a:t>{        </a:t>
+            </a:r>
+          </a:p>
+          <a:p>
+            <a:pPr marL="457200" lvl="1" indent="0">
+              <a:buNone/>
+            </a:pPr>
+            <a:r>
+              <a:rPr lang="en-US" dirty="0" smtClean="0"/>
+              <a:t>	</a:t>
+            </a:r>
+            <a:r>
+              <a:rPr lang="en-US" dirty="0" err="1" smtClean="0"/>
+              <a:t>int</a:t>
+            </a:r>
+            <a:r>
+              <a:rPr lang="en-US" dirty="0" smtClean="0"/>
+              <a:t> </a:t>
+            </a:r>
+            <a:r>
+              <a:rPr lang="en-US" dirty="0"/>
+              <a:t>b;     </a:t>
+            </a:r>
+            <a:endParaRPr lang="en-US" dirty="0" smtClean="0"/>
+          </a:p>
+          <a:p>
+            <a:pPr marL="457200" lvl="1" indent="0">
+              <a:buNone/>
+            </a:pPr>
+            <a:r>
+              <a:rPr lang="en-US" dirty="0" smtClean="0"/>
+              <a:t>   	</a:t>
+            </a:r>
+            <a:r>
+              <a:rPr lang="en-US" dirty="0" err="1" smtClean="0"/>
+              <a:t>int</a:t>
+            </a:r>
+            <a:r>
+              <a:rPr lang="en-US" dirty="0" smtClean="0"/>
+              <a:t> </a:t>
+            </a:r>
+            <a:r>
+              <a:rPr lang="en-US" dirty="0"/>
+              <a:t>c; </a:t>
+            </a:r>
+            <a:endParaRPr lang="en-US" dirty="0" smtClean="0"/>
+          </a:p>
+          <a:p>
+            <a:pPr marL="457200" lvl="1" indent="0">
+              <a:buNone/>
+            </a:pPr>
+            <a:r>
+              <a:rPr lang="en-US" dirty="0"/>
+              <a:t>	</a:t>
+            </a:r>
+            <a:r>
+              <a:rPr lang="en-US" dirty="0" smtClean="0"/>
+              <a:t>double f;  </a:t>
+            </a:r>
+          </a:p>
+          <a:p>
+            <a:pPr marL="457200" lvl="1" indent="0">
+              <a:buNone/>
+            </a:pPr>
+            <a:r>
+              <a:rPr lang="en-US" dirty="0" smtClean="0"/>
+              <a:t> };</a:t>
+            </a:r>
+          </a:p>
+          <a:p>
+            <a:pPr marL="137160" indent="0">
+              <a:buNone/>
+            </a:pPr>
+            <a:r>
+              <a:rPr lang="en-US" dirty="0" smtClean="0"/>
+              <a:t>}</a:t>
+            </a:r>
+            <a:r>
+              <a:rPr lang="en-US" dirty="0"/>
+              <a:t>o</a:t>
+            </a:r>
+            <a:r>
+              <a:rPr lang="en-US" dirty="0" smtClean="0"/>
+              <a:t>;</a:t>
+            </a:r>
+          </a:p>
+          <a:p>
+            <a:pPr marL="137160" indent="0">
+              <a:buNone/>
+            </a:pPr>
+            <a:r>
+              <a:rPr lang="en-US" dirty="0" err="1" smtClean="0"/>
+              <a:t>int</a:t>
+            </a:r>
+            <a:r>
+              <a:rPr lang="en-US" dirty="0" smtClean="0"/>
+              <a:t> </a:t>
+            </a:r>
+            <a:r>
+              <a:rPr lang="en-US" dirty="0"/>
+              <a:t>main</a:t>
+            </a:r>
+            <a:r>
+              <a:rPr lang="en-US" dirty="0" smtClean="0"/>
+              <a:t>()</a:t>
+            </a:r>
+          </a:p>
+          <a:p>
+            <a:pPr marL="137160" indent="0">
+              <a:buNone/>
+            </a:pPr>
+            <a:r>
+              <a:rPr lang="en-US" dirty="0" smtClean="0"/>
+              <a:t>{    </a:t>
+            </a:r>
+          </a:p>
+          <a:p>
+            <a:pPr marL="457200" lvl="1" indent="0">
+              <a:buNone/>
+            </a:pPr>
+            <a:r>
+              <a:rPr lang="en-US" dirty="0" err="1" smtClean="0"/>
+              <a:t>printf</a:t>
+            </a:r>
+            <a:r>
+              <a:rPr lang="en-US" dirty="0"/>
+              <a:t>("%d",</a:t>
+            </a:r>
+            <a:r>
+              <a:rPr lang="en-US" dirty="0" err="1"/>
+              <a:t>sizeof</a:t>
+            </a:r>
+            <a:r>
+              <a:rPr lang="en-US" dirty="0"/>
+              <a:t>(o));   </a:t>
+            </a:r>
+            <a:r>
+              <a:rPr lang="en-US" dirty="0" smtClean="0"/>
+              <a:t>//</a:t>
+            </a:r>
+            <a:r>
+              <a:rPr lang="en-US" dirty="0" err="1" smtClean="0"/>
+              <a:t>ans</a:t>
+            </a:r>
+            <a:r>
+              <a:rPr lang="en-US" dirty="0" smtClean="0"/>
+              <a:t>=16</a:t>
+            </a:r>
+          </a:p>
+          <a:p>
+            <a:pPr marL="457200" lvl="1" indent="0">
+              <a:buNone/>
+            </a:pPr>
+            <a:r>
+              <a:rPr lang="en-US" dirty="0" smtClean="0"/>
+              <a:t>return </a:t>
+            </a:r>
+            <a:r>
+              <a:rPr lang="en-US" dirty="0"/>
+              <a:t>0</a:t>
+            </a:r>
+            <a:r>
+              <a:rPr lang="en-US" dirty="0" smtClean="0"/>
+              <a:t>;</a:t>
+            </a:r>
+          </a:p>
+          <a:p>
+            <a:pPr marL="137160" indent="0">
+              <a:buNone/>
+            </a:pPr>
+            <a:r>
+              <a:rPr lang="en-US" dirty="0" smtClean="0"/>
+              <a:t>}</a:t>
+            </a:r>
+            <a:endParaRPr lang="en-US" dirty="0"/>
+          </a:p>
+        </p:txBody>
+      </p:sp>
+    </p:spTree>
+    <p:extLst>
+      <p:ext uri="{BB962C8B-B14F-4D97-AF65-F5344CB8AC3E}">
+        <p14:creationId xmlns:p14="http://schemas.microsoft.com/office/powerpoint/2010/main" val="3894316525"/>
+      </p:ext>
+    </p:extLst>
+  </p:cSld>
+  <p:clrMapOvr>
+    <a:masterClrMapping/>
+  </p:clrMapOvr>
+</p:sld>
+</file>
+
+<file path=ppt/slides/slide18.xml><?xml version="1.0" encoding="utf-8"?>
+<p:sld xmlns:a="http://schemas.openxmlformats.org/drawingml/2006/main" xmlns:r="http://schemas.openxmlformats.org/officeDocument/2006/relationships" xmlns:p="http://schemas.openxmlformats.org/presentationml/2006/main">
+  <p:cSld>
+    <p:spTree>
+      <p:nvGrpSpPr>
+        <p:cNvPr id="1" name=""/>
+        <p:cNvGrpSpPr/>
+        <p:nvPr/>
+      </p:nvGrpSpPr>
+      <p:grpSpPr>
+        <a:xfrm>
+          <a:off x="0" y="0"/>
+          <a:ext cx="0" cy="0"/>
+          <a:chOff x="0" y="0"/>
+          <a:chExt cx="0" cy="0"/>
+        </a:xfrm>
+      </p:grpSpPr>
+      <p:sp>
+        <p:nvSpPr>
+          <p:cNvPr id="2" name="Title 1"/>
+          <p:cNvSpPr>
+            <a:spLocks noGrp="1"/>
+          </p:cNvSpPr>
+          <p:nvPr>
+            <p:ph type="title"/>
+          </p:nvPr>
+        </p:nvSpPr>
+        <p:spPr/>
+        <p:txBody>
+          <a:bodyPr/>
+          <a:lstStyle/>
+          <a:p>
+            <a:r>
+              <a:rPr lang="en-US" dirty="0" smtClean="0"/>
+              <a:t>Structure padding</a:t>
+            </a:r>
+            <a:endParaRPr lang="en-US" dirty="0"/>
+          </a:p>
+        </p:txBody>
+      </p:sp>
+      <p:sp>
+        <p:nvSpPr>
+          <p:cNvPr id="3" name="Content Placeholder 2"/>
+          <p:cNvSpPr>
+            <a:spLocks noGrp="1"/>
+          </p:cNvSpPr>
+          <p:nvPr>
+            <p:ph idx="1"/>
+          </p:nvPr>
+        </p:nvSpPr>
+        <p:spPr/>
+        <p:txBody>
+          <a:bodyPr>
+            <a:normAutofit fontScale="92500" lnSpcReduction="20000"/>
+          </a:bodyPr>
+          <a:lstStyle/>
+          <a:p>
+            <a:pPr marL="137160" indent="0">
+              <a:buNone/>
+            </a:pPr>
+            <a:r>
+              <a:rPr lang="en-US" dirty="0" err="1"/>
+              <a:t>struct</a:t>
+            </a:r>
+            <a:r>
+              <a:rPr lang="en-US" dirty="0"/>
+              <a:t> </a:t>
+            </a:r>
+            <a:r>
+              <a:rPr lang="en-US" dirty="0" smtClean="0"/>
+              <a:t>a</a:t>
+            </a:r>
+          </a:p>
+          <a:p>
+            <a:pPr marL="137160" indent="0">
+              <a:buNone/>
+            </a:pPr>
+            <a:r>
+              <a:rPr lang="en-US" dirty="0" smtClean="0"/>
+              <a:t>{   </a:t>
+            </a:r>
+          </a:p>
+          <a:p>
+            <a:pPr marL="457200" lvl="1" indent="0">
+              <a:buNone/>
+            </a:pPr>
+            <a:r>
+              <a:rPr lang="en-US" dirty="0" smtClean="0"/>
+              <a:t> </a:t>
+            </a:r>
+            <a:r>
+              <a:rPr lang="en-US" dirty="0" err="1"/>
+              <a:t>int</a:t>
+            </a:r>
+            <a:r>
+              <a:rPr lang="en-US" dirty="0"/>
+              <a:t> a; </a:t>
+            </a:r>
+            <a:endParaRPr lang="en-US" dirty="0" smtClean="0"/>
+          </a:p>
+          <a:p>
+            <a:pPr marL="457200" lvl="1" indent="0">
+              <a:buNone/>
+            </a:pPr>
+            <a:r>
+              <a:rPr lang="en-US" dirty="0" smtClean="0"/>
+              <a:t> char </a:t>
+            </a:r>
+            <a:r>
+              <a:rPr lang="en-US" dirty="0"/>
+              <a:t>d;</a:t>
+            </a:r>
+            <a:r>
+              <a:rPr lang="en-US" dirty="0" smtClean="0"/>
+              <a:t>  </a:t>
+            </a:r>
+          </a:p>
+          <a:p>
+            <a:pPr marL="457200" lvl="1" indent="0">
+              <a:buNone/>
+            </a:pPr>
+            <a:r>
+              <a:rPr lang="en-US" dirty="0" smtClean="0"/>
+              <a:t> </a:t>
+            </a:r>
+            <a:r>
+              <a:rPr lang="en-US" dirty="0" err="1"/>
+              <a:t>int</a:t>
+            </a:r>
+            <a:r>
+              <a:rPr lang="en-US" dirty="0"/>
+              <a:t> b</a:t>
+            </a:r>
+            <a:r>
+              <a:rPr lang="en-US" dirty="0" smtClean="0"/>
+              <a:t>; </a:t>
+            </a:r>
+          </a:p>
+          <a:p>
+            <a:pPr marL="457200" lvl="1" indent="0">
+              <a:buNone/>
+            </a:pPr>
+            <a:r>
+              <a:rPr lang="en-US" dirty="0" smtClean="0"/>
+              <a:t> </a:t>
+            </a:r>
+            <a:r>
+              <a:rPr lang="en-US" dirty="0"/>
+              <a:t>char c;    </a:t>
+            </a:r>
+            <a:endParaRPr lang="en-US" dirty="0" smtClean="0"/>
+          </a:p>
+          <a:p>
+            <a:pPr marL="137160" indent="0">
+              <a:buNone/>
+            </a:pPr>
+            <a:r>
+              <a:rPr lang="en-US" dirty="0" smtClean="0"/>
+              <a:t>}</a:t>
+            </a:r>
+            <a:r>
+              <a:rPr lang="en-US" dirty="0"/>
+              <a:t>o</a:t>
+            </a:r>
+            <a:r>
+              <a:rPr lang="en-US" dirty="0" smtClean="0"/>
+              <a:t>;</a:t>
+            </a:r>
+          </a:p>
+          <a:p>
+            <a:pPr marL="137160" indent="0">
+              <a:buNone/>
+            </a:pPr>
+            <a:r>
+              <a:rPr lang="en-US" dirty="0" err="1" smtClean="0"/>
+              <a:t>int</a:t>
+            </a:r>
+            <a:r>
+              <a:rPr lang="en-US" dirty="0" smtClean="0"/>
+              <a:t> </a:t>
+            </a:r>
+            <a:r>
+              <a:rPr lang="en-US" dirty="0"/>
+              <a:t>main</a:t>
+            </a:r>
+            <a:r>
+              <a:rPr lang="en-US" dirty="0" smtClean="0"/>
+              <a:t>()</a:t>
+            </a:r>
+          </a:p>
+          <a:p>
+            <a:pPr marL="137160" indent="0">
+              <a:buNone/>
+            </a:pPr>
+            <a:r>
+              <a:rPr lang="en-US" dirty="0" smtClean="0"/>
+              <a:t>{   </a:t>
+            </a:r>
+          </a:p>
+          <a:p>
+            <a:pPr marL="137160" indent="0">
+              <a:buNone/>
+            </a:pPr>
+            <a:r>
+              <a:rPr lang="en-US" dirty="0" smtClean="0"/>
+              <a:t> </a:t>
+            </a:r>
+            <a:r>
+              <a:rPr lang="en-US" dirty="0" err="1"/>
+              <a:t>printf</a:t>
+            </a:r>
+            <a:r>
+              <a:rPr lang="en-US" dirty="0"/>
+              <a:t>("%d\n",</a:t>
+            </a:r>
+            <a:r>
+              <a:rPr lang="en-US" dirty="0" err="1"/>
+              <a:t>sizeof</a:t>
+            </a:r>
+            <a:r>
+              <a:rPr lang="en-US" dirty="0"/>
+              <a:t>(o)); </a:t>
+            </a:r>
+            <a:r>
+              <a:rPr lang="en-US" dirty="0" smtClean="0"/>
+              <a:t>  //</a:t>
+            </a:r>
+            <a:r>
+              <a:rPr lang="en-US" dirty="0" err="1" smtClean="0"/>
+              <a:t>ans</a:t>
+            </a:r>
+            <a:r>
+              <a:rPr lang="en-US" dirty="0" smtClean="0"/>
+              <a:t>= 16 </a:t>
+            </a:r>
+          </a:p>
+          <a:p>
+            <a:pPr marL="137160" indent="0">
+              <a:buNone/>
+            </a:pPr>
+            <a:r>
+              <a:rPr lang="en-US" dirty="0" smtClean="0"/>
+              <a:t> </a:t>
+            </a:r>
+            <a:r>
+              <a:rPr lang="en-US" dirty="0"/>
+              <a:t>return 0</a:t>
+            </a:r>
+            <a:r>
+              <a:rPr lang="en-US" dirty="0" smtClean="0"/>
+              <a:t>;</a:t>
+            </a:r>
+          </a:p>
+          <a:p>
+            <a:pPr marL="137160" indent="0">
+              <a:buNone/>
+            </a:pPr>
+            <a:r>
+              <a:rPr lang="en-US" dirty="0" smtClean="0"/>
+              <a:t>}</a:t>
+            </a:r>
+            <a:endParaRPr lang="en-US" dirty="0"/>
+          </a:p>
+        </p:txBody>
+      </p:sp>
+    </p:spTree>
+    <p:extLst>
+      <p:ext uri="{BB962C8B-B14F-4D97-AF65-F5344CB8AC3E}">
+        <p14:creationId xmlns:p14="http://schemas.microsoft.com/office/powerpoint/2010/main" val="4040950030"/>
+      </p:ext>
+    </p:extLst>
+  </p:cSld>
+  <p:clrMapOvr>
+    <a:masterClrMapping/>
+  </p:clrMapOvr>
+</p:sld>
+</file>
+
+<file path=ppt/slides/slide19.xml><?xml version="1.0" encoding="utf-8"?>
+<p:sld xmlns:a="http://schemas.openxmlformats.org/drawingml/2006/main" xmlns:r="http://schemas.openxmlformats.org/officeDocument/2006/relationships" xmlns:p="http://schemas.openxmlformats.org/presentationml/2006/main">
+  <p:cSld>
+    <p:spTree>
+      <p:nvGrpSpPr>
+        <p:cNvPr id="1" name=""/>
+        <p:cNvGrpSpPr/>
+        <p:nvPr/>
+      </p:nvGrpSpPr>
+      <p:grpSpPr>
+        <a:xfrm>
+          <a:off x="0" y="0"/>
+          <a:ext cx="0" cy="0"/>
+          <a:chOff x="0" y="0"/>
+          <a:chExt cx="0" cy="0"/>
+        </a:xfrm>
+      </p:grpSpPr>
+      <p:sp>
+        <p:nvSpPr>
+          <p:cNvPr id="2" name="Title 1"/>
+          <p:cNvSpPr>
+            <a:spLocks noGrp="1"/>
+          </p:cNvSpPr>
+          <p:nvPr>
+            <p:ph type="title"/>
+          </p:nvPr>
+        </p:nvSpPr>
+        <p:spPr>
+          <a:xfrm>
+            <a:off x="457200" y="-152400"/>
+            <a:ext cx="8229600" cy="762000"/>
+          </a:xfrm>
+        </p:spPr>
+        <p:txBody>
+          <a:bodyPr/>
+          <a:lstStyle/>
+          <a:p>
+            <a:r>
+              <a:rPr lang="en-US" dirty="0" err="1" smtClean="0"/>
+              <a:t>Struct</a:t>
+            </a:r>
+            <a:r>
+              <a:rPr lang="en-US" dirty="0" smtClean="0"/>
+              <a:t> padding</a:t>
+            </a:r>
+            <a:endParaRPr lang="en-US" dirty="0"/>
+          </a:p>
+        </p:txBody>
+      </p:sp>
+      <p:sp>
+        <p:nvSpPr>
+          <p:cNvPr id="3" name="Content Placeholder 2"/>
+          <p:cNvSpPr>
+            <a:spLocks noGrp="1"/>
+          </p:cNvSpPr>
+          <p:nvPr>
+            <p:ph idx="1"/>
+          </p:nvPr>
+        </p:nvSpPr>
+        <p:spPr>
+          <a:xfrm>
+            <a:off x="457200" y="609600"/>
+            <a:ext cx="8229600" cy="6400800"/>
+          </a:xfrm>
+        </p:spPr>
+        <p:txBody>
+          <a:bodyPr>
+            <a:normAutofit fontScale="47500" lnSpcReduction="20000"/>
+          </a:bodyPr>
+          <a:lstStyle/>
+          <a:p>
+            <a:pPr marL="137160" indent="0">
+              <a:buNone/>
+            </a:pPr>
+            <a:endParaRPr lang="en-US" dirty="0"/>
+          </a:p>
+          <a:p>
+            <a:pPr marL="137160" indent="0">
+              <a:buNone/>
+            </a:pPr>
+            <a:r>
+              <a:rPr lang="en-US" dirty="0"/>
+              <a:t>// structure A </a:t>
+            </a:r>
+          </a:p>
+          <a:p>
+            <a:pPr marL="137160" indent="0">
+              <a:buNone/>
+            </a:pPr>
+            <a:r>
+              <a:rPr lang="en-US" dirty="0" err="1"/>
+              <a:t>typedef</a:t>
+            </a:r>
+            <a:r>
+              <a:rPr lang="en-US" dirty="0"/>
+              <a:t> </a:t>
+            </a:r>
+            <a:r>
+              <a:rPr lang="en-US" dirty="0" err="1"/>
+              <a:t>struct</a:t>
+            </a:r>
+            <a:r>
+              <a:rPr lang="en-US" dirty="0"/>
+              <a:t> </a:t>
+            </a:r>
+            <a:r>
+              <a:rPr lang="en-US" dirty="0" err="1"/>
+              <a:t>structa_tag</a:t>
+            </a:r>
+            <a:r>
+              <a:rPr lang="en-US" dirty="0"/>
+              <a:t> </a:t>
+            </a:r>
+          </a:p>
+          <a:p>
+            <a:pPr marL="137160" indent="0">
+              <a:buNone/>
+            </a:pPr>
+            <a:r>
+              <a:rPr lang="en-US" dirty="0"/>
+              <a:t>{ </a:t>
+            </a:r>
+          </a:p>
+          <a:p>
+            <a:pPr marL="457200" lvl="1" indent="0">
+              <a:buNone/>
+            </a:pPr>
+            <a:r>
+              <a:rPr lang="en-US" dirty="0"/>
+              <a:t>char    c; </a:t>
+            </a:r>
+          </a:p>
+          <a:p>
+            <a:pPr marL="457200" lvl="1" indent="0">
+              <a:buNone/>
+            </a:pPr>
+            <a:r>
+              <a:rPr lang="en-US" dirty="0"/>
+              <a:t>short </a:t>
+            </a:r>
+            <a:r>
+              <a:rPr lang="en-US" dirty="0" err="1"/>
+              <a:t>int</a:t>
+            </a:r>
+            <a:r>
+              <a:rPr lang="en-US" dirty="0"/>
+              <a:t>  s; </a:t>
+            </a:r>
+          </a:p>
+          <a:p>
+            <a:pPr marL="137160" indent="0">
+              <a:buNone/>
+            </a:pPr>
+            <a:r>
+              <a:rPr lang="en-US" dirty="0"/>
+              <a:t>} </a:t>
+            </a:r>
+            <a:r>
+              <a:rPr lang="en-US" dirty="0" err="1"/>
+              <a:t>structa_t</a:t>
+            </a:r>
+            <a:r>
+              <a:rPr lang="en-US" dirty="0"/>
+              <a:t>; </a:t>
+            </a:r>
+            <a:r>
+              <a:rPr lang="en-US" dirty="0" smtClean="0"/>
+              <a:t>  //</a:t>
+            </a:r>
+            <a:r>
+              <a:rPr lang="en-US" dirty="0" err="1" smtClean="0"/>
+              <a:t>ans</a:t>
+            </a:r>
+            <a:r>
+              <a:rPr lang="en-US" dirty="0" smtClean="0"/>
+              <a:t>=4</a:t>
+            </a:r>
+            <a:endParaRPr lang="en-US" dirty="0"/>
+          </a:p>
+          <a:p>
+            <a:pPr marL="137160" indent="0">
+              <a:buNone/>
+            </a:pPr>
+            <a:endParaRPr lang="en-US" dirty="0"/>
+          </a:p>
+          <a:p>
+            <a:pPr marL="137160" indent="0">
+              <a:buNone/>
+            </a:pPr>
+            <a:r>
+              <a:rPr lang="en-US" dirty="0"/>
+              <a:t>// structure B </a:t>
+            </a:r>
+          </a:p>
+          <a:p>
+            <a:pPr marL="137160" indent="0">
+              <a:buNone/>
+            </a:pPr>
+            <a:r>
+              <a:rPr lang="en-US" dirty="0" err="1"/>
+              <a:t>typedef</a:t>
+            </a:r>
+            <a:r>
+              <a:rPr lang="en-US" dirty="0"/>
+              <a:t> </a:t>
+            </a:r>
+            <a:r>
+              <a:rPr lang="en-US" dirty="0" err="1"/>
+              <a:t>struct</a:t>
+            </a:r>
+            <a:r>
+              <a:rPr lang="en-US" dirty="0"/>
+              <a:t> </a:t>
+            </a:r>
+            <a:r>
+              <a:rPr lang="en-US" dirty="0" err="1"/>
+              <a:t>structb_tag</a:t>
+            </a:r>
+            <a:r>
+              <a:rPr lang="en-US" dirty="0"/>
+              <a:t> </a:t>
+            </a:r>
+          </a:p>
+          <a:p>
+            <a:pPr marL="137160" indent="0">
+              <a:buNone/>
+            </a:pPr>
+            <a:r>
+              <a:rPr lang="en-US" dirty="0"/>
+              <a:t>{ </a:t>
+            </a:r>
+          </a:p>
+          <a:p>
+            <a:pPr marL="457200" lvl="1" indent="0">
+              <a:buNone/>
+            </a:pPr>
+            <a:r>
+              <a:rPr lang="en-US" dirty="0"/>
+              <a:t>short </a:t>
+            </a:r>
+            <a:r>
+              <a:rPr lang="en-US" dirty="0" err="1"/>
+              <a:t>int</a:t>
+            </a:r>
+            <a:r>
+              <a:rPr lang="en-US" dirty="0"/>
+              <a:t>  s; </a:t>
+            </a:r>
+          </a:p>
+          <a:p>
+            <a:pPr marL="457200" lvl="1" indent="0">
+              <a:buNone/>
+            </a:pPr>
+            <a:r>
+              <a:rPr lang="en-US" dirty="0"/>
+              <a:t>char    c; </a:t>
+            </a:r>
+          </a:p>
+          <a:p>
+            <a:pPr marL="457200" lvl="1" indent="0">
+              <a:buNone/>
+            </a:pPr>
+            <a:r>
+              <a:rPr lang="en-US" dirty="0" err="1"/>
+              <a:t>int</a:t>
+            </a:r>
+            <a:r>
+              <a:rPr lang="en-US" dirty="0"/>
+              <a:t>     i; </a:t>
+            </a:r>
+          </a:p>
+          <a:p>
+            <a:pPr marL="137160" indent="0">
+              <a:buNone/>
+            </a:pPr>
+            <a:r>
+              <a:rPr lang="en-US" dirty="0"/>
+              <a:t>} </a:t>
+            </a:r>
+            <a:r>
+              <a:rPr lang="en-US" dirty="0" err="1"/>
+              <a:t>structb_t</a:t>
+            </a:r>
+            <a:r>
+              <a:rPr lang="en-US" dirty="0"/>
+              <a:t>; </a:t>
+            </a:r>
+            <a:r>
+              <a:rPr lang="en-US" dirty="0" smtClean="0"/>
+              <a:t> //</a:t>
+            </a:r>
+            <a:r>
+              <a:rPr lang="en-US" dirty="0" err="1" smtClean="0"/>
+              <a:t>ans</a:t>
+            </a:r>
+            <a:r>
+              <a:rPr lang="en-US" dirty="0" smtClean="0"/>
+              <a:t>=8</a:t>
+            </a:r>
+            <a:endParaRPr lang="en-US" dirty="0"/>
+          </a:p>
+          <a:p>
+            <a:pPr marL="137160" indent="0">
+              <a:buNone/>
+            </a:pPr>
+            <a:endParaRPr lang="en-US" dirty="0"/>
+          </a:p>
+          <a:p>
+            <a:pPr marL="137160" indent="0">
+              <a:buNone/>
+            </a:pPr>
+            <a:endParaRPr lang="en-US" dirty="0"/>
+          </a:p>
+          <a:p>
+            <a:pPr marL="137160" indent="0">
+              <a:buNone/>
+            </a:pPr>
+            <a:r>
+              <a:rPr lang="en-US" dirty="0"/>
+              <a:t>// structure C </a:t>
+            </a:r>
+          </a:p>
+          <a:p>
+            <a:pPr marL="137160" indent="0">
+              <a:buNone/>
+            </a:pPr>
+            <a:r>
+              <a:rPr lang="en-US" dirty="0" err="1"/>
+              <a:t>typedef</a:t>
+            </a:r>
+            <a:r>
+              <a:rPr lang="en-US" dirty="0"/>
+              <a:t> </a:t>
+            </a:r>
+            <a:r>
+              <a:rPr lang="en-US" dirty="0" err="1"/>
+              <a:t>struct</a:t>
+            </a:r>
+            <a:r>
+              <a:rPr lang="en-US" dirty="0"/>
+              <a:t> </a:t>
+            </a:r>
+            <a:r>
+              <a:rPr lang="en-US" dirty="0" err="1"/>
+              <a:t>structc_tag</a:t>
+            </a:r>
+            <a:r>
+              <a:rPr lang="en-US" dirty="0"/>
+              <a:t> </a:t>
+            </a:r>
+          </a:p>
+          <a:p>
+            <a:pPr marL="137160" indent="0">
+              <a:buNone/>
+            </a:pPr>
+            <a:r>
+              <a:rPr lang="en-US" dirty="0"/>
+              <a:t>{ </a:t>
+            </a:r>
+          </a:p>
+          <a:p>
+            <a:pPr marL="457200" lvl="1" indent="0">
+              <a:buNone/>
+            </a:pPr>
+            <a:r>
+              <a:rPr lang="en-US" dirty="0"/>
+              <a:t>char    c; </a:t>
+            </a:r>
+          </a:p>
+          <a:p>
+            <a:pPr marL="457200" lvl="1" indent="0">
+              <a:buNone/>
+            </a:pPr>
+            <a:r>
+              <a:rPr lang="en-US" dirty="0"/>
+              <a:t>double   d; </a:t>
+            </a:r>
+          </a:p>
+          <a:p>
+            <a:pPr marL="457200" lvl="1" indent="0">
+              <a:buNone/>
+            </a:pPr>
+            <a:r>
+              <a:rPr lang="en-US" dirty="0" err="1"/>
+              <a:t>int</a:t>
+            </a:r>
+            <a:r>
+              <a:rPr lang="en-US" dirty="0"/>
+              <a:t> 	 s; </a:t>
+            </a:r>
+          </a:p>
+          <a:p>
+            <a:pPr marL="137160" indent="0">
+              <a:buNone/>
+            </a:pPr>
+            <a:r>
+              <a:rPr lang="en-US" dirty="0"/>
+              <a:t>} </a:t>
+            </a:r>
+            <a:r>
+              <a:rPr lang="en-US" dirty="0" err="1"/>
+              <a:t>structc_t</a:t>
+            </a:r>
+            <a:r>
+              <a:rPr lang="en-US" dirty="0"/>
+              <a:t>; //</a:t>
+            </a:r>
+            <a:r>
+              <a:rPr lang="en-US" dirty="0" err="1" smtClean="0"/>
+              <a:t>ans</a:t>
+            </a:r>
+            <a:r>
+              <a:rPr lang="en-US" dirty="0" smtClean="0"/>
+              <a:t>=24</a:t>
+            </a:r>
+            <a:endParaRPr lang="en-US" dirty="0"/>
+          </a:p>
+          <a:p>
+            <a:pPr marL="137160" indent="0">
+              <a:buNone/>
+            </a:pPr>
+            <a:endParaRPr lang="en-US" dirty="0"/>
+          </a:p>
+          <a:p>
+            <a:pPr marL="137160" indent="0">
+              <a:buNone/>
+            </a:pPr>
+            <a:endParaRPr lang="en-US" dirty="0"/>
+          </a:p>
+          <a:p>
+            <a:pPr marL="137160" indent="0">
+              <a:buNone/>
+            </a:pPr>
+            <a:r>
+              <a:rPr lang="en-US" dirty="0"/>
+              <a:t>// structure D </a:t>
+            </a:r>
+          </a:p>
+          <a:p>
+            <a:pPr marL="137160" indent="0">
+              <a:buNone/>
+            </a:pPr>
+            <a:r>
+              <a:rPr lang="en-US" dirty="0" err="1"/>
+              <a:t>typedef</a:t>
+            </a:r>
+            <a:r>
+              <a:rPr lang="en-US" dirty="0"/>
+              <a:t> </a:t>
+            </a:r>
+            <a:r>
+              <a:rPr lang="en-US" dirty="0" err="1"/>
+              <a:t>struct</a:t>
+            </a:r>
+            <a:r>
+              <a:rPr lang="en-US" dirty="0"/>
+              <a:t> </a:t>
+            </a:r>
+            <a:r>
+              <a:rPr lang="en-US" dirty="0" err="1"/>
+              <a:t>structd_tag</a:t>
+            </a:r>
+            <a:r>
+              <a:rPr lang="en-US" dirty="0"/>
+              <a:t> </a:t>
+            </a:r>
+          </a:p>
+          <a:p>
+            <a:pPr marL="137160" indent="0">
+              <a:buNone/>
+            </a:pPr>
+            <a:r>
+              <a:rPr lang="en-US" dirty="0"/>
+              <a:t>{ </a:t>
+            </a:r>
+          </a:p>
+          <a:p>
+            <a:pPr marL="457200" lvl="1" indent="0">
+              <a:buNone/>
+            </a:pPr>
+            <a:r>
+              <a:rPr lang="en-US" dirty="0"/>
+              <a:t>double   d; </a:t>
+            </a:r>
+          </a:p>
+          <a:p>
+            <a:pPr marL="457200" lvl="1" indent="0">
+              <a:buNone/>
+            </a:pPr>
+            <a:r>
+              <a:rPr lang="en-US" dirty="0" err="1"/>
+              <a:t>int</a:t>
+            </a:r>
+            <a:r>
+              <a:rPr lang="en-US" dirty="0"/>
+              <a:t> 	 s; </a:t>
+            </a:r>
+          </a:p>
+          <a:p>
+            <a:pPr marL="457200" lvl="1" indent="0">
+              <a:buNone/>
+            </a:pPr>
+            <a:r>
+              <a:rPr lang="en-US" dirty="0"/>
+              <a:t>char    c; </a:t>
+            </a:r>
+          </a:p>
+          <a:p>
+            <a:pPr marL="137160" indent="0">
+              <a:buNone/>
+            </a:pPr>
+            <a:r>
+              <a:rPr lang="en-US" dirty="0"/>
+              <a:t>} </a:t>
+            </a:r>
+            <a:r>
+              <a:rPr lang="en-US" dirty="0" err="1"/>
+              <a:t>structd_t</a:t>
+            </a:r>
+            <a:r>
+              <a:rPr lang="en-US" dirty="0"/>
+              <a:t>; //</a:t>
+            </a:r>
+            <a:r>
+              <a:rPr lang="en-US" dirty="0" err="1" smtClean="0"/>
+              <a:t>ans</a:t>
+            </a:r>
+            <a:r>
+              <a:rPr lang="en-US" dirty="0" smtClean="0"/>
+              <a:t>=16</a:t>
+            </a:r>
+            <a:endParaRPr lang="en-US" dirty="0"/>
+          </a:p>
+          <a:p>
+            <a:pPr marL="137160" indent="0">
+              <a:buNone/>
+            </a:pPr>
+            <a:endParaRPr lang="en-US" dirty="0"/>
+          </a:p>
+          <a:p>
+            <a:endParaRPr lang="en-US" dirty="0"/>
+          </a:p>
+          <a:p>
+            <a:endParaRPr lang="en-US" dirty="0"/>
+          </a:p>
+        </p:txBody>
+      </p:sp>
+    </p:spTree>
+    <p:extLst>
+      <p:ext uri="{BB962C8B-B14F-4D97-AF65-F5344CB8AC3E}">
+        <p14:creationId xmlns:p14="http://schemas.microsoft.com/office/powerpoint/2010/main" val="1730356985"/>
+      </p:ext>
+    </p:extLst>
+  </p:cSld>
+  <p:clrMapOvr>
+    <a:masterClrMapping/>
+  </p:clrMapOvr>
+</p:sld>
+</file>
+
+<file path=ppt/slides/slide2.xml><?xml version="1.0" encoding="utf-8"?>
+<p:sld xmlns:a="http://schemas.openxmlformats.org/drawingml/2006/main" xmlns:r="http://schemas.openxmlformats.org/officeDocument/2006/relationships" xmlns:p="http://schemas.openxmlformats.org/presentationml/2006/main">
+  <p:cSld>
+    <p:spTree>
+      <p:nvGrpSpPr>
+        <p:cNvPr id="1" name=""/>
+        <p:cNvGrpSpPr/>
+        <p:nvPr/>
+      </p:nvGrpSpPr>
+      <p:grpSpPr>
+        <a:xfrm>
+          <a:off x="0" y="0"/>
+          <a:ext cx="0" cy="0"/>
+          <a:chOff x="0" y="0"/>
+          <a:chExt cx="0" cy="0"/>
+        </a:xfrm>
+      </p:grpSpPr>
+      <p:sp>
+        <p:nvSpPr>
+          <p:cNvPr id="2" name="Title 1"/>
+          <p:cNvSpPr>
+            <a:spLocks noGrp="1"/>
+          </p:cNvSpPr>
+          <p:nvPr>
+            <p:ph type="title"/>
+          </p:nvPr>
+        </p:nvSpPr>
+        <p:spPr/>
+        <p:txBody>
+          <a:bodyPr/>
+          <a:lstStyle/>
+          <a:p>
+            <a:r>
+              <a:rPr lang="en-US" dirty="0" smtClean="0"/>
+              <a:t>Structure </a:t>
+            </a:r>
+            <a:r>
+              <a:rPr lang="en-US" dirty="0" err="1" smtClean="0"/>
+              <a:t>vs</a:t>
+            </a:r>
+            <a:r>
+              <a:rPr lang="en-US" dirty="0" smtClean="0"/>
+              <a:t> union</a:t>
+            </a:r>
+            <a:endParaRPr lang="en-US" dirty="0"/>
+          </a:p>
+        </p:txBody>
+      </p:sp>
+      <p:sp>
+        <p:nvSpPr>
+          <p:cNvPr id="3" name="Content Placeholder 2"/>
+          <p:cNvSpPr>
+            <a:spLocks noGrp="1"/>
+          </p:cNvSpPr>
+          <p:nvPr>
+            <p:ph idx="1"/>
+          </p:nvPr>
+        </p:nvSpPr>
+        <p:spPr/>
+        <p:txBody>
+          <a:bodyPr/>
+          <a:lstStyle/>
+          <a:p>
+            <a:pPr marL="137160" indent="0">
+              <a:buNone/>
+            </a:pPr>
+            <a:r>
+              <a:rPr lang="en-US" dirty="0" smtClean="0"/>
+              <a:t>Structure is user defined data type with different data member </a:t>
+            </a:r>
+            <a:r>
+              <a:rPr lang="en-US" smtClean="0"/>
+              <a:t>and different memory </a:t>
+            </a:r>
+            <a:r>
+              <a:rPr lang="en-US" dirty="0" smtClean="0"/>
+              <a:t>allocation</a:t>
+            </a:r>
+          </a:p>
+          <a:p>
+            <a:pPr marL="137160" indent="0">
+              <a:buNone/>
+            </a:pPr>
+            <a:endParaRPr lang="en-US" dirty="0"/>
+          </a:p>
+          <a:p>
+            <a:pPr marL="137160" indent="0">
+              <a:buNone/>
+            </a:pPr>
+            <a:r>
+              <a:rPr lang="en-US" dirty="0" smtClean="0"/>
+              <a:t>union </a:t>
+            </a:r>
+            <a:r>
+              <a:rPr lang="en-US" dirty="0"/>
+              <a:t>is user defined data type with different data member and </a:t>
+            </a:r>
+            <a:r>
+              <a:rPr lang="en-US" dirty="0" smtClean="0"/>
+              <a:t>same memory </a:t>
+            </a:r>
+            <a:r>
+              <a:rPr lang="en-US" dirty="0"/>
+              <a:t>allocation</a:t>
+            </a:r>
+          </a:p>
+          <a:p>
+            <a:pPr marL="137160" indent="0">
+              <a:buNone/>
+            </a:pPr>
+            <a:endParaRPr lang="en-US" dirty="0"/>
+          </a:p>
+        </p:txBody>
+      </p:sp>
+    </p:spTree>
+    <p:extLst>
+      <p:ext uri="{BB962C8B-B14F-4D97-AF65-F5344CB8AC3E}">
+        <p14:creationId xmlns:p14="http://schemas.microsoft.com/office/powerpoint/2010/main" val="1725697102"/>
+      </p:ext>
+    </p:extLst>
+  </p:cSld>
+  <p:clrMapOvr>
+    <a:masterClrMapping/>
+  </p:clrMapOvr>
+  <p:timing>
+    <p:tnLst>
+      <p:par>
+        <p:cTn id="1" dur="indefinite" restart="never" nodeType="tmRoot"/>
+      </p:par>
+    </p:tnLst>
+  </p:timing>
+</p:sld>
+</file>
+
+<file path=ppt/slides/slide20.xml><?xml version="1.0" encoding="utf-8"?>
+<p:sld xmlns:a="http://schemas.openxmlformats.org/drawingml/2006/main" xmlns:r="http://schemas.openxmlformats.org/officeDocument/2006/relationships" xmlns:p="http://schemas.openxmlformats.org/presentationml/2006/main">
+  <p:cSld>
+    <p:spTree>
+      <p:nvGrpSpPr>
+        <p:cNvPr id="1" name=""/>
+        <p:cNvGrpSpPr/>
+        <p:nvPr/>
+      </p:nvGrpSpPr>
+      <p:grpSpPr>
+        <a:xfrm>
+          <a:off x="0" y="0"/>
+          <a:ext cx="0" cy="0"/>
+          <a:chOff x="0" y="0"/>
+          <a:chExt cx="0" cy="0"/>
+        </a:xfrm>
+      </p:grpSpPr>
+      <p:sp>
+        <p:nvSpPr>
+          <p:cNvPr id="2" name="Title 1"/>
+          <p:cNvSpPr>
+            <a:spLocks noGrp="1"/>
+          </p:cNvSpPr>
+          <p:nvPr>
+            <p:ph type="title"/>
+          </p:nvPr>
+        </p:nvSpPr>
+        <p:spPr/>
+        <p:txBody>
+          <a:bodyPr/>
+          <a:lstStyle/>
+          <a:p>
+            <a:r>
+              <a:rPr lang="en-US" dirty="0" err="1" smtClean="0"/>
+              <a:t>Struct</a:t>
+            </a:r>
+            <a:r>
+              <a:rPr lang="en-US" dirty="0" smtClean="0"/>
+              <a:t> pack 1,2,4</a:t>
+            </a:r>
+            <a:endParaRPr lang="en-US" dirty="0"/>
+          </a:p>
+        </p:txBody>
+      </p:sp>
+      <p:sp>
+        <p:nvSpPr>
+          <p:cNvPr id="3" name="Content Placeholder 2"/>
+          <p:cNvSpPr>
+            <a:spLocks noGrp="1"/>
+          </p:cNvSpPr>
+          <p:nvPr>
+            <p:ph idx="1"/>
+          </p:nvPr>
+        </p:nvSpPr>
+        <p:spPr/>
+        <p:txBody>
+          <a:bodyPr>
+            <a:normAutofit/>
+          </a:bodyPr>
+          <a:lstStyle/>
+          <a:p>
+            <a:pPr marL="137160" indent="0">
+              <a:buNone/>
+            </a:pPr>
+            <a:r>
+              <a:rPr lang="en-US" sz="2400" dirty="0" smtClean="0"/>
+              <a:t>pragma pack(4)</a:t>
+            </a:r>
+          </a:p>
+          <a:p>
+            <a:pPr marL="137160" indent="0">
+              <a:buNone/>
+            </a:pPr>
+            <a:r>
+              <a:rPr lang="en-US" sz="2400" dirty="0" err="1" smtClean="0"/>
+              <a:t>struct</a:t>
+            </a:r>
+            <a:r>
+              <a:rPr lang="en-US" sz="2400" dirty="0" smtClean="0"/>
+              <a:t> </a:t>
+            </a:r>
+            <a:r>
+              <a:rPr lang="en-US" sz="2400" dirty="0"/>
+              <a:t>a{    </a:t>
+            </a:r>
+            <a:endParaRPr lang="en-US" sz="2400" dirty="0" smtClean="0"/>
+          </a:p>
+          <a:p>
+            <a:pPr marL="457200" lvl="1" indent="0">
+              <a:buNone/>
+            </a:pPr>
+            <a:r>
+              <a:rPr lang="en-US" sz="2000" dirty="0" smtClean="0"/>
+              <a:t>	 </a:t>
+            </a:r>
+            <a:r>
+              <a:rPr lang="en-US" sz="2000" dirty="0" err="1" smtClean="0"/>
+              <a:t>int</a:t>
+            </a:r>
+            <a:r>
+              <a:rPr lang="en-US" sz="2000" dirty="0" smtClean="0"/>
+              <a:t> </a:t>
+            </a:r>
+            <a:r>
+              <a:rPr lang="en-US" sz="2000" dirty="0"/>
+              <a:t>a;   </a:t>
+            </a:r>
+            <a:endParaRPr lang="en-US" sz="2000" dirty="0" smtClean="0"/>
+          </a:p>
+          <a:p>
+            <a:pPr marL="457200" lvl="1" indent="0">
+              <a:buNone/>
+            </a:pPr>
+            <a:r>
+              <a:rPr lang="en-US" sz="2000" dirty="0" smtClean="0"/>
+              <a:t>	 </a:t>
+            </a:r>
+            <a:r>
+              <a:rPr lang="en-US" sz="2000" dirty="0"/>
+              <a:t>char b;    </a:t>
+            </a:r>
+            <a:endParaRPr lang="en-US" sz="2000" dirty="0" smtClean="0"/>
+          </a:p>
+          <a:p>
+            <a:pPr marL="137160" indent="0">
+              <a:buNone/>
+            </a:pPr>
+            <a:r>
+              <a:rPr lang="en-US" sz="2400" dirty="0" smtClean="0"/>
+              <a:t>	 </a:t>
+            </a:r>
+            <a:r>
+              <a:rPr lang="en-US" sz="2400" dirty="0" err="1" smtClean="0"/>
+              <a:t>int</a:t>
+            </a:r>
+            <a:r>
+              <a:rPr lang="en-US" sz="2400" dirty="0" smtClean="0"/>
+              <a:t> </a:t>
+            </a:r>
+            <a:r>
+              <a:rPr lang="en-US" sz="2400" dirty="0"/>
+              <a:t>c</a:t>
+            </a:r>
+            <a:r>
+              <a:rPr lang="en-US" sz="2400" dirty="0" smtClean="0"/>
+              <a:t>;</a:t>
+            </a:r>
+          </a:p>
+          <a:p>
+            <a:pPr marL="137160" indent="0">
+              <a:buNone/>
+            </a:pPr>
+            <a:r>
+              <a:rPr lang="en-US" sz="2400" dirty="0" smtClean="0"/>
+              <a:t>}</a:t>
+            </a:r>
+            <a:r>
+              <a:rPr lang="en-US" sz="2400" dirty="0"/>
+              <a:t>o</a:t>
+            </a:r>
+            <a:r>
+              <a:rPr lang="en-US" sz="2400" dirty="0" smtClean="0"/>
+              <a:t>;</a:t>
+            </a:r>
+          </a:p>
+          <a:p>
+            <a:pPr marL="137160" indent="0">
+              <a:buNone/>
+            </a:pPr>
+            <a:r>
+              <a:rPr lang="en-US" sz="2400" dirty="0" err="1" smtClean="0"/>
+              <a:t>int</a:t>
+            </a:r>
+            <a:r>
+              <a:rPr lang="en-US" sz="2400" dirty="0" smtClean="0"/>
+              <a:t> </a:t>
+            </a:r>
+            <a:r>
+              <a:rPr lang="en-US" sz="2400" dirty="0"/>
+              <a:t>main</a:t>
+            </a:r>
+            <a:r>
+              <a:rPr lang="en-US" sz="2400" dirty="0" smtClean="0"/>
+              <a:t>()</a:t>
+            </a:r>
+          </a:p>
+          <a:p>
+            <a:pPr marL="137160" indent="0">
+              <a:buNone/>
+            </a:pPr>
+            <a:r>
+              <a:rPr lang="en-US" sz="2400" dirty="0" smtClean="0"/>
+              <a:t>{    </a:t>
+            </a:r>
+          </a:p>
+          <a:p>
+            <a:pPr marL="457200" lvl="1" indent="0">
+              <a:buNone/>
+            </a:pPr>
+            <a:r>
+              <a:rPr lang="en-US" sz="2000" dirty="0" err="1" smtClean="0"/>
+              <a:t>printf</a:t>
+            </a:r>
+            <a:r>
+              <a:rPr lang="en-US" sz="2000" dirty="0"/>
+              <a:t>("%d\n",</a:t>
+            </a:r>
+            <a:r>
+              <a:rPr lang="en-US" sz="2000" dirty="0" err="1"/>
+              <a:t>sizeof</a:t>
+            </a:r>
+            <a:r>
+              <a:rPr lang="en-US" sz="2000" dirty="0"/>
+              <a:t>(o));  </a:t>
+            </a:r>
+            <a:r>
+              <a:rPr lang="en-US" sz="2000" dirty="0" smtClean="0"/>
+              <a:t>//</a:t>
+            </a:r>
+            <a:r>
+              <a:rPr lang="en-US" sz="2000" dirty="0" err="1" smtClean="0"/>
+              <a:t>ans</a:t>
+            </a:r>
+            <a:r>
+              <a:rPr lang="en-US" sz="2000" dirty="0" smtClean="0"/>
+              <a:t>=9 (p1) ,</a:t>
+            </a:r>
+            <a:r>
+              <a:rPr lang="en-US" sz="2000" dirty="0" err="1" smtClean="0"/>
+              <a:t>ans</a:t>
+            </a:r>
+            <a:r>
+              <a:rPr lang="en-US" sz="2000" dirty="0" smtClean="0"/>
+              <a:t>=10(p2),</a:t>
+            </a:r>
+            <a:r>
+              <a:rPr lang="en-US" sz="2000" dirty="0" err="1" smtClean="0"/>
+              <a:t>ans</a:t>
+            </a:r>
+            <a:r>
+              <a:rPr lang="en-US" sz="2000" dirty="0" smtClean="0"/>
+              <a:t>=12(p4) </a:t>
+            </a:r>
+          </a:p>
+          <a:p>
+            <a:pPr marL="457200" lvl="1" indent="0">
+              <a:buNone/>
+            </a:pPr>
+            <a:r>
+              <a:rPr lang="en-US" sz="2000" dirty="0" smtClean="0"/>
+              <a:t>return </a:t>
+            </a:r>
+            <a:r>
+              <a:rPr lang="en-US" sz="2000" dirty="0"/>
+              <a:t>0</a:t>
+            </a:r>
+            <a:r>
+              <a:rPr lang="en-US" sz="2000" dirty="0" smtClean="0"/>
+              <a:t>;</a:t>
+            </a:r>
+          </a:p>
+          <a:p>
+            <a:pPr marL="137160" indent="0">
+              <a:buNone/>
+            </a:pPr>
+            <a:r>
+              <a:rPr lang="en-US" sz="2400" dirty="0" smtClean="0"/>
+              <a:t>}</a:t>
+            </a:r>
+            <a:endParaRPr lang="en-US" sz="2400" dirty="0"/>
+          </a:p>
+        </p:txBody>
+      </p:sp>
+    </p:spTree>
+    <p:extLst>
+      <p:ext uri="{BB962C8B-B14F-4D97-AF65-F5344CB8AC3E}">
+        <p14:creationId xmlns:p14="http://schemas.microsoft.com/office/powerpoint/2010/main" val="1107270324"/>
+      </p:ext>
+    </p:extLst>
+  </p:cSld>
+  <p:clrMapOvr>
+    <a:masterClrMapping/>
+  </p:clrMapOvr>
+</p:sld>
+</file>
+
+<file path=ppt/slides/slide21.xml><?xml version="1.0" encoding="utf-8"?>
+<p:sld xmlns:a="http://schemas.openxmlformats.org/drawingml/2006/main" xmlns:r="http://schemas.openxmlformats.org/officeDocument/2006/relationships" xmlns:p="http://schemas.openxmlformats.org/presentationml/2006/main">
+  <p:cSld>
+    <p:spTree>
+      <p:nvGrpSpPr>
+        <p:cNvPr id="1" name=""/>
+        <p:cNvGrpSpPr/>
+        <p:nvPr/>
+      </p:nvGrpSpPr>
+      <p:grpSpPr>
+        <a:xfrm>
+          <a:off x="0" y="0"/>
+          <a:ext cx="0" cy="0"/>
+          <a:chOff x="0" y="0"/>
+          <a:chExt cx="0" cy="0"/>
+        </a:xfrm>
+      </p:grpSpPr>
+      <p:sp>
+        <p:nvSpPr>
+          <p:cNvPr id="2" name="Title 1"/>
+          <p:cNvSpPr>
+            <a:spLocks noGrp="1"/>
+          </p:cNvSpPr>
+          <p:nvPr>
+            <p:ph type="title"/>
+          </p:nvPr>
+        </p:nvSpPr>
+        <p:spPr/>
+        <p:txBody>
+          <a:bodyPr/>
+          <a:lstStyle/>
+          <a:p>
+            <a:r>
+              <a:rPr lang="en-US" dirty="0" smtClean="0"/>
+              <a:t>Nested </a:t>
+            </a:r>
+            <a:r>
+              <a:rPr lang="en-US" dirty="0" err="1" smtClean="0"/>
+              <a:t>struct</a:t>
+            </a:r>
+            <a:r>
+              <a:rPr lang="en-US" dirty="0" smtClean="0"/>
+              <a:t> o/p</a:t>
+            </a:r>
+            <a:endParaRPr lang="en-US" dirty="0"/>
+          </a:p>
+        </p:txBody>
+      </p:sp>
+      <p:sp>
+        <p:nvSpPr>
+          <p:cNvPr id="3" name="Content Placeholder 2"/>
+          <p:cNvSpPr>
+            <a:spLocks noGrp="1"/>
+          </p:cNvSpPr>
+          <p:nvPr>
+            <p:ph idx="1"/>
+          </p:nvPr>
+        </p:nvSpPr>
+        <p:spPr/>
+        <p:txBody>
+          <a:bodyPr>
+            <a:normAutofit fontScale="62500" lnSpcReduction="20000"/>
+          </a:bodyPr>
+          <a:lstStyle/>
+          <a:p>
+            <a:r>
+              <a:rPr lang="en-US" dirty="0" smtClean="0"/>
+              <a:t>Nested </a:t>
+            </a:r>
+            <a:r>
+              <a:rPr lang="en-US" dirty="0" err="1" smtClean="0"/>
+              <a:t>struct</a:t>
+            </a:r>
+            <a:r>
+              <a:rPr lang="en-US" dirty="0" smtClean="0"/>
+              <a:t> should have tag name otherwise it consider as data member</a:t>
+            </a:r>
+          </a:p>
+          <a:p>
+            <a:pPr marL="137160" indent="0">
+              <a:buNone/>
+            </a:pPr>
+            <a:endParaRPr lang="en-US" dirty="0" smtClean="0"/>
+          </a:p>
+          <a:p>
+            <a:pPr marL="137160" indent="0">
+              <a:buNone/>
+            </a:pPr>
+            <a:r>
+              <a:rPr lang="en-US" dirty="0" err="1" smtClean="0"/>
+              <a:t>struct</a:t>
+            </a:r>
+            <a:r>
+              <a:rPr lang="en-US" dirty="0" smtClean="0"/>
+              <a:t> a</a:t>
+            </a:r>
+          </a:p>
+          <a:p>
+            <a:pPr marL="137160" indent="0">
+              <a:buNone/>
+            </a:pPr>
+            <a:r>
+              <a:rPr lang="en-US" dirty="0" smtClean="0"/>
+              <a:t>{    </a:t>
+            </a:r>
+          </a:p>
+          <a:p>
+            <a:pPr marL="137160" indent="0">
+              <a:buNone/>
+            </a:pPr>
+            <a:r>
+              <a:rPr lang="en-US" dirty="0" smtClean="0"/>
+              <a:t>	</a:t>
+            </a:r>
+            <a:r>
+              <a:rPr lang="en-US" dirty="0" err="1" smtClean="0"/>
+              <a:t>int</a:t>
+            </a:r>
+            <a:r>
+              <a:rPr lang="en-US" dirty="0" smtClean="0"/>
+              <a:t> </a:t>
+            </a:r>
+            <a:r>
+              <a:rPr lang="en-US" dirty="0"/>
+              <a:t>a; </a:t>
+            </a:r>
+            <a:endParaRPr lang="en-US" dirty="0" smtClean="0"/>
+          </a:p>
+          <a:p>
+            <a:pPr marL="137160" indent="0">
+              <a:buNone/>
+            </a:pPr>
+            <a:r>
+              <a:rPr lang="en-US" dirty="0" smtClean="0"/>
+              <a:t>	</a:t>
+            </a:r>
+            <a:r>
+              <a:rPr lang="en-US" dirty="0" err="1" smtClean="0"/>
+              <a:t>Int</a:t>
+            </a:r>
+            <a:r>
+              <a:rPr lang="en-US" dirty="0" smtClean="0"/>
+              <a:t> c;       </a:t>
+            </a:r>
+          </a:p>
+          <a:p>
+            <a:pPr marL="941832" lvl="3" indent="0">
+              <a:buNone/>
+            </a:pPr>
+            <a:r>
+              <a:rPr lang="en-US" dirty="0" err="1" smtClean="0"/>
+              <a:t>struct</a:t>
+            </a:r>
+            <a:r>
+              <a:rPr lang="en-US" dirty="0" smtClean="0"/>
+              <a:t>     </a:t>
+            </a:r>
+          </a:p>
+          <a:p>
+            <a:pPr marL="941832" lvl="3" indent="0">
+              <a:buNone/>
+            </a:pPr>
+            <a:r>
+              <a:rPr lang="en-US" dirty="0" smtClean="0"/>
+              <a:t>{        </a:t>
+            </a:r>
+          </a:p>
+          <a:p>
+            <a:pPr marL="941832" lvl="3" indent="0">
+              <a:buNone/>
+            </a:pPr>
+            <a:r>
+              <a:rPr lang="en-US" dirty="0" smtClean="0"/>
+              <a:t>    </a:t>
+            </a:r>
+            <a:r>
+              <a:rPr lang="en-US" dirty="0" err="1" smtClean="0"/>
+              <a:t>int</a:t>
+            </a:r>
+            <a:r>
+              <a:rPr lang="en-US" dirty="0" smtClean="0"/>
+              <a:t> </a:t>
+            </a:r>
+            <a:r>
+              <a:rPr lang="en-US" dirty="0"/>
+              <a:t>b;    </a:t>
+            </a:r>
+            <a:endParaRPr lang="en-US" dirty="0" smtClean="0"/>
+          </a:p>
+          <a:p>
+            <a:pPr marL="941832" lvl="3" indent="0">
+              <a:buNone/>
+            </a:pPr>
+            <a:r>
+              <a:rPr lang="en-US" dirty="0" smtClean="0"/>
+              <a:t>};</a:t>
+            </a:r>
+          </a:p>
+          <a:p>
+            <a:pPr marL="137160" indent="0">
+              <a:buNone/>
+            </a:pPr>
+            <a:r>
+              <a:rPr lang="en-US" dirty="0" smtClean="0"/>
+              <a:t>}</a:t>
+            </a:r>
+            <a:r>
+              <a:rPr lang="en-US" dirty="0"/>
+              <a:t>o1</a:t>
+            </a:r>
+            <a:r>
+              <a:rPr lang="en-US" dirty="0" smtClean="0"/>
+              <a:t>;</a:t>
+            </a:r>
+          </a:p>
+          <a:p>
+            <a:pPr marL="137160" indent="0">
+              <a:buNone/>
+            </a:pPr>
+            <a:r>
+              <a:rPr lang="en-US" dirty="0" err="1" smtClean="0"/>
+              <a:t>int</a:t>
+            </a:r>
+            <a:r>
+              <a:rPr lang="en-US" dirty="0" smtClean="0"/>
+              <a:t> </a:t>
+            </a:r>
+            <a:r>
+              <a:rPr lang="en-US" dirty="0"/>
+              <a:t>main</a:t>
+            </a:r>
+            <a:r>
+              <a:rPr lang="en-US" dirty="0" smtClean="0"/>
+              <a:t>()</a:t>
+            </a:r>
+          </a:p>
+          <a:p>
+            <a:pPr marL="137160" indent="0">
+              <a:buNone/>
+            </a:pPr>
+            <a:r>
+              <a:rPr lang="en-US" dirty="0" smtClean="0"/>
+              <a:t>{       </a:t>
+            </a:r>
+          </a:p>
+          <a:p>
+            <a:pPr marL="137160" indent="0">
+              <a:buNone/>
+            </a:pPr>
+            <a:r>
+              <a:rPr lang="en-US" dirty="0" smtClean="0"/>
+              <a:t> 	o1.b=11</a:t>
+            </a:r>
+            <a:r>
+              <a:rPr lang="en-US" dirty="0"/>
+              <a:t>;        </a:t>
+            </a:r>
+            <a:endParaRPr lang="en-US" dirty="0" smtClean="0"/>
+          </a:p>
+          <a:p>
+            <a:pPr marL="137160" indent="0">
+              <a:buNone/>
+            </a:pPr>
+            <a:r>
+              <a:rPr lang="en-US" dirty="0" smtClean="0"/>
+              <a:t>	</a:t>
+            </a:r>
+            <a:r>
+              <a:rPr lang="en-US" dirty="0" err="1" smtClean="0"/>
+              <a:t>printf</a:t>
+            </a:r>
+            <a:r>
+              <a:rPr lang="en-US" dirty="0"/>
+              <a:t>("%d\n",o1.b);    </a:t>
+            </a:r>
+            <a:endParaRPr lang="en-US" dirty="0" smtClean="0"/>
+          </a:p>
+          <a:p>
+            <a:pPr marL="137160" indent="0">
+              <a:buNone/>
+            </a:pPr>
+            <a:r>
+              <a:rPr lang="en-US" dirty="0" smtClean="0"/>
+              <a:t>	return </a:t>
+            </a:r>
+            <a:r>
+              <a:rPr lang="en-US" dirty="0"/>
+              <a:t>0</a:t>
+            </a:r>
+            <a:r>
+              <a:rPr lang="en-US" dirty="0" smtClean="0"/>
+              <a:t>;</a:t>
+            </a:r>
+          </a:p>
+          <a:p>
+            <a:pPr marL="137160" indent="0">
+              <a:buNone/>
+            </a:pPr>
+            <a:r>
+              <a:rPr lang="en-US" dirty="0" smtClean="0"/>
+              <a:t>}</a:t>
+            </a:r>
+            <a:endParaRPr lang="en-US" dirty="0"/>
+          </a:p>
+        </p:txBody>
+      </p:sp>
+    </p:spTree>
+    <p:extLst>
+      <p:ext uri="{BB962C8B-B14F-4D97-AF65-F5344CB8AC3E}">
+        <p14:creationId xmlns:p14="http://schemas.microsoft.com/office/powerpoint/2010/main" val="2743522505"/>
+      </p:ext>
+    </p:extLst>
+  </p:cSld>
+  <p:clrMapOvr>
+    <a:masterClrMapping/>
+  </p:clrMapOvr>
+</p:sld>
+</file>
+
+<file path=ppt/slides/slide22.xml><?xml version="1.0" encoding="utf-8"?>
+<p:sld xmlns:a="http://schemas.openxmlformats.org/drawingml/2006/main" xmlns:r="http://schemas.openxmlformats.org/officeDocument/2006/relationships" xmlns:p="http://schemas.openxmlformats.org/presentationml/2006/main">
+  <p:cSld>
+    <p:spTree>
+      <p:nvGrpSpPr>
+        <p:cNvPr id="1" name=""/>
+        <p:cNvGrpSpPr/>
+        <p:nvPr/>
+      </p:nvGrpSpPr>
+      <p:grpSpPr>
+        <a:xfrm>
+          <a:off x="0" y="0"/>
+          <a:ext cx="0" cy="0"/>
+          <a:chOff x="0" y="0"/>
+          <a:chExt cx="0" cy="0"/>
+        </a:xfrm>
+      </p:grpSpPr>
+      <p:sp>
+        <p:nvSpPr>
+          <p:cNvPr id="2" name="Title 1"/>
+          <p:cNvSpPr>
+            <a:spLocks noGrp="1"/>
+          </p:cNvSpPr>
+          <p:nvPr>
+            <p:ph type="title"/>
+          </p:nvPr>
+        </p:nvSpPr>
+        <p:spPr/>
+        <p:txBody>
+          <a:bodyPr>
+            <a:normAutofit fontScale="90000"/>
+          </a:bodyPr>
+          <a:lstStyle/>
+          <a:p>
+            <a:r>
+              <a:rPr lang="en-US" dirty="0"/>
+              <a:t>How to use union to define register?</a:t>
+            </a:r>
+            <a:br>
+              <a:rPr lang="en-US" dirty="0"/>
+            </a:br>
+            <a:endParaRPr lang="en-US" dirty="0"/>
+          </a:p>
+        </p:txBody>
+      </p:sp>
+      <p:sp>
+        <p:nvSpPr>
+          <p:cNvPr id="3" name="Content Placeholder 2"/>
+          <p:cNvSpPr>
+            <a:spLocks noGrp="1"/>
+          </p:cNvSpPr>
+          <p:nvPr>
+            <p:ph idx="1"/>
+          </p:nvPr>
+        </p:nvSpPr>
+        <p:spPr>
+          <a:xfrm>
+            <a:off x="457200" y="1600200"/>
+            <a:ext cx="8229600" cy="5257800"/>
+          </a:xfrm>
+        </p:spPr>
+        <p:txBody>
+          <a:bodyPr>
+            <a:noAutofit/>
+          </a:bodyPr>
+          <a:lstStyle/>
+          <a:p>
+            <a:pPr marL="137160" indent="0">
+              <a:buNone/>
+            </a:pPr>
+            <a:endParaRPr lang="en-US" sz="1050" dirty="0"/>
+          </a:p>
+          <a:p>
+            <a:pPr marL="137160" indent="0">
+              <a:buNone/>
+            </a:pPr>
+            <a:r>
+              <a:rPr lang="en-US" sz="1050" dirty="0"/>
+              <a:t>#include &lt;</a:t>
+            </a:r>
+            <a:r>
+              <a:rPr lang="en-US" sz="1050" dirty="0" err="1"/>
+              <a:t>stdio.h</a:t>
+            </a:r>
+            <a:r>
+              <a:rPr lang="en-US" sz="1050" dirty="0"/>
+              <a:t>&gt;</a:t>
+            </a:r>
+          </a:p>
+          <a:p>
+            <a:pPr marL="137160" indent="0">
+              <a:buNone/>
+            </a:pPr>
+            <a:endParaRPr lang="en-US" sz="1050" dirty="0"/>
+          </a:p>
+          <a:p>
+            <a:pPr marL="137160" indent="0">
+              <a:buNone/>
+            </a:pPr>
+            <a:r>
+              <a:rPr lang="en-US" sz="1050" dirty="0" err="1"/>
+              <a:t>typedef</a:t>
+            </a:r>
+            <a:r>
+              <a:rPr lang="en-US" sz="1050" dirty="0"/>
+              <a:t> union REG</a:t>
+            </a:r>
+          </a:p>
+          <a:p>
+            <a:pPr marL="137160" indent="0">
+              <a:buNone/>
+            </a:pPr>
+            <a:r>
+              <a:rPr lang="en-US" sz="1050" dirty="0"/>
+              <a:t>{</a:t>
+            </a:r>
+          </a:p>
+          <a:p>
+            <a:pPr marL="137160" indent="0">
+              <a:buNone/>
+            </a:pPr>
+            <a:r>
+              <a:rPr lang="en-US" sz="1050" dirty="0"/>
+              <a:t>    unsigned char TRISC;</a:t>
+            </a:r>
+          </a:p>
+          <a:p>
+            <a:pPr marL="137160" indent="0">
+              <a:buNone/>
+            </a:pPr>
+            <a:endParaRPr lang="en-US" sz="1050" dirty="0"/>
+          </a:p>
+          <a:p>
+            <a:pPr marL="137160" indent="0">
+              <a:buNone/>
+            </a:pPr>
+            <a:r>
+              <a:rPr lang="en-US" sz="1050" dirty="0"/>
+              <a:t>    </a:t>
+            </a:r>
+            <a:r>
+              <a:rPr lang="en-US" sz="1050" dirty="0" err="1"/>
+              <a:t>struct</a:t>
+            </a:r>
+            <a:endParaRPr lang="en-US" sz="1050" dirty="0"/>
+          </a:p>
+          <a:p>
+            <a:pPr marL="137160" indent="0">
+              <a:buNone/>
+            </a:pPr>
+            <a:r>
+              <a:rPr lang="en-US" sz="1050" dirty="0"/>
+              <a:t>    {</a:t>
+            </a:r>
+          </a:p>
+          <a:p>
+            <a:pPr marL="137160" indent="0">
+              <a:buNone/>
+            </a:pPr>
+            <a:r>
+              <a:rPr lang="en-US" sz="1050" dirty="0"/>
+              <a:t>        unsigned char RC0:1;</a:t>
+            </a:r>
+          </a:p>
+          <a:p>
+            <a:pPr marL="137160" indent="0">
+              <a:buNone/>
+            </a:pPr>
+            <a:r>
+              <a:rPr lang="en-US" sz="1050" dirty="0"/>
+              <a:t>        unsigned char RC1:1;</a:t>
+            </a:r>
+          </a:p>
+          <a:p>
+            <a:pPr marL="137160" indent="0">
+              <a:buNone/>
+            </a:pPr>
+            <a:r>
+              <a:rPr lang="en-US" sz="1050" dirty="0"/>
+              <a:t>        unsigned char RC2:1;</a:t>
+            </a:r>
+          </a:p>
+          <a:p>
+            <a:pPr marL="137160" indent="0">
+              <a:buNone/>
+            </a:pPr>
+            <a:r>
+              <a:rPr lang="en-US" sz="1050" dirty="0"/>
+              <a:t>        unsigned char RC3:1;</a:t>
+            </a:r>
+          </a:p>
+          <a:p>
+            <a:pPr marL="137160" indent="0">
+              <a:buNone/>
+            </a:pPr>
+            <a:r>
+              <a:rPr lang="en-US" sz="1050" dirty="0"/>
+              <a:t>        unsigned char RC4:1;</a:t>
+            </a:r>
+          </a:p>
+          <a:p>
+            <a:pPr marL="137160" indent="0">
+              <a:buNone/>
+            </a:pPr>
+            <a:r>
+              <a:rPr lang="en-US" sz="1050" dirty="0"/>
+              <a:t>        unsigned char RC5:1;</a:t>
+            </a:r>
+          </a:p>
+          <a:p>
+            <a:pPr marL="137160" indent="0">
+              <a:buNone/>
+            </a:pPr>
+            <a:r>
+              <a:rPr lang="en-US" sz="1050" dirty="0"/>
+              <a:t>        unsigned char RC6:1;</a:t>
+            </a:r>
+          </a:p>
+          <a:p>
+            <a:pPr marL="137160" indent="0">
+              <a:buNone/>
+            </a:pPr>
+            <a:r>
+              <a:rPr lang="en-US" sz="1050" dirty="0"/>
+              <a:t>        unsigned char RC7:1;	</a:t>
+            </a:r>
+          </a:p>
+          <a:p>
+            <a:pPr marL="137160" indent="0">
+              <a:buNone/>
+            </a:pPr>
+            <a:r>
+              <a:rPr lang="en-US" sz="1050" dirty="0"/>
+              <a:t>    </a:t>
+            </a:r>
+          </a:p>
+          <a:p>
+            <a:pPr marL="137160" indent="0">
+              <a:buNone/>
+            </a:pPr>
+            <a:r>
+              <a:rPr lang="en-US" sz="1050" dirty="0"/>
+              <a:t>    };</a:t>
+            </a:r>
+          </a:p>
+          <a:p>
+            <a:pPr marL="137160" indent="0">
+              <a:buNone/>
+            </a:pPr>
+            <a:endParaRPr lang="en-US" sz="1050" dirty="0"/>
+          </a:p>
+          <a:p>
+            <a:pPr marL="137160" indent="0">
+              <a:buNone/>
+            </a:pPr>
+            <a:r>
+              <a:rPr lang="en-US" sz="1050" dirty="0"/>
+              <a:t>}</a:t>
+            </a:r>
+            <a:r>
+              <a:rPr lang="en-US" sz="1050" dirty="0" err="1"/>
+              <a:t>REG_Def_t</a:t>
+            </a:r>
+            <a:r>
+              <a:rPr lang="en-US" sz="1050" dirty="0" smtClean="0"/>
+              <a:t>;</a:t>
+            </a:r>
+            <a:endParaRPr lang="en-US" sz="1050" dirty="0"/>
+          </a:p>
+        </p:txBody>
+      </p:sp>
+    </p:spTree>
+    <p:extLst>
+      <p:ext uri="{BB962C8B-B14F-4D97-AF65-F5344CB8AC3E}">
+        <p14:creationId xmlns:p14="http://schemas.microsoft.com/office/powerpoint/2010/main" val="2920215022"/>
+      </p:ext>
+    </p:extLst>
+  </p:cSld>
+  <p:clrMapOvr>
+    <a:masterClrMapping/>
+  </p:clrMapOvr>
+</p:sld>
+</file>
+
+<file path=ppt/slides/slide23.xml><?xml version="1.0" encoding="utf-8"?>
+<p:sld xmlns:a="http://schemas.openxmlformats.org/drawingml/2006/main" xmlns:r="http://schemas.openxmlformats.org/officeDocument/2006/relationships" xmlns:p="http://schemas.openxmlformats.org/presentationml/2006/main">
+  <p:cSld>
+    <p:spTree>
+      <p:nvGrpSpPr>
+        <p:cNvPr id="1" name=""/>
+        <p:cNvGrpSpPr/>
+        <p:nvPr/>
+      </p:nvGrpSpPr>
+      <p:grpSpPr>
+        <a:xfrm>
+          <a:off x="0" y="0"/>
+          <a:ext cx="0" cy="0"/>
+          <a:chOff x="0" y="0"/>
+          <a:chExt cx="0" cy="0"/>
+        </a:xfrm>
+      </p:grpSpPr>
+      <p:sp>
+        <p:nvSpPr>
+          <p:cNvPr id="2" name="Title 1"/>
+          <p:cNvSpPr>
+            <a:spLocks noGrp="1"/>
+          </p:cNvSpPr>
+          <p:nvPr>
+            <p:ph type="title"/>
+          </p:nvPr>
+        </p:nvSpPr>
+        <p:spPr/>
+        <p:txBody>
+          <a:bodyPr>
+            <a:normAutofit fontScale="90000"/>
+          </a:bodyPr>
+          <a:lstStyle/>
+          <a:p>
+            <a:r>
+              <a:rPr lang="en-US" dirty="0" smtClean="0"/>
+              <a:t>(continue)How </a:t>
+            </a:r>
+            <a:r>
+              <a:rPr lang="en-US" dirty="0"/>
+              <a:t>to use union to define register?</a:t>
+            </a:r>
+            <a:br>
+              <a:rPr lang="en-US" dirty="0"/>
+            </a:br>
+            <a:endParaRPr lang="en-US" dirty="0"/>
+          </a:p>
+        </p:txBody>
+      </p:sp>
+      <p:sp>
+        <p:nvSpPr>
+          <p:cNvPr id="3" name="Content Placeholder 2"/>
+          <p:cNvSpPr>
+            <a:spLocks noGrp="1"/>
+          </p:cNvSpPr>
+          <p:nvPr>
+            <p:ph idx="1"/>
+          </p:nvPr>
+        </p:nvSpPr>
+        <p:spPr/>
+        <p:txBody>
+          <a:bodyPr>
+            <a:normAutofit/>
+          </a:bodyPr>
+          <a:lstStyle/>
+          <a:p>
+            <a:pPr marL="137160" indent="0">
+              <a:buNone/>
+            </a:pPr>
+            <a:endParaRPr lang="en-US" sz="1800" dirty="0"/>
+          </a:p>
+          <a:p>
+            <a:pPr marL="137160" indent="0">
+              <a:buNone/>
+            </a:pPr>
+            <a:r>
+              <a:rPr lang="en-US" sz="1800" dirty="0" err="1"/>
+              <a:t>int</a:t>
+            </a:r>
+            <a:r>
+              <a:rPr lang="en-US" sz="1800" dirty="0"/>
+              <a:t> main()</a:t>
+            </a:r>
+          </a:p>
+          <a:p>
+            <a:pPr marL="137160" indent="0">
+              <a:buNone/>
+            </a:pPr>
+            <a:r>
+              <a:rPr lang="en-US" sz="1800" dirty="0"/>
+              <a:t>{    </a:t>
+            </a:r>
+          </a:p>
+          <a:p>
+            <a:pPr marL="137160" indent="0">
+              <a:buNone/>
+            </a:pPr>
+            <a:r>
+              <a:rPr lang="en-US" sz="1800" dirty="0"/>
+              <a:t>    </a:t>
+            </a:r>
+            <a:r>
+              <a:rPr lang="en-US" sz="1800" dirty="0" err="1"/>
+              <a:t>REG_Def_t</a:t>
+            </a:r>
+            <a:r>
+              <a:rPr lang="en-US" sz="1800" dirty="0"/>
+              <a:t> </a:t>
+            </a:r>
+            <a:r>
+              <a:rPr lang="en-US" sz="1800" dirty="0" smtClean="0"/>
+              <a:t> GPIOC</a:t>
+            </a:r>
+            <a:r>
+              <a:rPr lang="en-US" sz="1800" dirty="0"/>
+              <a:t>; </a:t>
+            </a:r>
+          </a:p>
+          <a:p>
+            <a:pPr marL="137160" indent="0">
+              <a:buNone/>
+            </a:pPr>
+            <a:r>
+              <a:rPr lang="en-US" sz="1800" dirty="0"/>
+              <a:t>    </a:t>
+            </a:r>
+          </a:p>
+          <a:p>
+            <a:pPr marL="137160" indent="0">
+              <a:buNone/>
+            </a:pPr>
+            <a:r>
+              <a:rPr lang="en-US" sz="1800" dirty="0"/>
+              <a:t>    GPIOC.RC6=0;</a:t>
+            </a:r>
+          </a:p>
+          <a:p>
+            <a:pPr marL="137160" indent="0">
+              <a:buNone/>
+            </a:pPr>
+            <a:r>
+              <a:rPr lang="en-US" sz="1800" dirty="0"/>
+              <a:t>    //GPIOC.TRISC=0x80;</a:t>
+            </a:r>
+          </a:p>
+          <a:p>
+            <a:pPr marL="137160" indent="0">
+              <a:buNone/>
+            </a:pPr>
+            <a:r>
+              <a:rPr lang="en-US" sz="1800" dirty="0"/>
+              <a:t>    </a:t>
+            </a:r>
+          </a:p>
+          <a:p>
+            <a:pPr marL="137160" indent="0">
+              <a:buNone/>
+            </a:pPr>
+            <a:r>
+              <a:rPr lang="en-US" sz="1800" dirty="0"/>
+              <a:t>    </a:t>
+            </a:r>
+            <a:r>
+              <a:rPr lang="en-US" sz="1800" dirty="0" err="1"/>
+              <a:t>printf</a:t>
+            </a:r>
+            <a:r>
+              <a:rPr lang="en-US" sz="1800" dirty="0"/>
+              <a:t>("%d",GPIOC.RC6);   //</a:t>
+            </a:r>
+            <a:r>
+              <a:rPr lang="en-US" sz="1800" dirty="0" err="1"/>
+              <a:t>ans</a:t>
+            </a:r>
+            <a:r>
+              <a:rPr lang="en-US" sz="1800" dirty="0"/>
+              <a:t>=</a:t>
+            </a:r>
+          </a:p>
+          <a:p>
+            <a:pPr marL="137160" indent="0">
+              <a:buNone/>
+            </a:pPr>
+            <a:r>
+              <a:rPr lang="en-US" sz="1800" dirty="0"/>
+              <a:t>    </a:t>
+            </a:r>
+          </a:p>
+          <a:p>
+            <a:pPr marL="137160" indent="0">
+              <a:buNone/>
+            </a:pPr>
+            <a:r>
+              <a:rPr lang="en-US" sz="1800" dirty="0"/>
+              <a:t>    //</a:t>
+            </a:r>
+            <a:r>
+              <a:rPr lang="en-US" sz="1800" dirty="0" err="1"/>
+              <a:t>printf</a:t>
+            </a:r>
+            <a:r>
+              <a:rPr lang="en-US" sz="1800" dirty="0"/>
+              <a:t>("%d",</a:t>
+            </a:r>
+            <a:r>
+              <a:rPr lang="en-US" sz="1800" dirty="0" err="1"/>
+              <a:t>sizeof</a:t>
+            </a:r>
+            <a:r>
+              <a:rPr lang="en-US" sz="1800" dirty="0"/>
+              <a:t>(GPIOC));   //</a:t>
+            </a:r>
+            <a:r>
+              <a:rPr lang="en-US" sz="1800" dirty="0" err="1"/>
+              <a:t>ans</a:t>
+            </a:r>
+            <a:r>
+              <a:rPr lang="en-US" sz="1800" dirty="0"/>
+              <a:t>=1 byte</a:t>
+            </a:r>
+          </a:p>
+          <a:p>
+            <a:pPr marL="137160" indent="0">
+              <a:buNone/>
+            </a:pPr>
+            <a:r>
+              <a:rPr lang="en-US" sz="1800" dirty="0"/>
+              <a:t>    return 0;</a:t>
+            </a:r>
+          </a:p>
+          <a:p>
+            <a:pPr marL="137160" indent="0">
+              <a:buNone/>
+            </a:pPr>
+            <a:endParaRPr lang="en-US" sz="1800" dirty="0"/>
+          </a:p>
+          <a:p>
+            <a:pPr marL="137160" indent="0">
+              <a:buNone/>
+            </a:pPr>
+            <a:r>
+              <a:rPr lang="en-US" sz="1800" dirty="0"/>
+              <a:t>}</a:t>
+            </a:r>
+          </a:p>
+          <a:p>
+            <a:endParaRPr lang="en-US" sz="2000" dirty="0"/>
+          </a:p>
+        </p:txBody>
+      </p:sp>
+    </p:spTree>
+    <p:extLst>
+      <p:ext uri="{BB962C8B-B14F-4D97-AF65-F5344CB8AC3E}">
+        <p14:creationId xmlns:p14="http://schemas.microsoft.com/office/powerpoint/2010/main" val="4259998807"/>
+      </p:ext>
+    </p:extLst>
+  </p:cSld>
+  <p:clrMapOvr>
+    <a:masterClrMapping/>
+  </p:clrMapOvr>
+</p:sld>
+</file>
+
+<file path=ppt/slides/slide24.xml><?xml version="1.0" encoding="utf-8"?>
+<p:sld xmlns:a="http://schemas.openxmlformats.org/drawingml/2006/main" xmlns:r="http://schemas.openxmlformats.org/officeDocument/2006/relationships" xmlns:p="http://schemas.openxmlformats.org/presentationml/2006/main">
+  <p:cSld>
+    <p:spTree>
+      <p:nvGrpSpPr>
+        <p:cNvPr id="1" name=""/>
+        <p:cNvGrpSpPr/>
+        <p:nvPr/>
+      </p:nvGrpSpPr>
+      <p:grpSpPr>
+        <a:xfrm>
+          <a:off x="0" y="0"/>
+          <a:ext cx="0" cy="0"/>
+          <a:chOff x="0" y="0"/>
+          <a:chExt cx="0" cy="0"/>
+        </a:xfrm>
+      </p:grpSpPr>
+      <p:sp>
+        <p:nvSpPr>
+          <p:cNvPr id="2" name="Title 1"/>
+          <p:cNvSpPr>
+            <a:spLocks noGrp="1"/>
+          </p:cNvSpPr>
+          <p:nvPr>
+            <p:ph type="title"/>
+          </p:nvPr>
+        </p:nvSpPr>
+        <p:spPr>
+          <a:xfrm>
+            <a:off x="457200" y="0"/>
+            <a:ext cx="8229600" cy="609600"/>
+          </a:xfrm>
+        </p:spPr>
+        <p:txBody>
+          <a:bodyPr>
+            <a:normAutofit fontScale="90000"/>
+          </a:bodyPr>
+          <a:lstStyle/>
+          <a:p>
+            <a:r>
+              <a:rPr lang="en-US" dirty="0" err="1" smtClean="0"/>
+              <a:t>qus</a:t>
+            </a:r>
+            <a:endParaRPr lang="en-US" dirty="0"/>
+          </a:p>
+        </p:txBody>
+      </p:sp>
+      <p:sp>
+        <p:nvSpPr>
+          <p:cNvPr id="3" name="Content Placeholder 2"/>
+          <p:cNvSpPr>
+            <a:spLocks noGrp="1"/>
+          </p:cNvSpPr>
+          <p:nvPr>
+            <p:ph idx="1"/>
+          </p:nvPr>
+        </p:nvSpPr>
+        <p:spPr>
+          <a:xfrm>
+            <a:off x="457200" y="685800"/>
+            <a:ext cx="8229600" cy="6324600"/>
+          </a:xfrm>
+        </p:spPr>
+        <p:txBody>
+          <a:bodyPr>
+            <a:normAutofit fontScale="62500" lnSpcReduction="20000"/>
+          </a:bodyPr>
+          <a:lstStyle/>
+          <a:p>
+            <a:r>
+              <a:rPr lang="en-US" dirty="0" smtClean="0"/>
+              <a:t>Structure</a:t>
+            </a:r>
+          </a:p>
+          <a:p>
+            <a:r>
+              <a:rPr lang="en-US" dirty="0" smtClean="0"/>
+              <a:t>Union</a:t>
+            </a:r>
+          </a:p>
+          <a:p>
+            <a:r>
+              <a:rPr lang="en-US" dirty="0" smtClean="0"/>
+              <a:t>Structure </a:t>
+            </a:r>
+            <a:r>
+              <a:rPr lang="en-US" dirty="0" err="1" smtClean="0"/>
+              <a:t>vs</a:t>
+            </a:r>
+            <a:r>
+              <a:rPr lang="en-US" dirty="0" smtClean="0"/>
+              <a:t> union</a:t>
+            </a:r>
+          </a:p>
+          <a:p>
+            <a:r>
+              <a:rPr lang="en-US" dirty="0" smtClean="0"/>
+              <a:t>Limitation of structure</a:t>
+            </a:r>
+          </a:p>
+          <a:p>
+            <a:r>
+              <a:rPr lang="en-US" dirty="0" smtClean="0"/>
+              <a:t>Local </a:t>
+            </a:r>
+            <a:r>
+              <a:rPr lang="en-US" dirty="0" err="1" smtClean="0"/>
+              <a:t>struct</a:t>
+            </a:r>
+            <a:r>
+              <a:rPr lang="en-US" dirty="0" smtClean="0"/>
+              <a:t> </a:t>
+            </a:r>
+            <a:r>
+              <a:rPr lang="en-US" dirty="0" err="1" smtClean="0"/>
+              <a:t>vs</a:t>
+            </a:r>
+            <a:r>
+              <a:rPr lang="en-US" dirty="0" smtClean="0"/>
+              <a:t> global </a:t>
+            </a:r>
+            <a:r>
+              <a:rPr lang="en-US" dirty="0" err="1" smtClean="0"/>
+              <a:t>struct</a:t>
+            </a:r>
+            <a:endParaRPr lang="en-US" dirty="0" smtClean="0"/>
+          </a:p>
+          <a:p>
+            <a:r>
+              <a:rPr lang="en-US" dirty="0" err="1" smtClean="0"/>
+              <a:t>Typedef</a:t>
+            </a:r>
+            <a:r>
+              <a:rPr lang="en-US" dirty="0" smtClean="0"/>
+              <a:t> </a:t>
+            </a:r>
+            <a:r>
+              <a:rPr lang="en-US" dirty="0" err="1" smtClean="0"/>
+              <a:t>struct</a:t>
+            </a:r>
+            <a:r>
+              <a:rPr lang="en-US" dirty="0" smtClean="0"/>
+              <a:t> declaration</a:t>
+            </a:r>
+          </a:p>
+          <a:p>
+            <a:r>
+              <a:rPr lang="en-US" dirty="0" smtClean="0"/>
+              <a:t>Structure uses</a:t>
+            </a:r>
+          </a:p>
+          <a:p>
+            <a:r>
+              <a:rPr lang="en-US" dirty="0" smtClean="0"/>
+              <a:t>Structure pointer ? How to access </a:t>
+            </a:r>
+            <a:r>
+              <a:rPr lang="en-US" dirty="0" err="1" smtClean="0"/>
+              <a:t>struct</a:t>
+            </a:r>
+            <a:r>
+              <a:rPr lang="en-US" dirty="0" smtClean="0"/>
+              <a:t> member using </a:t>
+            </a:r>
+            <a:r>
+              <a:rPr lang="en-US" dirty="0" err="1" smtClean="0"/>
+              <a:t>ptr</a:t>
+            </a:r>
+            <a:endParaRPr lang="en-US" dirty="0" smtClean="0"/>
+          </a:p>
+          <a:p>
+            <a:r>
+              <a:rPr lang="en-US" dirty="0" err="1" smtClean="0"/>
+              <a:t>Struct</a:t>
+            </a:r>
+            <a:r>
+              <a:rPr lang="en-US" dirty="0" smtClean="0"/>
+              <a:t> </a:t>
+            </a:r>
+            <a:r>
+              <a:rPr lang="en-US" dirty="0" err="1" smtClean="0"/>
+              <a:t>vs</a:t>
+            </a:r>
+            <a:r>
+              <a:rPr lang="en-US" dirty="0" smtClean="0"/>
+              <a:t> array</a:t>
+            </a:r>
+          </a:p>
+          <a:p>
+            <a:r>
+              <a:rPr lang="en-US" dirty="0" smtClean="0"/>
+              <a:t>Structure array</a:t>
+            </a:r>
+          </a:p>
+          <a:p>
+            <a:r>
+              <a:rPr lang="en-US" dirty="0" smtClean="0"/>
+              <a:t>Structure function</a:t>
+            </a:r>
+          </a:p>
+          <a:p>
+            <a:r>
+              <a:rPr lang="en-US" dirty="0" smtClean="0"/>
+              <a:t>Structure typecast</a:t>
+            </a:r>
+          </a:p>
+          <a:p>
+            <a:r>
+              <a:rPr lang="en-US" dirty="0" smtClean="0"/>
+              <a:t>How to dereference structure pointer</a:t>
+            </a:r>
+          </a:p>
+          <a:p>
+            <a:r>
+              <a:rPr lang="en-US" dirty="0" smtClean="0"/>
+              <a:t>Bit fields</a:t>
+            </a:r>
+          </a:p>
+          <a:p>
+            <a:r>
+              <a:rPr lang="en-US" dirty="0" smtClean="0"/>
+              <a:t>Padding </a:t>
+            </a:r>
+            <a:r>
+              <a:rPr lang="en-US" dirty="0" err="1" smtClean="0"/>
+              <a:t>vs</a:t>
+            </a:r>
+            <a:r>
+              <a:rPr lang="en-US" dirty="0" smtClean="0"/>
+              <a:t> packing</a:t>
+            </a:r>
+          </a:p>
+          <a:p>
+            <a:r>
+              <a:rPr lang="en-US" dirty="0" smtClean="0"/>
+              <a:t>Pragma pack 1,2,4,16</a:t>
+            </a:r>
+          </a:p>
+          <a:p>
+            <a:r>
+              <a:rPr lang="en-US" dirty="0" smtClean="0"/>
+              <a:t>Pragma once #pragma once </a:t>
+            </a:r>
+            <a:r>
+              <a:rPr lang="en-US" dirty="0" err="1" smtClean="0"/>
+              <a:t>file_name</a:t>
+            </a:r>
+            <a:endParaRPr lang="en-US" dirty="0" smtClean="0"/>
+          </a:p>
+          <a:p>
+            <a:r>
+              <a:rPr lang="en-US" dirty="0" smtClean="0"/>
+              <a:t>Header guard-&gt;#</a:t>
+            </a:r>
+            <a:r>
+              <a:rPr lang="en-US" dirty="0" err="1" smtClean="0"/>
+              <a:t>ifndef</a:t>
+            </a:r>
+            <a:r>
+              <a:rPr lang="en-US" dirty="0" smtClean="0"/>
+              <a:t>    #define  #</a:t>
+            </a:r>
+            <a:r>
+              <a:rPr lang="en-US" dirty="0" err="1" smtClean="0"/>
+              <a:t>endif</a:t>
+            </a:r>
+            <a:r>
+              <a:rPr lang="en-US" dirty="0" smtClean="0"/>
+              <a:t>         </a:t>
+            </a:r>
+          </a:p>
+          <a:p>
+            <a:r>
+              <a:rPr lang="en-US" dirty="0" smtClean="0"/>
+              <a:t>Pragma once </a:t>
+            </a:r>
+            <a:r>
+              <a:rPr lang="en-US" dirty="0" err="1" smtClean="0"/>
+              <a:t>vs</a:t>
+            </a:r>
+            <a:r>
+              <a:rPr lang="en-US" dirty="0" smtClean="0"/>
+              <a:t> header guards</a:t>
+            </a:r>
+          </a:p>
+          <a:p>
+            <a:r>
+              <a:rPr lang="en-US" dirty="0" smtClean="0"/>
+              <a:t>How to use union to define register?</a:t>
+            </a:r>
+          </a:p>
+          <a:p>
+            <a:r>
+              <a:rPr lang="en-US" dirty="0" smtClean="0"/>
+              <a:t>Enumeration</a:t>
+            </a:r>
+          </a:p>
+          <a:p>
+            <a:r>
+              <a:rPr lang="en-US" dirty="0" smtClean="0"/>
+              <a:t>Nested </a:t>
+            </a:r>
+            <a:r>
+              <a:rPr lang="en-US" dirty="0" err="1" smtClean="0"/>
+              <a:t>struct</a:t>
+            </a:r>
+            <a:endParaRPr lang="en-US" dirty="0" smtClean="0"/>
+          </a:p>
+          <a:p>
+            <a:pPr marL="137160" indent="0">
+              <a:buNone/>
+            </a:pPr>
+            <a:endParaRPr lang="en-US" dirty="0"/>
+          </a:p>
+        </p:txBody>
+      </p:sp>
+    </p:spTree>
+    <p:extLst>
+      <p:ext uri="{BB962C8B-B14F-4D97-AF65-F5344CB8AC3E}">
+        <p14:creationId xmlns:p14="http://schemas.microsoft.com/office/powerpoint/2010/main" val="1868052528"/>
+      </p:ext>
+    </p:extLst>
+  </p:cSld>
+  <p:clrMapOvr>
+    <a:masterClrMapping/>
+  </p:clrMapOvr>
+</p:sld>
+</file>
+
+<file path=ppt/slides/slide3.xml><?xml version="1.0" encoding="utf-8"?>
+<p:sld xmlns:a="http://schemas.openxmlformats.org/drawingml/2006/main" xmlns:r="http://schemas.openxmlformats.org/officeDocument/2006/relationships" xmlns:p="http://schemas.openxmlformats.org/presentationml/2006/main">
+  <p:cSld>
+    <p:spTree>
+      <p:nvGrpSpPr>
+        <p:cNvPr id="1" name=""/>
+        <p:cNvGrpSpPr/>
+        <p:nvPr/>
+      </p:nvGrpSpPr>
+      <p:grpSpPr>
+        <a:xfrm>
+          <a:off x="0" y="0"/>
+          <a:ext cx="0" cy="0"/>
+          <a:chOff x="0" y="0"/>
+          <a:chExt cx="0" cy="0"/>
+        </a:xfrm>
+      </p:grpSpPr>
+      <p:sp>
+        <p:nvSpPr>
+          <p:cNvPr id="2" name="Title 1"/>
+          <p:cNvSpPr>
+            <a:spLocks noGrp="1"/>
+          </p:cNvSpPr>
+          <p:nvPr>
+            <p:ph type="title"/>
+          </p:nvPr>
+        </p:nvSpPr>
+        <p:spPr/>
+        <p:txBody>
+          <a:bodyPr/>
+          <a:lstStyle/>
+          <a:p>
+            <a:r>
+              <a:rPr lang="en-US" dirty="0" smtClean="0"/>
+              <a:t>syntax</a:t>
+            </a:r>
+            <a:endParaRPr lang="en-US" dirty="0"/>
+          </a:p>
+        </p:txBody>
+      </p:sp>
+      <p:sp>
+        <p:nvSpPr>
+          <p:cNvPr id="3" name="Content Placeholder 2"/>
+          <p:cNvSpPr>
+            <a:spLocks noGrp="1"/>
+          </p:cNvSpPr>
+          <p:nvPr>
+            <p:ph idx="1"/>
+          </p:nvPr>
+        </p:nvSpPr>
+        <p:spPr/>
+        <p:txBody>
+          <a:bodyPr>
+            <a:normAutofit fontScale="92500" lnSpcReduction="10000"/>
+          </a:bodyPr>
+          <a:lstStyle/>
+          <a:p>
+            <a:pPr marL="137160" indent="0">
+              <a:buNone/>
+            </a:pPr>
+            <a:r>
+              <a:rPr lang="en-US" dirty="0" err="1" smtClean="0"/>
+              <a:t>Struct</a:t>
+            </a:r>
+            <a:r>
+              <a:rPr lang="en-US" dirty="0" smtClean="0"/>
+              <a:t> </a:t>
+            </a:r>
+            <a:r>
+              <a:rPr lang="en-US" dirty="0" err="1" smtClean="0"/>
+              <a:t>tag_name</a:t>
+            </a:r>
+            <a:endParaRPr lang="en-US" dirty="0" smtClean="0"/>
+          </a:p>
+          <a:p>
+            <a:pPr marL="137160" indent="0">
+              <a:buNone/>
+            </a:pPr>
+            <a:r>
+              <a:rPr lang="en-US" dirty="0" smtClean="0"/>
+              <a:t>{</a:t>
+            </a:r>
+          </a:p>
+          <a:p>
+            <a:pPr marL="457200" lvl="1" indent="0">
+              <a:buNone/>
+            </a:pPr>
+            <a:r>
+              <a:rPr lang="en-US" dirty="0" err="1" smtClean="0"/>
+              <a:t>Int</a:t>
+            </a:r>
+            <a:r>
+              <a:rPr lang="en-US" dirty="0" smtClean="0"/>
+              <a:t> a;</a:t>
+            </a:r>
+          </a:p>
+          <a:p>
+            <a:pPr marL="457200" lvl="1" indent="0">
+              <a:buNone/>
+            </a:pPr>
+            <a:r>
+              <a:rPr lang="en-US" dirty="0" smtClean="0"/>
+              <a:t>Char b;</a:t>
+            </a:r>
+          </a:p>
+          <a:p>
+            <a:pPr marL="137160" indent="0">
+              <a:buNone/>
+            </a:pPr>
+            <a:r>
+              <a:rPr lang="en-US" dirty="0" smtClean="0"/>
+              <a:t>};</a:t>
+            </a:r>
+          </a:p>
+          <a:p>
+            <a:pPr marL="137160" indent="0">
+              <a:buNone/>
+            </a:pPr>
+            <a:endParaRPr lang="en-US" dirty="0"/>
+          </a:p>
+          <a:p>
+            <a:pPr marL="137160" indent="0">
+              <a:buNone/>
+            </a:pPr>
+            <a:r>
+              <a:rPr lang="en-US" dirty="0" smtClean="0"/>
+              <a:t>Union </a:t>
+            </a:r>
+            <a:r>
+              <a:rPr lang="en-US" dirty="0" err="1" smtClean="0"/>
+              <a:t>tag_name</a:t>
+            </a:r>
+            <a:endParaRPr lang="en-US" dirty="0" smtClean="0"/>
+          </a:p>
+          <a:p>
+            <a:pPr marL="137160" indent="0">
+              <a:buNone/>
+            </a:pPr>
+            <a:r>
+              <a:rPr lang="en-US" dirty="0" smtClean="0"/>
+              <a:t>{</a:t>
+            </a:r>
+          </a:p>
+          <a:p>
+            <a:pPr marL="457200" lvl="1" indent="0">
+              <a:buNone/>
+            </a:pPr>
+            <a:r>
+              <a:rPr lang="en-US" dirty="0" err="1"/>
+              <a:t>Int</a:t>
+            </a:r>
+            <a:r>
+              <a:rPr lang="en-US" dirty="0"/>
+              <a:t> a;</a:t>
+            </a:r>
+          </a:p>
+          <a:p>
+            <a:pPr marL="457200" lvl="1" indent="0">
+              <a:buNone/>
+            </a:pPr>
+            <a:r>
+              <a:rPr lang="en-US" dirty="0"/>
+              <a:t>Char b</a:t>
+            </a:r>
+            <a:r>
+              <a:rPr lang="en-US" dirty="0" smtClean="0"/>
+              <a:t>;</a:t>
+            </a:r>
+          </a:p>
+          <a:p>
+            <a:pPr marL="137160" indent="0">
+              <a:buNone/>
+            </a:pPr>
+            <a:r>
+              <a:rPr lang="en-US" dirty="0" smtClean="0"/>
+              <a:t>};</a:t>
+            </a:r>
+            <a:endParaRPr lang="en-US" dirty="0"/>
+          </a:p>
+        </p:txBody>
+      </p:sp>
+    </p:spTree>
+    <p:extLst>
+      <p:ext uri="{BB962C8B-B14F-4D97-AF65-F5344CB8AC3E}">
+        <p14:creationId xmlns:p14="http://schemas.microsoft.com/office/powerpoint/2010/main" val="466428855"/>
+      </p:ext>
+    </p:extLst>
+  </p:cSld>
+  <p:clrMapOvr>
+    <a:masterClrMapping/>
+  </p:clrMapOvr>
+</p:sld>
+</file>
+
+<file path=ppt/slides/slide4.xml><?xml version="1.0" encoding="utf-8"?>
+<p:sld xmlns:a="http://schemas.openxmlformats.org/drawingml/2006/main" xmlns:r="http://schemas.openxmlformats.org/officeDocument/2006/relationships" xmlns:p="http://schemas.openxmlformats.org/presentationml/2006/main">
+  <p:cSld>
+    <p:spTree>
+      <p:nvGrpSpPr>
+        <p:cNvPr id="1" name=""/>
+        <p:cNvGrpSpPr/>
+        <p:nvPr/>
+      </p:nvGrpSpPr>
+      <p:grpSpPr>
+        <a:xfrm>
+          <a:off x="0" y="0"/>
+          <a:ext cx="0" cy="0"/>
+          <a:chOff x="0" y="0"/>
+          <a:chExt cx="0" cy="0"/>
+        </a:xfrm>
+      </p:grpSpPr>
+      <p:sp>
+        <p:nvSpPr>
+          <p:cNvPr id="2" name="Title 1"/>
+          <p:cNvSpPr>
+            <a:spLocks noGrp="1"/>
+          </p:cNvSpPr>
+          <p:nvPr>
+            <p:ph type="title"/>
+          </p:nvPr>
+        </p:nvSpPr>
+        <p:spPr/>
+        <p:txBody>
+          <a:bodyPr/>
+          <a:lstStyle/>
+          <a:p>
+            <a:r>
+              <a:rPr lang="en-US" dirty="0" smtClean="0"/>
+              <a:t>Access </a:t>
+            </a:r>
+            <a:r>
+              <a:rPr lang="en-US" dirty="0" err="1" smtClean="0"/>
+              <a:t>struct</a:t>
+            </a:r>
+            <a:r>
+              <a:rPr lang="en-US" dirty="0" smtClean="0"/>
+              <a:t> using local </a:t>
+            </a:r>
+            <a:r>
+              <a:rPr lang="en-US" dirty="0" err="1" smtClean="0"/>
+              <a:t>obj</a:t>
+            </a:r>
+            <a:endParaRPr lang="en-US" dirty="0"/>
+          </a:p>
+        </p:txBody>
+      </p:sp>
+      <p:sp>
+        <p:nvSpPr>
+          <p:cNvPr id="3" name="Content Placeholder 2"/>
+          <p:cNvSpPr>
+            <a:spLocks noGrp="1"/>
+          </p:cNvSpPr>
+          <p:nvPr>
+            <p:ph idx="1"/>
+          </p:nvPr>
+        </p:nvSpPr>
+        <p:spPr/>
+        <p:txBody>
+          <a:bodyPr>
+            <a:normAutofit fontScale="92500" lnSpcReduction="10000"/>
+          </a:bodyPr>
+          <a:lstStyle/>
+          <a:p>
+            <a:pPr marL="137160" indent="0">
+              <a:buNone/>
+            </a:pPr>
+            <a:r>
+              <a:rPr lang="en-US" dirty="0" err="1"/>
+              <a:t>Struct</a:t>
+            </a:r>
+            <a:r>
+              <a:rPr lang="en-US" dirty="0"/>
+              <a:t> </a:t>
+            </a:r>
+            <a:r>
+              <a:rPr lang="en-US" dirty="0" smtClean="0"/>
+              <a:t>test</a:t>
+            </a:r>
+            <a:endParaRPr lang="en-US" dirty="0"/>
+          </a:p>
+          <a:p>
+            <a:pPr marL="137160" indent="0">
+              <a:buNone/>
+            </a:pPr>
+            <a:r>
+              <a:rPr lang="en-US" dirty="0"/>
+              <a:t>{</a:t>
+            </a:r>
+          </a:p>
+          <a:p>
+            <a:pPr marL="457200" lvl="1" indent="0">
+              <a:buNone/>
+            </a:pPr>
+            <a:r>
+              <a:rPr lang="en-US" dirty="0" err="1"/>
+              <a:t>Int</a:t>
+            </a:r>
+            <a:r>
+              <a:rPr lang="en-US" dirty="0"/>
+              <a:t> a;</a:t>
+            </a:r>
+          </a:p>
+          <a:p>
+            <a:pPr marL="457200" lvl="1" indent="0">
+              <a:buNone/>
+            </a:pPr>
+            <a:r>
+              <a:rPr lang="en-US" dirty="0"/>
+              <a:t>Char b;</a:t>
+            </a:r>
+          </a:p>
+          <a:p>
+            <a:pPr marL="137160" indent="0">
+              <a:buNone/>
+            </a:pPr>
+            <a:r>
+              <a:rPr lang="en-US" dirty="0"/>
+              <a:t>};</a:t>
+            </a:r>
+          </a:p>
+          <a:p>
+            <a:pPr marL="137160" indent="0">
+              <a:buNone/>
+            </a:pPr>
+            <a:r>
+              <a:rPr lang="en-US" dirty="0" smtClean="0"/>
+              <a:t>Void main()</a:t>
+            </a:r>
+          </a:p>
+          <a:p>
+            <a:pPr marL="137160" indent="0">
+              <a:buNone/>
+            </a:pPr>
+            <a:r>
+              <a:rPr lang="en-US" dirty="0" smtClean="0"/>
+              <a:t>{</a:t>
+            </a:r>
+          </a:p>
+          <a:p>
+            <a:pPr marL="137160" indent="0">
+              <a:buNone/>
+            </a:pPr>
+            <a:r>
+              <a:rPr lang="en-US" dirty="0" err="1"/>
+              <a:t>Struct</a:t>
+            </a:r>
+            <a:r>
+              <a:rPr lang="en-US" dirty="0"/>
+              <a:t> </a:t>
+            </a:r>
+            <a:r>
+              <a:rPr lang="en-US" dirty="0" smtClean="0"/>
+              <a:t>test </a:t>
+            </a:r>
+            <a:r>
+              <a:rPr lang="en-US" dirty="0" err="1" smtClean="0"/>
+              <a:t>obj</a:t>
+            </a:r>
+            <a:r>
+              <a:rPr lang="en-US" dirty="0" smtClean="0"/>
+              <a:t>;</a:t>
+            </a:r>
+          </a:p>
+          <a:p>
+            <a:pPr marL="137160" indent="0">
+              <a:buNone/>
+            </a:pPr>
+            <a:r>
+              <a:rPr lang="en-US" dirty="0" err="1" smtClean="0"/>
+              <a:t>Obj.a</a:t>
+            </a:r>
+            <a:r>
+              <a:rPr lang="en-US" dirty="0" smtClean="0"/>
+              <a:t>=10;</a:t>
+            </a:r>
+          </a:p>
+          <a:p>
+            <a:pPr marL="137160" indent="0">
+              <a:buNone/>
+            </a:pPr>
+            <a:r>
+              <a:rPr lang="en-US" dirty="0" err="1" smtClean="0"/>
+              <a:t>Printf</a:t>
+            </a:r>
+            <a:r>
+              <a:rPr lang="en-US" dirty="0" smtClean="0"/>
+              <a:t>(“%d”,</a:t>
+            </a:r>
+            <a:r>
+              <a:rPr lang="en-US" dirty="0" err="1" smtClean="0"/>
+              <a:t>obj.a</a:t>
+            </a:r>
+            <a:r>
+              <a:rPr lang="en-US" dirty="0" smtClean="0"/>
+              <a:t>);</a:t>
+            </a:r>
+          </a:p>
+          <a:p>
+            <a:pPr marL="137160" indent="0">
+              <a:buNone/>
+            </a:pPr>
+            <a:r>
+              <a:rPr lang="en-US" dirty="0"/>
+              <a:t>}</a:t>
+            </a:r>
+          </a:p>
+        </p:txBody>
+      </p:sp>
+    </p:spTree>
+    <p:extLst>
+      <p:ext uri="{BB962C8B-B14F-4D97-AF65-F5344CB8AC3E}">
+        <p14:creationId xmlns:p14="http://schemas.microsoft.com/office/powerpoint/2010/main" val="1634430082"/>
+      </p:ext>
+    </p:extLst>
+  </p:cSld>
+  <p:clrMapOvr>
+    <a:masterClrMapping/>
+  </p:clrMapOvr>
+</p:sld>
+</file>
+
+<file path=ppt/slides/slide5.xml><?xml version="1.0" encoding="utf-8"?>
+<p:sld xmlns:a="http://schemas.openxmlformats.org/drawingml/2006/main" xmlns:r="http://schemas.openxmlformats.org/officeDocument/2006/relationships" xmlns:p="http://schemas.openxmlformats.org/presentationml/2006/main">
+  <p:cSld>
+    <p:spTree>
+      <p:nvGrpSpPr>
+        <p:cNvPr id="1" name=""/>
+        <p:cNvGrpSpPr/>
+        <p:nvPr/>
+      </p:nvGrpSpPr>
+      <p:grpSpPr>
+        <a:xfrm>
+          <a:off x="0" y="0"/>
+          <a:ext cx="0" cy="0"/>
+          <a:chOff x="0" y="0"/>
+          <a:chExt cx="0" cy="0"/>
+        </a:xfrm>
+      </p:grpSpPr>
+      <p:sp>
+        <p:nvSpPr>
+          <p:cNvPr id="2" name="Title 1"/>
+          <p:cNvSpPr>
+            <a:spLocks noGrp="1"/>
+          </p:cNvSpPr>
+          <p:nvPr>
+            <p:ph type="title"/>
+          </p:nvPr>
+        </p:nvSpPr>
+        <p:spPr/>
+        <p:txBody>
+          <a:bodyPr>
+            <a:normAutofit fontScale="90000"/>
+          </a:bodyPr>
+          <a:lstStyle/>
+          <a:p>
+            <a:r>
+              <a:rPr lang="en-US" dirty="0" smtClean="0"/>
+              <a:t>Access </a:t>
+            </a:r>
+            <a:r>
+              <a:rPr lang="en-US" dirty="0" err="1" smtClean="0"/>
+              <a:t>struct</a:t>
+            </a:r>
+            <a:r>
+              <a:rPr lang="en-US" dirty="0" smtClean="0"/>
+              <a:t> using global </a:t>
+            </a:r>
+            <a:r>
+              <a:rPr lang="en-US" dirty="0" err="1" smtClean="0"/>
+              <a:t>obj</a:t>
+            </a:r>
+            <a:endParaRPr lang="en-US" dirty="0"/>
+          </a:p>
+        </p:txBody>
+      </p:sp>
+      <p:sp>
+        <p:nvSpPr>
+          <p:cNvPr id="3" name="Content Placeholder 2"/>
+          <p:cNvSpPr>
+            <a:spLocks noGrp="1"/>
+          </p:cNvSpPr>
+          <p:nvPr>
+            <p:ph idx="1"/>
+          </p:nvPr>
+        </p:nvSpPr>
+        <p:spPr/>
+        <p:txBody>
+          <a:bodyPr>
+            <a:normAutofit lnSpcReduction="10000"/>
+          </a:bodyPr>
+          <a:lstStyle/>
+          <a:p>
+            <a:pPr marL="137160" indent="0">
+              <a:buNone/>
+            </a:pPr>
+            <a:r>
+              <a:rPr lang="en-US" dirty="0" err="1"/>
+              <a:t>Struct</a:t>
+            </a:r>
+            <a:r>
+              <a:rPr lang="en-US" dirty="0"/>
+              <a:t> </a:t>
+            </a:r>
+            <a:r>
+              <a:rPr lang="en-US" dirty="0" smtClean="0"/>
+              <a:t>test</a:t>
+            </a:r>
+            <a:endParaRPr lang="en-US" dirty="0"/>
+          </a:p>
+          <a:p>
+            <a:pPr marL="137160" indent="0">
+              <a:buNone/>
+            </a:pPr>
+            <a:r>
+              <a:rPr lang="en-US" dirty="0"/>
+              <a:t>{</a:t>
+            </a:r>
+          </a:p>
+          <a:p>
+            <a:pPr marL="457200" lvl="1" indent="0">
+              <a:buNone/>
+            </a:pPr>
+            <a:r>
+              <a:rPr lang="en-US" dirty="0" err="1"/>
+              <a:t>Int</a:t>
+            </a:r>
+            <a:r>
+              <a:rPr lang="en-US" dirty="0"/>
+              <a:t> a;</a:t>
+            </a:r>
+          </a:p>
+          <a:p>
+            <a:pPr marL="457200" lvl="1" indent="0">
+              <a:buNone/>
+            </a:pPr>
+            <a:r>
+              <a:rPr lang="en-US" dirty="0"/>
+              <a:t>Char b;</a:t>
+            </a:r>
+          </a:p>
+          <a:p>
+            <a:pPr marL="137160" indent="0">
+              <a:buNone/>
+            </a:pPr>
+            <a:r>
+              <a:rPr lang="en-US" dirty="0" smtClean="0"/>
+              <a:t>}</a:t>
+            </a:r>
+            <a:r>
+              <a:rPr lang="en-US" dirty="0" err="1" smtClean="0"/>
+              <a:t>obj</a:t>
+            </a:r>
+            <a:r>
+              <a:rPr lang="en-US" dirty="0" smtClean="0"/>
+              <a:t>;</a:t>
+            </a:r>
+            <a:endParaRPr lang="en-US" dirty="0"/>
+          </a:p>
+          <a:p>
+            <a:pPr marL="137160" indent="0">
+              <a:buNone/>
+            </a:pPr>
+            <a:r>
+              <a:rPr lang="en-US" dirty="0" smtClean="0"/>
+              <a:t>Void main()</a:t>
+            </a:r>
+          </a:p>
+          <a:p>
+            <a:pPr marL="137160" indent="0">
+              <a:buNone/>
+            </a:pPr>
+            <a:r>
+              <a:rPr lang="en-US" dirty="0" smtClean="0"/>
+              <a:t>{</a:t>
+            </a:r>
+          </a:p>
+          <a:p>
+            <a:pPr marL="137160" indent="0">
+              <a:buNone/>
+            </a:pPr>
+            <a:r>
+              <a:rPr lang="en-US" dirty="0" err="1" smtClean="0"/>
+              <a:t>Obj.a</a:t>
+            </a:r>
+            <a:r>
+              <a:rPr lang="en-US" dirty="0" smtClean="0"/>
+              <a:t>=10;</a:t>
+            </a:r>
+          </a:p>
+          <a:p>
+            <a:pPr marL="137160" indent="0">
+              <a:buNone/>
+            </a:pPr>
+            <a:r>
+              <a:rPr lang="en-US" dirty="0" err="1" smtClean="0"/>
+              <a:t>Printf</a:t>
+            </a:r>
+            <a:r>
+              <a:rPr lang="en-US" dirty="0" smtClean="0"/>
+              <a:t>(“%d”,</a:t>
+            </a:r>
+            <a:r>
+              <a:rPr lang="en-US" dirty="0" err="1" smtClean="0"/>
+              <a:t>obj.a</a:t>
+            </a:r>
+            <a:r>
+              <a:rPr lang="en-US" dirty="0" smtClean="0"/>
+              <a:t>);</a:t>
+            </a:r>
+          </a:p>
+          <a:p>
+            <a:pPr marL="137160" indent="0">
+              <a:buNone/>
+            </a:pPr>
+            <a:r>
+              <a:rPr lang="en-US" dirty="0"/>
+              <a:t>}</a:t>
+            </a:r>
+          </a:p>
+        </p:txBody>
+      </p:sp>
+    </p:spTree>
+    <p:extLst>
+      <p:ext uri="{BB962C8B-B14F-4D97-AF65-F5344CB8AC3E}">
+        <p14:creationId xmlns:p14="http://schemas.microsoft.com/office/powerpoint/2010/main" val="1441405618"/>
+      </p:ext>
+    </p:extLst>
+  </p:cSld>
+  <p:clrMapOvr>
+    <a:masterClrMapping/>
+  </p:clrMapOvr>
+</p:sld>
+</file>
+
+<file path=ppt/slides/slide6.xml><?xml version="1.0" encoding="utf-8"?>
+<p:sld xmlns:a="http://schemas.openxmlformats.org/drawingml/2006/main" xmlns:r="http://schemas.openxmlformats.org/officeDocument/2006/relationships" xmlns:p="http://schemas.openxmlformats.org/presentationml/2006/main">
+  <p:cSld>
+    <p:spTree>
+      <p:nvGrpSpPr>
+        <p:cNvPr id="1" name=""/>
+        <p:cNvGrpSpPr/>
+        <p:nvPr/>
+      </p:nvGrpSpPr>
+      <p:grpSpPr>
+        <a:xfrm>
+          <a:off x="0" y="0"/>
+          <a:ext cx="0" cy="0"/>
+          <a:chOff x="0" y="0"/>
+          <a:chExt cx="0" cy="0"/>
+        </a:xfrm>
+      </p:grpSpPr>
+      <p:sp>
+        <p:nvSpPr>
+          <p:cNvPr id="2" name="Title 1"/>
+          <p:cNvSpPr>
+            <a:spLocks noGrp="1"/>
+          </p:cNvSpPr>
+          <p:nvPr>
+            <p:ph type="title"/>
+          </p:nvPr>
+        </p:nvSpPr>
+        <p:spPr/>
+        <p:txBody>
+          <a:bodyPr>
+            <a:normAutofit fontScale="90000"/>
+          </a:bodyPr>
+          <a:lstStyle/>
+          <a:p>
+            <a:r>
+              <a:rPr lang="en-US" dirty="0" smtClean="0"/>
+              <a:t>Access </a:t>
+            </a:r>
+            <a:r>
+              <a:rPr lang="en-US" dirty="0" err="1" smtClean="0"/>
+              <a:t>struct</a:t>
+            </a:r>
+            <a:r>
+              <a:rPr lang="en-US" dirty="0" smtClean="0"/>
+              <a:t> using </a:t>
+            </a:r>
+            <a:r>
+              <a:rPr lang="en-US" dirty="0" err="1" smtClean="0"/>
+              <a:t>obj</a:t>
+            </a:r>
+            <a:r>
+              <a:rPr lang="en-US" dirty="0" smtClean="0"/>
+              <a:t> initialize</a:t>
+            </a:r>
+            <a:endParaRPr lang="en-US" dirty="0"/>
+          </a:p>
+        </p:txBody>
+      </p:sp>
+      <p:sp>
+        <p:nvSpPr>
+          <p:cNvPr id="3" name="Content Placeholder 2"/>
+          <p:cNvSpPr>
+            <a:spLocks noGrp="1"/>
+          </p:cNvSpPr>
+          <p:nvPr>
+            <p:ph idx="1"/>
+          </p:nvPr>
+        </p:nvSpPr>
+        <p:spPr/>
+        <p:txBody>
+          <a:bodyPr>
+            <a:normAutofit lnSpcReduction="10000"/>
+          </a:bodyPr>
+          <a:lstStyle/>
+          <a:p>
+            <a:pPr marL="137160" indent="0">
+              <a:buNone/>
+            </a:pPr>
+            <a:r>
+              <a:rPr lang="en-US" dirty="0" err="1"/>
+              <a:t>Struct</a:t>
+            </a:r>
+            <a:r>
+              <a:rPr lang="en-US" dirty="0"/>
+              <a:t> </a:t>
+            </a:r>
+            <a:r>
+              <a:rPr lang="en-US" dirty="0" smtClean="0"/>
+              <a:t>test</a:t>
+            </a:r>
+            <a:endParaRPr lang="en-US" dirty="0"/>
+          </a:p>
+          <a:p>
+            <a:pPr marL="137160" indent="0">
+              <a:buNone/>
+            </a:pPr>
+            <a:r>
+              <a:rPr lang="en-US" dirty="0"/>
+              <a:t>{</a:t>
+            </a:r>
+          </a:p>
+          <a:p>
+            <a:pPr marL="457200" lvl="1" indent="0">
+              <a:buNone/>
+            </a:pPr>
+            <a:r>
+              <a:rPr lang="en-US" dirty="0" err="1"/>
+              <a:t>Int</a:t>
+            </a:r>
+            <a:r>
+              <a:rPr lang="en-US" dirty="0"/>
+              <a:t> a;</a:t>
+            </a:r>
+          </a:p>
+          <a:p>
+            <a:pPr marL="457200" lvl="1" indent="0">
+              <a:buNone/>
+            </a:pPr>
+            <a:r>
+              <a:rPr lang="en-US" dirty="0"/>
+              <a:t>Char b;</a:t>
+            </a:r>
+          </a:p>
+          <a:p>
+            <a:pPr marL="137160" indent="0">
+              <a:buNone/>
+            </a:pPr>
+            <a:r>
+              <a:rPr lang="en-US" dirty="0"/>
+              <a:t>};</a:t>
+            </a:r>
+          </a:p>
+          <a:p>
+            <a:pPr marL="137160" indent="0">
+              <a:buNone/>
+            </a:pPr>
+            <a:r>
+              <a:rPr lang="en-US" dirty="0" smtClean="0"/>
+              <a:t>Void main()</a:t>
+            </a:r>
+          </a:p>
+          <a:p>
+            <a:pPr marL="137160" indent="0">
+              <a:buNone/>
+            </a:pPr>
+            <a:r>
+              <a:rPr lang="en-US" dirty="0" smtClean="0"/>
+              <a:t>{</a:t>
+            </a:r>
+          </a:p>
+          <a:p>
+            <a:pPr marL="137160" indent="0">
+              <a:buNone/>
+            </a:pPr>
+            <a:r>
+              <a:rPr lang="en-US" dirty="0" err="1"/>
+              <a:t>Struct</a:t>
+            </a:r>
+            <a:r>
+              <a:rPr lang="en-US" dirty="0"/>
+              <a:t> </a:t>
+            </a:r>
+            <a:r>
+              <a:rPr lang="en-US" dirty="0" smtClean="0"/>
+              <a:t>test </a:t>
+            </a:r>
+            <a:r>
+              <a:rPr lang="en-US" dirty="0" err="1" smtClean="0"/>
+              <a:t>obj</a:t>
+            </a:r>
+            <a:r>
+              <a:rPr lang="en-US" dirty="0" smtClean="0"/>
+              <a:t>={10,’d’};</a:t>
+            </a:r>
+          </a:p>
+          <a:p>
+            <a:pPr marL="137160" indent="0">
+              <a:buNone/>
+            </a:pPr>
+            <a:r>
+              <a:rPr lang="en-US" dirty="0" err="1" smtClean="0"/>
+              <a:t>Printf</a:t>
+            </a:r>
+            <a:r>
+              <a:rPr lang="en-US" dirty="0" smtClean="0"/>
+              <a:t>(“%d”,</a:t>
+            </a:r>
+            <a:r>
+              <a:rPr lang="en-US" dirty="0" err="1" smtClean="0"/>
+              <a:t>obj.a</a:t>
+            </a:r>
+            <a:r>
+              <a:rPr lang="en-US" dirty="0" smtClean="0"/>
+              <a:t>);</a:t>
+            </a:r>
+          </a:p>
+          <a:p>
+            <a:pPr marL="137160" indent="0">
+              <a:buNone/>
+            </a:pPr>
+            <a:r>
+              <a:rPr lang="en-US" dirty="0"/>
+              <a:t>}</a:t>
+            </a:r>
+          </a:p>
+        </p:txBody>
+      </p:sp>
+    </p:spTree>
+    <p:extLst>
+      <p:ext uri="{BB962C8B-B14F-4D97-AF65-F5344CB8AC3E}">
+        <p14:creationId xmlns:p14="http://schemas.microsoft.com/office/powerpoint/2010/main" val="1435768156"/>
+      </p:ext>
+    </p:extLst>
+  </p:cSld>
+  <p:clrMapOvr>
+    <a:masterClrMapping/>
+  </p:clrMapOvr>
+</p:sld>
+</file>
+
+<file path=ppt/slides/slide7.xml><?xml version="1.0" encoding="utf-8"?>
+<p:sld xmlns:a="http://schemas.openxmlformats.org/drawingml/2006/main" xmlns:r="http://schemas.openxmlformats.org/officeDocument/2006/relationships" xmlns:p="http://schemas.openxmlformats.org/presentationml/2006/main">
+  <p:cSld>
+    <p:spTree>
+      <p:nvGrpSpPr>
+        <p:cNvPr id="1" name=""/>
+        <p:cNvGrpSpPr/>
+        <p:nvPr/>
+      </p:nvGrpSpPr>
+      <p:grpSpPr>
+        <a:xfrm>
+          <a:off x="0" y="0"/>
+          <a:ext cx="0" cy="0"/>
+          <a:chOff x="0" y="0"/>
+          <a:chExt cx="0" cy="0"/>
+        </a:xfrm>
+      </p:grpSpPr>
+      <p:sp>
+        <p:nvSpPr>
+          <p:cNvPr id="2" name="Title 1"/>
+          <p:cNvSpPr>
+            <a:spLocks noGrp="1"/>
+          </p:cNvSpPr>
+          <p:nvPr>
+            <p:ph type="title"/>
+          </p:nvPr>
+        </p:nvSpPr>
+        <p:spPr/>
+        <p:txBody>
+          <a:bodyPr>
+            <a:normAutofit fontScale="90000"/>
+          </a:bodyPr>
+          <a:lstStyle/>
+          <a:p>
+            <a:r>
+              <a:rPr lang="en-US" dirty="0" smtClean="0"/>
+              <a:t>Access </a:t>
+            </a:r>
+            <a:r>
+              <a:rPr lang="en-US" dirty="0" err="1" smtClean="0"/>
+              <a:t>struct</a:t>
+            </a:r>
+            <a:r>
+              <a:rPr lang="en-US" dirty="0" smtClean="0"/>
+              <a:t> using </a:t>
+            </a:r>
+            <a:r>
+              <a:rPr lang="en-US" dirty="0" err="1" smtClean="0"/>
+              <a:t>obj</a:t>
+            </a:r>
+            <a:r>
+              <a:rPr lang="en-US" dirty="0" smtClean="0"/>
+              <a:t> initialize</a:t>
+            </a:r>
+            <a:endParaRPr lang="en-US" dirty="0"/>
+          </a:p>
+        </p:txBody>
+      </p:sp>
+      <p:sp>
+        <p:nvSpPr>
+          <p:cNvPr id="3" name="Content Placeholder 2"/>
+          <p:cNvSpPr>
+            <a:spLocks noGrp="1"/>
+          </p:cNvSpPr>
+          <p:nvPr>
+            <p:ph idx="1"/>
+          </p:nvPr>
+        </p:nvSpPr>
+        <p:spPr/>
+        <p:txBody>
+          <a:bodyPr>
+            <a:normAutofit lnSpcReduction="10000"/>
+          </a:bodyPr>
+          <a:lstStyle/>
+          <a:p>
+            <a:pPr marL="137160" indent="0">
+              <a:buNone/>
+            </a:pPr>
+            <a:r>
+              <a:rPr lang="en-US" dirty="0" err="1"/>
+              <a:t>Struct</a:t>
+            </a:r>
+            <a:r>
+              <a:rPr lang="en-US" dirty="0"/>
+              <a:t> </a:t>
+            </a:r>
+            <a:r>
+              <a:rPr lang="en-US" dirty="0" smtClean="0"/>
+              <a:t>test</a:t>
+            </a:r>
+            <a:endParaRPr lang="en-US" dirty="0"/>
+          </a:p>
+          <a:p>
+            <a:pPr marL="137160" indent="0">
+              <a:buNone/>
+            </a:pPr>
+            <a:r>
+              <a:rPr lang="en-US" dirty="0"/>
+              <a:t>{</a:t>
+            </a:r>
+          </a:p>
+          <a:p>
+            <a:pPr marL="457200" lvl="1" indent="0">
+              <a:buNone/>
+            </a:pPr>
+            <a:r>
+              <a:rPr lang="en-US" dirty="0" err="1"/>
+              <a:t>Int</a:t>
+            </a:r>
+            <a:r>
+              <a:rPr lang="en-US" dirty="0"/>
+              <a:t> a;</a:t>
+            </a:r>
+          </a:p>
+          <a:p>
+            <a:pPr marL="457200" lvl="1" indent="0">
+              <a:buNone/>
+            </a:pPr>
+            <a:r>
+              <a:rPr lang="en-US" dirty="0"/>
+              <a:t>Char b;</a:t>
+            </a:r>
+          </a:p>
+          <a:p>
+            <a:pPr marL="137160" indent="0">
+              <a:buNone/>
+            </a:pPr>
+            <a:r>
+              <a:rPr lang="en-US" dirty="0"/>
+              <a:t>};</a:t>
+            </a:r>
+          </a:p>
+          <a:p>
+            <a:pPr marL="137160" indent="0">
+              <a:buNone/>
+            </a:pPr>
+            <a:r>
+              <a:rPr lang="en-US" dirty="0" smtClean="0"/>
+              <a:t>Void main()</a:t>
+            </a:r>
+          </a:p>
+          <a:p>
+            <a:pPr marL="137160" indent="0">
+              <a:buNone/>
+            </a:pPr>
+            <a:r>
+              <a:rPr lang="en-US" dirty="0" smtClean="0"/>
+              <a:t>{</a:t>
+            </a:r>
+          </a:p>
+          <a:p>
+            <a:pPr marL="137160" indent="0">
+              <a:buNone/>
+            </a:pPr>
+            <a:r>
+              <a:rPr lang="en-US" dirty="0" err="1"/>
+              <a:t>Struct</a:t>
+            </a:r>
+            <a:r>
+              <a:rPr lang="en-US" dirty="0"/>
+              <a:t> </a:t>
+            </a:r>
+            <a:r>
+              <a:rPr lang="en-US" dirty="0" smtClean="0"/>
+              <a:t>test </a:t>
+            </a:r>
+            <a:r>
+              <a:rPr lang="en-US" dirty="0" err="1" smtClean="0"/>
+              <a:t>obj</a:t>
+            </a:r>
+            <a:r>
+              <a:rPr lang="en-US" dirty="0" smtClean="0"/>
+              <a:t>={10,’d’};</a:t>
+            </a:r>
+          </a:p>
+          <a:p>
+            <a:pPr marL="137160" indent="0">
+              <a:buNone/>
+            </a:pPr>
+            <a:r>
+              <a:rPr lang="en-US" dirty="0" err="1" smtClean="0"/>
+              <a:t>Printf</a:t>
+            </a:r>
+            <a:r>
+              <a:rPr lang="en-US" dirty="0" smtClean="0"/>
+              <a:t>(“%d”,</a:t>
+            </a:r>
+            <a:r>
+              <a:rPr lang="en-US" dirty="0" err="1" smtClean="0"/>
+              <a:t>obj.a</a:t>
+            </a:r>
+            <a:r>
+              <a:rPr lang="en-US" dirty="0" smtClean="0"/>
+              <a:t>);</a:t>
+            </a:r>
+          </a:p>
+          <a:p>
+            <a:pPr marL="137160" indent="0">
+              <a:buNone/>
+            </a:pPr>
+            <a:r>
+              <a:rPr lang="en-US" dirty="0"/>
+              <a:t>}</a:t>
+            </a:r>
+          </a:p>
+        </p:txBody>
+      </p:sp>
+    </p:spTree>
+    <p:extLst>
+      <p:ext uri="{BB962C8B-B14F-4D97-AF65-F5344CB8AC3E}">
+        <p14:creationId xmlns:p14="http://schemas.microsoft.com/office/powerpoint/2010/main" val="300904934"/>
+      </p:ext>
+    </p:extLst>
+  </p:cSld>
+  <p:clrMapOvr>
+    <a:masterClrMapping/>
+  </p:clrMapOvr>
+</p:sld>
+</file>
+
+<file path=ppt/slides/slide8.xml><?xml version="1.0" encoding="utf-8"?>
+<p:sld xmlns:a="http://schemas.openxmlformats.org/drawingml/2006/main" xmlns:r="http://schemas.openxmlformats.org/officeDocument/2006/relationships" xmlns:p="http://schemas.openxmlformats.org/presentationml/2006/main">
+  <p:cSld>
+    <p:spTree>
+      <p:nvGrpSpPr>
+        <p:cNvPr id="1" name=""/>
+        <p:cNvGrpSpPr/>
+        <p:nvPr/>
+      </p:nvGrpSpPr>
+      <p:grpSpPr>
+        <a:xfrm>
+          <a:off x="0" y="0"/>
+          <a:ext cx="0" cy="0"/>
+          <a:chOff x="0" y="0"/>
+          <a:chExt cx="0" cy="0"/>
+        </a:xfrm>
+      </p:grpSpPr>
+      <p:sp>
+        <p:nvSpPr>
+          <p:cNvPr id="2" name="Title 1"/>
+          <p:cNvSpPr>
+            <a:spLocks noGrp="1"/>
+          </p:cNvSpPr>
+          <p:nvPr>
+            <p:ph type="title"/>
+          </p:nvPr>
+        </p:nvSpPr>
+        <p:spPr/>
+        <p:txBody>
+          <a:bodyPr>
+            <a:normAutofit/>
+          </a:bodyPr>
+          <a:lstStyle/>
+          <a:p>
+            <a:r>
+              <a:rPr lang="en-US" dirty="0" smtClean="0"/>
+              <a:t>Access </a:t>
+            </a:r>
+            <a:r>
+              <a:rPr lang="en-US" dirty="0" err="1" smtClean="0"/>
+              <a:t>struct</a:t>
+            </a:r>
+            <a:r>
+              <a:rPr lang="en-US" dirty="0" smtClean="0"/>
+              <a:t> using </a:t>
+            </a:r>
+            <a:r>
+              <a:rPr lang="en-US" dirty="0" err="1" smtClean="0"/>
+              <a:t>obj</a:t>
+            </a:r>
+            <a:r>
+              <a:rPr lang="en-US" dirty="0" smtClean="0"/>
+              <a:t> &amp;</a:t>
+            </a:r>
+            <a:r>
+              <a:rPr lang="en-US" dirty="0" err="1" smtClean="0"/>
+              <a:t>ptr</a:t>
+            </a:r>
+            <a:endParaRPr lang="en-US" dirty="0"/>
+          </a:p>
+        </p:txBody>
+      </p:sp>
+      <p:sp>
+        <p:nvSpPr>
+          <p:cNvPr id="3" name="Content Placeholder 2"/>
+          <p:cNvSpPr>
+            <a:spLocks noGrp="1"/>
+          </p:cNvSpPr>
+          <p:nvPr>
+            <p:ph idx="1"/>
+          </p:nvPr>
+        </p:nvSpPr>
+        <p:spPr/>
+        <p:txBody>
+          <a:bodyPr>
+            <a:normAutofit fontScale="70000" lnSpcReduction="20000"/>
+          </a:bodyPr>
+          <a:lstStyle/>
+          <a:p>
+            <a:pPr marL="137160" indent="0">
+              <a:buNone/>
+            </a:pPr>
+            <a:r>
+              <a:rPr lang="en-US" dirty="0" err="1"/>
+              <a:t>struct</a:t>
+            </a:r>
+            <a:r>
+              <a:rPr lang="en-US" dirty="0"/>
+              <a:t> test</a:t>
+            </a:r>
+          </a:p>
+          <a:p>
+            <a:pPr marL="137160" indent="0">
+              <a:buNone/>
+            </a:pPr>
+            <a:r>
+              <a:rPr lang="en-US" dirty="0"/>
+              <a:t>{</a:t>
+            </a:r>
+          </a:p>
+          <a:p>
+            <a:pPr marL="137160" indent="0">
+              <a:buNone/>
+            </a:pPr>
+            <a:r>
+              <a:rPr lang="en-US" dirty="0"/>
+              <a:t>    </a:t>
+            </a:r>
+            <a:r>
+              <a:rPr lang="en-US" dirty="0" err="1"/>
+              <a:t>int</a:t>
+            </a:r>
+            <a:r>
+              <a:rPr lang="en-US" dirty="0"/>
+              <a:t> a;</a:t>
+            </a:r>
+          </a:p>
+          <a:p>
+            <a:pPr marL="137160" indent="0">
+              <a:buNone/>
+            </a:pPr>
+            <a:r>
+              <a:rPr lang="en-US" dirty="0"/>
+              <a:t>    char b;</a:t>
+            </a:r>
+          </a:p>
+          <a:p>
+            <a:pPr marL="137160" indent="0">
+              <a:buNone/>
+            </a:pPr>
+            <a:r>
+              <a:rPr lang="en-US" dirty="0"/>
+              <a:t>};</a:t>
+            </a:r>
+          </a:p>
+          <a:p>
+            <a:pPr marL="137160" indent="0">
+              <a:buNone/>
+            </a:pPr>
+            <a:endParaRPr lang="en-US" dirty="0"/>
+          </a:p>
+          <a:p>
+            <a:pPr marL="137160" indent="0">
+              <a:buNone/>
+            </a:pPr>
+            <a:r>
+              <a:rPr lang="en-US" dirty="0"/>
+              <a:t>void main()</a:t>
+            </a:r>
+          </a:p>
+          <a:p>
+            <a:pPr marL="137160" indent="0">
+              <a:buNone/>
+            </a:pPr>
+            <a:r>
+              <a:rPr lang="en-US" dirty="0"/>
+              <a:t>{</a:t>
+            </a:r>
+          </a:p>
+          <a:p>
+            <a:pPr marL="137160" indent="0">
+              <a:buNone/>
+            </a:pPr>
+            <a:r>
+              <a:rPr lang="en-US" dirty="0"/>
+              <a:t>    </a:t>
+            </a:r>
+            <a:r>
+              <a:rPr lang="en-US" dirty="0" err="1"/>
+              <a:t>struct</a:t>
+            </a:r>
+            <a:r>
+              <a:rPr lang="en-US" dirty="0"/>
+              <a:t> test </a:t>
+            </a:r>
+            <a:r>
+              <a:rPr lang="en-US" dirty="0" err="1"/>
+              <a:t>obj</a:t>
+            </a:r>
+            <a:r>
+              <a:rPr lang="en-US" dirty="0"/>
+              <a:t>={1,2};</a:t>
+            </a:r>
+          </a:p>
+          <a:p>
+            <a:pPr marL="137160" indent="0">
+              <a:buNone/>
+            </a:pPr>
+            <a:r>
+              <a:rPr lang="en-US" dirty="0"/>
+              <a:t>    </a:t>
+            </a:r>
+            <a:r>
+              <a:rPr lang="en-US" dirty="0" err="1"/>
+              <a:t>struct</a:t>
+            </a:r>
+            <a:r>
+              <a:rPr lang="en-US" dirty="0"/>
+              <a:t> test *</a:t>
+            </a:r>
+            <a:r>
+              <a:rPr lang="en-US" dirty="0" err="1"/>
+              <a:t>ptr</a:t>
+            </a:r>
+            <a:r>
+              <a:rPr lang="en-US" dirty="0"/>
+              <a:t>=&amp;</a:t>
+            </a:r>
+            <a:r>
+              <a:rPr lang="en-US" dirty="0" err="1"/>
+              <a:t>obj</a:t>
+            </a:r>
+            <a:r>
+              <a:rPr lang="en-US" dirty="0"/>
+              <a:t>;</a:t>
+            </a:r>
+          </a:p>
+          <a:p>
+            <a:pPr marL="137160" indent="0">
+              <a:buNone/>
+            </a:pPr>
+            <a:r>
+              <a:rPr lang="en-US" dirty="0"/>
+              <a:t>    </a:t>
+            </a:r>
+          </a:p>
+          <a:p>
+            <a:pPr marL="137160" indent="0">
+              <a:buNone/>
+            </a:pPr>
+            <a:r>
+              <a:rPr lang="en-US" dirty="0"/>
+              <a:t>    </a:t>
+            </a:r>
+            <a:r>
+              <a:rPr lang="en-US" dirty="0" err="1"/>
+              <a:t>printf</a:t>
+            </a:r>
+            <a:r>
+              <a:rPr lang="en-US" dirty="0"/>
+              <a:t>("%d\n",</a:t>
+            </a:r>
+            <a:r>
+              <a:rPr lang="en-US" dirty="0" err="1"/>
+              <a:t>ptr</a:t>
+            </a:r>
+            <a:r>
+              <a:rPr lang="en-US" dirty="0"/>
+              <a:t>-&gt;a);</a:t>
+            </a:r>
+          </a:p>
+          <a:p>
+            <a:pPr marL="137160" indent="0">
+              <a:buNone/>
+            </a:pPr>
+            <a:r>
+              <a:rPr lang="en-US" dirty="0"/>
+              <a:t>    </a:t>
+            </a:r>
+            <a:r>
+              <a:rPr lang="en-US" dirty="0" err="1"/>
+              <a:t>printf</a:t>
+            </a:r>
+            <a:r>
+              <a:rPr lang="en-US" dirty="0"/>
+              <a:t>("%d\n",(*</a:t>
+            </a:r>
+            <a:r>
+              <a:rPr lang="en-US" dirty="0" err="1"/>
+              <a:t>ptr</a:t>
+            </a:r>
+            <a:r>
+              <a:rPr lang="en-US" dirty="0" smtClean="0"/>
+              <a:t>).b);</a:t>
+            </a:r>
+            <a:endParaRPr lang="en-US" dirty="0"/>
+          </a:p>
+          <a:p>
+            <a:pPr marL="137160" indent="0">
+              <a:buNone/>
+            </a:pPr>
+            <a:endParaRPr lang="en-US" dirty="0"/>
+          </a:p>
+          <a:p>
+            <a:pPr marL="137160" indent="0">
+              <a:buNone/>
+            </a:pPr>
+            <a:r>
+              <a:rPr lang="en-US" dirty="0"/>
+              <a:t>}</a:t>
+            </a:r>
+          </a:p>
+        </p:txBody>
+      </p:sp>
+    </p:spTree>
+    <p:extLst>
+      <p:ext uri="{BB962C8B-B14F-4D97-AF65-F5344CB8AC3E}">
+        <p14:creationId xmlns:p14="http://schemas.microsoft.com/office/powerpoint/2010/main" val="1776495363"/>
+      </p:ext>
+    </p:extLst>
+  </p:cSld>
+  <p:clrMapOvr>
+    <a:masterClrMapping/>
+  </p:clrMapOvr>
+</p:sld>
+</file>
+
+<file path=ppt/slides/slide9.xml><?xml version="1.0" encoding="utf-8"?>
+<p:sld xmlns:a="http://schemas.openxmlformats.org/drawingml/2006/main" xmlns:r="http://schemas.openxmlformats.org/officeDocument/2006/relationships" xmlns:p="http://schemas.openxmlformats.org/presentationml/2006/main">
+  <p:cSld>
+    <p:spTree>
+      <p:nvGrpSpPr>
+        <p:cNvPr id="1" name=""/>
+        <p:cNvGrpSpPr/>
+        <p:nvPr/>
+      </p:nvGrpSpPr>
+      <p:grpSpPr>
+        <a:xfrm>
+          <a:off x="0" y="0"/>
+          <a:ext cx="0" cy="0"/>
+          <a:chOff x="0" y="0"/>
+          <a:chExt cx="0" cy="0"/>
+        </a:xfrm>
+      </p:grpSpPr>
+      <p:sp>
+        <p:nvSpPr>
+          <p:cNvPr id="2" name="Title 1"/>
+          <p:cNvSpPr>
+            <a:spLocks noGrp="1"/>
+          </p:cNvSpPr>
+          <p:nvPr>
+            <p:ph type="title"/>
+          </p:nvPr>
+        </p:nvSpPr>
+        <p:spPr/>
+        <p:txBody>
+          <a:bodyPr>
+            <a:normAutofit/>
+          </a:bodyPr>
+          <a:lstStyle/>
+          <a:p>
+            <a:r>
+              <a:rPr lang="en-US" dirty="0" err="1" smtClean="0"/>
+              <a:t>struct</a:t>
+            </a:r>
+            <a:r>
+              <a:rPr lang="en-US" dirty="0" smtClean="0"/>
+              <a:t> function</a:t>
+            </a:r>
+            <a:endParaRPr lang="en-US" dirty="0"/>
+          </a:p>
+        </p:txBody>
+      </p:sp>
+      <p:sp>
+        <p:nvSpPr>
+          <p:cNvPr id="3" name="Content Placeholder 2"/>
+          <p:cNvSpPr>
+            <a:spLocks noGrp="1"/>
+          </p:cNvSpPr>
+          <p:nvPr>
+            <p:ph idx="1"/>
+          </p:nvPr>
+        </p:nvSpPr>
+        <p:spPr/>
+        <p:txBody>
+          <a:bodyPr>
+            <a:normAutofit fontScale="47500" lnSpcReduction="20000"/>
+          </a:bodyPr>
+          <a:lstStyle/>
+          <a:p>
+            <a:pPr marL="137160" indent="0">
+              <a:buNone/>
+            </a:pPr>
+            <a:r>
+              <a:rPr lang="en-US" dirty="0"/>
+              <a:t>#include&lt;</a:t>
+            </a:r>
+            <a:r>
+              <a:rPr lang="en-US" dirty="0" err="1"/>
+              <a:t>stdio.h</a:t>
+            </a:r>
+            <a:r>
+              <a:rPr lang="en-US" dirty="0"/>
+              <a:t>&gt;</a:t>
+            </a:r>
+          </a:p>
+          <a:p>
+            <a:pPr marL="137160" indent="0">
+              <a:buNone/>
+            </a:pPr>
+            <a:endParaRPr lang="en-US" dirty="0"/>
+          </a:p>
+          <a:p>
+            <a:pPr marL="137160" indent="0">
+              <a:buNone/>
+            </a:pPr>
+            <a:r>
+              <a:rPr lang="en-US" dirty="0" err="1"/>
+              <a:t>struct</a:t>
+            </a:r>
+            <a:r>
+              <a:rPr lang="en-US" dirty="0"/>
+              <a:t> test</a:t>
+            </a:r>
+          </a:p>
+          <a:p>
+            <a:pPr marL="137160" indent="0">
+              <a:buNone/>
+            </a:pPr>
+            <a:r>
+              <a:rPr lang="en-US" dirty="0"/>
+              <a:t>{</a:t>
+            </a:r>
+          </a:p>
+          <a:p>
+            <a:pPr marL="137160" indent="0">
+              <a:buNone/>
+            </a:pPr>
+            <a:r>
+              <a:rPr lang="en-US" dirty="0"/>
+              <a:t>    </a:t>
+            </a:r>
+            <a:r>
+              <a:rPr lang="en-US" dirty="0" err="1"/>
+              <a:t>int</a:t>
+            </a:r>
+            <a:r>
+              <a:rPr lang="en-US" dirty="0"/>
+              <a:t> a;</a:t>
+            </a:r>
+          </a:p>
+          <a:p>
+            <a:pPr marL="137160" indent="0">
+              <a:buNone/>
+            </a:pPr>
+            <a:r>
+              <a:rPr lang="en-US" dirty="0"/>
+              <a:t>    char b;</a:t>
+            </a:r>
+          </a:p>
+          <a:p>
+            <a:pPr marL="137160" indent="0">
+              <a:buNone/>
+            </a:pPr>
+            <a:r>
+              <a:rPr lang="en-US" dirty="0"/>
+              <a:t>};</a:t>
+            </a:r>
+          </a:p>
+          <a:p>
+            <a:pPr marL="137160" indent="0">
+              <a:buNone/>
+            </a:pPr>
+            <a:endParaRPr lang="en-US" dirty="0"/>
+          </a:p>
+          <a:p>
+            <a:pPr marL="137160" indent="0">
+              <a:buNone/>
+            </a:pPr>
+            <a:r>
+              <a:rPr lang="en-US" dirty="0" err="1"/>
+              <a:t>struct</a:t>
+            </a:r>
+            <a:r>
+              <a:rPr lang="en-US" dirty="0"/>
+              <a:t> test </a:t>
+            </a:r>
+            <a:r>
+              <a:rPr lang="en-US" dirty="0" smtClean="0"/>
+              <a:t>* </a:t>
+            </a:r>
+            <a:r>
+              <a:rPr lang="en-US" dirty="0"/>
+              <a:t>print(</a:t>
+            </a:r>
+            <a:r>
+              <a:rPr lang="en-US" dirty="0" err="1"/>
+              <a:t>struct</a:t>
+            </a:r>
+            <a:r>
+              <a:rPr lang="en-US" dirty="0"/>
+              <a:t> test * </a:t>
+            </a:r>
+            <a:r>
+              <a:rPr lang="en-US" dirty="0" err="1"/>
+              <a:t>ptr</a:t>
+            </a:r>
+            <a:r>
+              <a:rPr lang="en-US" dirty="0"/>
+              <a:t>)</a:t>
+            </a:r>
+          </a:p>
+          <a:p>
+            <a:pPr marL="137160" indent="0">
+              <a:buNone/>
+            </a:pPr>
+            <a:r>
+              <a:rPr lang="en-US" dirty="0"/>
+              <a:t>{</a:t>
+            </a:r>
+          </a:p>
+          <a:p>
+            <a:pPr marL="137160" indent="0">
+              <a:buNone/>
+            </a:pPr>
+            <a:r>
+              <a:rPr lang="en-US" dirty="0"/>
+              <a:t>      </a:t>
+            </a:r>
+          </a:p>
+          <a:p>
+            <a:pPr marL="137160" indent="0">
+              <a:buNone/>
+            </a:pPr>
+            <a:r>
+              <a:rPr lang="en-US" dirty="0"/>
+              <a:t>    </a:t>
+            </a:r>
+            <a:r>
+              <a:rPr lang="en-US" dirty="0" err="1"/>
+              <a:t>printf</a:t>
+            </a:r>
+            <a:r>
+              <a:rPr lang="en-US" dirty="0"/>
+              <a:t>("%d\n",</a:t>
+            </a:r>
+            <a:r>
+              <a:rPr lang="en-US" dirty="0" err="1"/>
+              <a:t>ptr</a:t>
+            </a:r>
+            <a:r>
+              <a:rPr lang="en-US" dirty="0"/>
+              <a:t>-&gt;a);</a:t>
+            </a:r>
+          </a:p>
+          <a:p>
+            <a:pPr marL="137160" indent="0">
+              <a:buNone/>
+            </a:pPr>
+            <a:r>
+              <a:rPr lang="en-US" dirty="0"/>
+              <a:t>    </a:t>
+            </a:r>
+            <a:r>
+              <a:rPr lang="en-US" dirty="0" err="1"/>
+              <a:t>printf</a:t>
+            </a:r>
+            <a:r>
+              <a:rPr lang="en-US" dirty="0"/>
+              <a:t>("%d\n",(*</a:t>
+            </a:r>
+            <a:r>
+              <a:rPr lang="en-US" dirty="0" err="1"/>
+              <a:t>ptr</a:t>
+            </a:r>
+            <a:r>
+              <a:rPr lang="en-US" dirty="0"/>
+              <a:t>).b</a:t>
+            </a:r>
+            <a:r>
+              <a:rPr lang="en-US" dirty="0" smtClean="0"/>
+              <a:t>);</a:t>
+            </a:r>
+          </a:p>
+          <a:p>
+            <a:pPr marL="137160" indent="0">
+              <a:buNone/>
+            </a:pPr>
+            <a:r>
+              <a:rPr lang="en-US" dirty="0" smtClean="0"/>
+              <a:t>    return 0;</a:t>
+            </a:r>
+            <a:endParaRPr lang="en-US" dirty="0"/>
+          </a:p>
+          <a:p>
+            <a:pPr marL="137160" indent="0">
+              <a:buNone/>
+            </a:pPr>
+            <a:r>
+              <a:rPr lang="en-US" dirty="0"/>
+              <a:t>}</a:t>
+            </a:r>
+          </a:p>
+          <a:p>
+            <a:pPr marL="137160" indent="0">
+              <a:buNone/>
+            </a:pPr>
+            <a:endParaRPr lang="en-US" dirty="0"/>
+          </a:p>
+          <a:p>
+            <a:pPr marL="137160" indent="0">
+              <a:buNone/>
+            </a:pPr>
+            <a:r>
+              <a:rPr lang="en-US" dirty="0"/>
+              <a:t>void main()</a:t>
+            </a:r>
+          </a:p>
+          <a:p>
+            <a:pPr marL="137160" indent="0">
+              <a:buNone/>
+            </a:pPr>
+            <a:r>
+              <a:rPr lang="en-US" dirty="0"/>
+              <a:t>{</a:t>
+            </a:r>
+          </a:p>
+          <a:p>
+            <a:pPr marL="137160" indent="0">
+              <a:buNone/>
+            </a:pPr>
+            <a:r>
+              <a:rPr lang="en-US" dirty="0"/>
+              <a:t>    </a:t>
+            </a:r>
+            <a:r>
+              <a:rPr lang="en-US" dirty="0" err="1"/>
+              <a:t>struct</a:t>
+            </a:r>
+            <a:r>
+              <a:rPr lang="en-US" dirty="0"/>
+              <a:t> test </a:t>
+            </a:r>
+            <a:r>
+              <a:rPr lang="en-US" dirty="0" err="1"/>
+              <a:t>obj</a:t>
+            </a:r>
+            <a:r>
+              <a:rPr lang="en-US" dirty="0"/>
+              <a:t>={1,2};</a:t>
+            </a:r>
+          </a:p>
+          <a:p>
+            <a:pPr marL="137160" indent="0">
+              <a:buNone/>
+            </a:pPr>
+            <a:r>
+              <a:rPr lang="en-US" dirty="0"/>
+              <a:t>    </a:t>
+            </a:r>
+            <a:r>
+              <a:rPr lang="en-US" dirty="0" err="1"/>
+              <a:t>struct</a:t>
+            </a:r>
+            <a:r>
+              <a:rPr lang="en-US" dirty="0"/>
+              <a:t> test *</a:t>
+            </a:r>
+            <a:r>
+              <a:rPr lang="en-US" dirty="0" err="1"/>
+              <a:t>ptr</a:t>
+            </a:r>
+            <a:r>
+              <a:rPr lang="en-US" dirty="0"/>
+              <a:t>=&amp;</a:t>
+            </a:r>
+            <a:r>
+              <a:rPr lang="en-US" dirty="0" err="1"/>
+              <a:t>obj</a:t>
+            </a:r>
+            <a:r>
+              <a:rPr lang="en-US" dirty="0"/>
+              <a:t>;</a:t>
+            </a:r>
+          </a:p>
+          <a:p>
+            <a:pPr marL="137160" indent="0">
+              <a:buNone/>
+            </a:pPr>
+            <a:r>
+              <a:rPr lang="en-US" dirty="0"/>
+              <a:t>    print(</a:t>
+            </a:r>
+            <a:r>
+              <a:rPr lang="en-US" dirty="0" err="1"/>
+              <a:t>ptr</a:t>
+            </a:r>
+            <a:r>
+              <a:rPr lang="en-US" dirty="0"/>
+              <a:t>);</a:t>
+            </a:r>
+          </a:p>
+          <a:p>
+            <a:pPr marL="137160" indent="0">
+              <a:buNone/>
+            </a:pPr>
+            <a:endParaRPr lang="en-US" dirty="0"/>
+          </a:p>
+          <a:p>
+            <a:pPr marL="137160" indent="0">
+              <a:buNone/>
+            </a:pPr>
+            <a:r>
+              <a:rPr lang="en-US" dirty="0"/>
+              <a:t>}</a:t>
+            </a:r>
+          </a:p>
+        </p:txBody>
+      </p:sp>
+    </p:spTree>
+    <p:extLst>
+      <p:ext uri="{BB962C8B-B14F-4D97-AF65-F5344CB8AC3E}">
+        <p14:creationId xmlns:p14="http://schemas.microsoft.com/office/powerpoint/2010/main" val="2886733854"/>
       </p:ext>
     </p:extLst>
   </p:cSld>

--- a/PPT/structure.pptx
+++ b/PPT/structure.pptx
@@ -5,7 +5,7 @@
     <p:sldMasterId id="2147483660" r:id="rId1"/>
   </p:sldMasterIdLst>
   <p:notesMasterIdLst>
-    <p:notesMasterId r:id="rId26"/>
+    <p:notesMasterId r:id="rId27"/>
   </p:notesMasterIdLst>
   <p:sldIdLst>
     <p:sldId id="256" r:id="rId2"/>
@@ -28,10 +28,11 @@
     <p:sldId id="268" r:id="rId19"/>
     <p:sldId id="280" r:id="rId20"/>
     <p:sldId id="267" r:id="rId21"/>
-    <p:sldId id="269" r:id="rId22"/>
-    <p:sldId id="270" r:id="rId23"/>
-    <p:sldId id="271" r:id="rId24"/>
-    <p:sldId id="258" r:id="rId25"/>
+    <p:sldId id="281" r:id="rId22"/>
+    <p:sldId id="269" r:id="rId23"/>
+    <p:sldId id="270" r:id="rId24"/>
+    <p:sldId id="271" r:id="rId25"/>
+    <p:sldId id="258" r:id="rId26"/>
   </p:sldIdLst>
   <p:sldSz cx="9144000" cy="6858000" type="screen4x3"/>
   <p:notesSz cx="6858000" cy="9144000"/>
@@ -7585,15 +7586,7 @@
           <a:p>
             <a:r>
               <a:rPr lang="en-US" dirty="0" smtClean="0"/>
-              <a:t>Nested </a:t>
-            </a:r>
-            <a:r>
-              <a:rPr lang="en-US" dirty="0" err="1" smtClean="0"/>
-              <a:t>struct</a:t>
-            </a:r>
-            <a:r>
-              <a:rPr lang="en-US" dirty="0" smtClean="0"/>
-              <a:t> o/p</a:t>
+              <a:t>Bit field</a:t>
             </a:r>
             <a:endParaRPr lang="en-US" dirty="0"/>
           </a:p>
@@ -7616,251 +7609,206 @@
           </a:bodyPr>
           <a:lstStyle/>
           <a:p>
-            <a:r>
-              <a:rPr lang="en-US" dirty="0" smtClean="0"/>
-              <a:t>Nested </a:t>
-            </a:r>
-            <a:r>
-              <a:rPr lang="en-US" dirty="0" err="1" smtClean="0"/>
+            <a:pPr marL="137160" indent="0">
+              <a:buNone/>
+            </a:pPr>
+            <a:r>
+              <a:rPr lang="en-US" dirty="0"/>
+              <a:t>// declaring structure </a:t>
+            </a:r>
+          </a:p>
+          <a:p>
+            <a:pPr marL="137160" indent="0">
+              <a:buNone/>
+            </a:pPr>
+            <a:r>
+              <a:rPr lang="en-US" dirty="0"/>
+              <a:t> </a:t>
+            </a:r>
+            <a:r>
+              <a:rPr lang="en-US" dirty="0" err="1"/>
               <a:t>struct</a:t>
             </a:r>
-            <a:r>
-              <a:rPr lang="en-US" dirty="0" smtClean="0"/>
-              <a:t> should have tag name otherwise it consider as data member</a:t>
-            </a:r>
-          </a:p>
-          <a:p>
-            <a:pPr marL="137160" indent="0">
-              <a:buNone/>
-            </a:pPr>
-            <a:endParaRPr lang="en-US" dirty="0" smtClean="0"/>
-          </a:p>
-          <a:p>
-            <a:pPr marL="137160" indent="0">
-              <a:buNone/>
-            </a:pPr>
-            <a:r>
-              <a:rPr lang="en-US" dirty="0" err="1" smtClean="0"/>
-              <a:t>struct</a:t>
-            </a:r>
-            <a:r>
-              <a:rPr lang="en-US" dirty="0" smtClean="0"/>
-              <a:t> a</a:t>
-            </a:r>
-          </a:p>
-          <a:p>
-            <a:pPr marL="137160" indent="0">
-              <a:buNone/>
-            </a:pPr>
-            <a:r>
-              <a:rPr lang="en-US" dirty="0" smtClean="0"/>
-              <a:t>{    </a:t>
-            </a:r>
-          </a:p>
-          <a:p>
-            <a:pPr marL="137160" indent="0">
-              <a:buNone/>
-            </a:pPr>
-            <a:r>
-              <a:rPr lang="en-US" dirty="0" smtClean="0"/>
-              <a:t>	</a:t>
-            </a:r>
-            <a:r>
-              <a:rPr lang="en-US" dirty="0" err="1" smtClean="0"/>
-              <a:t>int</a:t>
-            </a:r>
-            <a:r>
-              <a:rPr lang="en-US" dirty="0" smtClean="0"/>
-              <a:t> </a:t>
-            </a:r>
-            <a:r>
-              <a:rPr lang="en-US" dirty="0"/>
-              <a:t>a; </a:t>
-            </a:r>
-            <a:endParaRPr lang="en-US" dirty="0" smtClean="0"/>
-          </a:p>
-          <a:p>
-            <a:pPr marL="137160" indent="0">
-              <a:buNone/>
-            </a:pPr>
-            <a:r>
-              <a:rPr lang="en-US" dirty="0" smtClean="0"/>
-              <a:t>	</a:t>
-            </a:r>
-            <a:r>
-              <a:rPr lang="en-US" dirty="0" err="1" smtClean="0"/>
-              <a:t>Int</a:t>
-            </a:r>
-            <a:r>
-              <a:rPr lang="en-US" dirty="0" smtClean="0"/>
-              <a:t> c;       </a:t>
-            </a:r>
-          </a:p>
-          <a:p>
-            <a:pPr marL="941832" lvl="3" indent="0">
-              <a:buNone/>
-            </a:pPr>
-            <a:r>
-              <a:rPr lang="en-US" dirty="0" err="1" smtClean="0"/>
-              <a:t>struct</a:t>
-            </a:r>
-            <a:r>
-              <a:rPr lang="en-US" dirty="0" smtClean="0"/>
-              <a:t>     </a:t>
-            </a:r>
-          </a:p>
-          <a:p>
-            <a:pPr marL="941832" lvl="3" indent="0">
-              <a:buNone/>
-            </a:pPr>
-            <a:r>
-              <a:rPr lang="en-US" dirty="0" smtClean="0"/>
-              <a:t>{        </a:t>
-            </a:r>
-          </a:p>
-          <a:p>
-            <a:pPr marL="941832" lvl="3" indent="0">
-              <a:buNone/>
-            </a:pPr>
-            <a:r>
-              <a:rPr lang="en-US" dirty="0" smtClean="0"/>
+            <a:endParaRPr lang="en-US" dirty="0"/>
+          </a:p>
+          <a:p>
+            <a:pPr marL="137160" indent="0">
+              <a:buNone/>
+            </a:pPr>
+            <a:r>
+              <a:rPr lang="en-US" dirty="0"/>
+              <a:t>{</a:t>
+            </a:r>
+          </a:p>
+          <a:p>
+            <a:pPr marL="137160" indent="0">
+              <a:buNone/>
+            </a:pPr>
+            <a:r>
+              <a:rPr lang="en-US" dirty="0"/>
+              <a:t>        unsigned char no:3;</a:t>
+            </a:r>
+          </a:p>
+          <a:p>
+            <a:pPr marL="137160" indent="0">
+              <a:buNone/>
+            </a:pPr>
+            <a:r>
+              <a:rPr lang="en-US" dirty="0"/>
+              <a:t>        unsigned char id:3;</a:t>
+            </a:r>
+          </a:p>
+          <a:p>
+            <a:pPr marL="137160" indent="0">
+              <a:buNone/>
+            </a:pPr>
+            <a:r>
+              <a:rPr lang="en-US" dirty="0"/>
+              <a:t>        unsigned char reserved:2;</a:t>
+            </a:r>
+          </a:p>
+          <a:p>
+            <a:pPr marL="137160" indent="0">
+              <a:buNone/>
+            </a:pPr>
+            <a:r>
+              <a:rPr lang="en-US" dirty="0"/>
               <a:t>    </a:t>
             </a:r>
-            <a:r>
-              <a:rPr lang="en-US" dirty="0" err="1" smtClean="0"/>
-              <a:t>int</a:t>
-            </a:r>
-            <a:r>
-              <a:rPr lang="en-US" dirty="0" smtClean="0"/>
-              <a:t> </a:t>
-            </a:r>
-            <a:r>
-              <a:rPr lang="en-US" dirty="0"/>
-              <a:t>b;    </a:t>
-            </a:r>
-            <a:endParaRPr lang="en-US" dirty="0" smtClean="0"/>
-          </a:p>
-          <a:p>
-            <a:pPr marL="941832" lvl="3" indent="0">
-              <a:buNone/>
-            </a:pPr>
-            <a:r>
-              <a:rPr lang="en-US" dirty="0" smtClean="0"/>
-              <a:t>};</a:t>
-            </a:r>
-          </a:p>
-          <a:p>
-            <a:pPr marL="137160" indent="0">
-              <a:buNone/>
-            </a:pPr>
-            <a:r>
-              <a:rPr lang="en-US" dirty="0" smtClean="0"/>
+          </a:p>
+          <a:p>
+            <a:pPr marL="137160" indent="0">
+              <a:buNone/>
+            </a:pPr>
+            <a:r>
+              <a:rPr lang="en-US" dirty="0"/>
+              <a:t>}o;</a:t>
+            </a:r>
+          </a:p>
+          <a:p>
+            <a:pPr marL="137160" indent="0">
+              <a:buNone/>
+            </a:pPr>
+            <a:endParaRPr lang="en-US" dirty="0"/>
+          </a:p>
+          <a:p>
+            <a:pPr marL="137160" indent="0">
+              <a:buNone/>
+            </a:pPr>
+            <a:r>
+              <a:rPr lang="en-US" dirty="0"/>
+              <a:t>void main()</a:t>
+            </a:r>
+          </a:p>
+          <a:p>
+            <a:pPr marL="137160" indent="0">
+              <a:buNone/>
+            </a:pPr>
+            <a:r>
+              <a:rPr lang="en-US" dirty="0"/>
+              <a:t>{</a:t>
+            </a:r>
+          </a:p>
+          <a:p>
+            <a:pPr marL="137160" indent="0">
+              <a:buNone/>
+            </a:pPr>
+            <a:r>
+              <a:rPr lang="en-US" dirty="0"/>
+              <a:t>o.no=1;</a:t>
+            </a:r>
+          </a:p>
+          <a:p>
+            <a:pPr marL="137160" indent="0">
+              <a:buNone/>
+            </a:pPr>
+            <a:r>
+              <a:rPr lang="en-US" dirty="0"/>
+              <a:t>o.id=7;</a:t>
+            </a:r>
+          </a:p>
+          <a:p>
+            <a:pPr marL="137160" indent="0">
+              <a:buNone/>
+            </a:pPr>
+            <a:r>
+              <a:rPr lang="en-US" dirty="0" err="1"/>
+              <a:t>printf</a:t>
+            </a:r>
+            <a:r>
+              <a:rPr lang="en-US" dirty="0"/>
+              <a:t>("%d\</a:t>
+            </a:r>
+            <a:r>
+              <a:rPr lang="en-US" dirty="0" err="1"/>
+              <a:t>n",o.no</a:t>
+            </a:r>
+            <a:r>
+              <a:rPr lang="en-US" dirty="0"/>
+              <a:t>);</a:t>
+            </a:r>
+          </a:p>
+          <a:p>
+            <a:pPr marL="137160" indent="0">
+              <a:buNone/>
+            </a:pPr>
+            <a:r>
+              <a:rPr lang="en-US" dirty="0" err="1"/>
+              <a:t>printf</a:t>
+            </a:r>
+            <a:r>
+              <a:rPr lang="en-US" dirty="0"/>
+              <a:t>("%d\</a:t>
+            </a:r>
+            <a:r>
+              <a:rPr lang="en-US" dirty="0" err="1"/>
+              <a:t>n",o.id</a:t>
+            </a:r>
+            <a:r>
+              <a:rPr lang="en-US" dirty="0" smtClean="0"/>
+              <a:t>);</a:t>
+            </a:r>
+          </a:p>
+          <a:p>
+            <a:pPr marL="137160" indent="0">
+              <a:buNone/>
+            </a:pPr>
+            <a:r>
+              <a:rPr lang="en-US" dirty="0" err="1"/>
+              <a:t>printf</a:t>
+            </a:r>
+            <a:r>
+              <a:rPr lang="en-US" smtClean="0"/>
+              <a:t>(“size: %d byte\n</a:t>
+            </a:r>
+            <a:r>
+              <a:rPr lang="en-US" dirty="0"/>
+              <a:t>",</a:t>
+            </a:r>
+            <a:r>
+              <a:rPr lang="en-US" dirty="0" err="1"/>
+              <a:t>sizeof</a:t>
+            </a:r>
+            <a:r>
+              <a:rPr lang="en-US" dirty="0"/>
+              <a:t>(o));</a:t>
+            </a:r>
+          </a:p>
+          <a:p>
+            <a:pPr marL="137160" indent="0">
+              <a:buNone/>
+            </a:pPr>
+            <a:r>
+              <a:rPr lang="en-US" dirty="0"/>
               <a:t>}</a:t>
             </a:r>
-            <a:r>
-              <a:rPr lang="en-US" dirty="0"/>
-              <a:t>o1</a:t>
-            </a:r>
-            <a:r>
-              <a:rPr lang="en-US" dirty="0" smtClean="0"/>
-              <a:t>;</a:t>
-            </a:r>
-          </a:p>
-          <a:p>
-            <a:pPr marL="137160" indent="0">
-              <a:buNone/>
-            </a:pPr>
-            <a:r>
-              <a:rPr lang="en-US" dirty="0" err="1" smtClean="0"/>
-              <a:t>int</a:t>
-            </a:r>
-            <a:r>
-              <a:rPr lang="en-US" dirty="0" smtClean="0"/>
-              <a:t> </a:t>
-            </a:r>
-            <a:r>
-              <a:rPr lang="en-US" dirty="0"/>
-              <a:t>main</a:t>
-            </a:r>
-            <a:r>
-              <a:rPr lang="en-US" dirty="0" smtClean="0"/>
-              <a:t>()</a:t>
-            </a:r>
-          </a:p>
-          <a:p>
-            <a:pPr marL="137160" indent="0">
-              <a:buNone/>
-            </a:pPr>
-            <a:r>
-              <a:rPr lang="en-US" dirty="0" smtClean="0"/>
-              <a:t>{       </a:t>
-            </a:r>
-          </a:p>
-          <a:p>
-            <a:pPr marL="137160" indent="0">
-              <a:buNone/>
-            </a:pPr>
-            <a:r>
-              <a:rPr lang="en-US" dirty="0" smtClean="0"/>
-              <a:t> 	o1.b=11</a:t>
-            </a:r>
-            <a:r>
-              <a:rPr lang="en-US" dirty="0"/>
-              <a:t>;        </a:t>
-            </a:r>
-            <a:endParaRPr lang="en-US" dirty="0" smtClean="0"/>
-          </a:p>
-          <a:p>
-            <a:pPr marL="137160" indent="0">
-              <a:buNone/>
-            </a:pPr>
-            <a:r>
-              <a:rPr lang="en-US" dirty="0" smtClean="0"/>
-              <a:t>	</a:t>
-            </a:r>
-            <a:r>
-              <a:rPr lang="en-US" dirty="0" err="1" smtClean="0"/>
-              <a:t>printf</a:t>
-            </a:r>
-            <a:r>
-              <a:rPr lang="en-US" dirty="0"/>
-              <a:t>("%d\n",o1.b);    </a:t>
-            </a:r>
-            <a:endParaRPr lang="en-US" dirty="0" smtClean="0"/>
-          </a:p>
-          <a:p>
-            <a:pPr marL="137160" indent="0">
-              <a:buNone/>
-            </a:pPr>
-            <a:r>
-              <a:rPr lang="en-US" dirty="0" smtClean="0"/>
-              <a:t>	return </a:t>
-            </a:r>
-            <a:r>
-              <a:rPr lang="en-US" dirty="0"/>
-              <a:t>0</a:t>
-            </a:r>
-            <a:r>
-              <a:rPr lang="en-US" dirty="0" smtClean="0"/>
-              <a:t>;</a:t>
-            </a:r>
-          </a:p>
-          <a:p>
-            <a:pPr marL="137160" indent="0">
-              <a:buNone/>
-            </a:pPr>
-            <a:r>
-              <a:rPr lang="en-US" dirty="0" smtClean="0"/>
-              <a:t>}</a:t>
-            </a:r>
-            <a:endParaRPr lang="en-US" dirty="0"/>
           </a:p>
         </p:txBody>
       </p:sp>
     </p:spTree>
     <p:extLst>
       <p:ext uri="{BB962C8B-B14F-4D97-AF65-F5344CB8AC3E}">
-        <p14:creationId xmlns:p14="http://schemas.microsoft.com/office/powerpoint/2010/main" val="2743522505"/>
+        <p14:creationId xmlns:p14="http://schemas.microsoft.com/office/powerpoint/2010/main" val="4219561317"/>
       </p:ext>
     </p:extLst>
   </p:cSld>
@@ -7899,18 +7847,21 @@
         </p:nvSpPr>
         <p:spPr/>
         <p:txBody>
-          <a:bodyPr>
-            <a:normAutofit fontScale="90000"/>
-          </a:bodyPr>
+          <a:bodyPr/>
           <a:lstStyle/>
           <a:p>
             <a:r>
-              <a:rPr lang="en-US" dirty="0"/>
-              <a:t>How to use union to define register?</a:t>
-            </a:r>
-            <a:br>
-              <a:rPr lang="en-US" dirty="0"/>
-            </a:br>
+              <a:rPr lang="en-US" dirty="0" smtClean="0"/>
+              <a:t>Nested </a:t>
+            </a:r>
+            <a:r>
+              <a:rPr lang="en-US" dirty="0" err="1" smtClean="0"/>
+              <a:t>struct</a:t>
+            </a:r>
+            <a:r>
+              <a:rPr lang="en-US" dirty="0" smtClean="0"/>
+              <a:t> o/p</a:t>
+            </a:r>
             <a:endParaRPr lang="en-US" dirty="0"/>
           </a:p>
         </p:txBody>
@@ -7925,226 +7876,258 @@
             <p:ph idx="1"/>
           </p:nvPr>
         </p:nvSpPr>
-        <p:spPr>
-          <a:xfrm>
-            <a:off x="457200" y="1600200"/>
-            <a:ext cx="8229600" cy="5257800"/>
-          </a:xfrm>
-        </p:spPr>
+        <p:spPr/>
         <p:txBody>
           <a:bodyPr>
-            <a:noAutofit/>
+            <a:normAutofit fontScale="62500" lnSpcReduction="20000"/>
           </a:bodyPr>
           <a:lstStyle/>
           <a:p>
-            <a:pPr marL="137160" indent="0">
-              <a:buNone/>
-            </a:pPr>
-            <a:endParaRPr lang="en-US" sz="1050" dirty="0"/>
-          </a:p>
-          <a:p>
-            <a:pPr marL="137160" indent="0">
-              <a:buNone/>
-            </a:pPr>
-            <a:r>
-              <a:rPr lang="en-US" sz="1050" dirty="0"/>
-              <a:t>#include &lt;</a:t>
-            </a:r>
-            <a:r>
-              <a:rPr lang="en-US" sz="1050" dirty="0" err="1"/>
-              <a:t>stdio.h</a:t>
-            </a:r>
-            <a:r>
-              <a:rPr lang="en-US" sz="1050" dirty="0"/>
-              <a:t>&gt;</a:t>
-            </a:r>
-          </a:p>
-          <a:p>
-            <a:pPr marL="137160" indent="0">
-              <a:buNone/>
-            </a:pPr>
-            <a:endParaRPr lang="en-US" sz="1050" dirty="0"/>
-          </a:p>
-          <a:p>
-            <a:pPr marL="137160" indent="0">
-              <a:buNone/>
-            </a:pPr>
-            <a:r>
-              <a:rPr lang="en-US" sz="1050" dirty="0" err="1"/>
-              <a:t>typedef</a:t>
-            </a:r>
-            <a:r>
-              <a:rPr lang="en-US" sz="1050" dirty="0"/>
-              <a:t> union REG</a:t>
-            </a:r>
-          </a:p>
-          <a:p>
-            <a:pPr marL="137160" indent="0">
-              <a:buNone/>
-            </a:pPr>
-            <a:r>
-              <a:rPr lang="en-US" sz="1050" dirty="0"/>
-              <a:t>{</a:t>
-            </a:r>
-          </a:p>
-          <a:p>
-            <a:pPr marL="137160" indent="0">
-              <a:buNone/>
-            </a:pPr>
-            <a:r>
-              <a:rPr lang="en-US" sz="1050" dirty="0"/>
-              <a:t>    unsigned char TRISC;</a:t>
-            </a:r>
-          </a:p>
-          <a:p>
-            <a:pPr marL="137160" indent="0">
-              <a:buNone/>
-            </a:pPr>
-            <a:endParaRPr lang="en-US" sz="1050" dirty="0"/>
-          </a:p>
-          <a:p>
-            <a:pPr marL="137160" indent="0">
-              <a:buNone/>
-            </a:pPr>
-            <a:r>
-              <a:rPr lang="en-US" sz="1050" dirty="0"/>
+            <a:r>
+              <a:rPr lang="en-US" dirty="0" smtClean="0"/>
+              <a:t>Nested </a:t>
+            </a:r>
+            <a:r>
+              <a:rPr lang="en-US" dirty="0" err="1" smtClean="0"/>
+              <a:t>struct</a:t>
+            </a:r>
+            <a:r>
+              <a:rPr lang="en-US" dirty="0" smtClean="0"/>
+              <a:t> should have tag name otherwise it consider as data member</a:t>
+            </a:r>
+          </a:p>
+          <a:p>
+            <a:pPr marL="137160" indent="0">
+              <a:buNone/>
+            </a:pPr>
+            <a:endParaRPr lang="en-US" dirty="0" smtClean="0"/>
+          </a:p>
+          <a:p>
+            <a:pPr marL="137160" indent="0">
+              <a:buNone/>
+            </a:pPr>
+            <a:r>
+              <a:rPr lang="en-US" dirty="0" err="1" smtClean="0"/>
+              <a:t>struct</a:t>
+            </a:r>
+            <a:r>
+              <a:rPr lang="en-US" dirty="0" smtClean="0"/>
+              <a:t> a</a:t>
+            </a:r>
+          </a:p>
+          <a:p>
+            <a:pPr marL="137160" indent="0">
+              <a:buNone/>
+            </a:pPr>
+            <a:r>
+              <a:rPr lang="en-US" dirty="0" smtClean="0"/>
+              <a:t>{    </a:t>
+            </a:r>
+          </a:p>
+          <a:p>
+            <a:pPr marL="137160" indent="0">
+              <a:buNone/>
+            </a:pPr>
+            <a:r>
+              <a:rPr lang="en-US" dirty="0" smtClean="0"/>
+              <a:t>	</a:t>
+            </a:r>
+            <a:r>
+              <a:rPr lang="en-US" dirty="0" err="1" smtClean="0"/>
+              <a:t>int</a:t>
+            </a:r>
+            <a:r>
+              <a:rPr lang="en-US" dirty="0" smtClean="0"/>
+              <a:t> </a:t>
+            </a:r>
+            <a:r>
+              <a:rPr lang="en-US" dirty="0"/>
+              <a:t>a; </a:t>
+            </a:r>
+            <a:endParaRPr lang="en-US" dirty="0" smtClean="0"/>
+          </a:p>
+          <a:p>
+            <a:pPr marL="137160" indent="0">
+              <a:buNone/>
+            </a:pPr>
+            <a:r>
+              <a:rPr lang="en-US" dirty="0" smtClean="0"/>
+              <a:t>	</a:t>
+            </a:r>
+            <a:r>
+              <a:rPr lang="en-US" dirty="0" err="1" smtClean="0"/>
+              <a:t>Int</a:t>
+            </a:r>
+            <a:r>
+              <a:rPr lang="en-US" dirty="0" smtClean="0"/>
+              <a:t> c;       </a:t>
+            </a:r>
+          </a:p>
+          <a:p>
+            <a:pPr marL="941832" lvl="3" indent="0">
+              <a:buNone/>
+            </a:pPr>
+            <a:r>
+              <a:rPr lang="en-US" dirty="0" err="1" smtClean="0"/>
+              <a:t>struct</a:t>
+            </a:r>
+            <a:r>
+              <a:rPr lang="en-US" dirty="0" smtClean="0"/>
+              <a:t>     </a:t>
+            </a:r>
+          </a:p>
+          <a:p>
+            <a:pPr marL="941832" lvl="3" indent="0">
+              <a:buNone/>
+            </a:pPr>
+            <a:r>
+              <a:rPr lang="en-US" dirty="0" smtClean="0"/>
+              <a:t>{        </a:t>
+            </a:r>
+          </a:p>
+          <a:p>
+            <a:pPr marL="941832" lvl="3" indent="0">
+              <a:buNone/>
+            </a:pPr>
+            <a:r>
+              <a:rPr lang="en-US" dirty="0" smtClean="0"/>
               <a:t>    </a:t>
             </a:r>
             <a:r>
-              <a:rPr lang="en-US" sz="1050" dirty="0" err="1"/>
-              <a:t>struct</a:t>
-            </a:r>
-            <a:endParaRPr lang="en-US" sz="1050" dirty="0"/>
-          </a:p>
-          <a:p>
-            <a:pPr marL="137160" indent="0">
-              <a:buNone/>
-            </a:pPr>
-            <a:r>
-              <a:rPr lang="en-US" sz="1050" dirty="0"/>
-              <a:t>    {</a:t>
-            </a:r>
-          </a:p>
-          <a:p>
-            <a:pPr marL="137160" indent="0">
-              <a:buNone/>
-            </a:pPr>
-            <a:r>
-              <a:rPr lang="en-US" sz="1050" dirty="0"/>
-              <a:t>        unsigned char RC0:1;</a:t>
-            </a:r>
-          </a:p>
-          <a:p>
-            <a:pPr marL="137160" indent="0">
-              <a:buNone/>
-            </a:pPr>
-            <a:r>
-              <a:rPr lang="en-US" sz="1050" dirty="0"/>
-              <a:t>        unsigned char RC1:1;</a:t>
-            </a:r>
-          </a:p>
-          <a:p>
-            <a:pPr marL="137160" indent="0">
-              <a:buNone/>
-            </a:pPr>
-            <a:r>
-              <a:rPr lang="en-US" sz="1050" dirty="0"/>
-              <a:t>        unsigned char RC2:1;</a:t>
-            </a:r>
-          </a:p>
-          <a:p>
-            <a:pPr marL="137160" indent="0">
-              <a:buNone/>
-            </a:pPr>
-            <a:r>
-              <a:rPr lang="en-US" sz="1050" dirty="0"/>
-              <a:t>        unsigned char RC3:1;</a:t>
-            </a:r>
-          </a:p>
-          <a:p>
-            <a:pPr marL="137160" indent="0">
-              <a:buNone/>
-            </a:pPr>
-            <a:r>
-              <a:rPr lang="en-US" sz="1050" dirty="0"/>
-              <a:t>        unsigned char RC4:1;</a:t>
-            </a:r>
-          </a:p>
-          <a:p>
-            <a:pPr marL="137160" indent="0">
-              <a:buNone/>
-            </a:pPr>
-            <a:r>
-              <a:rPr lang="en-US" sz="1050" dirty="0"/>
-              <a:t>        unsigned char RC5:1;</a:t>
-            </a:r>
-          </a:p>
-          <a:p>
-            <a:pPr marL="137160" indent="0">
-              <a:buNone/>
-            </a:pPr>
-            <a:r>
-              <a:rPr lang="en-US" sz="1050" dirty="0"/>
-              <a:t>        unsigned char RC6:1;</a:t>
-            </a:r>
-          </a:p>
-          <a:p>
-            <a:pPr marL="137160" indent="0">
-              <a:buNone/>
-            </a:pPr>
-            <a:r>
-              <a:rPr lang="en-US" sz="1050" dirty="0"/>
-              <a:t>        unsigned char RC7:1;	</a:t>
-            </a:r>
-          </a:p>
-          <a:p>
-            <a:pPr marL="137160" indent="0">
-              <a:buNone/>
-            </a:pPr>
-            <a:r>
-              <a:rPr lang="en-US" sz="1050" dirty="0"/>
-              <a:t>    </a:t>
-            </a:r>
-          </a:p>
-          <a:p>
-            <a:pPr marL="137160" indent="0">
-              <a:buNone/>
-            </a:pPr>
-            <a:r>
-              <a:rPr lang="en-US" sz="1050" dirty="0"/>
-              <a:t>    };</a:t>
-            </a:r>
-          </a:p>
-          <a:p>
-            <a:pPr marL="137160" indent="0">
-              <a:buNone/>
-            </a:pPr>
-            <a:endParaRPr lang="en-US" sz="1050" dirty="0"/>
-          </a:p>
-          <a:p>
-            <a:pPr marL="137160" indent="0">
-              <a:buNone/>
-            </a:pPr>
-            <a:r>
-              <a:rPr lang="en-US" sz="1050" dirty="0"/>
+              <a:rPr lang="en-US" dirty="0" err="1" smtClean="0"/>
+              <a:t>int</a:t>
+            </a:r>
+            <a:r>
+              <a:rPr lang="en-US" dirty="0" smtClean="0"/>
+              <a:t> </a:t>
+            </a:r>
+            <a:r>
+              <a:rPr lang="en-US" dirty="0"/>
+              <a:t>b;    </a:t>
+            </a:r>
+            <a:endParaRPr lang="en-US" dirty="0" smtClean="0"/>
+          </a:p>
+          <a:p>
+            <a:pPr marL="941832" lvl="3" indent="0">
+              <a:buNone/>
+            </a:pPr>
+            <a:r>
+              <a:rPr lang="en-US" dirty="0" smtClean="0"/>
+              <a:t>};</a:t>
+            </a:r>
+          </a:p>
+          <a:p>
+            <a:pPr marL="137160" indent="0">
+              <a:buNone/>
+            </a:pPr>
+            <a:r>
+              <a:rPr lang="en-US" dirty="0" smtClean="0"/>
               <a:t>}</a:t>
             </a:r>
             <a:r>
-              <a:rPr lang="en-US" sz="1050" dirty="0" err="1"/>
-              <a:t>REG_Def_t</a:t>
-            </a:r>
-            <a:r>
-              <a:rPr lang="en-US" sz="1050" dirty="0" smtClean="0"/>
+              <a:rPr lang="en-US" dirty="0"/>
+              <a:t>o1</a:t>
+            </a:r>
+            <a:r>
+              <a:rPr lang="en-US" dirty="0" smtClean="0"/>
               <a:t>;</a:t>
             </a:r>
-            <a:endParaRPr lang="en-US" sz="1050" dirty="0"/>
+          </a:p>
+          <a:p>
+            <a:pPr marL="137160" indent="0">
+              <a:buNone/>
+            </a:pPr>
+            <a:r>
+              <a:rPr lang="en-US" dirty="0" err="1" smtClean="0"/>
+              <a:t>int</a:t>
+            </a:r>
+            <a:r>
+              <a:rPr lang="en-US" dirty="0" smtClean="0"/>
+              <a:t> </a:t>
+            </a:r>
+            <a:r>
+              <a:rPr lang="en-US" dirty="0"/>
+              <a:t>main</a:t>
+            </a:r>
+            <a:r>
+              <a:rPr lang="en-US" dirty="0" smtClean="0"/>
+              <a:t>()</a:t>
+            </a:r>
+          </a:p>
+          <a:p>
+            <a:pPr marL="137160" indent="0">
+              <a:buNone/>
+            </a:pPr>
+            <a:r>
+              <a:rPr lang="en-US" dirty="0" smtClean="0"/>
+              <a:t>{       </a:t>
+            </a:r>
+          </a:p>
+          <a:p>
+            <a:pPr marL="137160" indent="0">
+              <a:buNone/>
+            </a:pPr>
+            <a:r>
+              <a:rPr lang="en-US" dirty="0" smtClean="0"/>
+              <a:t> 	o1.b=11</a:t>
+            </a:r>
+            <a:r>
+              <a:rPr lang="en-US" dirty="0"/>
+              <a:t>;        </a:t>
+            </a:r>
+            <a:endParaRPr lang="en-US" dirty="0" smtClean="0"/>
+          </a:p>
+          <a:p>
+            <a:pPr marL="137160" indent="0">
+              <a:buNone/>
+            </a:pPr>
+            <a:r>
+              <a:rPr lang="en-US" dirty="0" smtClean="0"/>
+              <a:t>	</a:t>
+            </a:r>
+            <a:r>
+              <a:rPr lang="en-US" dirty="0" err="1" smtClean="0"/>
+              <a:t>printf</a:t>
+            </a:r>
+            <a:r>
+              <a:rPr lang="en-US" dirty="0"/>
+              <a:t>("%d\n",o1.b);    </a:t>
+            </a:r>
+            <a:endParaRPr lang="en-US" dirty="0" smtClean="0"/>
+          </a:p>
+          <a:p>
+            <a:pPr marL="137160" indent="0">
+              <a:buNone/>
+            </a:pPr>
+            <a:r>
+              <a:rPr lang="en-US" dirty="0" smtClean="0"/>
+              <a:t>	return </a:t>
+            </a:r>
+            <a:r>
+              <a:rPr lang="en-US" dirty="0"/>
+              <a:t>0</a:t>
+            </a:r>
+            <a:r>
+              <a:rPr lang="en-US" dirty="0" smtClean="0"/>
+              <a:t>;</a:t>
+            </a:r>
+          </a:p>
+          <a:p>
+            <a:pPr marL="137160" indent="0">
+              <a:buNone/>
+            </a:pPr>
+            <a:r>
+              <a:rPr lang="en-US" dirty="0" smtClean="0"/>
+              <a:t>}</a:t>
+            </a:r>
+            <a:endParaRPr lang="en-US" dirty="0"/>
           </a:p>
         </p:txBody>
       </p:sp>
     </p:spTree>
     <p:extLst>
       <p:ext uri="{BB962C8B-B14F-4D97-AF65-F5344CB8AC3E}">
-        <p14:creationId xmlns:p14="http://schemas.microsoft.com/office/powerpoint/2010/main" val="2920215022"/>
+        <p14:creationId xmlns:p14="http://schemas.microsoft.com/office/powerpoint/2010/main" val="2743522505"/>
       </p:ext>
     </p:extLst>
   </p:cSld>
@@ -8189,6 +8172,290 @@
           <a:lstStyle/>
           <a:p>
             <a:r>
+              <a:rPr lang="en-US" dirty="0"/>
+              <a:t>How to use union to define register?</a:t>
+            </a:r>
+            <a:br>
+              <a:rPr lang="en-US" dirty="0"/>
+            </a:br>
+            <a:endParaRPr lang="en-US" dirty="0"/>
+          </a:p>
+        </p:txBody>
+      </p:sp>
+      <p:sp>
+        <p:nvSpPr>
+          <p:cNvPr id="3" name="Content Placeholder 2"/>
+          <p:cNvSpPr>
+            <a:spLocks noGrp="1"/>
+          </p:cNvSpPr>
+          <p:nvPr>
+            <p:ph idx="1"/>
+          </p:nvPr>
+        </p:nvSpPr>
+        <p:spPr>
+          <a:xfrm>
+            <a:off x="457200" y="1600200"/>
+            <a:ext cx="8229600" cy="5257800"/>
+          </a:xfrm>
+        </p:spPr>
+        <p:txBody>
+          <a:bodyPr>
+            <a:noAutofit/>
+          </a:bodyPr>
+          <a:lstStyle/>
+          <a:p>
+            <a:pPr marL="137160" indent="0">
+              <a:buNone/>
+            </a:pPr>
+            <a:endParaRPr lang="en-US" sz="1050" dirty="0"/>
+          </a:p>
+          <a:p>
+            <a:pPr marL="137160" indent="0">
+              <a:buNone/>
+            </a:pPr>
+            <a:r>
+              <a:rPr lang="en-US" sz="1050" dirty="0"/>
+              <a:t>#include &lt;</a:t>
+            </a:r>
+            <a:r>
+              <a:rPr lang="en-US" sz="1050" dirty="0" err="1"/>
+              <a:t>stdio.h</a:t>
+            </a:r>
+            <a:r>
+              <a:rPr lang="en-US" sz="1050" dirty="0"/>
+              <a:t>&gt;</a:t>
+            </a:r>
+          </a:p>
+          <a:p>
+            <a:pPr marL="137160" indent="0">
+              <a:buNone/>
+            </a:pPr>
+            <a:endParaRPr lang="en-US" sz="1050" dirty="0"/>
+          </a:p>
+          <a:p>
+            <a:pPr marL="137160" indent="0">
+              <a:buNone/>
+            </a:pPr>
+            <a:r>
+              <a:rPr lang="en-US" sz="1050" dirty="0" err="1"/>
+              <a:t>typedef</a:t>
+            </a:r>
+            <a:r>
+              <a:rPr lang="en-US" sz="1050" dirty="0"/>
+              <a:t> union REG</a:t>
+            </a:r>
+          </a:p>
+          <a:p>
+            <a:pPr marL="137160" indent="0">
+              <a:buNone/>
+            </a:pPr>
+            <a:r>
+              <a:rPr lang="en-US" sz="1050" dirty="0"/>
+              <a:t>{</a:t>
+            </a:r>
+          </a:p>
+          <a:p>
+            <a:pPr marL="137160" indent="0">
+              <a:buNone/>
+            </a:pPr>
+            <a:r>
+              <a:rPr lang="en-US" sz="1050" dirty="0"/>
+              <a:t>    unsigned char TRISC;</a:t>
+            </a:r>
+          </a:p>
+          <a:p>
+            <a:pPr marL="137160" indent="0">
+              <a:buNone/>
+            </a:pPr>
+            <a:endParaRPr lang="en-US" sz="1050" dirty="0"/>
+          </a:p>
+          <a:p>
+            <a:pPr marL="137160" indent="0">
+              <a:buNone/>
+            </a:pPr>
+            <a:r>
+              <a:rPr lang="en-US" sz="1050" dirty="0"/>
+              <a:t>    </a:t>
+            </a:r>
+            <a:r>
+              <a:rPr lang="en-US" sz="1050" dirty="0" err="1"/>
+              <a:t>struct</a:t>
+            </a:r>
+            <a:endParaRPr lang="en-US" sz="1050" dirty="0"/>
+          </a:p>
+          <a:p>
+            <a:pPr marL="137160" indent="0">
+              <a:buNone/>
+            </a:pPr>
+            <a:r>
+              <a:rPr lang="en-US" sz="1050" dirty="0"/>
+              <a:t>    {</a:t>
+            </a:r>
+          </a:p>
+          <a:p>
+            <a:pPr marL="137160" indent="0">
+              <a:buNone/>
+            </a:pPr>
+            <a:r>
+              <a:rPr lang="en-US" sz="1050" dirty="0"/>
+              <a:t>        unsigned char RC0:1;</a:t>
+            </a:r>
+          </a:p>
+          <a:p>
+            <a:pPr marL="137160" indent="0">
+              <a:buNone/>
+            </a:pPr>
+            <a:r>
+              <a:rPr lang="en-US" sz="1050" dirty="0"/>
+              <a:t>        unsigned char RC1:1;</a:t>
+            </a:r>
+          </a:p>
+          <a:p>
+            <a:pPr marL="137160" indent="0">
+              <a:buNone/>
+            </a:pPr>
+            <a:r>
+              <a:rPr lang="en-US" sz="1050" dirty="0"/>
+              <a:t>        unsigned char RC2:1;</a:t>
+            </a:r>
+          </a:p>
+          <a:p>
+            <a:pPr marL="137160" indent="0">
+              <a:buNone/>
+            </a:pPr>
+            <a:r>
+              <a:rPr lang="en-US" sz="1050" dirty="0"/>
+              <a:t>        unsigned char RC3:1;</a:t>
+            </a:r>
+          </a:p>
+          <a:p>
+            <a:pPr marL="137160" indent="0">
+              <a:buNone/>
+            </a:pPr>
+            <a:r>
+              <a:rPr lang="en-US" sz="1050" dirty="0"/>
+              <a:t>        unsigned char RC4:1;</a:t>
+            </a:r>
+          </a:p>
+          <a:p>
+            <a:pPr marL="137160" indent="0">
+              <a:buNone/>
+            </a:pPr>
+            <a:r>
+              <a:rPr lang="en-US" sz="1050" dirty="0"/>
+              <a:t>        unsigned char RC5:1;</a:t>
+            </a:r>
+          </a:p>
+          <a:p>
+            <a:pPr marL="137160" indent="0">
+              <a:buNone/>
+            </a:pPr>
+            <a:r>
+              <a:rPr lang="en-US" sz="1050" dirty="0"/>
+              <a:t>        unsigned char RC6:1;</a:t>
+            </a:r>
+          </a:p>
+          <a:p>
+            <a:pPr marL="137160" indent="0">
+              <a:buNone/>
+            </a:pPr>
+            <a:r>
+              <a:rPr lang="en-US" sz="1050" dirty="0"/>
+              <a:t>        unsigned char RC7:1;	</a:t>
+            </a:r>
+          </a:p>
+          <a:p>
+            <a:pPr marL="137160" indent="0">
+              <a:buNone/>
+            </a:pPr>
+            <a:r>
+              <a:rPr lang="en-US" sz="1050" dirty="0"/>
+              <a:t>    </a:t>
+            </a:r>
+          </a:p>
+          <a:p>
+            <a:pPr marL="137160" indent="0">
+              <a:buNone/>
+            </a:pPr>
+            <a:r>
+              <a:rPr lang="en-US" sz="1050" dirty="0"/>
+              <a:t>    };</a:t>
+            </a:r>
+          </a:p>
+          <a:p>
+            <a:pPr marL="137160" indent="0">
+              <a:buNone/>
+            </a:pPr>
+            <a:endParaRPr lang="en-US" sz="1050" dirty="0"/>
+          </a:p>
+          <a:p>
+            <a:pPr marL="137160" indent="0">
+              <a:buNone/>
+            </a:pPr>
+            <a:r>
+              <a:rPr lang="en-US" sz="1050" dirty="0"/>
+              <a:t>}</a:t>
+            </a:r>
+            <a:r>
+              <a:rPr lang="en-US" sz="1050" dirty="0" err="1"/>
+              <a:t>REG_Def_t</a:t>
+            </a:r>
+            <a:r>
+              <a:rPr lang="en-US" sz="1050" dirty="0" smtClean="0"/>
+              <a:t>;</a:t>
+            </a:r>
+            <a:endParaRPr lang="en-US" sz="1050" dirty="0"/>
+          </a:p>
+        </p:txBody>
+      </p:sp>
+    </p:spTree>
+    <p:extLst>
+      <p:ext uri="{BB962C8B-B14F-4D97-AF65-F5344CB8AC3E}">
+        <p14:creationId xmlns:p14="http://schemas.microsoft.com/office/powerpoint/2010/main" val="2920215022"/>
+      </p:ext>
+    </p:extLst>
+  </p:cSld>
+  <p:clrMapOvr>
+    <a:masterClrMapping/>
+  </p:clrMapOvr>
+</p:sld>
+</file>
+
+<file path=ppt/slides/slide24.xml><?xml version="1.0" encoding="utf-8"?>
+<p:sld xmlns:a="http://schemas.openxmlformats.org/drawingml/2006/main" xmlns:r="http://schemas.openxmlformats.org/officeDocument/2006/relationships" xmlns:p="http://schemas.openxmlformats.org/presentationml/2006/main">
+  <p:cSld>
+    <p:spTree>
+      <p:nvGrpSpPr>
+        <p:cNvPr id="1" name=""/>
+        <p:cNvGrpSpPr/>
+        <p:nvPr/>
+      </p:nvGrpSpPr>
+      <p:grpSpPr>
+        <a:xfrm>
+          <a:off x="0" y="0"/>
+          <a:ext cx="0" cy="0"/>
+          <a:chOff x="0" y="0"/>
+          <a:chExt cx="0" cy="0"/>
+        </a:xfrm>
+      </p:grpSpPr>
+      <p:sp>
+        <p:nvSpPr>
+          <p:cNvPr id="2" name="Title 1"/>
+          <p:cNvSpPr>
+            <a:spLocks noGrp="1"/>
+          </p:cNvSpPr>
+          <p:nvPr>
+            <p:ph type="title"/>
+          </p:nvPr>
+        </p:nvSpPr>
+        <p:spPr/>
+        <p:txBody>
+          <a:bodyPr>
+            <a:normAutofit fontScale="90000"/>
+          </a:bodyPr>
+          <a:lstStyle/>
+          <a:p>
+            <a:r>
               <a:rPr lang="en-US" dirty="0" smtClean="0"/>
               <a:t>(continue)How </a:t>
             </a:r>
@@ -8417,7 +8684,7 @@
 </p:sld>
 </file>
 
-<file path=ppt/slides/slide24.xml><?xml version="1.0" encoding="utf-8"?>
+<file path=ppt/slides/slide25.xml><?xml version="1.0" encoding="utf-8"?>
 <p:sld xmlns:a="http://schemas.openxmlformats.org/drawingml/2006/main" xmlns:r="http://schemas.openxmlformats.org/officeDocument/2006/relationships" xmlns:p="http://schemas.openxmlformats.org/presentationml/2006/main">
   <p:cSld>
     <p:spTree>

--- a/PPT/structure.pptx
+++ b/PPT/structure.pptx
@@ -216,7 +216,7 @@
           <a:p>
             <a:fld id="{C1B8E64C-0EDD-4C93-95A2-E8C52A5645D1}" type="datetimeFigureOut">
               <a:rPr lang="en-US" smtClean="0"/>
-              <a:t>23-Nov-20</a:t>
+              <a:t>25-Nov-20</a:t>
             </a:fld>
             <a:endParaRPr lang="en-US"/>
           </a:p>
@@ -596,7 +596,7 @@
             <a:fld id="{1D8BD707-D9CF-40AE-B4C6-C98DA3205C09}" type="datetimeFigureOut">
               <a:rPr lang="en-US" smtClean="0"/>
               <a:pPr/>
-              <a:t>23-Nov-20</a:t>
+              <a:t>25-Nov-20</a:t>
             </a:fld>
             <a:endParaRPr lang="en-US"/>
           </a:p>
@@ -824,7 +824,7 @@
             <a:fld id="{1D8BD707-D9CF-40AE-B4C6-C98DA3205C09}" type="datetimeFigureOut">
               <a:rPr lang="en-US" smtClean="0"/>
               <a:pPr/>
-              <a:t>23-Nov-20</a:t>
+              <a:t>25-Nov-20</a:t>
             </a:fld>
             <a:endParaRPr lang="en-US"/>
           </a:p>
@@ -1001,7 +1001,7 @@
             <a:fld id="{1D8BD707-D9CF-40AE-B4C6-C98DA3205C09}" type="datetimeFigureOut">
               <a:rPr lang="en-US" smtClean="0"/>
               <a:pPr/>
-              <a:t>23-Nov-20</a:t>
+              <a:t>25-Nov-20</a:t>
             </a:fld>
             <a:endParaRPr lang="en-US"/>
           </a:p>
@@ -1168,7 +1168,7 @@
             <a:fld id="{1D8BD707-D9CF-40AE-B4C6-C98DA3205C09}" type="datetimeFigureOut">
               <a:rPr lang="en-US" smtClean="0"/>
               <a:pPr/>
-              <a:t>23-Nov-20</a:t>
+              <a:t>25-Nov-20</a:t>
             </a:fld>
             <a:endParaRPr lang="en-US"/>
           </a:p>
@@ -1414,7 +1414,7 @@
             <a:fld id="{1D8BD707-D9CF-40AE-B4C6-C98DA3205C09}" type="datetimeFigureOut">
               <a:rPr lang="en-US" smtClean="0"/>
               <a:pPr/>
-              <a:t>23-Nov-20</a:t>
+              <a:t>25-Nov-20</a:t>
             </a:fld>
             <a:endParaRPr lang="en-US"/>
           </a:p>
@@ -1680,7 +1680,7 @@
             <a:fld id="{1D8BD707-D9CF-40AE-B4C6-C98DA3205C09}" type="datetimeFigureOut">
               <a:rPr lang="en-US" smtClean="0"/>
               <a:pPr/>
-              <a:t>23-Nov-20</a:t>
+              <a:t>25-Nov-20</a:t>
             </a:fld>
             <a:endParaRPr lang="en-US"/>
           </a:p>
@@ -2056,7 +2056,7 @@
             <a:fld id="{1D8BD707-D9CF-40AE-B4C6-C98DA3205C09}" type="datetimeFigureOut">
               <a:rPr lang="en-US" smtClean="0"/>
               <a:pPr/>
-              <a:t>23-Nov-20</a:t>
+              <a:t>25-Nov-20</a:t>
             </a:fld>
             <a:endParaRPr lang="en-US"/>
           </a:p>
@@ -2171,7 +2171,7 @@
             <a:fld id="{1D8BD707-D9CF-40AE-B4C6-C98DA3205C09}" type="datetimeFigureOut">
               <a:rPr lang="en-US" smtClean="0"/>
               <a:pPr/>
-              <a:t>23-Nov-20</a:t>
+              <a:t>25-Nov-20</a:t>
             </a:fld>
             <a:endParaRPr lang="en-US"/>
           </a:p>
@@ -2263,7 +2263,7 @@
             <a:fld id="{1D8BD707-D9CF-40AE-B4C6-C98DA3205C09}" type="datetimeFigureOut">
               <a:rPr lang="en-US" smtClean="0"/>
               <a:pPr/>
-              <a:t>23-Nov-20</a:t>
+              <a:t>25-Nov-20</a:t>
             </a:fld>
             <a:endParaRPr lang="en-US"/>
           </a:p>
@@ -2523,7 +2523,7 @@
             <a:fld id="{1D8BD707-D9CF-40AE-B4C6-C98DA3205C09}" type="datetimeFigureOut">
               <a:rPr lang="en-US" smtClean="0"/>
               <a:pPr/>
-              <a:t>23-Nov-20</a:t>
+              <a:t>25-Nov-20</a:t>
             </a:fld>
             <a:endParaRPr lang="en-US"/>
           </a:p>
@@ -2789,7 +2789,7 @@
             <a:fld id="{1D8BD707-D9CF-40AE-B4C6-C98DA3205C09}" type="datetimeFigureOut">
               <a:rPr lang="en-US" smtClean="0"/>
               <a:pPr/>
-              <a:t>23-Nov-20</a:t>
+              <a:t>25-Nov-20</a:t>
             </a:fld>
             <a:endParaRPr lang="en-US"/>
           </a:p>
@@ -3008,7 +3008,7 @@
             <a:fld id="{1D8BD707-D9CF-40AE-B4C6-C98DA3205C09}" type="datetimeFigureOut">
               <a:rPr lang="en-US" smtClean="0"/>
               <a:pPr/>
-              <a:t>23-Nov-20</a:t>
+              <a:t>25-Nov-20</a:t>
             </a:fld>
             <a:endParaRPr lang="en-US"/>
           </a:p>
@@ -3697,302 +3697,302 @@
             </a:r>
             <a:r>
               <a:rPr lang="en-US" dirty="0"/>
+              <a:t>("%d\n</a:t>
+            </a:r>
+            <a:r>
+              <a:rPr lang="en-US" dirty="0" smtClean="0"/>
+              <a:t>",(ptr+1)-&gt;</a:t>
+            </a:r>
+            <a:r>
+              <a:rPr lang="en-US" dirty="0"/>
+              <a:t>a);</a:t>
+            </a:r>
+          </a:p>
+          <a:p>
+            <a:pPr marL="137160" indent="0">
+              <a:buNone/>
+            </a:pPr>
+            <a:r>
+              <a:rPr lang="en-US" dirty="0"/>
+              <a:t>    </a:t>
+            </a:r>
+            <a:r>
+              <a:rPr lang="en-US" dirty="0" err="1"/>
+              <a:t>printf</a:t>
+            </a:r>
+            <a:r>
+              <a:rPr lang="en-US" dirty="0"/>
+              <a:t>("%d\n",(*(ptr+1)).b);</a:t>
+            </a:r>
+          </a:p>
+          <a:p>
+            <a:pPr marL="137160" indent="0">
+              <a:buNone/>
+            </a:pPr>
+            <a:r>
+              <a:rPr lang="en-US" dirty="0"/>
+              <a:t>    return 0;</a:t>
+            </a:r>
+          </a:p>
+          <a:p>
+            <a:pPr marL="137160" indent="0">
+              <a:buNone/>
+            </a:pPr>
+            <a:r>
+              <a:rPr lang="en-US" dirty="0"/>
+              <a:t>}</a:t>
+            </a:r>
+          </a:p>
+          <a:p>
+            <a:pPr marL="137160" indent="0">
+              <a:buNone/>
+            </a:pPr>
+            <a:endParaRPr lang="en-US" dirty="0"/>
+          </a:p>
+          <a:p>
+            <a:pPr marL="137160" indent="0">
+              <a:buNone/>
+            </a:pPr>
+            <a:r>
+              <a:rPr lang="en-US" dirty="0" err="1"/>
+              <a:t>struct</a:t>
+            </a:r>
+            <a:r>
+              <a:rPr lang="en-US" dirty="0"/>
+              <a:t> test*</a:t>
+            </a:r>
+            <a:r>
+              <a:rPr lang="en-US" dirty="0" err="1"/>
+              <a:t>aprint</a:t>
+            </a:r>
+            <a:r>
+              <a:rPr lang="en-US" dirty="0"/>
+              <a:t>(</a:t>
+            </a:r>
+            <a:r>
+              <a:rPr lang="en-US" dirty="0" err="1"/>
+              <a:t>struct</a:t>
+            </a:r>
+            <a:r>
+              <a:rPr lang="en-US" dirty="0"/>
+              <a:t> test </a:t>
+            </a:r>
+            <a:r>
+              <a:rPr lang="en-US" dirty="0" err="1"/>
+              <a:t>arr</a:t>
+            </a:r>
+            <a:r>
+              <a:rPr lang="en-US" dirty="0"/>
+              <a:t>[])</a:t>
+            </a:r>
+          </a:p>
+          <a:p>
+            <a:pPr marL="137160" indent="0">
+              <a:buNone/>
+            </a:pPr>
+            <a:r>
+              <a:rPr lang="en-US" dirty="0" smtClean="0"/>
+              <a:t>{      </a:t>
+            </a:r>
+            <a:endParaRPr lang="en-US" dirty="0"/>
+          </a:p>
+          <a:p>
+            <a:pPr marL="137160" indent="0">
+              <a:buNone/>
+            </a:pPr>
+            <a:r>
+              <a:rPr lang="en-US" dirty="0"/>
+              <a:t>    </a:t>
+            </a:r>
+            <a:r>
+              <a:rPr lang="en-US" dirty="0" err="1"/>
+              <a:t>printf</a:t>
+            </a:r>
+            <a:r>
+              <a:rPr lang="en-US" dirty="0"/>
               <a:t>("%d\n",</a:t>
             </a:r>
             <a:r>
               <a:rPr lang="en-US" dirty="0" err="1"/>
+              <a:t>arr</a:t>
+            </a:r>
+            <a:r>
+              <a:rPr lang="en-US" dirty="0"/>
+              <a:t>[0].a);</a:t>
+            </a:r>
+          </a:p>
+          <a:p>
+            <a:pPr marL="137160" indent="0">
+              <a:buNone/>
+            </a:pPr>
+            <a:r>
+              <a:rPr lang="en-US" dirty="0"/>
+              <a:t>    </a:t>
+            </a:r>
+            <a:r>
+              <a:rPr lang="en-US" dirty="0" err="1"/>
+              <a:t>printf</a:t>
+            </a:r>
+            <a:r>
+              <a:rPr lang="en-US" dirty="0"/>
+              <a:t>("%d\n",</a:t>
+            </a:r>
+            <a:r>
+              <a:rPr lang="en-US" dirty="0" err="1"/>
+              <a:t>arr</a:t>
+            </a:r>
+            <a:r>
+              <a:rPr lang="en-US" dirty="0"/>
+              <a:t>[1].b);</a:t>
+            </a:r>
+          </a:p>
+          <a:p>
+            <a:pPr marL="137160" indent="0">
+              <a:buNone/>
+            </a:pPr>
+            <a:endParaRPr lang="en-US" dirty="0"/>
+          </a:p>
+          <a:p>
+            <a:pPr marL="137160" indent="0">
+              <a:buNone/>
+            </a:pPr>
+            <a:r>
+              <a:rPr lang="en-US" dirty="0"/>
+              <a:t>}</a:t>
+            </a:r>
+          </a:p>
+          <a:p>
+            <a:pPr marL="137160" indent="0">
+              <a:buNone/>
+            </a:pPr>
+            <a:endParaRPr lang="en-US" dirty="0"/>
+          </a:p>
+          <a:p>
+            <a:pPr marL="137160" indent="0">
+              <a:buNone/>
+            </a:pPr>
+            <a:r>
+              <a:rPr lang="en-US" dirty="0"/>
+              <a:t>void main()</a:t>
+            </a:r>
+          </a:p>
+          <a:p>
+            <a:pPr marL="137160" indent="0">
+              <a:buNone/>
+            </a:pPr>
+            <a:r>
+              <a:rPr lang="en-US" dirty="0"/>
+              <a:t>{</a:t>
+            </a:r>
+          </a:p>
+          <a:p>
+            <a:pPr marL="137160" indent="0">
+              <a:buNone/>
+            </a:pPr>
+            <a:r>
+              <a:rPr lang="en-US" dirty="0"/>
+              <a:t>    </a:t>
+            </a:r>
+          </a:p>
+          <a:p>
+            <a:pPr marL="137160" indent="0">
+              <a:buNone/>
+            </a:pPr>
+            <a:r>
+              <a:rPr lang="en-US" dirty="0"/>
+              <a:t>    </a:t>
+            </a:r>
+            <a:r>
+              <a:rPr lang="en-US" dirty="0" err="1"/>
+              <a:t>obj</a:t>
+            </a:r>
+            <a:r>
+              <a:rPr lang="en-US" dirty="0"/>
+              <a:t>[0].a=1;</a:t>
+            </a:r>
+          </a:p>
+          <a:p>
+            <a:pPr marL="137160" indent="0">
+              <a:buNone/>
+            </a:pPr>
+            <a:r>
+              <a:rPr lang="en-US" dirty="0"/>
+              <a:t>    </a:t>
+            </a:r>
+            <a:r>
+              <a:rPr lang="en-US" dirty="0" err="1"/>
+              <a:t>obj</a:t>
+            </a:r>
+            <a:r>
+              <a:rPr lang="en-US" dirty="0"/>
+              <a:t>[0].b=2;</a:t>
+            </a:r>
+          </a:p>
+          <a:p>
+            <a:pPr marL="137160" indent="0">
+              <a:buNone/>
+            </a:pPr>
+            <a:r>
+              <a:rPr lang="en-US" dirty="0"/>
+              <a:t>    </a:t>
+            </a:r>
+            <a:r>
+              <a:rPr lang="en-US" dirty="0" err="1"/>
+              <a:t>obj</a:t>
+            </a:r>
+            <a:r>
+              <a:rPr lang="en-US" dirty="0"/>
+              <a:t>[1].a=11;</a:t>
+            </a:r>
+          </a:p>
+          <a:p>
+            <a:pPr marL="137160" indent="0">
+              <a:buNone/>
+            </a:pPr>
+            <a:r>
+              <a:rPr lang="en-US" dirty="0"/>
+              <a:t>    </a:t>
+            </a:r>
+            <a:r>
+              <a:rPr lang="en-US" dirty="0" err="1"/>
+              <a:t>obj</a:t>
+            </a:r>
+            <a:r>
+              <a:rPr lang="en-US" dirty="0"/>
+              <a:t>[1].b=12</a:t>
+            </a:r>
+            <a:r>
+              <a:rPr lang="en-US" dirty="0" smtClean="0"/>
+              <a:t>;    </a:t>
+            </a:r>
+            <a:endParaRPr lang="en-US" dirty="0"/>
+          </a:p>
+          <a:p>
+            <a:pPr marL="137160" indent="0">
+              <a:buNone/>
+            </a:pPr>
+            <a:r>
+              <a:rPr lang="en-US" dirty="0"/>
+              <a:t>    </a:t>
+            </a:r>
+            <a:r>
+              <a:rPr lang="en-US" dirty="0" err="1"/>
+              <a:t>struct</a:t>
+            </a:r>
+            <a:r>
+              <a:rPr lang="en-US" dirty="0"/>
+              <a:t> test *</a:t>
+            </a:r>
+            <a:r>
+              <a:rPr lang="en-US" dirty="0" err="1" smtClean="0"/>
               <a:t>ptr</a:t>
             </a:r>
             <a:r>
-              <a:rPr lang="en-US" dirty="0"/>
-              <a:t>-&gt;a);</a:t>
-            </a:r>
-          </a:p>
-          <a:p>
-            <a:pPr marL="137160" indent="0">
-              <a:buNone/>
-            </a:pPr>
-            <a:r>
-              <a:rPr lang="en-US" dirty="0"/>
-              <a:t>    </a:t>
-            </a:r>
-            <a:r>
-              <a:rPr lang="en-US" dirty="0" err="1"/>
-              <a:t>printf</a:t>
-            </a:r>
-            <a:r>
-              <a:rPr lang="en-US" dirty="0"/>
-              <a:t>("%d\n",(*(ptr+1)).b);</a:t>
-            </a:r>
-          </a:p>
-          <a:p>
-            <a:pPr marL="137160" indent="0">
-              <a:buNone/>
-            </a:pPr>
-            <a:r>
-              <a:rPr lang="en-US" dirty="0"/>
-              <a:t>    return 0;</a:t>
-            </a:r>
-          </a:p>
-          <a:p>
-            <a:pPr marL="137160" indent="0">
-              <a:buNone/>
-            </a:pPr>
-            <a:r>
-              <a:rPr lang="en-US" dirty="0"/>
-              <a:t>}</a:t>
-            </a:r>
-          </a:p>
-          <a:p>
-            <a:pPr marL="137160" indent="0">
-              <a:buNone/>
-            </a:pPr>
-            <a:endParaRPr lang="en-US" dirty="0"/>
-          </a:p>
-          <a:p>
-            <a:pPr marL="137160" indent="0">
-              <a:buNone/>
-            </a:pPr>
-            <a:r>
-              <a:rPr lang="en-US" dirty="0" err="1"/>
-              <a:t>struct</a:t>
-            </a:r>
-            <a:r>
-              <a:rPr lang="en-US" dirty="0"/>
-              <a:t> test*</a:t>
-            </a:r>
-            <a:r>
-              <a:rPr lang="en-US" dirty="0" err="1"/>
-              <a:t>aprint</a:t>
-            </a:r>
-            <a:r>
-              <a:rPr lang="en-US" dirty="0"/>
-              <a:t>(</a:t>
-            </a:r>
-            <a:r>
-              <a:rPr lang="en-US" dirty="0" err="1"/>
-              <a:t>struct</a:t>
-            </a:r>
-            <a:r>
-              <a:rPr lang="en-US" dirty="0"/>
-              <a:t> test </a:t>
-            </a:r>
-            <a:r>
-              <a:rPr lang="en-US" dirty="0" err="1"/>
-              <a:t>arr</a:t>
-            </a:r>
-            <a:r>
-              <a:rPr lang="en-US" dirty="0"/>
-              <a:t>[])</a:t>
-            </a:r>
-          </a:p>
-          <a:p>
-            <a:pPr marL="137160" indent="0">
-              <a:buNone/>
-            </a:pPr>
-            <a:r>
-              <a:rPr lang="en-US" dirty="0" smtClean="0"/>
-              <a:t>{      </a:t>
-            </a:r>
-            <a:endParaRPr lang="en-US" dirty="0"/>
-          </a:p>
-          <a:p>
-            <a:pPr marL="137160" indent="0">
-              <a:buNone/>
-            </a:pPr>
-            <a:r>
-              <a:rPr lang="en-US" dirty="0"/>
-              <a:t>    </a:t>
-            </a:r>
-            <a:r>
-              <a:rPr lang="en-US" dirty="0" err="1"/>
-              <a:t>printf</a:t>
-            </a:r>
-            <a:r>
-              <a:rPr lang="en-US" dirty="0"/>
-              <a:t>("%d\n",</a:t>
-            </a:r>
-            <a:r>
-              <a:rPr lang="en-US" dirty="0" err="1"/>
-              <a:t>arr</a:t>
-            </a:r>
-            <a:r>
-              <a:rPr lang="en-US" dirty="0"/>
-              <a:t>[0].a);</a:t>
-            </a:r>
-          </a:p>
-          <a:p>
-            <a:pPr marL="137160" indent="0">
-              <a:buNone/>
-            </a:pPr>
-            <a:r>
-              <a:rPr lang="en-US" dirty="0"/>
-              <a:t>    </a:t>
-            </a:r>
-            <a:r>
-              <a:rPr lang="en-US" dirty="0" err="1"/>
-              <a:t>printf</a:t>
-            </a:r>
-            <a:r>
-              <a:rPr lang="en-US" dirty="0"/>
-              <a:t>("%d\n",</a:t>
-            </a:r>
-            <a:r>
-              <a:rPr lang="en-US" dirty="0" err="1"/>
-              <a:t>arr</a:t>
-            </a:r>
-            <a:r>
-              <a:rPr lang="en-US" dirty="0"/>
-              <a:t>[1].b);</a:t>
-            </a:r>
-          </a:p>
-          <a:p>
-            <a:pPr marL="137160" indent="0">
-              <a:buNone/>
-            </a:pPr>
-            <a:endParaRPr lang="en-US" dirty="0"/>
-          </a:p>
-          <a:p>
-            <a:pPr marL="137160" indent="0">
-              <a:buNone/>
-            </a:pPr>
-            <a:r>
-              <a:rPr lang="en-US" dirty="0"/>
-              <a:t>}</a:t>
-            </a:r>
-          </a:p>
-          <a:p>
-            <a:pPr marL="137160" indent="0">
-              <a:buNone/>
-            </a:pPr>
-            <a:endParaRPr lang="en-US" dirty="0"/>
-          </a:p>
-          <a:p>
-            <a:pPr marL="137160" indent="0">
-              <a:buNone/>
-            </a:pPr>
-            <a:r>
-              <a:rPr lang="en-US" dirty="0"/>
-              <a:t>void main()</a:t>
-            </a:r>
-          </a:p>
-          <a:p>
-            <a:pPr marL="137160" indent="0">
-              <a:buNone/>
-            </a:pPr>
-            <a:r>
-              <a:rPr lang="en-US" dirty="0"/>
-              <a:t>{</a:t>
-            </a:r>
-          </a:p>
-          <a:p>
-            <a:pPr marL="137160" indent="0">
-              <a:buNone/>
-            </a:pPr>
-            <a:r>
-              <a:rPr lang="en-US" dirty="0"/>
-              <a:t>    </a:t>
-            </a:r>
-          </a:p>
-          <a:p>
-            <a:pPr marL="137160" indent="0">
-              <a:buNone/>
-            </a:pPr>
-            <a:r>
-              <a:rPr lang="en-US" dirty="0"/>
-              <a:t>    </a:t>
-            </a:r>
-            <a:r>
-              <a:rPr lang="en-US" dirty="0" err="1"/>
-              <a:t>obj</a:t>
-            </a:r>
-            <a:r>
-              <a:rPr lang="en-US" dirty="0"/>
-              <a:t>[0].a=1;</a:t>
-            </a:r>
-          </a:p>
-          <a:p>
-            <a:pPr marL="137160" indent="0">
-              <a:buNone/>
-            </a:pPr>
-            <a:r>
-              <a:rPr lang="en-US" dirty="0"/>
-              <a:t>    </a:t>
-            </a:r>
-            <a:r>
-              <a:rPr lang="en-US" dirty="0" err="1"/>
-              <a:t>obj</a:t>
-            </a:r>
-            <a:r>
-              <a:rPr lang="en-US" dirty="0"/>
-              <a:t>[0].b=2;</a:t>
-            </a:r>
-          </a:p>
-          <a:p>
-            <a:pPr marL="137160" indent="0">
-              <a:buNone/>
-            </a:pPr>
-            <a:r>
-              <a:rPr lang="en-US" dirty="0"/>
-              <a:t>    </a:t>
-            </a:r>
-            <a:r>
-              <a:rPr lang="en-US" dirty="0" err="1"/>
-              <a:t>obj</a:t>
-            </a:r>
-            <a:r>
-              <a:rPr lang="en-US" dirty="0"/>
-              <a:t>[1].a=11;</a:t>
-            </a:r>
-          </a:p>
-          <a:p>
-            <a:pPr marL="137160" indent="0">
-              <a:buNone/>
-            </a:pPr>
-            <a:r>
-              <a:rPr lang="en-US" dirty="0"/>
-              <a:t>    </a:t>
-            </a:r>
-            <a:r>
-              <a:rPr lang="en-US" dirty="0" err="1"/>
-              <a:t>obj</a:t>
-            </a:r>
-            <a:r>
-              <a:rPr lang="en-US" dirty="0"/>
-              <a:t>[1].b=12</a:t>
-            </a:r>
-            <a:r>
-              <a:rPr lang="en-US" dirty="0" smtClean="0"/>
-              <a:t>;    </a:t>
-            </a:r>
-            <a:endParaRPr lang="en-US" dirty="0"/>
-          </a:p>
-          <a:p>
-            <a:pPr marL="137160" indent="0">
-              <a:buNone/>
-            </a:pPr>
-            <a:r>
-              <a:rPr lang="en-US" dirty="0"/>
-              <a:t>    </a:t>
-            </a:r>
-            <a:r>
-              <a:rPr lang="en-US" dirty="0" err="1"/>
-              <a:t>struct</a:t>
-            </a:r>
-            <a:r>
-              <a:rPr lang="en-US" dirty="0"/>
-              <a:t> test *</a:t>
-            </a:r>
-            <a:r>
-              <a:rPr lang="en-US" dirty="0" err="1"/>
-              <a:t>ptr</a:t>
-            </a:r>
-            <a:r>
-              <a:rPr lang="en-US" dirty="0"/>
+              <a:rPr lang="en-US" dirty="0" smtClean="0"/>
               <a:t>=</a:t>
             </a:r>
             <a:r>
-              <a:rPr lang="en-US" dirty="0" err="1"/>
+              <a:rPr lang="en-US" dirty="0" err="1" smtClean="0"/>
               <a:t>obj</a:t>
             </a:r>
             <a:r>
@@ -4371,11 +4371,7 @@
             </a:r>
             <a:r>
               <a:rPr lang="en-US" dirty="0" smtClean="0"/>
-              <a:t>decimal</a:t>
-            </a:r>
-            <a:r>
-              <a:rPr lang="en-US" dirty="0" smtClean="0"/>
-              <a:t>; </a:t>
+              <a:t>decimal; </a:t>
             </a:r>
             <a:endParaRPr lang="en-US" dirty="0"/>
           </a:p>
@@ -4554,17 +4550,13 @@
         </p:spPr>
         <p:txBody>
           <a:bodyPr>
-            <a:normAutofit/>
+            <a:normAutofit fontScale="85000" lnSpcReduction="10000"/>
           </a:bodyPr>
           <a:lstStyle/>
           <a:p>
             <a:pPr marL="137160" indent="0">
               <a:buNone/>
             </a:pPr>
-            <a:r>
-              <a:rPr lang="en-US" sz="2400" dirty="0" smtClean="0"/>
-              <a:t>Main()</a:t>
-            </a:r>
             <a:endParaRPr lang="en-US" sz="2400" dirty="0"/>
           </a:p>
           <a:p>
@@ -4572,23 +4564,50 @@
               <a:buNone/>
             </a:pPr>
             <a:r>
-              <a:rPr lang="en-US" sz="2000" dirty="0"/>
+              <a:rPr lang="en-US" sz="2400" dirty="0"/>
+              <a:t>void main()</a:t>
+            </a:r>
+          </a:p>
+          <a:p>
+            <a:pPr marL="137160" indent="0">
+              <a:buNone/>
+            </a:pPr>
+            <a:r>
+              <a:rPr lang="en-US" sz="2400" dirty="0"/>
+              <a:t>{</a:t>
+            </a:r>
+          </a:p>
+          <a:p>
+            <a:pPr marL="137160" indent="0">
+              <a:buNone/>
+            </a:pPr>
+            <a:r>
+              <a:rPr lang="en-US" sz="2400" dirty="0"/>
               <a:t>	</a:t>
             </a:r>
-            <a:r>
-              <a:rPr lang="en-US" sz="2000" dirty="0" err="1"/>
+          </a:p>
+          <a:p>
+            <a:pPr marL="137160" indent="0">
+              <a:buNone/>
+            </a:pPr>
+            <a:r>
+              <a:rPr lang="en-US" sz="2400" dirty="0"/>
+              <a:t>	</a:t>
+            </a:r>
+            <a:r>
+              <a:rPr lang="en-US" sz="2400" dirty="0" err="1"/>
               <a:t>struct</a:t>
             </a:r>
             <a:r>
-              <a:rPr lang="en-US" sz="2000" dirty="0"/>
+              <a:rPr lang="en-US" sz="2400" dirty="0"/>
               <a:t> </a:t>
             </a:r>
             <a:r>
-              <a:rPr lang="en-US" sz="2000" dirty="0" err="1"/>
+              <a:rPr lang="en-US" sz="2400" dirty="0" err="1"/>
               <a:t>struct_example</a:t>
             </a:r>
             <a:r>
-              <a:rPr lang="en-US" sz="2000" dirty="0"/>
+              <a:rPr lang="en-US" sz="2400" dirty="0"/>
               <a:t> s={18,38,"geeksforgeeks"}; </a:t>
             </a:r>
           </a:p>
@@ -4597,187 +4616,233 @@
               <a:buNone/>
             </a:pPr>
             <a:r>
-              <a:rPr lang="en-US" sz="2000" dirty="0"/>
+              <a:rPr lang="en-US" sz="2400" dirty="0"/>
+              <a:t>	</a:t>
+            </a:r>
+          </a:p>
+          <a:p>
+            <a:pPr marL="137160" indent="0">
+              <a:buNone/>
+            </a:pPr>
+            <a:r>
+              <a:rPr lang="en-US" sz="2400" dirty="0"/>
+              <a:t>	</a:t>
+            </a:r>
+          </a:p>
+          <a:p>
+            <a:pPr marL="137160" indent="0">
+              <a:buNone/>
+            </a:pPr>
+            <a:r>
+              <a:rPr lang="en-US" sz="2400" dirty="0"/>
               <a:t>	union </a:t>
             </a:r>
             <a:r>
-              <a:rPr lang="en-US" sz="2000" dirty="0" err="1"/>
+              <a:rPr lang="en-US" sz="2400" dirty="0" err="1"/>
               <a:t>union_example</a:t>
             </a:r>
             <a:r>
-              <a:rPr lang="en-US" sz="2000" dirty="0"/>
-              <a:t> u={18,38,"geeksforgeeks"}; </a:t>
-            </a:r>
-          </a:p>
-          <a:p>
-            <a:pPr marL="137160" indent="0">
-              <a:buNone/>
-            </a:pPr>
-            <a:endParaRPr lang="en-US" sz="2000" dirty="0"/>
-          </a:p>
-          <a:p>
-            <a:pPr marL="137160" indent="0">
-              <a:buNone/>
-            </a:pPr>
-            <a:r>
-              <a:rPr lang="en-US" sz="2000" dirty="0"/>
-              <a:t>		</a:t>
-            </a:r>
-          </a:p>
-          <a:p>
-            <a:pPr marL="137160" indent="0">
-              <a:buNone/>
-            </a:pPr>
-            <a:r>
-              <a:rPr lang="en-US" sz="2000" dirty="0"/>
+              <a:rPr lang="en-US" sz="2400" dirty="0"/>
+              <a:t> u;//{18,38,"geeksforgeeks"}; </a:t>
+            </a:r>
+          </a:p>
+          <a:p>
+            <a:pPr marL="137160" indent="0">
+              <a:buNone/>
+            </a:pPr>
+            <a:r>
+              <a:rPr lang="en-US" sz="2400" dirty="0"/>
               <a:t>	</a:t>
             </a:r>
-            <a:r>
-              <a:rPr lang="en-US" sz="2000" dirty="0" err="1"/>
+          </a:p>
+          <a:p>
+            <a:pPr marL="137160" indent="0">
+              <a:buNone/>
+            </a:pPr>
+            <a:r>
+              <a:rPr lang="en-US" sz="2400" dirty="0"/>
+              <a:t>	//</a:t>
+            </a:r>
+            <a:r>
+              <a:rPr lang="en-US" sz="2400" dirty="0" err="1"/>
+              <a:t>u.integer</a:t>
+            </a:r>
+            <a:r>
+              <a:rPr lang="en-US" sz="2400" dirty="0"/>
+              <a:t>=18;</a:t>
+            </a:r>
+          </a:p>
+          <a:p>
+            <a:pPr marL="137160" indent="0">
+              <a:buNone/>
+            </a:pPr>
+            <a:r>
+              <a:rPr lang="en-US" sz="2400" dirty="0"/>
+              <a:t>	 //</a:t>
+            </a:r>
+            <a:r>
+              <a:rPr lang="en-US" sz="2400" dirty="0" err="1"/>
+              <a:t>u.decimal</a:t>
+            </a:r>
+            <a:r>
+              <a:rPr lang="en-US" sz="2400" dirty="0"/>
+              <a:t>=10.11;	 </a:t>
+            </a:r>
+          </a:p>
+          <a:p>
+            <a:pPr marL="137160" indent="0">
+              <a:buNone/>
+            </a:pPr>
+            <a:r>
+              <a:rPr lang="en-US" sz="2400" dirty="0"/>
+              <a:t>	</a:t>
+            </a:r>
+            <a:r>
+              <a:rPr lang="en-US" sz="2400" dirty="0" err="1"/>
+              <a:t>strcpy</a:t>
+            </a:r>
+            <a:r>
+              <a:rPr lang="en-US" sz="2400" dirty="0"/>
+              <a:t>(</a:t>
+            </a:r>
+            <a:r>
+              <a:rPr lang="en-US" sz="2400" dirty="0" err="1"/>
+              <a:t>u.name,"hello</a:t>
+            </a:r>
+            <a:r>
+              <a:rPr lang="en-US" sz="2400" dirty="0"/>
+              <a:t>");</a:t>
+            </a:r>
+          </a:p>
+          <a:p>
+            <a:pPr marL="137160" indent="0">
+              <a:buNone/>
+            </a:pPr>
+            <a:r>
+              <a:rPr lang="en-US" sz="2400" dirty="0"/>
+              <a:t>	</a:t>
+            </a:r>
+          </a:p>
+          <a:p>
+            <a:pPr marL="137160" indent="0">
+              <a:buNone/>
+            </a:pPr>
+            <a:r>
+              <a:rPr lang="en-US" sz="2400" dirty="0"/>
+              <a:t>	</a:t>
+            </a:r>
+            <a:r>
+              <a:rPr lang="en-US" sz="2400" dirty="0" err="1"/>
               <a:t>printf</a:t>
             </a:r>
             <a:r>
-              <a:rPr lang="en-US" sz="2000" dirty="0"/>
-              <a:t>("structure data:\n integer: %d\n"</a:t>
-            </a:r>
-          </a:p>
-          <a:p>
-            <a:pPr marL="137160" indent="0">
-              <a:buNone/>
-            </a:pPr>
-            <a:r>
-              <a:rPr lang="en-US" sz="2000" dirty="0"/>
+              <a:rPr lang="en-US" sz="2400" dirty="0"/>
+              <a:t>("structure data:\n integer: %d\n	decimal: %.2f\n name: %s\n",</a:t>
+            </a:r>
+            <a:r>
+              <a:rPr lang="en-US" sz="2400" dirty="0" err="1"/>
+              <a:t>s.integer</a:t>
+            </a:r>
+            <a:r>
+              <a:rPr lang="en-US" sz="2400" dirty="0"/>
+              <a:t>, </a:t>
+            </a:r>
+            <a:r>
+              <a:rPr lang="en-US" sz="2400" dirty="0" err="1"/>
+              <a:t>s.decimal</a:t>
+            </a:r>
+            <a:r>
+              <a:rPr lang="en-US" sz="2400" dirty="0"/>
+              <a:t>, s.name); 				</a:t>
+            </a:r>
+          </a:p>
+          <a:p>
+            <a:pPr marL="137160" indent="0">
+              <a:buNone/>
+            </a:pPr>
+            <a:r>
+              <a:rPr lang="en-US" sz="2400" dirty="0"/>
+              <a:t>	</a:t>
+            </a:r>
+            <a:r>
+              <a:rPr lang="en-US" sz="2400" dirty="0" err="1"/>
+              <a:t>printf</a:t>
+            </a:r>
+            <a:r>
+              <a:rPr lang="en-US" sz="2400" dirty="0"/>
+              <a:t>("\</a:t>
+            </a:r>
+            <a:r>
+              <a:rPr lang="en-US" sz="2400" dirty="0" err="1"/>
+              <a:t>nunion</a:t>
+            </a:r>
+            <a:r>
+              <a:rPr lang="en-US" sz="2400" dirty="0"/>
+              <a:t> data:\n </a:t>
+            </a:r>
+            <a:r>
+              <a:rPr lang="en-US" sz="2400" dirty="0" err="1"/>
+              <a:t>integeer</a:t>
+            </a:r>
+            <a:r>
+              <a:rPr lang="en-US" sz="2400" dirty="0"/>
+              <a:t>: %d\n	decimal: %.2f\n name: %s\n", </a:t>
+            </a:r>
+            <a:r>
+              <a:rPr lang="en-US" sz="2400" dirty="0" err="1"/>
+              <a:t>u.integer</a:t>
+            </a:r>
+            <a:r>
+              <a:rPr lang="en-US" sz="2400" dirty="0"/>
+              <a:t>, </a:t>
+            </a:r>
+            <a:r>
+              <a:rPr lang="en-US" sz="2400" dirty="0" err="1"/>
+              <a:t>u.decimal</a:t>
+            </a:r>
+            <a:r>
+              <a:rPr lang="en-US" sz="2400" dirty="0"/>
+              <a:t>, u.name); </a:t>
+            </a:r>
+          </a:p>
+          <a:p>
+            <a:pPr marL="137160" indent="0">
+              <a:buNone/>
+            </a:pPr>
+            <a:r>
+              <a:rPr lang="en-US" sz="2400" dirty="0"/>
               <a:t>				</a:t>
             </a:r>
-            <a:r>
-              <a:rPr lang="en-US" sz="2000" dirty="0" smtClean="0"/>
-              <a:t>decimal</a:t>
-            </a:r>
-            <a:r>
-              <a:rPr lang="en-US" sz="2000" dirty="0"/>
-              <a:t>: %.2f\n name: %s\n", </a:t>
-            </a:r>
-          </a:p>
-          <a:p>
-            <a:pPr marL="137160" indent="0">
-              <a:buNone/>
-            </a:pPr>
-            <a:r>
-              <a:rPr lang="en-US" sz="2000" dirty="0"/>
+          </a:p>
+          <a:p>
+            <a:pPr marL="137160" indent="0">
+              <a:buNone/>
+            </a:pPr>
+            <a:r>
+              <a:rPr lang="en-US" sz="2400" dirty="0"/>
               <a:t>				</a:t>
             </a:r>
-            <a:r>
-              <a:rPr lang="en-US" sz="2000" dirty="0" err="1"/>
-              <a:t>s.integer</a:t>
-            </a:r>
-            <a:r>
-              <a:rPr lang="en-US" sz="2000" dirty="0"/>
-              <a:t>, </a:t>
-            </a:r>
-            <a:r>
-              <a:rPr lang="en-US" sz="2000" dirty="0" err="1"/>
-              <a:t>s.decimal</a:t>
-            </a:r>
-            <a:r>
-              <a:rPr lang="en-US" sz="2000" dirty="0"/>
-              <a:t>, s.name); </a:t>
-            </a:r>
-          </a:p>
-          <a:p>
-            <a:pPr marL="137160" indent="0">
-              <a:buNone/>
-            </a:pPr>
-            <a:r>
-              <a:rPr lang="en-US" sz="2000" dirty="0"/>
-              <a:t>	</a:t>
-            </a:r>
-            <a:r>
-              <a:rPr lang="en-US" sz="2000" dirty="0" err="1"/>
-              <a:t>printf</a:t>
-            </a:r>
-            <a:r>
-              <a:rPr lang="en-US" sz="2000" dirty="0"/>
-              <a:t>("\</a:t>
-            </a:r>
-            <a:r>
-              <a:rPr lang="en-US" sz="2000" dirty="0" err="1"/>
-              <a:t>nunion</a:t>
-            </a:r>
-            <a:r>
-              <a:rPr lang="en-US" sz="2000" dirty="0"/>
-              <a:t> data:\n </a:t>
-            </a:r>
-            <a:r>
-              <a:rPr lang="en-US" sz="2000" dirty="0" err="1"/>
-              <a:t>integeer</a:t>
-            </a:r>
-            <a:r>
-              <a:rPr lang="en-US" sz="2000" dirty="0"/>
-              <a:t>: %d\n"</a:t>
-            </a:r>
-          </a:p>
-          <a:p>
-            <a:pPr marL="137160" indent="0">
-              <a:buNone/>
-            </a:pPr>
-            <a:r>
-              <a:rPr lang="en-US" sz="2000" dirty="0"/>
-              <a:t>				</a:t>
-            </a:r>
-            <a:r>
-              <a:rPr lang="en-US" sz="2000" dirty="0" smtClean="0"/>
-              <a:t>decimal</a:t>
-            </a:r>
-            <a:r>
-              <a:rPr lang="en-US" sz="2000" dirty="0"/>
-              <a:t>: %.2f\n name: %s\n", </a:t>
-            </a:r>
-          </a:p>
-          <a:p>
-            <a:pPr marL="137160" indent="0">
-              <a:buNone/>
-            </a:pPr>
-            <a:r>
-              <a:rPr lang="en-US" sz="2000" dirty="0"/>
-              <a:t>				</a:t>
-            </a:r>
-            <a:r>
-              <a:rPr lang="en-US" sz="2000" dirty="0" err="1"/>
-              <a:t>u.integer</a:t>
-            </a:r>
-            <a:r>
-              <a:rPr lang="en-US" sz="2000" dirty="0"/>
-              <a:t>, </a:t>
-            </a:r>
-            <a:r>
-              <a:rPr lang="en-US" sz="2000" dirty="0" err="1"/>
-              <a:t>u.decimal</a:t>
-            </a:r>
-            <a:r>
-              <a:rPr lang="en-US" sz="2000" dirty="0"/>
-              <a:t>, u.name); </a:t>
-            </a:r>
-          </a:p>
-          <a:p>
-            <a:pPr marL="137160" indent="0">
-              <a:buNone/>
-            </a:pPr>
-            <a:endParaRPr lang="en-US" dirty="0"/>
-          </a:p>
-          <a:p>
-            <a:pPr marL="137160" indent="0">
-              <a:buNone/>
-            </a:pPr>
-            <a:endParaRPr lang="en-US" dirty="0"/>
-          </a:p>
-          <a:p>
-            <a:pPr marL="137160" indent="0">
-              <a:buNone/>
-            </a:pPr>
-            <a:r>
-              <a:rPr lang="en-US" dirty="0"/>
-              <a:t>	</a:t>
-            </a:r>
+          </a:p>
+          <a:p>
+            <a:pPr marL="137160" indent="0">
+              <a:buNone/>
+            </a:pPr>
+            <a:r>
+              <a:rPr lang="en-US" sz="2400" dirty="0"/>
+              <a:t>}</a:t>
+            </a:r>
+          </a:p>
+          <a:p>
+            <a:pPr marL="137160" indent="0">
+              <a:buNone/>
+            </a:pPr>
+            <a:endParaRPr lang="en-US" sz="2400" dirty="0"/>
+          </a:p>
+          <a:p>
+            <a:pPr marL="137160" indent="0">
+              <a:buNone/>
+            </a:pPr>
+            <a:endParaRPr lang="en-US" sz="2400" dirty="0"/>
           </a:p>
         </p:txBody>
       </p:sp>
@@ -6709,6 +6774,92 @@
               <a:buNone/>
             </a:pPr>
             <a:r>
+              <a:rPr lang="en-US" dirty="0" smtClean="0"/>
+              <a:t>Short  </a:t>
+            </a:r>
+            <a:r>
+              <a:rPr lang="en-US" dirty="0" err="1"/>
+              <a:t>int</a:t>
+            </a:r>
+            <a:r>
+              <a:rPr lang="en-US" dirty="0"/>
+              <a:t>  s; </a:t>
+            </a:r>
+          </a:p>
+          <a:p>
+            <a:pPr marL="137160" indent="0">
+              <a:buNone/>
+            </a:pPr>
+            <a:r>
+              <a:rPr lang="en-US" dirty="0"/>
+              <a:t>} </a:t>
+            </a:r>
+            <a:r>
+              <a:rPr lang="en-US" dirty="0" err="1"/>
+              <a:t>structa_t</a:t>
+            </a:r>
+            <a:r>
+              <a:rPr lang="en-US" dirty="0"/>
+              <a:t>; </a:t>
+            </a:r>
+            <a:r>
+              <a:rPr lang="en-US" dirty="0" smtClean="0"/>
+              <a:t>  </a:t>
+            </a:r>
+            <a:endParaRPr lang="en-US" dirty="0"/>
+          </a:p>
+          <a:p>
+            <a:pPr marL="137160" indent="0">
+              <a:buNone/>
+            </a:pPr>
+            <a:r>
+              <a:rPr lang="en-US" dirty="0"/>
+              <a:t>// structure B </a:t>
+            </a:r>
+          </a:p>
+          <a:p>
+            <a:pPr marL="137160" indent="0">
+              <a:buNone/>
+            </a:pPr>
+            <a:r>
+              <a:rPr lang="en-US" dirty="0" err="1"/>
+              <a:t>typedef</a:t>
+            </a:r>
+            <a:r>
+              <a:rPr lang="en-US" dirty="0"/>
+              <a:t> </a:t>
+            </a:r>
+            <a:r>
+              <a:rPr lang="en-US" dirty="0" err="1"/>
+              <a:t>struct</a:t>
+            </a:r>
+            <a:r>
+              <a:rPr lang="en-US" dirty="0"/>
+              <a:t> </a:t>
+            </a:r>
+            <a:r>
+              <a:rPr lang="en-US" dirty="0" err="1"/>
+              <a:t>structb_tag</a:t>
+            </a:r>
+            <a:r>
+              <a:rPr lang="en-US" dirty="0"/>
+              <a:t> </a:t>
+            </a:r>
+          </a:p>
+          <a:p>
+            <a:pPr marL="137160" indent="0">
+              <a:buNone/>
+            </a:pPr>
+            <a:r>
+              <a:rPr lang="en-US" dirty="0"/>
+              <a:t>{ </a:t>
+            </a:r>
+          </a:p>
+          <a:p>
+            <a:pPr marL="457200" lvl="1" indent="0">
+              <a:buNone/>
+            </a:pPr>
+            <a:r>
               <a:rPr lang="en-US" dirty="0"/>
               <a:t>short </a:t>
             </a:r>
@@ -6722,6 +6873,28 @@
             </a:r>
           </a:p>
           <a:p>
+            <a:pPr marL="457200" lvl="1" indent="0">
+              <a:buNone/>
+            </a:pPr>
+            <a:r>
+              <a:rPr lang="en-US" dirty="0"/>
+              <a:t>char    c; </a:t>
+            </a:r>
+          </a:p>
+          <a:p>
+            <a:pPr marL="457200" lvl="1" indent="0">
+              <a:buNone/>
+            </a:pPr>
+            <a:r>
+              <a:rPr lang="en-US" dirty="0" err="1"/>
+              <a:t>int</a:t>
+            </a:r>
+            <a:r>
+              <a:rPr lang="en-US" dirty="0"/>
+              <a:t>     i; </a:t>
+            </a:r>
+          </a:p>
+          <a:p>
             <a:pPr marL="137160" indent="0">
               <a:buNone/>
             </a:pPr>
@@ -6731,7 +6904,7 @@
             </a:r>
             <a:r>
               <a:rPr lang="en-US" dirty="0" err="1"/>
-              <a:t>structa_t</a:t>
+              <a:t>structb_t</a:t>
             </a:r>
             <a:r>
               <a:rPr lang="en-US" dirty="0"/>
@@ -6739,15 +6912,7 @@
             </a:r>
             <a:r>
               <a:rPr lang="en-US" dirty="0" smtClean="0"/>
-              <a:t>  //</a:t>
-            </a:r>
-            <a:r>
-              <a:rPr lang="en-US" dirty="0" err="1" smtClean="0"/>
-              <a:t>ans</a:t>
-            </a:r>
-            <a:r>
-              <a:rPr lang="en-US" dirty="0" smtClean="0"/>
-              <a:t>=4</a:t>
+              <a:t> </a:t>
             </a:r>
             <a:endParaRPr lang="en-US" dirty="0"/>
           </a:p>
@@ -6763,7 +6928,7 @@
             </a:pPr>
             <a:r>
               <a:rPr lang="en-US" dirty="0"/>
-              <a:t>// structure B </a:t>
+              <a:t>// structure C </a:t>
             </a:r>
           </a:p>
           <a:p>
@@ -6788,7 +6953,7 @@
             </a:r>
             <a:r>
               <a:rPr lang="en-US" dirty="0" err="1"/>
-              <a:t>structb_tag</a:t>
+              <a:t>structc_tag</a:t>
             </a:r>
             <a:r>
               <a:rPr lang="en-US" dirty="0"/>
@@ -6810,15 +6975,99 @@
             </a:pPr>
             <a:r>
               <a:rPr lang="en-US" dirty="0"/>
-              <a:t>short </a:t>
-            </a:r>
+              <a:t>char    c; </a:t>
+            </a:r>
+          </a:p>
+          <a:p>
+            <a:pPr marL="457200" lvl="1" indent="0">
+              <a:buNone/>
+            </a:pPr>
+            <a:r>
+              <a:rPr lang="en-US" dirty="0"/>
+              <a:t>double   d; </a:t>
+            </a:r>
+          </a:p>
+          <a:p>
+            <a:pPr marL="457200" lvl="1" indent="0">
+              <a:buNone/>
+            </a:pPr>
             <a:r>
               <a:rPr lang="en-US" dirty="0" err="1"/>
               <a:t>int</a:t>
             </a:r>
             <a:r>
               <a:rPr lang="en-US" dirty="0"/>
-              <a:t>  s; </a:t>
+              <a:t> 	 s; </a:t>
+            </a:r>
+          </a:p>
+          <a:p>
+            <a:pPr marL="137160" indent="0">
+              <a:buNone/>
+            </a:pPr>
+            <a:r>
+              <a:rPr lang="en-US" dirty="0"/>
+              <a:t>} </a:t>
+            </a:r>
+            <a:r>
+              <a:rPr lang="en-US" dirty="0" err="1"/>
+              <a:t>structc_t</a:t>
+            </a:r>
+            <a:r>
+              <a:rPr lang="en-US" dirty="0"/>
+              <a:t>; </a:t>
+            </a:r>
+          </a:p>
+          <a:p>
+            <a:pPr marL="137160" indent="0">
+              <a:buNone/>
+            </a:pPr>
+            <a:endParaRPr lang="en-US" dirty="0"/>
+          </a:p>
+          <a:p>
+            <a:pPr marL="137160" indent="0">
+              <a:buNone/>
+            </a:pPr>
+            <a:r>
+              <a:rPr lang="en-US" dirty="0"/>
+              <a:t>// structure D </a:t>
+            </a:r>
+          </a:p>
+          <a:p>
+            <a:pPr marL="137160" indent="0">
+              <a:buNone/>
+            </a:pPr>
+            <a:r>
+              <a:rPr lang="en-US" dirty="0" err="1"/>
+              <a:t>typedef</a:t>
+            </a:r>
+            <a:r>
+              <a:rPr lang="en-US" dirty="0"/>
+              <a:t> </a:t>
+            </a:r>
+            <a:r>
+              <a:rPr lang="en-US" dirty="0" err="1"/>
+              <a:t>struct</a:t>
+            </a:r>
+            <a:r>
+              <a:rPr lang="en-US" dirty="0"/>
+              <a:t> </a:t>
+            </a:r>
+            <a:r>
+              <a:rPr lang="en-US" dirty="0" err="1"/>
+              <a:t>structd_tag</a:t>
+            </a:r>
+            <a:r>
+              <a:rPr lang="en-US" dirty="0"/>
+              <a:t> </a:t>
+            </a:r>
+          </a:p>
+          <a:p>
+            <a:pPr marL="137160" indent="0">
+              <a:buNone/>
+            </a:pPr>
+            <a:r>
+              <a:rPr lang="en-US" dirty="0"/>
+              <a:t>{ </a:t>
             </a:r>
           </a:p>
           <a:p>
@@ -6827,23 +7076,32 @@
             </a:pPr>
             <a:r>
               <a:rPr lang="en-US" dirty="0"/>
+              <a:t>double   d; </a:t>
+            </a:r>
+          </a:p>
+          <a:p>
+            <a:pPr marL="457200" lvl="1" indent="0">
+              <a:buNone/>
+            </a:pPr>
+            <a:r>
+              <a:rPr lang="en-US" dirty="0" err="1"/>
+              <a:t>int</a:t>
+            </a:r>
+            <a:r>
+              <a:rPr lang="en-US" dirty="0"/>
+              <a:t> 	 s; </a:t>
+            </a:r>
+          </a:p>
+          <a:p>
+            <a:pPr marL="457200" lvl="1" indent="0">
+              <a:buNone/>
+            </a:pPr>
+            <a:r>
+              <a:rPr lang="en-US" dirty="0"/>
               <a:t>char    c; </a:t>
             </a:r>
           </a:p>
           <a:p>
-            <a:pPr marL="457200" lvl="1" indent="0">
-              <a:buNone/>
-            </a:pPr>
-            <a:r>
-              <a:rPr lang="en-US" dirty="0" err="1"/>
-              <a:t>int</a:t>
-            </a:r>
-            <a:r>
-              <a:rPr lang="en-US" dirty="0"/>
-              <a:t>     i; </a:t>
-            </a:r>
-          </a:p>
-          <a:p>
             <a:pPr marL="137160" indent="0">
               <a:buNone/>
             </a:pPr>
@@ -6853,263 +7111,12 @@
             </a:r>
             <a:r>
               <a:rPr lang="en-US" dirty="0" err="1"/>
-              <a:t>structb_t</a:t>
+              <a:t>structd_t</a:t>
             </a:r>
             <a:r>
               <a:rPr lang="en-US" dirty="0"/>
               <a:t>; </a:t>
             </a:r>
-            <a:r>
-              <a:rPr lang="en-US" dirty="0" smtClean="0"/>
-              <a:t> //</a:t>
-            </a:r>
-            <a:r>
-              <a:rPr lang="en-US" dirty="0" err="1" smtClean="0"/>
-              <a:t>ans</a:t>
-            </a:r>
-            <a:r>
-              <a:rPr lang="en-US" dirty="0" smtClean="0"/>
-              <a:t>=8</a:t>
-            </a:r>
-            <a:endParaRPr lang="en-US" dirty="0"/>
-          </a:p>
-          <a:p>
-            <a:pPr marL="137160" indent="0">
-              <a:buNone/>
-            </a:pPr>
-            <a:endParaRPr lang="en-US" dirty="0"/>
-          </a:p>
-          <a:p>
-            <a:pPr marL="137160" indent="0">
-              <a:buNone/>
-            </a:pPr>
-            <a:endParaRPr lang="en-US" dirty="0"/>
-          </a:p>
-          <a:p>
-            <a:pPr marL="137160" indent="0">
-              <a:buNone/>
-            </a:pPr>
-            <a:r>
-              <a:rPr lang="en-US" dirty="0"/>
-              <a:t>// structure C </a:t>
-            </a:r>
-          </a:p>
-          <a:p>
-            <a:pPr marL="137160" indent="0">
-              <a:buNone/>
-            </a:pPr>
-            <a:r>
-              <a:rPr lang="en-US" dirty="0" err="1"/>
-              <a:t>typedef</a:t>
-            </a:r>
-            <a:r>
-              <a:rPr lang="en-US" dirty="0"/>
-              <a:t> </a:t>
-            </a:r>
-            <a:r>
-              <a:rPr lang="en-US" dirty="0" err="1"/>
-              <a:t>struct</a:t>
-            </a:r>
-            <a:r>
-              <a:rPr lang="en-US" dirty="0"/>
-              <a:t> </a:t>
-            </a:r>
-            <a:r>
-              <a:rPr lang="en-US" dirty="0" err="1"/>
-              <a:t>structc_tag</a:t>
-            </a:r>
-            <a:r>
-              <a:rPr lang="en-US" dirty="0"/>
-              <a:t> </a:t>
-            </a:r>
-          </a:p>
-          <a:p>
-            <a:pPr marL="137160" indent="0">
-              <a:buNone/>
-            </a:pPr>
-            <a:r>
-              <a:rPr lang="en-US" dirty="0"/>
-              <a:t>{ </a:t>
-            </a:r>
-          </a:p>
-          <a:p>
-            <a:pPr marL="457200" lvl="1" indent="0">
-              <a:buNone/>
-            </a:pPr>
-            <a:r>
-              <a:rPr lang="en-US" dirty="0"/>
-              <a:t>char    c; </a:t>
-            </a:r>
-          </a:p>
-          <a:p>
-            <a:pPr marL="457200" lvl="1" indent="0">
-              <a:buNone/>
-            </a:pPr>
-            <a:r>
-              <a:rPr lang="en-US" dirty="0"/>
-              <a:t>double   d; </a:t>
-            </a:r>
-          </a:p>
-          <a:p>
-            <a:pPr marL="457200" lvl="1" indent="0">
-              <a:buNone/>
-            </a:pPr>
-            <a:r>
-              <a:rPr lang="en-US" dirty="0" err="1"/>
-              <a:t>int</a:t>
-            </a:r>
-            <a:r>
-              <a:rPr lang="en-US" dirty="0"/>
-              <a:t> 	 s; </a:t>
-            </a:r>
-          </a:p>
-          <a:p>
-            <a:pPr marL="137160" indent="0">
-              <a:buNone/>
-            </a:pPr>
-            <a:r>
-              <a:rPr lang="en-US" dirty="0"/>
-              <a:t>} </a:t>
-            </a:r>
-            <a:r>
-              <a:rPr lang="en-US" dirty="0" err="1"/>
-              <a:t>structc_t</a:t>
-            </a:r>
-            <a:r>
-              <a:rPr lang="en-US" dirty="0"/>
-              <a:t>; //</a:t>
-            </a:r>
-            <a:r>
-              <a:rPr lang="en-US" dirty="0" err="1" smtClean="0"/>
-              <a:t>ans</a:t>
-            </a:r>
-            <a:r>
-              <a:rPr lang="en-US" dirty="0" smtClean="0"/>
-              <a:t>=24</a:t>
-            </a:r>
-            <a:endParaRPr lang="en-US" dirty="0"/>
-          </a:p>
-          <a:p>
-            <a:pPr marL="137160" indent="0">
-              <a:buNone/>
-            </a:pPr>
-            <a:endParaRPr lang="en-US" dirty="0"/>
-          </a:p>
-          <a:p>
-            <a:pPr marL="137160" indent="0">
-              <a:buNone/>
-            </a:pPr>
-            <a:endParaRPr lang="en-US" dirty="0"/>
-          </a:p>
-          <a:p>
-            <a:pPr marL="137160" indent="0">
-              <a:buNone/>
-            </a:pPr>
-            <a:r>
-              <a:rPr lang="en-US" dirty="0"/>
-              <a:t>// structure D </a:t>
-            </a:r>
-          </a:p>
-          <a:p>
-            <a:pPr marL="137160" indent="0">
-              <a:buNone/>
-            </a:pPr>
-            <a:r>
-              <a:rPr lang="en-US" dirty="0" err="1"/>
-              <a:t>typedef</a:t>
-            </a:r>
-            <a:r>
-              <a:rPr lang="en-US" dirty="0"/>
-              <a:t> </a:t>
-            </a:r>
-            <a:r>
-              <a:rPr lang="en-US" dirty="0" err="1"/>
-              <a:t>struct</a:t>
-            </a:r>
-            <a:r>
-              <a:rPr lang="en-US" dirty="0"/>
-              <a:t> </a:t>
-            </a:r>
-            <a:r>
-              <a:rPr lang="en-US" dirty="0" err="1"/>
-              <a:t>structd_tag</a:t>
-            </a:r>
-            <a:r>
-              <a:rPr lang="en-US" dirty="0"/>
-              <a:t> </a:t>
-            </a:r>
-          </a:p>
-          <a:p>
-            <a:pPr marL="137160" indent="0">
-              <a:buNone/>
-            </a:pPr>
-            <a:r>
-              <a:rPr lang="en-US" dirty="0"/>
-              <a:t>{ </a:t>
-            </a:r>
-          </a:p>
-          <a:p>
-            <a:pPr marL="457200" lvl="1" indent="0">
-              <a:buNone/>
-            </a:pPr>
-            <a:r>
-              <a:rPr lang="en-US" dirty="0"/>
-              <a:t>double   d; </a:t>
-            </a:r>
-          </a:p>
-          <a:p>
-            <a:pPr marL="457200" lvl="1" indent="0">
-              <a:buNone/>
-            </a:pPr>
-            <a:r>
-              <a:rPr lang="en-US" dirty="0" err="1"/>
-              <a:t>int</a:t>
-            </a:r>
-            <a:r>
-              <a:rPr lang="en-US" dirty="0"/>
-              <a:t> 	 s; </a:t>
-            </a:r>
-          </a:p>
-          <a:p>
-            <a:pPr marL="457200" lvl="1" indent="0">
-              <a:buNone/>
-            </a:pPr>
-            <a:r>
-              <a:rPr lang="en-US" dirty="0"/>
-              <a:t>char    c; </a:t>
-            </a:r>
-          </a:p>
-          <a:p>
-            <a:pPr marL="137160" indent="0">
-              <a:buNone/>
-            </a:pPr>
-            <a:r>
-              <a:rPr lang="en-US" dirty="0"/>
-              <a:t>} </a:t>
-            </a:r>
-            <a:r>
-              <a:rPr lang="en-US" dirty="0" err="1"/>
-              <a:t>structd_t</a:t>
-            </a:r>
-            <a:r>
-              <a:rPr lang="en-US" dirty="0"/>
-              <a:t>; //</a:t>
-            </a:r>
-            <a:r>
-              <a:rPr lang="en-US" dirty="0" err="1" smtClean="0"/>
-              <a:t>ans</a:t>
-            </a:r>
-            <a:r>
-              <a:rPr lang="en-US" dirty="0" smtClean="0"/>
-              <a:t>=16</a:t>
-            </a:r>
-            <a:endParaRPr lang="en-US" dirty="0"/>
-          </a:p>
-          <a:p>
-            <a:pPr marL="137160" indent="0">
-              <a:buNone/>
-            </a:pPr>
-            <a:endParaRPr lang="en-US" dirty="0"/>
           </a:p>
           <a:p>
             <a:endParaRPr lang="en-US" dirty="0"/>
@@ -7323,7 +7330,7 @@
         <p:spPr/>
         <p:txBody>
           <a:bodyPr>
-            <a:normAutofit/>
+            <a:normAutofit lnSpcReduction="10000"/>
           </a:bodyPr>
           <a:lstStyle/>
           <a:p>
@@ -7332,8 +7339,9 @@
             </a:pPr>
             <a:r>
               <a:rPr lang="en-US" sz="2400" dirty="0" smtClean="0"/>
-              <a:t>pragma pack(4)</a:t>
-            </a:r>
+              <a:t>#pragma pack(1)</a:t>
+            </a:r>
+            <a:endParaRPr lang="en-US" sz="2400" dirty="0" smtClean="0"/>
           </a:p>
           <a:p>
             <a:pPr marL="137160" indent="0">
@@ -7354,6 +7362,12 @@
             <a:endParaRPr lang="en-US" sz="2400" dirty="0" smtClean="0"/>
           </a:p>
           <a:p>
+            <a:pPr marL="137160" indent="0">
+              <a:buNone/>
+            </a:pPr>
+            <a:endParaRPr lang="en-US" sz="2400" dirty="0" smtClean="0"/>
+          </a:p>
+          <a:p>
             <a:pPr marL="457200" lvl="1" indent="0">
               <a:buNone/>
             </a:pPr>
@@ -7479,36 +7493,13 @@
             </a:r>
             <a:r>
               <a:rPr lang="en-US" sz="2000" dirty="0"/>
-              <a:t>(o));  </a:t>
+              <a:t>(o</a:t>
             </a:r>
             <a:r>
               <a:rPr lang="en-US" sz="2000" dirty="0" smtClean="0"/>
-              <a:t>//</a:t>
-            </a:r>
-            <a:r>
-              <a:rPr lang="en-US" sz="2000" dirty="0" err="1" smtClean="0"/>
-              <a:t>ans</a:t>
-            </a:r>
-            <a:r>
-              <a:rPr lang="en-US" sz="2000" dirty="0" smtClean="0"/>
-              <a:t>=9 (p1) ,</a:t>
-            </a:r>
-            <a:r>
-              <a:rPr lang="en-US" sz="2000" dirty="0" err="1" smtClean="0"/>
-              <a:t>ans</a:t>
-            </a:r>
-            <a:r>
-              <a:rPr lang="en-US" sz="2000" dirty="0" smtClean="0"/>
-              <a:t>=10(p2),</a:t>
-            </a:r>
-            <a:r>
-              <a:rPr lang="en-US" sz="2000" dirty="0" err="1" smtClean="0"/>
-              <a:t>ans</a:t>
-            </a:r>
-            <a:r>
-              <a:rPr lang="en-US" sz="2000" dirty="0" smtClean="0"/>
-              <a:t>=12(p4) </a:t>
-            </a:r>
+              <a:t>)); </a:t>
+            </a:r>
+            <a:endParaRPr lang="en-US" sz="2000" dirty="0" smtClean="0"/>
           </a:p>
           <a:p>
             <a:pPr marL="457200" lvl="1" indent="0">
@@ -7646,26 +7637,41 @@
             </a:pPr>
             <a:r>
               <a:rPr lang="en-US" dirty="0"/>
-              <a:t>        unsigned char no:3;</a:t>
-            </a:r>
-          </a:p>
-          <a:p>
-            <a:pPr marL="137160" indent="0">
-              <a:buNone/>
-            </a:pPr>
-            <a:r>
-              <a:rPr lang="en-US" dirty="0"/>
-              <a:t>        unsigned char id:3;</a:t>
-            </a:r>
-          </a:p>
-          <a:p>
-            <a:pPr marL="137160" indent="0">
-              <a:buNone/>
-            </a:pPr>
-            <a:r>
-              <a:rPr lang="en-US" dirty="0"/>
-              <a:t>        unsigned char reserved:2;</a:t>
-            </a:r>
+              <a:t>        unsigned char </a:t>
+            </a:r>
+            <a:r>
+              <a:rPr lang="en-US" dirty="0" smtClean="0"/>
+              <a:t>no:3;</a:t>
+            </a:r>
+            <a:endParaRPr lang="en-US" dirty="0"/>
+          </a:p>
+          <a:p>
+            <a:pPr marL="137160" indent="0">
+              <a:buNone/>
+            </a:pPr>
+            <a:r>
+              <a:rPr lang="en-US" dirty="0"/>
+              <a:t>        unsigned char </a:t>
+            </a:r>
+            <a:r>
+              <a:rPr lang="en-US" dirty="0" smtClean="0"/>
+              <a:t>id:3;</a:t>
+            </a:r>
+            <a:endParaRPr lang="en-US" dirty="0"/>
+          </a:p>
+          <a:p>
+            <a:pPr marL="137160" indent="0">
+              <a:buNone/>
+            </a:pPr>
+            <a:r>
+              <a:rPr lang="en-US" dirty="0"/>
+              <a:t>        unsigned char </a:t>
+            </a:r>
+            <a:r>
+              <a:rPr lang="en-US" dirty="0" smtClean="0"/>
+              <a:t>reserved:2;</a:t>
+            </a:r>
+            <a:endParaRPr lang="en-US" dirty="0"/>
           </a:p>
           <a:p>
             <a:pPr marL="137160" indent="0">
@@ -7778,7 +7784,7 @@
               <a:t>printf</a:t>
             </a:r>
             <a:r>
-              <a:rPr lang="en-US" smtClean="0"/>
+              <a:rPr lang="en-US" dirty="0" smtClean="0"/>
               <a:t>(“size: %d byte\n</a:t>
             </a:r>
             <a:r>
@@ -7941,7 +7947,7 @@
               <a:t> </a:t>
             </a:r>
             <a:r>
-              <a:rPr lang="en-US" dirty="0"/>
+              <a:rPr lang="en-US" dirty="0" smtClean="0"/>
               <a:t>a; </a:t>
             </a:r>
             <a:endParaRPr lang="en-US" dirty="0" smtClean="0"/>
@@ -7960,7 +7966,11 @@
             </a:r>
             <a:r>
               <a:rPr lang="en-US" dirty="0" smtClean="0"/>
-              <a:t> c;       </a:t>
+              <a:t> </a:t>
+            </a:r>
+            <a:r>
+              <a:rPr lang="en-US" dirty="0" smtClean="0"/>
+              <a:t>c; </a:t>
             </a:r>
           </a:p>
           <a:p>
@@ -7969,11 +7979,11 @@
             </a:pPr>
             <a:r>
               <a:rPr lang="en-US" dirty="0" err="1" smtClean="0"/>
-              <a:t>struct</a:t>
-            </a:r>
-            <a:r>
-              <a:rPr lang="en-US" dirty="0" smtClean="0"/>
-              <a:t>     </a:t>
+              <a:t>Struct</a:t>
+            </a:r>
+            <a:r>
+              <a:rPr lang="en-US" dirty="0" smtClean="0"/>
+              <a:t> //anonyms</a:t>
             </a:r>
           </a:p>
           <a:p>
@@ -7999,22 +8009,18 @@
             </a:r>
             <a:r>
               <a:rPr lang="en-US" dirty="0" smtClean="0"/>
-              <a:t> </a:t>
-            </a:r>
-            <a:r>
-              <a:rPr lang="en-US" dirty="0"/>
-              <a:t>b;    </a:t>
+              <a:t> b;    </a:t>
+            </a:r>
+          </a:p>
+          <a:p>
+            <a:pPr marL="941832" lvl="3" indent="0">
+              <a:buNone/>
+            </a:pPr>
+            <a:r>
+              <a:rPr lang="en-US" dirty="0" smtClean="0"/>
+              <a:t>};</a:t>
             </a:r>
             <a:endParaRPr lang="en-US" dirty="0" smtClean="0"/>
-          </a:p>
-          <a:p>
-            <a:pPr marL="941832" lvl="3" indent="0">
-              <a:buNone/>
-            </a:pPr>
-            <a:r>
-              <a:rPr lang="en-US" dirty="0" smtClean="0"/>
-              <a:t>};</a:t>
-            </a:r>
           </a:p>
           <a:p>
             <a:pPr marL="137160" indent="0">
@@ -8062,14 +8068,23 @@
               <a:rPr lang="en-US" dirty="0" smtClean="0"/>
               <a:t>{       </a:t>
             </a:r>
-          </a:p>
-          <a:p>
-            <a:pPr marL="137160" indent="0">
-              <a:buNone/>
-            </a:pPr>
-            <a:r>
-              <a:rPr lang="en-US" dirty="0" smtClean="0"/>
-              <a:t> 	o1.b=11</a:t>
+            <a:endParaRPr lang="en-US" dirty="0" smtClean="0"/>
+          </a:p>
+          <a:p>
+            <a:pPr marL="137160" indent="0">
+              <a:buNone/>
+            </a:pPr>
+            <a:r>
+              <a:rPr lang="en-US" dirty="0" smtClean="0"/>
+              <a:t> </a:t>
+            </a:r>
+            <a:r>
+              <a:rPr lang="en-US" dirty="0" smtClean="0"/>
+              <a:t>	</a:t>
+            </a:r>
+            <a:r>
+              <a:rPr lang="en-US" dirty="0" smtClean="0"/>
+              <a:t>o1.b=11</a:t>
             </a:r>
             <a:r>
               <a:rPr lang="en-US" dirty="0"/>
@@ -8091,7 +8106,15 @@
             </a:r>
             <a:r>
               <a:rPr lang="en-US" dirty="0"/>
-              <a:t>("%d\n",o1.b);    </a:t>
+              <a:t>("%d\n",</a:t>
+            </a:r>
+            <a:r>
+              <a:rPr lang="en-US" dirty="0" smtClean="0"/>
+              <a:t>o1.o2.b</a:t>
+            </a:r>
+            <a:r>
+              <a:rPr lang="en-US" dirty="0"/>
+              <a:t>);    </a:t>
             </a:r>
             <a:endParaRPr lang="en-US" dirty="0" smtClean="0"/>
           </a:p>
@@ -8563,7 +8586,15 @@
             </a:pPr>
             <a:r>
               <a:rPr lang="en-US" sz="1800" dirty="0"/>
-              <a:t>    //GPIOC.TRISC=0x80;</a:t>
+              <a:t>    </a:t>
+            </a:r>
+            <a:r>
+              <a:rPr lang="en-US" sz="1800" dirty="0" smtClean="0"/>
+              <a:t>GPIOC.TRISC=0x80</a:t>
+            </a:r>
+            <a:r>
+              <a:rPr lang="en-US" sz="1800" dirty="0"/>
+              <a:t>;</a:t>
             </a:r>
           </a:p>
           <a:p>
@@ -9204,6 +9235,13 @@
   <p:clrMapOvr>
     <a:masterClrMapping/>
   </p:clrMapOvr>
+  <p:timing>
+    <p:tnLst>
+      <p:par>
+        <p:cTn id="1" dur="indefinite" restart="never" nodeType="tmRoot"/>
+      </p:par>
+    </p:tnLst>
+  </p:timing>
 </p:sld>
 </file>
 
@@ -9431,6 +9469,13 @@
   <p:clrMapOvr>
     <a:masterClrMapping/>
   </p:clrMapOvr>
+  <p:timing>
+    <p:tnLst>
+      <p:par>
+        <p:cTn id="1" dur="indefinite" restart="never" nodeType="tmRoot"/>
+      </p:par>
+    </p:tnLst>
+  </p:timing>
 </p:sld>
 </file>
 
@@ -10547,221 +10592,229 @@
               <a:buNone/>
             </a:pPr>
             <a:r>
-              <a:rPr lang="en-US" dirty="0" err="1"/>
+              <a:rPr lang="en-US" dirty="0" err="1" smtClean="0"/>
               <a:t>struct</a:t>
             </a:r>
             <a:r>
+              <a:rPr lang="en-US" dirty="0" smtClean="0"/>
+              <a:t> test  print(</a:t>
+            </a:r>
+            <a:r>
+              <a:rPr lang="en-US" dirty="0" err="1" smtClean="0"/>
+              <a:t>struct</a:t>
+            </a:r>
+            <a:r>
+              <a:rPr lang="en-US" dirty="0" smtClean="0"/>
+              <a:t> </a:t>
+            </a:r>
+            <a:r>
+              <a:rPr lang="en-US" dirty="0"/>
+              <a:t>test * </a:t>
+            </a:r>
+            <a:r>
+              <a:rPr lang="en-US" dirty="0" err="1"/>
+              <a:t>ptr</a:t>
+            </a:r>
+            <a:r>
+              <a:rPr lang="en-US" dirty="0"/>
+              <a:t>)</a:t>
+            </a:r>
+          </a:p>
+          <a:p>
+            <a:pPr marL="137160" indent="0">
+              <a:buNone/>
+            </a:pPr>
+            <a:r>
+              <a:rPr lang="en-US" dirty="0"/>
+              <a:t>{</a:t>
+            </a:r>
+          </a:p>
+          <a:p>
+            <a:pPr marL="137160" indent="0">
+              <a:buNone/>
+            </a:pPr>
+            <a:r>
+              <a:rPr lang="en-US" dirty="0"/>
+              <a:t>      </a:t>
+            </a:r>
+          </a:p>
+          <a:p>
+            <a:pPr marL="137160" indent="0">
+              <a:buNone/>
+            </a:pPr>
+            <a:r>
+              <a:rPr lang="en-US" dirty="0"/>
+              <a:t>    </a:t>
+            </a:r>
+            <a:r>
+              <a:rPr lang="en-US" dirty="0" err="1"/>
+              <a:t>printf</a:t>
+            </a:r>
+            <a:r>
+              <a:rPr lang="en-US" dirty="0"/>
+              <a:t>("%d\n",</a:t>
+            </a:r>
+            <a:r>
+              <a:rPr lang="en-US" dirty="0" err="1"/>
+              <a:t>ptr</a:t>
+            </a:r>
+            <a:r>
+              <a:rPr lang="en-US" dirty="0"/>
+              <a:t>-&gt;a);</a:t>
+            </a:r>
+          </a:p>
+          <a:p>
+            <a:pPr marL="137160" indent="0">
+              <a:buNone/>
+            </a:pPr>
+            <a:r>
+              <a:rPr lang="en-US" dirty="0"/>
+              <a:t>    </a:t>
+            </a:r>
+            <a:r>
+              <a:rPr lang="en-US" dirty="0" err="1"/>
+              <a:t>printf</a:t>
+            </a:r>
+            <a:r>
+              <a:rPr lang="en-US" dirty="0"/>
+              <a:t>("%d\n",(*</a:t>
+            </a:r>
+            <a:r>
+              <a:rPr lang="en-US" dirty="0" err="1"/>
+              <a:t>ptr</a:t>
+            </a:r>
+            <a:r>
+              <a:rPr lang="en-US" dirty="0"/>
+              <a:t>).b</a:t>
+            </a:r>
+            <a:r>
+              <a:rPr lang="en-US" dirty="0" smtClean="0"/>
+              <a:t>);</a:t>
+            </a:r>
+          </a:p>
+          <a:p>
+            <a:pPr marL="137160" indent="0">
+              <a:buNone/>
+            </a:pPr>
+            <a:r>
+              <a:rPr lang="en-US" dirty="0" smtClean="0"/>
+              <a:t>    </a:t>
+            </a:r>
+            <a:r>
+              <a:rPr lang="en-US" dirty="0" smtClean="0"/>
+              <a:t>return </a:t>
+            </a:r>
+            <a:r>
+              <a:rPr lang="en-US" dirty="0" smtClean="0"/>
+              <a:t>0;</a:t>
+            </a:r>
+            <a:endParaRPr lang="en-US" dirty="0"/>
+          </a:p>
+          <a:p>
+            <a:pPr marL="137160" indent="0">
+              <a:buNone/>
+            </a:pPr>
+            <a:r>
+              <a:rPr lang="en-US" dirty="0"/>
+              <a:t>}</a:t>
+            </a:r>
+          </a:p>
+          <a:p>
+            <a:pPr marL="137160" indent="0">
+              <a:buNone/>
+            </a:pPr>
+            <a:endParaRPr lang="en-US" dirty="0"/>
+          </a:p>
+          <a:p>
+            <a:pPr marL="137160" indent="0">
+              <a:buNone/>
+            </a:pPr>
+            <a:r>
+              <a:rPr lang="en-US" dirty="0"/>
+              <a:t>void main()</a:t>
+            </a:r>
+          </a:p>
+          <a:p>
+            <a:pPr marL="137160" indent="0">
+              <a:buNone/>
+            </a:pPr>
+            <a:r>
+              <a:rPr lang="en-US" dirty="0"/>
+              <a:t>{</a:t>
+            </a:r>
+          </a:p>
+          <a:p>
+            <a:pPr marL="137160" indent="0">
+              <a:buNone/>
+            </a:pPr>
+            <a:r>
+              <a:rPr lang="en-US" dirty="0"/>
+              <a:t>    </a:t>
+            </a:r>
+            <a:r>
+              <a:rPr lang="en-US" dirty="0" err="1"/>
+              <a:t>struct</a:t>
+            </a:r>
+            <a:r>
               <a:rPr lang="en-US" dirty="0"/>
               <a:t> test </a:t>
             </a:r>
             <a:r>
-              <a:rPr lang="en-US" dirty="0" smtClean="0"/>
-              <a:t>* </a:t>
-            </a:r>
-            <a:r>
-              <a:rPr lang="en-US" dirty="0"/>
+              <a:rPr lang="en-US" dirty="0" err="1"/>
+              <a:t>obj</a:t>
+            </a:r>
+            <a:r>
+              <a:rPr lang="en-US" dirty="0"/>
+              <a:t>={1,2};</a:t>
+            </a:r>
+          </a:p>
+          <a:p>
+            <a:pPr marL="137160" indent="0">
+              <a:buNone/>
+            </a:pPr>
+            <a:r>
+              <a:rPr lang="en-US" dirty="0"/>
+              <a:t>    </a:t>
+            </a:r>
+            <a:r>
+              <a:rPr lang="en-US" dirty="0" err="1"/>
+              <a:t>struct</a:t>
+            </a:r>
+            <a:r>
+              <a:rPr lang="en-US" dirty="0"/>
+              <a:t> test *</a:t>
+            </a:r>
+            <a:r>
+              <a:rPr lang="en-US" dirty="0" err="1"/>
+              <a:t>ptr</a:t>
+            </a:r>
+            <a:r>
+              <a:rPr lang="en-US" dirty="0"/>
+              <a:t>=&amp;</a:t>
+            </a:r>
+            <a:r>
+              <a:rPr lang="en-US" dirty="0" err="1"/>
+              <a:t>obj</a:t>
+            </a:r>
+            <a:r>
+              <a:rPr lang="en-US" dirty="0"/>
+              <a:t>;</a:t>
+            </a:r>
+          </a:p>
+          <a:p>
+            <a:pPr marL="137160" indent="0">
+              <a:buNone/>
+            </a:pPr>
+            <a:r>
+              <a:rPr lang="en-US" dirty="0"/>
+              <a:t>    </a:t>
+            </a:r>
+            <a:r>
+              <a:rPr lang="en-US" dirty="0" smtClean="0"/>
               <a:t>print(</a:t>
             </a:r>
             <a:r>
-              <a:rPr lang="en-US" dirty="0" err="1"/>
-              <a:t>struct</a:t>
-            </a:r>
-            <a:r>
-              <a:rPr lang="en-US" dirty="0"/>
-              <a:t> test * </a:t>
-            </a:r>
-            <a:r>
-              <a:rPr lang="en-US" dirty="0" err="1"/>
-              <a:t>ptr</a:t>
-            </a:r>
-            <a:r>
-              <a:rPr lang="en-US" dirty="0"/>
-              <a:t>)</a:t>
-            </a:r>
-          </a:p>
-          <a:p>
-            <a:pPr marL="137160" indent="0">
-              <a:buNone/>
-            </a:pPr>
-            <a:r>
-              <a:rPr lang="en-US" dirty="0"/>
-              <a:t>{</a:t>
-            </a:r>
-          </a:p>
-          <a:p>
-            <a:pPr marL="137160" indent="0">
-              <a:buNone/>
-            </a:pPr>
-            <a:r>
-              <a:rPr lang="en-US" dirty="0"/>
-              <a:t>      </a:t>
-            </a:r>
-          </a:p>
-          <a:p>
-            <a:pPr marL="137160" indent="0">
-              <a:buNone/>
-            </a:pPr>
-            <a:r>
-              <a:rPr lang="en-US" dirty="0"/>
-              <a:t>    </a:t>
-            </a:r>
-            <a:r>
-              <a:rPr lang="en-US" dirty="0" err="1"/>
-              <a:t>printf</a:t>
-            </a:r>
-            <a:r>
-              <a:rPr lang="en-US" dirty="0"/>
-              <a:t>("%d\n",</a:t>
-            </a:r>
-            <a:r>
-              <a:rPr lang="en-US" dirty="0" err="1"/>
-              <a:t>ptr</a:t>
-            </a:r>
-            <a:r>
-              <a:rPr lang="en-US" dirty="0"/>
-              <a:t>-&gt;a);</a:t>
-            </a:r>
-          </a:p>
-          <a:p>
-            <a:pPr marL="137160" indent="0">
-              <a:buNone/>
-            </a:pPr>
-            <a:r>
-              <a:rPr lang="en-US" dirty="0"/>
-              <a:t>    </a:t>
-            </a:r>
-            <a:r>
-              <a:rPr lang="en-US" dirty="0" err="1"/>
-              <a:t>printf</a:t>
-            </a:r>
-            <a:r>
-              <a:rPr lang="en-US" dirty="0"/>
-              <a:t>("%d\n",(*</a:t>
-            </a:r>
-            <a:r>
-              <a:rPr lang="en-US" dirty="0" err="1"/>
-              <a:t>ptr</a:t>
-            </a:r>
-            <a:r>
-              <a:rPr lang="en-US" dirty="0"/>
-              <a:t>).b</a:t>
-            </a:r>
-            <a:r>
-              <a:rPr lang="en-US" dirty="0" smtClean="0"/>
-              <a:t>);</a:t>
-            </a:r>
-          </a:p>
-          <a:p>
-            <a:pPr marL="137160" indent="0">
-              <a:buNone/>
-            </a:pPr>
-            <a:r>
-              <a:rPr lang="en-US" dirty="0" smtClean="0"/>
-              <a:t>    return 0;</a:t>
-            </a:r>
-            <a:endParaRPr lang="en-US" dirty="0"/>
-          </a:p>
-          <a:p>
-            <a:pPr marL="137160" indent="0">
-              <a:buNone/>
-            </a:pPr>
-            <a:r>
-              <a:rPr lang="en-US" dirty="0"/>
-              <a:t>}</a:t>
-            </a:r>
-          </a:p>
-          <a:p>
-            <a:pPr marL="137160" indent="0">
-              <a:buNone/>
-            </a:pPr>
-            <a:endParaRPr lang="en-US" dirty="0"/>
-          </a:p>
-          <a:p>
-            <a:pPr marL="137160" indent="0">
-              <a:buNone/>
-            </a:pPr>
-            <a:r>
-              <a:rPr lang="en-US" dirty="0"/>
-              <a:t>void main()</a:t>
-            </a:r>
-          </a:p>
-          <a:p>
-            <a:pPr marL="137160" indent="0">
-              <a:buNone/>
-            </a:pPr>
-            <a:r>
-              <a:rPr lang="en-US" dirty="0"/>
-              <a:t>{</a:t>
-            </a:r>
-          </a:p>
-          <a:p>
-            <a:pPr marL="137160" indent="0">
-              <a:buNone/>
-            </a:pPr>
-            <a:r>
-              <a:rPr lang="en-US" dirty="0"/>
-              <a:t>    </a:t>
-            </a:r>
-            <a:r>
-              <a:rPr lang="en-US" dirty="0" err="1"/>
-              <a:t>struct</a:t>
-            </a:r>
-            <a:r>
-              <a:rPr lang="en-US" dirty="0"/>
-              <a:t> test </a:t>
-            </a:r>
-            <a:r>
-              <a:rPr lang="en-US" dirty="0" err="1"/>
-              <a:t>obj</a:t>
-            </a:r>
-            <a:r>
-              <a:rPr lang="en-US" dirty="0"/>
-              <a:t>={1,2};</a:t>
-            </a:r>
-          </a:p>
-          <a:p>
-            <a:pPr marL="137160" indent="0">
-              <a:buNone/>
-            </a:pPr>
-            <a:r>
-              <a:rPr lang="en-US" dirty="0"/>
-              <a:t>    </a:t>
-            </a:r>
-            <a:r>
-              <a:rPr lang="en-US" dirty="0" err="1"/>
-              <a:t>struct</a:t>
-            </a:r>
-            <a:r>
-              <a:rPr lang="en-US" dirty="0"/>
-              <a:t> test *</a:t>
-            </a:r>
-            <a:r>
-              <a:rPr lang="en-US" dirty="0" err="1"/>
-              <a:t>ptr</a:t>
-            </a:r>
-            <a:r>
-              <a:rPr lang="en-US" dirty="0"/>
-              <a:t>=&amp;</a:t>
-            </a:r>
-            <a:r>
-              <a:rPr lang="en-US" dirty="0" err="1"/>
-              <a:t>obj</a:t>
-            </a:r>
-            <a:r>
-              <a:rPr lang="en-US" dirty="0"/>
-              <a:t>;</a:t>
-            </a:r>
-          </a:p>
-          <a:p>
-            <a:pPr marL="137160" indent="0">
-              <a:buNone/>
-            </a:pPr>
-            <a:r>
-              <a:rPr lang="en-US" dirty="0"/>
-              <a:t>    print(</a:t>
-            </a:r>
-            <a:r>
-              <a:rPr lang="en-US" dirty="0" err="1"/>
+              <a:rPr lang="en-US" dirty="0" err="1" smtClean="0"/>
               <a:t>ptr</a:t>
             </a:r>
             <a:r>
